--- a/trunk/seminario/Interface entre C e Assemby 8085.pptx
+++ b/trunk/seminario/Interface entre C e Assemby 8085.pptx
@@ -5,7 +5,7 @@
     <p:sldMasterId id="2147483772" r:id="rId1"/>
   </p:sldMasterIdLst>
   <p:notesMasterIdLst>
-    <p:notesMasterId r:id="rId16"/>
+    <p:notesMasterId r:id="rId20"/>
   </p:notesMasterIdLst>
   <p:sldIdLst>
     <p:sldId id="256" r:id="rId2"/>
@@ -13,15 +13,19 @@
     <p:sldId id="295" r:id="rId4"/>
     <p:sldId id="298" r:id="rId5"/>
     <p:sldId id="296" r:id="rId6"/>
-    <p:sldId id="299" r:id="rId7"/>
-    <p:sldId id="300" r:id="rId8"/>
-    <p:sldId id="301" r:id="rId9"/>
-    <p:sldId id="302" r:id="rId10"/>
-    <p:sldId id="303" r:id="rId11"/>
-    <p:sldId id="304" r:id="rId12"/>
-    <p:sldId id="297" r:id="rId13"/>
-    <p:sldId id="305" r:id="rId14"/>
-    <p:sldId id="289" r:id="rId15"/>
+    <p:sldId id="307" r:id="rId7"/>
+    <p:sldId id="309" r:id="rId8"/>
+    <p:sldId id="308" r:id="rId9"/>
+    <p:sldId id="306" r:id="rId10"/>
+    <p:sldId id="299" r:id="rId11"/>
+    <p:sldId id="300" r:id="rId12"/>
+    <p:sldId id="301" r:id="rId13"/>
+    <p:sldId id="302" r:id="rId14"/>
+    <p:sldId id="303" r:id="rId15"/>
+    <p:sldId id="304" r:id="rId16"/>
+    <p:sldId id="297" r:id="rId17"/>
+    <p:sldId id="305" r:id="rId18"/>
+    <p:sldId id="289" r:id="rId19"/>
   </p:sldIdLst>
   <p:sldSz cx="9144000" cy="6858000" type="screen4x3"/>
   <p:notesSz cx="6858000" cy="9144000"/>
@@ -206,7 +210,7 @@
             <a:fld id="{0202AF00-0D92-4FB3-BF30-0E1262BA24CF}" type="datetimeFigureOut">
               <a:rPr lang="pt-BR" smtClean="0"/>
               <a:pPr/>
-              <a:t>29/11/2011</a:t>
+              <a:t>30/11/2011</a:t>
             </a:fld>
             <a:endParaRPr lang="pt-BR"/>
           </a:p>
@@ -368,7 +372,7 @@
             <a:fld id="{DA376F26-12D3-46DB-BEB2-9E56F06A0510}" type="slidenum">
               <a:rPr lang="pt-BR" smtClean="0"/>
               <a:pPr/>
-              <a:t>‹#›</a:t>
+              <a:t>‹nº›</a:t>
             </a:fld>
             <a:endParaRPr lang="pt-BR"/>
           </a:p>
@@ -377,7 +381,7 @@
     </p:spTree>
     <p:extLst>
       <p:ext uri="{BB962C8B-B14F-4D97-AF65-F5344CB8AC3E}">
-        <p14:creationId xmlns:p14="http://schemas.microsoft.com/office/powerpoint/2010/main" val="3517328007"/>
+        <p14:creationId xmlns:p14="http://schemas.microsoft.com/office/powerpoint/2010/main" xmlns="" val="3517328007"/>
       </p:ext>
     </p:extLst>
   </p:cSld>
@@ -672,7 +676,7 @@
             <a:fld id="{7BE08B6B-564C-4EB5-BE5C-0142EA1AA5D2}" type="datetimeFigureOut">
               <a:rPr lang="pt-BR" smtClean="0"/>
               <a:pPr/>
-              <a:t>29/11/2011</a:t>
+              <a:t>30/11/2011</a:t>
             </a:fld>
             <a:endParaRPr lang="pt-BR"/>
           </a:p>
@@ -715,7 +719,7 @@
             <a:fld id="{B3F2399F-644D-4C01-A473-43138D341E14}" type="slidenum">
               <a:rPr lang="pt-BR" smtClean="0"/>
               <a:pPr/>
-              <a:t>‹#›</a:t>
+              <a:t>‹nº›</a:t>
             </a:fld>
             <a:endParaRPr lang="pt-BR"/>
           </a:p>
@@ -846,7 +850,7 @@
             <a:fld id="{7BE08B6B-564C-4EB5-BE5C-0142EA1AA5D2}" type="datetimeFigureOut">
               <a:rPr lang="pt-BR" smtClean="0"/>
               <a:pPr/>
-              <a:t>29/11/2011</a:t>
+              <a:t>30/11/2011</a:t>
             </a:fld>
             <a:endParaRPr lang="pt-BR"/>
           </a:p>
@@ -889,7 +893,7 @@
             <a:fld id="{B3F2399F-644D-4C01-A473-43138D341E14}" type="slidenum">
               <a:rPr lang="pt-BR" smtClean="0"/>
               <a:pPr/>
-              <a:t>‹#›</a:t>
+              <a:t>‹nº›</a:t>
             </a:fld>
             <a:endParaRPr lang="pt-BR"/>
           </a:p>
@@ -1030,7 +1034,7 @@
             <a:fld id="{7BE08B6B-564C-4EB5-BE5C-0142EA1AA5D2}" type="datetimeFigureOut">
               <a:rPr lang="pt-BR" smtClean="0"/>
               <a:pPr/>
-              <a:t>29/11/2011</a:t>
+              <a:t>30/11/2011</a:t>
             </a:fld>
             <a:endParaRPr lang="pt-BR"/>
           </a:p>
@@ -1073,7 +1077,7 @@
             <a:fld id="{B3F2399F-644D-4C01-A473-43138D341E14}" type="slidenum">
               <a:rPr lang="pt-BR" smtClean="0"/>
               <a:pPr/>
-              <a:t>‹#›</a:t>
+              <a:t>‹nº›</a:t>
             </a:fld>
             <a:endParaRPr lang="pt-BR"/>
           </a:p>
@@ -1204,7 +1208,7 @@
             <a:fld id="{7BE08B6B-564C-4EB5-BE5C-0142EA1AA5D2}" type="datetimeFigureOut">
               <a:rPr lang="pt-BR" smtClean="0"/>
               <a:pPr/>
-              <a:t>29/11/2011</a:t>
+              <a:t>30/11/2011</a:t>
             </a:fld>
             <a:endParaRPr lang="pt-BR"/>
           </a:p>
@@ -1247,7 +1251,7 @@
             <a:fld id="{B3F2399F-644D-4C01-A473-43138D341E14}" type="slidenum">
               <a:rPr lang="pt-BR" smtClean="0"/>
               <a:pPr/>
-              <a:t>‹#›</a:t>
+              <a:t>‹nº›</a:t>
             </a:fld>
             <a:endParaRPr lang="pt-BR"/>
           </a:p>
@@ -1454,7 +1458,7 @@
             <a:fld id="{7BE08B6B-564C-4EB5-BE5C-0142EA1AA5D2}" type="datetimeFigureOut">
               <a:rPr lang="pt-BR" smtClean="0"/>
               <a:pPr/>
-              <a:t>29/11/2011</a:t>
+              <a:t>30/11/2011</a:t>
             </a:fld>
             <a:endParaRPr lang="pt-BR"/>
           </a:p>
@@ -1497,7 +1501,7 @@
             <a:fld id="{B3F2399F-644D-4C01-A473-43138D341E14}" type="slidenum">
               <a:rPr lang="pt-BR" smtClean="0"/>
               <a:pPr/>
-              <a:t>‹#›</a:t>
+              <a:t>‹nº›</a:t>
             </a:fld>
             <a:endParaRPr lang="pt-BR"/>
           </a:p>
@@ -1746,7 +1750,7 @@
             <a:fld id="{7BE08B6B-564C-4EB5-BE5C-0142EA1AA5D2}" type="datetimeFigureOut">
               <a:rPr lang="pt-BR" smtClean="0"/>
               <a:pPr/>
-              <a:t>29/11/2011</a:t>
+              <a:t>30/11/2011</a:t>
             </a:fld>
             <a:endParaRPr lang="pt-BR"/>
           </a:p>
@@ -1789,7 +1793,7 @@
             <a:fld id="{B3F2399F-644D-4C01-A473-43138D341E14}" type="slidenum">
               <a:rPr lang="pt-BR" smtClean="0"/>
               <a:pPr/>
-              <a:t>‹#›</a:t>
+              <a:t>‹nº›</a:t>
             </a:fld>
             <a:endParaRPr lang="pt-BR"/>
           </a:p>
@@ -2184,7 +2188,7 @@
             <a:fld id="{7BE08B6B-564C-4EB5-BE5C-0142EA1AA5D2}" type="datetimeFigureOut">
               <a:rPr lang="pt-BR" smtClean="0"/>
               <a:pPr/>
-              <a:t>29/11/2011</a:t>
+              <a:t>30/11/2011</a:t>
             </a:fld>
             <a:endParaRPr lang="pt-BR"/>
           </a:p>
@@ -2227,7 +2231,7 @@
             <a:fld id="{B3F2399F-644D-4C01-A473-43138D341E14}" type="slidenum">
               <a:rPr lang="pt-BR" smtClean="0"/>
               <a:pPr/>
-              <a:t>‹#›</a:t>
+              <a:t>‹nº›</a:t>
             </a:fld>
             <a:endParaRPr lang="pt-BR"/>
           </a:p>
@@ -2306,7 +2310,7 @@
             <a:fld id="{7BE08B6B-564C-4EB5-BE5C-0142EA1AA5D2}" type="datetimeFigureOut">
               <a:rPr lang="pt-BR" smtClean="0"/>
               <a:pPr/>
-              <a:t>29/11/2011</a:t>
+              <a:t>30/11/2011</a:t>
             </a:fld>
             <a:endParaRPr lang="pt-BR"/>
           </a:p>
@@ -2349,7 +2353,7 @@
             <a:fld id="{B3F2399F-644D-4C01-A473-43138D341E14}" type="slidenum">
               <a:rPr lang="pt-BR" smtClean="0"/>
               <a:pPr/>
-              <a:t>‹#›</a:t>
+              <a:t>‹nº›</a:t>
             </a:fld>
             <a:endParaRPr lang="pt-BR"/>
           </a:p>
@@ -2405,7 +2409,7 @@
             <a:fld id="{7BE08B6B-564C-4EB5-BE5C-0142EA1AA5D2}" type="datetimeFigureOut">
               <a:rPr lang="pt-BR" smtClean="0"/>
               <a:pPr/>
-              <a:t>29/11/2011</a:t>
+              <a:t>30/11/2011</a:t>
             </a:fld>
             <a:endParaRPr lang="pt-BR"/>
           </a:p>
@@ -2448,7 +2452,7 @@
             <a:fld id="{B3F2399F-644D-4C01-A473-43138D341E14}" type="slidenum">
               <a:rPr lang="pt-BR" smtClean="0"/>
               <a:pPr/>
-              <a:t>‹#›</a:t>
+              <a:t>‹nº›</a:t>
             </a:fld>
             <a:endParaRPr lang="pt-BR"/>
           </a:p>
@@ -2603,7 +2607,7 @@
             <a:fld id="{7BE08B6B-564C-4EB5-BE5C-0142EA1AA5D2}" type="datetimeFigureOut">
               <a:rPr lang="pt-BR" smtClean="0"/>
               <a:pPr/>
-              <a:t>29/11/2011</a:t>
+              <a:t>30/11/2011</a:t>
             </a:fld>
             <a:endParaRPr lang="pt-BR"/>
           </a:p>
@@ -2646,7 +2650,7 @@
             <a:fld id="{B3F2399F-644D-4C01-A473-43138D341E14}" type="slidenum">
               <a:rPr lang="pt-BR" smtClean="0"/>
               <a:pPr/>
-              <a:t>‹#›</a:t>
+              <a:t>‹nº›</a:t>
             </a:fld>
             <a:endParaRPr lang="pt-BR"/>
           </a:p>
@@ -2930,7 +2934,7 @@
             <a:fld id="{7BE08B6B-564C-4EB5-BE5C-0142EA1AA5D2}" type="datetimeFigureOut">
               <a:rPr lang="pt-BR" smtClean="0"/>
               <a:pPr/>
-              <a:t>29/11/2011</a:t>
+              <a:t>30/11/2011</a:t>
             </a:fld>
             <a:endParaRPr lang="pt-BR"/>
           </a:p>
@@ -2954,7 +2958,7 @@
             <a:fld id="{B3F2399F-644D-4C01-A473-43138D341E14}" type="slidenum">
               <a:rPr lang="pt-BR" smtClean="0"/>
               <a:pPr/>
-              <a:t>‹#›</a:t>
+              <a:t>‹nº›</a:t>
             </a:fld>
             <a:endParaRPr lang="pt-BR"/>
           </a:p>
@@ -3244,7 +3248,7 @@
             <a:fld id="{B3F2399F-644D-4C01-A473-43138D341E14}" type="slidenum">
               <a:rPr lang="pt-BR" smtClean="0"/>
               <a:pPr/>
-              <a:t>‹#›</a:t>
+              <a:t>‹nº›</a:t>
             </a:fld>
             <a:endParaRPr lang="pt-BR"/>
           </a:p>
@@ -3319,7 +3323,7 @@
             <a:fld id="{7BE08B6B-564C-4EB5-BE5C-0142EA1AA5D2}" type="datetimeFigureOut">
               <a:rPr lang="pt-BR" smtClean="0"/>
               <a:pPr/>
-              <a:t>29/11/2011</a:t>
+              <a:t>30/11/2011</a:t>
             </a:fld>
             <a:endParaRPr lang="pt-BR"/>
           </a:p>
@@ -3725,13 +3729,8 @@
           <a:p>
             <a:r>
               <a:rPr lang="pt-BR" sz="2000" dirty="0" smtClean="0"/>
-              <a:t>André </a:t>
-            </a:r>
-            <a:r>
-              <a:rPr lang="pt-BR" sz="2000" dirty="0" smtClean="0"/>
-              <a:t>Augusto Geraldes</a:t>
-            </a:r>
-            <a:endParaRPr lang="pt-BR" sz="2000" dirty="0" smtClean="0"/>
+              <a:t>André Augusto Geraldes</a:t>
+            </a:r>
           </a:p>
           <a:p>
             <a:r>
@@ -3753,7 +3752,6 @@
               <a:rPr lang="pt-BR" sz="2000" dirty="0" smtClean="0"/>
               <a:t> Gouveia					</a:t>
             </a:r>
-            <a:endParaRPr lang="pt-BR" sz="2000" dirty="0" smtClean="0"/>
           </a:p>
           <a:p>
             <a:r>
@@ -3848,13 +3846,13 @@
   <p:clrMapOvr>
     <a:masterClrMapping/>
   </p:clrMapOvr>
-  <mc:AlternateContent xmlns:mc="http://schemas.openxmlformats.org/markup-compatibility/2006" xmlns:p14="http://schemas.microsoft.com/office/powerpoint/2010/main">
-    <mc:Choice Requires="p14">
+  <mc:AlternateContent xmlns:mc="http://schemas.openxmlformats.org/markup-compatibility/2006">
+    <mc:Choice xmlns:p14="http://schemas.microsoft.com/office/powerpoint/2010/main" xmlns="" Requires="p14">
       <p:transition spd="med" p14:dur="700">
         <p:fade/>
       </p:transition>
     </mc:Choice>
-    <mc:Fallback xmlns="">
+    <mc:Fallback>
       <p:transition spd="med">
         <p:fade/>
       </p:transition>
@@ -3903,18 +3901,14 @@
           <a:lstStyle/>
           <a:p>
             <a:r>
-              <a:rPr lang="pt-BR" sz="4000" dirty="0" err="1" smtClean="0"/>
-              <a:t>Inline</a:t>
-            </a:r>
-            <a:r>
-              <a:rPr lang="pt-BR" sz="4000" dirty="0" smtClean="0"/>
-              <a:t> </a:t>
-            </a:r>
-            <a:r>
-              <a:rPr lang="pt-BR" sz="4000" dirty="0" err="1" smtClean="0"/>
+              <a:rPr lang="pt-BR" sz="3200" dirty="0" smtClean="0"/>
+              <a:t>Programa C chamando função em </a:t>
+            </a:r>
+            <a:r>
+              <a:rPr lang="pt-BR" sz="3200" dirty="0" err="1" smtClean="0"/>
               <a:t>assembly</a:t>
             </a:r>
-            <a:endParaRPr lang="en-US" sz="4000" dirty="0"/>
+            <a:endParaRPr lang="en-US" sz="3200" dirty="0"/>
           </a:p>
         </p:txBody>
       </p:sp>
@@ -3937,18 +3931,100 @@
           <a:p>
             <a:r>
               <a:rPr lang="pt-BR" dirty="0" smtClean="0"/>
-              <a:t>Código exemplo</a:t>
+              <a:t>Como isso é </a:t>
+            </a:r>
+            <a:r>
+              <a:rPr lang="pt-BR" dirty="0" err="1" smtClean="0"/>
+              <a:t>possivel</a:t>
+            </a:r>
+            <a:r>
+              <a:rPr lang="pt-BR" dirty="0" smtClean="0"/>
+              <a:t>?</a:t>
             </a:r>
           </a:p>
           <a:p>
             <a:endParaRPr lang="pt-BR" dirty="0" smtClean="0"/>
+          </a:p>
+          <a:p>
+            <a:r>
+              <a:rPr lang="pt-BR" dirty="0" err="1" smtClean="0"/>
+              <a:t>a.c</a:t>
+            </a:r>
+            <a:r>
+              <a:rPr lang="pt-BR" dirty="0" smtClean="0"/>
+              <a:t> -&gt; compilador -&gt; </a:t>
+            </a:r>
+            <a:r>
+              <a:rPr lang="pt-BR" dirty="0" err="1" smtClean="0"/>
+              <a:t>a.o</a:t>
+            </a:r>
+            <a:endParaRPr lang="pt-BR" dirty="0" smtClean="0"/>
+          </a:p>
+          <a:p>
+            <a:r>
+              <a:rPr lang="pt-BR" dirty="0" smtClean="0"/>
+              <a:t>b.asm -&gt; montador -&gt; </a:t>
+            </a:r>
+            <a:r>
+              <a:rPr lang="pt-BR" dirty="0" err="1" smtClean="0"/>
+              <a:t>b.o</a:t>
+            </a:r>
+            <a:endParaRPr lang="pt-BR" dirty="0" smtClean="0"/>
+          </a:p>
+          <a:p>
+            <a:r>
+              <a:rPr lang="pt-BR" dirty="0" err="1" smtClean="0"/>
+              <a:t>a.o</a:t>
+            </a:r>
+            <a:r>
+              <a:rPr lang="pt-BR" dirty="0" smtClean="0"/>
+              <a:t> + </a:t>
+            </a:r>
+            <a:r>
+              <a:rPr lang="pt-BR" dirty="0" err="1" smtClean="0"/>
+              <a:t>b.o</a:t>
+            </a:r>
+            <a:r>
+              <a:rPr lang="pt-BR" dirty="0" smtClean="0"/>
+              <a:t> -&gt; </a:t>
+            </a:r>
+            <a:r>
+              <a:rPr lang="pt-BR" dirty="0" err="1" smtClean="0"/>
+              <a:t>ligador</a:t>
+            </a:r>
+            <a:r>
+              <a:rPr lang="pt-BR" dirty="0" smtClean="0"/>
+              <a:t> -&gt; </a:t>
+            </a:r>
+            <a:r>
+              <a:rPr lang="pt-BR" dirty="0" err="1" smtClean="0"/>
+              <a:t>executavel</a:t>
+            </a:r>
+            <a:endParaRPr lang="pt-BR" dirty="0"/>
+          </a:p>
+          <a:p>
+            <a:endParaRPr lang="pt-BR" dirty="0" smtClean="0"/>
+          </a:p>
+          <a:p>
+            <a:r>
+              <a:rPr lang="pt-BR" dirty="0" smtClean="0"/>
+              <a:t>Pro </a:t>
+            </a:r>
+            <a:r>
+              <a:rPr lang="pt-BR" dirty="0" err="1" smtClean="0"/>
+              <a:t>ligador</a:t>
+            </a:r>
+            <a:r>
+              <a:rPr lang="pt-BR" dirty="0" smtClean="0"/>
+              <a:t> tudo é objeto. Tanto faz de onde veio</a:t>
+            </a:r>
           </a:p>
         </p:txBody>
       </p:sp>
     </p:spTree>
     <p:extLst>
       <p:ext uri="{BB962C8B-B14F-4D97-AF65-F5344CB8AC3E}">
-        <p14:creationId xmlns:p14="http://schemas.microsoft.com/office/powerpoint/2010/main" val="1565328756"/>
+        <p14:creationId xmlns:p14="http://schemas.microsoft.com/office/powerpoint/2010/main" xmlns="" val="3419028655"/>
       </p:ext>
     </p:extLst>
   </p:cSld>
@@ -3998,10 +4074,18 @@
           <a:lstStyle/>
           <a:p>
             <a:r>
-              <a:rPr lang="pt-BR" sz="4000" dirty="0" smtClean="0"/>
-              <a:t>Modelos de memória</a:t>
-            </a:r>
-            <a:endParaRPr lang="en-US" sz="4000" dirty="0"/>
+              <a:rPr lang="pt-BR" sz="3600" dirty="0" smtClean="0"/>
+              <a:t>Diretivas </a:t>
+            </a:r>
+            <a:r>
+              <a:rPr lang="pt-BR" sz="3600" dirty="0" err="1" smtClean="0"/>
+              <a:t>extern</a:t>
+            </a:r>
+            <a:r>
+              <a:rPr lang="pt-BR" sz="3600" dirty="0" smtClean="0"/>
+              <a:t> e global</a:t>
+            </a:r>
+            <a:endParaRPr lang="en-US" sz="3600" dirty="0"/>
           </a:p>
         </p:txBody>
       </p:sp>
@@ -4018,140 +4102,16 @@
         <p:spPr/>
         <p:txBody>
           <a:bodyPr>
-            <a:normAutofit fontScale="92500" lnSpcReduction="20000"/>
+            <a:normAutofit/>
           </a:bodyPr>
           <a:lstStyle/>
           <a:p>
             <a:r>
               <a:rPr lang="pt-BR" dirty="0" smtClean="0"/>
-              <a:t>O que são os modelos de memória</a:t>
-            </a:r>
-          </a:p>
-          <a:p>
-            <a:endParaRPr lang="pt-BR" dirty="0"/>
-          </a:p>
-          <a:p>
-            <a:r>
-              <a:rPr lang="pt-BR" dirty="0" smtClean="0"/>
-              <a:t>Quando usar um ou outro</a:t>
-            </a:r>
-          </a:p>
-          <a:p>
-            <a:endParaRPr lang="pt-BR" dirty="0"/>
-          </a:p>
-          <a:p>
-            <a:r>
-              <a:rPr lang="pt-BR" dirty="0" smtClean="0"/>
-              <a:t>Misturar modelos de memória – cláusulas </a:t>
-            </a:r>
-            <a:r>
-              <a:rPr lang="pt-BR" dirty="0" err="1" smtClean="0"/>
-              <a:t>tiny</a:t>
-            </a:r>
-            <a:r>
-              <a:rPr lang="pt-BR" dirty="0" smtClean="0"/>
-              <a:t>, </a:t>
-            </a:r>
-            <a:r>
-              <a:rPr lang="pt-BR" dirty="0" err="1" smtClean="0"/>
-              <a:t>small</a:t>
-            </a:r>
-            <a:r>
-              <a:rPr lang="pt-BR" dirty="0" smtClean="0"/>
-              <a:t>, </a:t>
-            </a:r>
-            <a:r>
-              <a:rPr lang="pt-BR" dirty="0" err="1" smtClean="0"/>
-              <a:t>medium</a:t>
-            </a:r>
-            <a:r>
-              <a:rPr lang="pt-BR" dirty="0" smtClean="0"/>
-              <a:t>, </a:t>
-            </a:r>
-            <a:r>
-              <a:rPr lang="pt-BR" dirty="0" err="1" smtClean="0"/>
-              <a:t>compact</a:t>
-            </a:r>
-            <a:r>
-              <a:rPr lang="pt-BR" dirty="0" smtClean="0"/>
-              <a:t>, </a:t>
-            </a:r>
-            <a:r>
-              <a:rPr lang="pt-BR" dirty="0" err="1" smtClean="0"/>
-              <a:t>large</a:t>
-            </a:r>
-            <a:r>
-              <a:rPr lang="pt-BR" dirty="0" smtClean="0"/>
-              <a:t> </a:t>
-            </a:r>
-            <a:r>
-              <a:rPr lang="pt-BR" dirty="0" err="1" smtClean="0"/>
-              <a:t>huge</a:t>
-            </a:r>
-            <a:endParaRPr lang="pt-BR" dirty="0" smtClean="0"/>
-          </a:p>
-          <a:p>
-            <a:endParaRPr lang="pt-BR" dirty="0"/>
-          </a:p>
-          <a:p>
-            <a:r>
-              <a:rPr lang="pt-BR" dirty="0" smtClean="0"/>
-              <a:t>Fontes: </a:t>
-            </a:r>
-            <a:endParaRPr lang="pt-BR" dirty="0" smtClean="0"/>
-          </a:p>
-          <a:p>
-            <a:r>
-              <a:rPr lang="en-US" dirty="0">
-                <a:hlinkClick r:id="rId2"/>
-              </a:rPr>
-              <a:t>http://</a:t>
-            </a:r>
-            <a:r>
-              <a:rPr lang="en-US" dirty="0" smtClean="0">
-                <a:hlinkClick r:id="rId2"/>
-              </a:rPr>
-              <a:t>www.esacademy.com/en/library/technical-articles-and-documents/8051-programming/8051-memory-configurations-with-c-compilers.html</a:t>
-            </a:r>
-            <a:endParaRPr lang="en-US" dirty="0" smtClean="0"/>
-          </a:p>
-          <a:p>
-            <a:r>
-              <a:rPr lang="en-US" dirty="0">
-                <a:hlinkClick r:id="rId3"/>
-              </a:rPr>
-              <a:t>http://</a:t>
-            </a:r>
-            <a:r>
-              <a:rPr lang="en-US" dirty="0" smtClean="0">
-                <a:hlinkClick r:id="rId3"/>
-              </a:rPr>
-              <a:t>www.keil.com/support/docs/995.htm</a:t>
-            </a:r>
-            <a:endParaRPr lang="en-US" dirty="0" smtClean="0"/>
-          </a:p>
-          <a:p>
-            <a:r>
-              <a:rPr lang="en-US" dirty="0">
-                <a:hlinkClick r:id="rId4"/>
-              </a:rPr>
-              <a:t>http://</a:t>
-            </a:r>
-            <a:r>
-              <a:rPr lang="en-US" dirty="0" smtClean="0">
-                <a:hlinkClick r:id="rId4"/>
-              </a:rPr>
-              <a:t>www.digitalmars.com/ctg/ctgMemoryModel.html</a:t>
-            </a:r>
-            <a:endParaRPr lang="en-US" dirty="0" smtClean="0"/>
-          </a:p>
-          <a:p>
-            <a:r>
-              <a:rPr lang="en-US" dirty="0">
-                <a:hlinkClick r:id="rId5"/>
-              </a:rPr>
-              <a:t>http://infocenter.arm.com/help/index.jsp?topic=/com.arm.doc.faqs/ka9553.html</a:t>
-            </a:r>
+              <a:t>Código exemplo</a:t>
+            </a:r>
+          </a:p>
+          <a:p>
             <a:endParaRPr lang="pt-BR" dirty="0" smtClean="0"/>
           </a:p>
         </p:txBody>
@@ -4159,7 +4119,7 @@
     </p:spTree>
     <p:extLst>
       <p:ext uri="{BB962C8B-B14F-4D97-AF65-F5344CB8AC3E}">
-        <p14:creationId xmlns:p14="http://schemas.microsoft.com/office/powerpoint/2010/main" val="1443271526"/>
+        <p14:creationId xmlns:p14="http://schemas.microsoft.com/office/powerpoint/2010/main" xmlns="" val="631104269"/>
       </p:ext>
     </p:extLst>
   </p:cSld>
@@ -4195,7 +4155,7 @@
       </p:grpSpPr>
       <p:sp>
         <p:nvSpPr>
-          <p:cNvPr id="4" name="Title 3"/>
+          <p:cNvPr id="2" name="Title 1"/>
           <p:cNvSpPr>
             <a:spLocks noGrp="1"/>
           </p:cNvSpPr>
@@ -4209,36 +4169,44 @@
           <a:lstStyle/>
           <a:p>
             <a:r>
-              <a:rPr lang="pt-BR" dirty="0" smtClean="0"/>
-              <a:t>conclusão</a:t>
-            </a:r>
-            <a:endParaRPr lang="en-US" dirty="0"/>
-          </a:p>
-        </p:txBody>
-      </p:sp>
-      <p:sp>
-        <p:nvSpPr>
-          <p:cNvPr id="5" name="Text Placeholder 4"/>
-          <p:cNvSpPr>
-            <a:spLocks noGrp="1"/>
-          </p:cNvSpPr>
-          <p:nvPr>
-            <p:ph type="body" idx="1"/>
-          </p:nvPr>
-        </p:nvSpPr>
-        <p:spPr/>
-        <p:txBody>
-          <a:bodyPr/>
-          <a:lstStyle/>
-          <a:p>
-            <a:endParaRPr lang="en-US"/>
+              <a:rPr lang="pt-BR" sz="3200" dirty="0" smtClean="0"/>
+              <a:t>Passagem de parâmetros e valor de retorno</a:t>
+            </a:r>
+            <a:endParaRPr lang="en-US" sz="3200" dirty="0"/>
+          </a:p>
+        </p:txBody>
+      </p:sp>
+      <p:sp>
+        <p:nvSpPr>
+          <p:cNvPr id="3" name="Content Placeholder 2"/>
+          <p:cNvSpPr>
+            <a:spLocks noGrp="1"/>
+          </p:cNvSpPr>
+          <p:nvPr>
+            <p:ph idx="1"/>
+          </p:nvPr>
+        </p:nvSpPr>
+        <p:spPr/>
+        <p:txBody>
+          <a:bodyPr>
+            <a:normAutofit/>
+          </a:bodyPr>
+          <a:lstStyle/>
+          <a:p>
+            <a:r>
+              <a:rPr lang="pt-BR" dirty="0" smtClean="0"/>
+              <a:t>Código exemplo</a:t>
+            </a:r>
+          </a:p>
+          <a:p>
+            <a:endParaRPr lang="pt-BR" dirty="0" smtClean="0"/>
           </a:p>
         </p:txBody>
       </p:sp>
     </p:spTree>
     <p:extLst>
       <p:ext uri="{BB962C8B-B14F-4D97-AF65-F5344CB8AC3E}">
-        <p14:creationId xmlns:p14="http://schemas.microsoft.com/office/powerpoint/2010/main" val="3480651843"/>
+        <p14:creationId xmlns:p14="http://schemas.microsoft.com/office/powerpoint/2010/main" xmlns="" val="1011183347"/>
       </p:ext>
     </p:extLst>
   </p:cSld>
@@ -4289,7 +4257,7 @@
           <a:p>
             <a:r>
               <a:rPr lang="pt-BR" sz="4000" dirty="0" smtClean="0"/>
-              <a:t>Estudo de caso - ???</a:t>
+              <a:t>Variáveis globais</a:t>
             </a:r>
             <a:endParaRPr lang="en-US" sz="4000" dirty="0"/>
           </a:p>
@@ -4312,6 +4280,12 @@
           </a:bodyPr>
           <a:lstStyle/>
           <a:p>
+            <a:r>
+              <a:rPr lang="pt-BR" dirty="0" smtClean="0"/>
+              <a:t>Código exemplo</a:t>
+            </a:r>
+          </a:p>
+          <a:p>
             <a:endParaRPr lang="pt-BR" dirty="0" smtClean="0"/>
           </a:p>
         </p:txBody>
@@ -4319,7 +4293,7 @@
     </p:spTree>
     <p:extLst>
       <p:ext uri="{BB962C8B-B14F-4D97-AF65-F5344CB8AC3E}">
-        <p14:creationId xmlns:p14="http://schemas.microsoft.com/office/powerpoint/2010/main" val="3522577388"/>
+        <p14:creationId xmlns:p14="http://schemas.microsoft.com/office/powerpoint/2010/main" xmlns="" val="633472005"/>
       </p:ext>
     </p:extLst>
   </p:cSld>
@@ -4369,6 +4343,471 @@
           <a:lstStyle/>
           <a:p>
             <a:r>
+              <a:rPr lang="pt-BR" sz="4000" dirty="0" err="1" smtClean="0"/>
+              <a:t>Inline</a:t>
+            </a:r>
+            <a:r>
+              <a:rPr lang="pt-BR" sz="4000" dirty="0" smtClean="0"/>
+              <a:t> </a:t>
+            </a:r>
+            <a:r>
+              <a:rPr lang="pt-BR" sz="4000" dirty="0" err="1" smtClean="0"/>
+              <a:t>assembly</a:t>
+            </a:r>
+            <a:endParaRPr lang="en-US" sz="4000" dirty="0"/>
+          </a:p>
+        </p:txBody>
+      </p:sp>
+      <p:sp>
+        <p:nvSpPr>
+          <p:cNvPr id="3" name="Content Placeholder 2"/>
+          <p:cNvSpPr>
+            <a:spLocks noGrp="1"/>
+          </p:cNvSpPr>
+          <p:nvPr>
+            <p:ph idx="1"/>
+          </p:nvPr>
+        </p:nvSpPr>
+        <p:spPr/>
+        <p:txBody>
+          <a:bodyPr>
+            <a:normAutofit/>
+          </a:bodyPr>
+          <a:lstStyle/>
+          <a:p>
+            <a:r>
+              <a:rPr lang="pt-BR" dirty="0" smtClean="0"/>
+              <a:t>Código exemplo</a:t>
+            </a:r>
+          </a:p>
+          <a:p>
+            <a:endParaRPr lang="pt-BR" dirty="0" smtClean="0"/>
+          </a:p>
+        </p:txBody>
+      </p:sp>
+    </p:spTree>
+    <p:extLst>
+      <p:ext uri="{BB962C8B-B14F-4D97-AF65-F5344CB8AC3E}">
+        <p14:creationId xmlns:p14="http://schemas.microsoft.com/office/powerpoint/2010/main" xmlns="" val="1565328756"/>
+      </p:ext>
+    </p:extLst>
+  </p:cSld>
+  <p:clrMapOvr>
+    <a:masterClrMapping/>
+  </p:clrMapOvr>
+  <p:timing>
+    <p:tnLst>
+      <p:par>
+        <p:cTn id="1" dur="indefinite" restart="never" nodeType="tmRoot"/>
+      </p:par>
+    </p:tnLst>
+  </p:timing>
+</p:sld>
+</file>
+
+<file path=ppt/slides/slide15.xml><?xml version="1.0" encoding="utf-8"?>
+<p:sld xmlns:a="http://schemas.openxmlformats.org/drawingml/2006/main" xmlns:r="http://schemas.openxmlformats.org/officeDocument/2006/relationships" xmlns:p="http://schemas.openxmlformats.org/presentationml/2006/main">
+  <p:cSld>
+    <p:spTree>
+      <p:nvGrpSpPr>
+        <p:cNvPr id="1" name=""/>
+        <p:cNvGrpSpPr/>
+        <p:nvPr/>
+      </p:nvGrpSpPr>
+      <p:grpSpPr>
+        <a:xfrm>
+          <a:off x="0" y="0"/>
+          <a:ext cx="0" cy="0"/>
+          <a:chOff x="0" y="0"/>
+          <a:chExt cx="0" cy="0"/>
+        </a:xfrm>
+      </p:grpSpPr>
+      <p:sp>
+        <p:nvSpPr>
+          <p:cNvPr id="2" name="Title 1"/>
+          <p:cNvSpPr>
+            <a:spLocks noGrp="1"/>
+          </p:cNvSpPr>
+          <p:nvPr>
+            <p:ph type="title"/>
+          </p:nvPr>
+        </p:nvSpPr>
+        <p:spPr/>
+        <p:txBody>
+          <a:bodyPr/>
+          <a:lstStyle/>
+          <a:p>
+            <a:r>
+              <a:rPr lang="pt-BR" sz="4000" dirty="0" smtClean="0"/>
+              <a:t>Modelos de memória</a:t>
+            </a:r>
+            <a:endParaRPr lang="en-US" sz="4000" dirty="0"/>
+          </a:p>
+        </p:txBody>
+      </p:sp>
+      <p:sp>
+        <p:nvSpPr>
+          <p:cNvPr id="3" name="Content Placeholder 2"/>
+          <p:cNvSpPr>
+            <a:spLocks noGrp="1"/>
+          </p:cNvSpPr>
+          <p:nvPr>
+            <p:ph idx="1"/>
+          </p:nvPr>
+        </p:nvSpPr>
+        <p:spPr/>
+        <p:txBody>
+          <a:bodyPr>
+            <a:normAutofit fontScale="92500" lnSpcReduction="20000"/>
+          </a:bodyPr>
+          <a:lstStyle/>
+          <a:p>
+            <a:r>
+              <a:rPr lang="pt-BR" dirty="0" smtClean="0"/>
+              <a:t>O que são os modelos de memória</a:t>
+            </a:r>
+          </a:p>
+          <a:p>
+            <a:endParaRPr lang="pt-BR" dirty="0"/>
+          </a:p>
+          <a:p>
+            <a:r>
+              <a:rPr lang="pt-BR" dirty="0" smtClean="0"/>
+              <a:t>Quando usar um ou outro</a:t>
+            </a:r>
+          </a:p>
+          <a:p>
+            <a:endParaRPr lang="pt-BR" dirty="0"/>
+          </a:p>
+          <a:p>
+            <a:r>
+              <a:rPr lang="pt-BR" dirty="0" smtClean="0"/>
+              <a:t>Misturar modelos de memória – cláusulas </a:t>
+            </a:r>
+            <a:r>
+              <a:rPr lang="pt-BR" dirty="0" err="1" smtClean="0"/>
+              <a:t>tiny</a:t>
+            </a:r>
+            <a:r>
+              <a:rPr lang="pt-BR" dirty="0" smtClean="0"/>
+              <a:t>, </a:t>
+            </a:r>
+            <a:r>
+              <a:rPr lang="pt-BR" dirty="0" err="1" smtClean="0"/>
+              <a:t>small</a:t>
+            </a:r>
+            <a:r>
+              <a:rPr lang="pt-BR" dirty="0" smtClean="0"/>
+              <a:t>, </a:t>
+            </a:r>
+            <a:r>
+              <a:rPr lang="pt-BR" dirty="0" err="1" smtClean="0"/>
+              <a:t>medium</a:t>
+            </a:r>
+            <a:r>
+              <a:rPr lang="pt-BR" dirty="0" smtClean="0"/>
+              <a:t>, </a:t>
+            </a:r>
+            <a:r>
+              <a:rPr lang="pt-BR" dirty="0" err="1" smtClean="0"/>
+              <a:t>compact</a:t>
+            </a:r>
+            <a:r>
+              <a:rPr lang="pt-BR" dirty="0" smtClean="0"/>
+              <a:t>, </a:t>
+            </a:r>
+            <a:r>
+              <a:rPr lang="pt-BR" dirty="0" err="1" smtClean="0"/>
+              <a:t>large</a:t>
+            </a:r>
+            <a:r>
+              <a:rPr lang="pt-BR" dirty="0" smtClean="0"/>
+              <a:t> </a:t>
+            </a:r>
+            <a:r>
+              <a:rPr lang="pt-BR" dirty="0" err="1" smtClean="0"/>
+              <a:t>huge</a:t>
+            </a:r>
+            <a:endParaRPr lang="pt-BR" dirty="0" smtClean="0"/>
+          </a:p>
+          <a:p>
+            <a:endParaRPr lang="pt-BR" dirty="0"/>
+          </a:p>
+          <a:p>
+            <a:r>
+              <a:rPr lang="pt-BR" dirty="0" smtClean="0"/>
+              <a:t>Fontes: </a:t>
+            </a:r>
+          </a:p>
+          <a:p>
+            <a:r>
+              <a:rPr lang="en-US" dirty="0">
+                <a:hlinkClick r:id="rId2"/>
+              </a:rPr>
+              <a:t>http://</a:t>
+            </a:r>
+            <a:r>
+              <a:rPr lang="en-US" dirty="0" smtClean="0">
+                <a:hlinkClick r:id="rId2"/>
+              </a:rPr>
+              <a:t>www.esacademy.com/en/library/technical-articles-and-documents/8051-programming/8051-memory-configurations-with-c-compilers.html</a:t>
+            </a:r>
+            <a:endParaRPr lang="en-US" dirty="0" smtClean="0"/>
+          </a:p>
+          <a:p>
+            <a:r>
+              <a:rPr lang="en-US" dirty="0">
+                <a:hlinkClick r:id="rId3"/>
+              </a:rPr>
+              <a:t>http://</a:t>
+            </a:r>
+            <a:r>
+              <a:rPr lang="en-US" dirty="0" smtClean="0">
+                <a:hlinkClick r:id="rId3"/>
+              </a:rPr>
+              <a:t>www.keil.com/support/docs/995.htm</a:t>
+            </a:r>
+            <a:endParaRPr lang="en-US" dirty="0" smtClean="0"/>
+          </a:p>
+          <a:p>
+            <a:r>
+              <a:rPr lang="en-US" dirty="0">
+                <a:hlinkClick r:id="rId4"/>
+              </a:rPr>
+              <a:t>http://</a:t>
+            </a:r>
+            <a:r>
+              <a:rPr lang="en-US" dirty="0" smtClean="0">
+                <a:hlinkClick r:id="rId4"/>
+              </a:rPr>
+              <a:t>www.digitalmars.com/ctg/ctgMemoryModel.html</a:t>
+            </a:r>
+            <a:endParaRPr lang="en-US" dirty="0" smtClean="0"/>
+          </a:p>
+          <a:p>
+            <a:r>
+              <a:rPr lang="en-US" dirty="0">
+                <a:hlinkClick r:id="rId5"/>
+              </a:rPr>
+              <a:t>http://infocenter.arm.com/help/index.jsp?topic=/com.arm.doc.faqs/ka9553.html</a:t>
+            </a:r>
+            <a:endParaRPr lang="pt-BR" dirty="0" smtClean="0"/>
+          </a:p>
+        </p:txBody>
+      </p:sp>
+    </p:spTree>
+    <p:extLst>
+      <p:ext uri="{BB962C8B-B14F-4D97-AF65-F5344CB8AC3E}">
+        <p14:creationId xmlns:p14="http://schemas.microsoft.com/office/powerpoint/2010/main" xmlns="" val="1443271526"/>
+      </p:ext>
+    </p:extLst>
+  </p:cSld>
+  <p:clrMapOvr>
+    <a:masterClrMapping/>
+  </p:clrMapOvr>
+  <p:timing>
+    <p:tnLst>
+      <p:par>
+        <p:cTn id="1" dur="indefinite" restart="never" nodeType="tmRoot"/>
+      </p:par>
+    </p:tnLst>
+  </p:timing>
+</p:sld>
+</file>
+
+<file path=ppt/slides/slide16.xml><?xml version="1.0" encoding="utf-8"?>
+<p:sld xmlns:a="http://schemas.openxmlformats.org/drawingml/2006/main" xmlns:r="http://schemas.openxmlformats.org/officeDocument/2006/relationships" xmlns:p="http://schemas.openxmlformats.org/presentationml/2006/main">
+  <p:cSld>
+    <p:spTree>
+      <p:nvGrpSpPr>
+        <p:cNvPr id="1" name=""/>
+        <p:cNvGrpSpPr/>
+        <p:nvPr/>
+      </p:nvGrpSpPr>
+      <p:grpSpPr>
+        <a:xfrm>
+          <a:off x="0" y="0"/>
+          <a:ext cx="0" cy="0"/>
+          <a:chOff x="0" y="0"/>
+          <a:chExt cx="0" cy="0"/>
+        </a:xfrm>
+      </p:grpSpPr>
+      <p:sp>
+        <p:nvSpPr>
+          <p:cNvPr id="4" name="Title 3"/>
+          <p:cNvSpPr>
+            <a:spLocks noGrp="1"/>
+          </p:cNvSpPr>
+          <p:nvPr>
+            <p:ph type="title"/>
+          </p:nvPr>
+        </p:nvSpPr>
+        <p:spPr/>
+        <p:txBody>
+          <a:bodyPr/>
+          <a:lstStyle/>
+          <a:p>
+            <a:r>
+              <a:rPr lang="pt-BR" dirty="0" smtClean="0"/>
+              <a:t>conclusão</a:t>
+            </a:r>
+            <a:endParaRPr lang="en-US" dirty="0"/>
+          </a:p>
+        </p:txBody>
+      </p:sp>
+      <p:sp>
+        <p:nvSpPr>
+          <p:cNvPr id="5" name="Text Placeholder 4"/>
+          <p:cNvSpPr>
+            <a:spLocks noGrp="1"/>
+          </p:cNvSpPr>
+          <p:nvPr>
+            <p:ph type="body" idx="1"/>
+          </p:nvPr>
+        </p:nvSpPr>
+        <p:spPr/>
+        <p:txBody>
+          <a:bodyPr/>
+          <a:lstStyle/>
+          <a:p>
+            <a:endParaRPr lang="en-US"/>
+          </a:p>
+        </p:txBody>
+      </p:sp>
+    </p:spTree>
+    <p:extLst>
+      <p:ext uri="{BB962C8B-B14F-4D97-AF65-F5344CB8AC3E}">
+        <p14:creationId xmlns:p14="http://schemas.microsoft.com/office/powerpoint/2010/main" xmlns="" val="3480651843"/>
+      </p:ext>
+    </p:extLst>
+  </p:cSld>
+  <p:clrMapOvr>
+    <a:masterClrMapping/>
+  </p:clrMapOvr>
+  <p:timing>
+    <p:tnLst>
+      <p:par>
+        <p:cTn id="1" dur="indefinite" restart="never" nodeType="tmRoot"/>
+      </p:par>
+    </p:tnLst>
+  </p:timing>
+</p:sld>
+</file>
+
+<file path=ppt/slides/slide17.xml><?xml version="1.0" encoding="utf-8"?>
+<p:sld xmlns:a="http://schemas.openxmlformats.org/drawingml/2006/main" xmlns:r="http://schemas.openxmlformats.org/officeDocument/2006/relationships" xmlns:p="http://schemas.openxmlformats.org/presentationml/2006/main">
+  <p:cSld>
+    <p:spTree>
+      <p:nvGrpSpPr>
+        <p:cNvPr id="1" name=""/>
+        <p:cNvGrpSpPr/>
+        <p:nvPr/>
+      </p:nvGrpSpPr>
+      <p:grpSpPr>
+        <a:xfrm>
+          <a:off x="0" y="0"/>
+          <a:ext cx="0" cy="0"/>
+          <a:chOff x="0" y="0"/>
+          <a:chExt cx="0" cy="0"/>
+        </a:xfrm>
+      </p:grpSpPr>
+      <p:sp>
+        <p:nvSpPr>
+          <p:cNvPr id="2" name="Title 1"/>
+          <p:cNvSpPr>
+            <a:spLocks noGrp="1"/>
+          </p:cNvSpPr>
+          <p:nvPr>
+            <p:ph type="title"/>
+          </p:nvPr>
+        </p:nvSpPr>
+        <p:spPr/>
+        <p:txBody>
+          <a:bodyPr/>
+          <a:lstStyle/>
+          <a:p>
+            <a:r>
+              <a:rPr lang="pt-BR" sz="4000" dirty="0" smtClean="0"/>
+              <a:t>Estudo de caso - ???</a:t>
+            </a:r>
+            <a:endParaRPr lang="en-US" sz="4000" dirty="0"/>
+          </a:p>
+        </p:txBody>
+      </p:sp>
+      <p:sp>
+        <p:nvSpPr>
+          <p:cNvPr id="3" name="Content Placeholder 2"/>
+          <p:cNvSpPr>
+            <a:spLocks noGrp="1"/>
+          </p:cNvSpPr>
+          <p:nvPr>
+            <p:ph idx="1"/>
+          </p:nvPr>
+        </p:nvSpPr>
+        <p:spPr/>
+        <p:txBody>
+          <a:bodyPr>
+            <a:normAutofit/>
+          </a:bodyPr>
+          <a:lstStyle/>
+          <a:p>
+            <a:endParaRPr lang="pt-BR" dirty="0" smtClean="0"/>
+          </a:p>
+        </p:txBody>
+      </p:sp>
+    </p:spTree>
+    <p:extLst>
+      <p:ext uri="{BB962C8B-B14F-4D97-AF65-F5344CB8AC3E}">
+        <p14:creationId xmlns:p14="http://schemas.microsoft.com/office/powerpoint/2010/main" xmlns="" val="3522577388"/>
+      </p:ext>
+    </p:extLst>
+  </p:cSld>
+  <p:clrMapOvr>
+    <a:masterClrMapping/>
+  </p:clrMapOvr>
+  <p:timing>
+    <p:tnLst>
+      <p:par>
+        <p:cTn id="1" dur="indefinite" restart="never" nodeType="tmRoot"/>
+      </p:par>
+    </p:tnLst>
+  </p:timing>
+</p:sld>
+</file>
+
+<file path=ppt/slides/slide18.xml><?xml version="1.0" encoding="utf-8"?>
+<p:sld xmlns:a="http://schemas.openxmlformats.org/drawingml/2006/main" xmlns:r="http://schemas.openxmlformats.org/officeDocument/2006/relationships" xmlns:p="http://schemas.openxmlformats.org/presentationml/2006/main">
+  <p:cSld>
+    <p:spTree>
+      <p:nvGrpSpPr>
+        <p:cNvPr id="1" name=""/>
+        <p:cNvGrpSpPr/>
+        <p:nvPr/>
+      </p:nvGrpSpPr>
+      <p:grpSpPr>
+        <a:xfrm>
+          <a:off x="0" y="0"/>
+          <a:ext cx="0" cy="0"/>
+          <a:chOff x="0" y="0"/>
+          <a:chExt cx="0" cy="0"/>
+        </a:xfrm>
+      </p:grpSpPr>
+      <p:sp>
+        <p:nvSpPr>
+          <p:cNvPr id="2" name="Title 1"/>
+          <p:cNvSpPr>
+            <a:spLocks noGrp="1"/>
+          </p:cNvSpPr>
+          <p:nvPr>
+            <p:ph type="title"/>
+          </p:nvPr>
+        </p:nvSpPr>
+        <p:spPr/>
+        <p:txBody>
+          <a:bodyPr/>
+          <a:lstStyle/>
+          <a:p>
+            <a:r>
               <a:rPr lang="pt-BR" dirty="0" smtClean="0"/>
               <a:t>Perguntas</a:t>
             </a:r>
@@ -4404,10 +4843,10 @@
           <p:nvPr/>
         </p:nvPicPr>
         <p:blipFill>
-          <a:blip r:embed="rId2">
+          <a:blip r:embed="rId2" cstate="print">
             <a:extLst>
               <a:ext uri="{28A0092B-C50C-407E-A947-70E740481C1C}">
-                <a14:useLocalDpi xmlns:a14="http://schemas.microsoft.com/office/drawing/2010/main" val="0"/>
+                <a14:useLocalDpi xmlns:a14="http://schemas.microsoft.com/office/drawing/2010/main" xmlns="" val="0"/>
               </a:ext>
             </a:extLst>
           </a:blip>
@@ -4427,7 +4866,7 @@
           <a:noFill/>
           <a:extLst>
             <a:ext uri="{909E8E84-426E-40DD-AFC4-6F175D3DCCD1}">
-              <a14:hiddenFill xmlns:a14="http://schemas.microsoft.com/office/drawing/2010/main">
+              <a14:hiddenFill xmlns:a14="http://schemas.microsoft.com/office/drawing/2010/main" xmlns="">
                 <a:solidFill>
                   <a:srgbClr val="FFFFFF"/>
                 </a:solidFill>
@@ -4439,7 +4878,7 @@
     </p:spTree>
     <p:extLst>
       <p:ext uri="{BB962C8B-B14F-4D97-AF65-F5344CB8AC3E}">
-        <p14:creationId xmlns:p14="http://schemas.microsoft.com/office/powerpoint/2010/main" val="575131698"/>
+        <p14:creationId xmlns:p14="http://schemas.microsoft.com/office/powerpoint/2010/main" xmlns="" val="575131698"/>
       </p:ext>
     </p:extLst>
   </p:cSld>
@@ -4515,11 +4954,7 @@
           <a:p>
             <a:r>
               <a:rPr lang="pt-BR" dirty="0" smtClean="0"/>
-              <a:t>1 </a:t>
-            </a:r>
-            <a:r>
-              <a:rPr lang="pt-BR" dirty="0" smtClean="0"/>
-              <a:t>– Introdução</a:t>
+              <a:t>1 – Introdução</a:t>
             </a:r>
           </a:p>
           <a:p>
@@ -4536,11 +4971,7 @@
           <a:p>
             <a:r>
               <a:rPr lang="pt-BR" dirty="0" smtClean="0"/>
-              <a:t>2 </a:t>
-            </a:r>
-            <a:r>
-              <a:rPr lang="pt-BR" dirty="0" smtClean="0"/>
-              <a:t>– Métodos de </a:t>
+              <a:t>2 – Métodos de </a:t>
             </a:r>
             <a:r>
               <a:rPr lang="pt-BR" dirty="0" err="1" smtClean="0"/>
@@ -4571,13 +5002,8 @@
             <a:pPr lvl="2"/>
             <a:r>
               <a:rPr lang="pt-BR" dirty="0" smtClean="0"/>
-              <a:t>Variávei</a:t>
-            </a:r>
-            <a:r>
-              <a:rPr lang="pt-BR" dirty="0" smtClean="0"/>
-              <a:t>s globais</a:t>
-            </a:r>
-            <a:endParaRPr lang="pt-BR" dirty="0" smtClean="0"/>
+              <a:t>Variáveis globais</a:t>
+            </a:r>
           </a:p>
           <a:p>
             <a:pPr lvl="1"/>
@@ -4593,7 +5019,6 @@
               <a:rPr lang="pt-BR" dirty="0" smtClean="0"/>
               <a:t> chamando função em C</a:t>
             </a:r>
-            <a:endParaRPr lang="pt-BR" dirty="0" smtClean="0"/>
           </a:p>
           <a:p>
             <a:pPr lvl="1"/>
@@ -4613,7 +5038,6 @@
               <a:rPr lang="pt-BR" dirty="0" smtClean="0"/>
               <a:t> </a:t>
             </a:r>
-            <a:endParaRPr lang="pt-BR" dirty="0" smtClean="0"/>
           </a:p>
           <a:p>
             <a:pPr lvl="1"/>
@@ -4638,7 +5062,6 @@
               <a:rPr lang="pt-BR" dirty="0" smtClean="0"/>
               <a:t>Estudo de caso - ???</a:t>
             </a:r>
-            <a:endParaRPr lang="pt-BR" dirty="0" smtClean="0"/>
           </a:p>
           <a:p>
             <a:pPr lvl="1"/>
@@ -4649,7 +5072,7 @@
     </p:spTree>
     <p:extLst>
       <p:ext uri="{BB962C8B-B14F-4D97-AF65-F5344CB8AC3E}">
-        <p14:creationId xmlns:p14="http://schemas.microsoft.com/office/powerpoint/2010/main" val="460233177"/>
+        <p14:creationId xmlns:p14="http://schemas.microsoft.com/office/powerpoint/2010/main" xmlns="" val="460233177"/>
       </p:ext>
     </p:extLst>
   </p:cSld>
@@ -4728,7 +5151,7 @@
     </p:spTree>
     <p:extLst>
       <p:ext uri="{BB962C8B-B14F-4D97-AF65-F5344CB8AC3E}">
-        <p14:creationId xmlns:p14="http://schemas.microsoft.com/office/powerpoint/2010/main" val="820920551"/>
+        <p14:creationId xmlns:p14="http://schemas.microsoft.com/office/powerpoint/2010/main" xmlns="" val="820920551"/>
       </p:ext>
     </p:extLst>
   </p:cSld>
@@ -4838,7 +5261,6 @@
               <a:rPr lang="pt-BR" dirty="0" smtClean="0"/>
               <a:t>Por que misturar? Qual a vantagem de utilizar uma solução híbrida</a:t>
             </a:r>
-            <a:endParaRPr lang="pt-BR" dirty="0" smtClean="0"/>
           </a:p>
           <a:p>
             <a:pPr lvl="1"/>
@@ -4849,7 +5271,7 @@
     </p:spTree>
     <p:extLst>
       <p:ext uri="{BB962C8B-B14F-4D97-AF65-F5344CB8AC3E}">
-        <p14:creationId xmlns:p14="http://schemas.microsoft.com/office/powerpoint/2010/main" val="3058117082"/>
+        <p14:creationId xmlns:p14="http://schemas.microsoft.com/office/powerpoint/2010/main" xmlns="" val="3058117082"/>
       </p:ext>
     </p:extLst>
   </p:cSld>
@@ -4920,19 +5342,26 @@
             <p:ph type="body" idx="1"/>
           </p:nvPr>
         </p:nvSpPr>
-        <p:spPr/>
-        <p:txBody>
-          <a:bodyPr/>
-          <a:lstStyle/>
-          <a:p>
-            <a:endParaRPr lang="en-US"/>
+        <p:spPr>
+          <a:xfrm>
+            <a:off x="722313" y="188640"/>
+            <a:ext cx="6135687" cy="5297761"/>
+          </a:xfrm>
+        </p:spPr>
+        <p:txBody>
+          <a:bodyPr>
+            <a:normAutofit/>
+          </a:bodyPr>
+          <a:lstStyle/>
+          <a:p>
+            <a:endParaRPr lang="en-US" dirty="0"/>
           </a:p>
         </p:txBody>
       </p:sp>
     </p:spTree>
     <p:extLst>
       <p:ext uri="{BB962C8B-B14F-4D97-AF65-F5344CB8AC3E}">
-        <p14:creationId xmlns:p14="http://schemas.microsoft.com/office/powerpoint/2010/main" val="3480651843"/>
+        <p14:creationId xmlns:p14="http://schemas.microsoft.com/office/powerpoint/2010/main" xmlns="" val="3480651843"/>
       </p:ext>
     </p:extLst>
   </p:cSld>
@@ -4968,7 +5397,7 @@
       </p:grpSpPr>
       <p:sp>
         <p:nvSpPr>
-          <p:cNvPr id="2" name="Title 1"/>
+          <p:cNvPr id="2" name="Título 1"/>
           <p:cNvSpPr>
             <a:spLocks noGrp="1"/>
           </p:cNvSpPr>
@@ -4982,143 +5411,144 @@
           <a:lstStyle/>
           <a:p>
             <a:r>
-              <a:rPr lang="pt-BR" sz="3200" dirty="0" smtClean="0"/>
-              <a:t>Programa C chamando função em </a:t>
-            </a:r>
-            <a:r>
-              <a:rPr lang="pt-BR" sz="3200" dirty="0" err="1" smtClean="0"/>
+              <a:rPr lang="pt-BR" dirty="0" smtClean="0"/>
+              <a:t>Chamando </a:t>
+            </a:r>
+            <a:r>
+              <a:rPr lang="pt-BR" dirty="0" err="1" smtClean="0"/>
+              <a:t>Assembly</a:t>
+            </a:r>
+            <a:r>
+              <a:rPr lang="pt-BR" dirty="0" smtClean="0"/>
+              <a:t> em C</a:t>
+            </a:r>
+            <a:endParaRPr lang="pt-BR" dirty="0"/>
+          </a:p>
+        </p:txBody>
+      </p:sp>
+      <p:sp>
+        <p:nvSpPr>
+          <p:cNvPr id="3" name="Espaço Reservado para Conteúdo 2"/>
+          <p:cNvSpPr>
+            <a:spLocks noGrp="1"/>
+          </p:cNvSpPr>
+          <p:nvPr>
+            <p:ph idx="1"/>
+          </p:nvPr>
+        </p:nvSpPr>
+        <p:spPr>
+          <a:xfrm>
+            <a:off x="457200" y="1412776"/>
+            <a:ext cx="7620000" cy="4988024"/>
+          </a:xfrm>
+        </p:spPr>
+        <p:txBody>
+          <a:bodyPr/>
+          <a:lstStyle/>
+          <a:p>
+            <a:r>
+              <a:rPr lang="pt-BR" dirty="0" smtClean="0"/>
+              <a:t>Para chamar do C uma função </a:t>
+            </a:r>
+            <a:r>
+              <a:rPr lang="pt-BR" dirty="0" err="1" smtClean="0"/>
               <a:t>assembly</a:t>
             </a:r>
-            <a:endParaRPr lang="en-US" sz="3200" dirty="0"/>
-          </a:p>
-        </p:txBody>
-      </p:sp>
-      <p:sp>
-        <p:nvSpPr>
-          <p:cNvPr id="3" name="Content Placeholder 2"/>
-          <p:cNvSpPr>
-            <a:spLocks noGrp="1"/>
-          </p:cNvSpPr>
-          <p:nvPr>
-            <p:ph idx="1"/>
-          </p:nvPr>
-        </p:nvSpPr>
-        <p:spPr/>
-        <p:txBody>
-          <a:bodyPr>
-            <a:normAutofit/>
-          </a:bodyPr>
-          <a:lstStyle/>
-          <a:p>
-            <a:r>
-              <a:rPr lang="pt-BR" dirty="0" smtClean="0"/>
-              <a:t>Como isso é </a:t>
-            </a:r>
+            <a:r>
+              <a:rPr lang="pt-BR" dirty="0" smtClean="0"/>
+              <a:t> sem parâmetros e sem retorno, basta colocar seu nome no .ASM, em qualquer lugar, como pública:</a:t>
+            </a:r>
+          </a:p>
+          <a:p>
+            <a:pPr lvl="1"/>
             <a:r>
               <a:rPr lang="pt-BR" dirty="0" err="1" smtClean="0"/>
-              <a:t>possivel</a:t>
-            </a:r>
-            <a:r>
-              <a:rPr lang="pt-BR" dirty="0" smtClean="0"/>
-              <a:t>?</a:t>
-            </a:r>
-          </a:p>
-          <a:p>
+              <a:t>public</a:t>
+            </a:r>
+            <a:r>
+              <a:rPr lang="pt-BR" dirty="0" smtClean="0"/>
+              <a:t> </a:t>
+            </a:r>
+            <a:r>
+              <a:rPr lang="pt-BR" dirty="0" err="1" smtClean="0"/>
+              <a:t>nome_funcao_ASM</a:t>
+            </a:r>
             <a:endParaRPr lang="pt-BR" dirty="0" smtClean="0"/>
           </a:p>
           <a:p>
+            <a:pPr lvl="1"/>
+            <a:endParaRPr lang="pt-BR" dirty="0" smtClean="0"/>
+          </a:p>
+          <a:p>
+            <a:r>
+              <a:rPr lang="pt-BR" dirty="0" smtClean="0"/>
+              <a:t>A chamada em C é a usual: </a:t>
+            </a:r>
             <a:r>
               <a:rPr lang="pt-BR" dirty="0" err="1" smtClean="0"/>
-              <a:t>a.c</a:t>
-            </a:r>
-            <a:r>
-              <a:rPr lang="pt-BR" dirty="0" smtClean="0"/>
-              <a:t> -&gt; compilador -&gt; </a:t>
+              <a:t>nome_funcao_ASM</a:t>
+            </a:r>
+            <a:r>
+              <a:rPr lang="pt-BR" dirty="0" smtClean="0"/>
+              <a:t>(); e deve-se colocar seu protótipo no início do </a:t>
+            </a:r>
+            <a:r>
+              <a:rPr lang="pt-BR" dirty="0" smtClean="0"/>
+              <a:t>programa</a:t>
+            </a:r>
+          </a:p>
+          <a:p>
+            <a:endParaRPr lang="pt-BR" dirty="0" smtClean="0"/>
+          </a:p>
+          <a:p>
+            <a:r>
+              <a:rPr lang="pt-BR" dirty="0" smtClean="0"/>
+              <a:t>A maneira mais simples de trocar valores entre eles é usar variáveis globais. Declare-as normalmente em C e no </a:t>
             </a:r>
             <a:r>
               <a:rPr lang="pt-BR" dirty="0" err="1" smtClean="0"/>
-              <a:t>a.o</a:t>
-            </a:r>
+              <a:t>assembly</a:t>
+            </a:r>
+            <a:r>
+              <a:rPr lang="pt-BR" dirty="0" smtClean="0"/>
+              <a:t> as declare como externas:</a:t>
+            </a:r>
+          </a:p>
+          <a:p>
+            <a:pPr lvl="1"/>
+            <a:r>
+              <a:rPr lang="pt-BR" dirty="0" err="1" smtClean="0"/>
+              <a:t>extrn</a:t>
+            </a:r>
+            <a:r>
+              <a:rPr lang="pt-BR" dirty="0" smtClean="0"/>
+              <a:t> data(var1)</a:t>
+            </a:r>
+          </a:p>
+          <a:p>
+            <a:pPr lvl="1"/>
+            <a:r>
+              <a:rPr lang="pt-BR" dirty="0" err="1" smtClean="0"/>
+              <a:t>extrn</a:t>
+            </a:r>
+            <a:r>
+              <a:rPr lang="pt-BR" dirty="0" smtClean="0"/>
+              <a:t> data(var2)</a:t>
+            </a:r>
+          </a:p>
+          <a:p>
             <a:endParaRPr lang="pt-BR" dirty="0" smtClean="0"/>
           </a:p>
           <a:p>
-            <a:r>
-              <a:rPr lang="pt-BR" dirty="0" smtClean="0"/>
-              <a:t>b.asm -&gt; montador -&gt; </a:t>
-            </a:r>
-            <a:r>
-              <a:rPr lang="pt-BR" dirty="0" err="1" smtClean="0"/>
-              <a:t>b.o</a:t>
-            </a:r>
-            <a:endParaRPr lang="pt-BR" dirty="0" smtClean="0"/>
-          </a:p>
-          <a:p>
-            <a:r>
-              <a:rPr lang="pt-BR" dirty="0" err="1" smtClean="0"/>
-              <a:t>a.o</a:t>
-            </a:r>
-            <a:r>
-              <a:rPr lang="pt-BR" dirty="0" smtClean="0"/>
-              <a:t> + </a:t>
-            </a:r>
-            <a:r>
-              <a:rPr lang="pt-BR" dirty="0" err="1" smtClean="0"/>
-              <a:t>b.o</a:t>
-            </a:r>
-            <a:r>
-              <a:rPr lang="pt-BR" dirty="0" smtClean="0"/>
-              <a:t> -&gt; </a:t>
-            </a:r>
-            <a:r>
-              <a:rPr lang="pt-BR" dirty="0" err="1" smtClean="0"/>
-              <a:t>ligador</a:t>
-            </a:r>
-            <a:r>
-              <a:rPr lang="pt-BR" dirty="0" smtClean="0"/>
-              <a:t> -&gt; </a:t>
-            </a:r>
-            <a:r>
-              <a:rPr lang="pt-BR" dirty="0" err="1" smtClean="0"/>
-              <a:t>executavel</a:t>
-            </a:r>
             <a:endParaRPr lang="pt-BR" dirty="0"/>
           </a:p>
-          <a:p>
-            <a:endParaRPr lang="pt-BR" dirty="0" smtClean="0"/>
-          </a:p>
-          <a:p>
-            <a:r>
-              <a:rPr lang="pt-BR" dirty="0" smtClean="0"/>
-              <a:t>Pro </a:t>
-            </a:r>
-            <a:r>
-              <a:rPr lang="pt-BR" dirty="0" err="1" smtClean="0"/>
-              <a:t>ligador</a:t>
-            </a:r>
-            <a:r>
-              <a:rPr lang="pt-BR" dirty="0" smtClean="0"/>
-              <a:t> tudo é objeto. Tanto faz de onde veio</a:t>
-            </a:r>
-          </a:p>
         </p:txBody>
       </p:sp>
     </p:spTree>
-    <p:extLst>
-      <p:ext uri="{BB962C8B-B14F-4D97-AF65-F5344CB8AC3E}">
-        <p14:creationId xmlns:p14="http://schemas.microsoft.com/office/powerpoint/2010/main" val="3419028655"/>
-      </p:ext>
-    </p:extLst>
   </p:cSld>
   <p:clrMapOvr>
     <a:masterClrMapping/>
   </p:clrMapOvr>
-  <p:timing>
-    <p:tnLst>
-      <p:par>
-        <p:cTn id="1" dur="indefinite" restart="never" nodeType="tmRoot"/>
-      </p:par>
-    </p:tnLst>
-  </p:timing>
 </p:sld>
 </file>
 
@@ -5141,7 +5571,7 @@
       </p:grpSpPr>
       <p:sp>
         <p:nvSpPr>
-          <p:cNvPr id="2" name="Title 1"/>
+          <p:cNvPr id="2" name="Título 1"/>
           <p:cNvSpPr>
             <a:spLocks noGrp="1"/>
           </p:cNvSpPr>
@@ -5155,24 +5585,20 @@
           <a:lstStyle/>
           <a:p>
             <a:r>
-              <a:rPr lang="pt-BR" sz="3600" dirty="0" smtClean="0"/>
-              <a:t>Diretivas </a:t>
-            </a:r>
-            <a:r>
-              <a:rPr lang="pt-BR" sz="3600" dirty="0" err="1" smtClean="0"/>
-              <a:t>extern</a:t>
-            </a:r>
-            <a:r>
-              <a:rPr lang="pt-BR" sz="3600" dirty="0" smtClean="0"/>
-              <a:t> e global</a:t>
-            </a:r>
-            <a:endParaRPr lang="en-US" sz="3600" dirty="0"/>
-          </a:p>
-        </p:txBody>
-      </p:sp>
-      <p:sp>
-        <p:nvSpPr>
-          <p:cNvPr id="3" name="Content Placeholder 2"/>
+              <a:rPr lang="pt-BR" dirty="0" smtClean="0"/>
+              <a:t>Chamando C em </a:t>
+            </a:r>
+            <a:r>
+              <a:rPr lang="pt-BR" dirty="0" err="1" smtClean="0"/>
+              <a:t>Assembly</a:t>
+            </a:r>
+            <a:endParaRPr lang="pt-BR" dirty="0"/>
+          </a:p>
+        </p:txBody>
+      </p:sp>
+      <p:sp>
+        <p:nvSpPr>
+          <p:cNvPr id="3" name="Espaço Reservado para Conteúdo 2"/>
           <p:cNvSpPr>
             <a:spLocks noGrp="1"/>
           </p:cNvSpPr>
@@ -5182,38 +5608,63 @@
         </p:nvSpPr>
         <p:spPr/>
         <p:txBody>
-          <a:bodyPr>
-            <a:normAutofit/>
-          </a:bodyPr>
-          <a:lstStyle/>
-          <a:p>
-            <a:r>
-              <a:rPr lang="pt-BR" dirty="0" smtClean="0"/>
-              <a:t>Código exemplo</a:t>
-            </a:r>
-          </a:p>
-          <a:p>
-            <a:endParaRPr lang="pt-BR" dirty="0" smtClean="0"/>
+          <a:bodyPr/>
+          <a:lstStyle/>
+          <a:p>
+            <a:r>
+              <a:rPr lang="pt-BR" dirty="0" smtClean="0"/>
+              <a:t>Para </a:t>
+            </a:r>
+            <a:r>
+              <a:rPr lang="pt-BR" dirty="0" smtClean="0"/>
+              <a:t>chamar do </a:t>
+            </a:r>
+            <a:r>
+              <a:rPr lang="pt-BR" dirty="0" err="1" smtClean="0"/>
+              <a:t>assembly</a:t>
+            </a:r>
+            <a:r>
+              <a:rPr lang="pt-BR" dirty="0" smtClean="0"/>
+              <a:t> uma função C sem parâmetros e sem retorno, basta declará-la no .ASM antes como externa e fazer um LCALL normalmente:</a:t>
+            </a:r>
+          </a:p>
+          <a:p>
+            <a:pPr lvl="1"/>
+            <a:r>
+              <a:rPr lang="pt-BR" dirty="0" err="1" smtClean="0"/>
+              <a:t>extrn</a:t>
+            </a:r>
+            <a:r>
+              <a:rPr lang="pt-BR" dirty="0" smtClean="0"/>
+              <a:t> </a:t>
+            </a:r>
+            <a:r>
+              <a:rPr lang="pt-BR" dirty="0" err="1" smtClean="0"/>
+              <a:t>code</a:t>
+            </a:r>
+            <a:r>
+              <a:rPr lang="pt-BR" dirty="0" smtClean="0"/>
+              <a:t>(</a:t>
+            </a:r>
+            <a:r>
+              <a:rPr lang="pt-BR" dirty="0" err="1" smtClean="0"/>
+              <a:t>nome_funcao_C</a:t>
+            </a:r>
+            <a:r>
+              <a:rPr lang="pt-BR" dirty="0" smtClean="0"/>
+              <a:t>)</a:t>
+            </a:r>
+          </a:p>
+          <a:p>
+            <a:endParaRPr lang="pt-BR" dirty="0"/>
           </a:p>
         </p:txBody>
       </p:sp>
     </p:spTree>
-    <p:extLst>
-      <p:ext uri="{BB962C8B-B14F-4D97-AF65-F5344CB8AC3E}">
-        <p14:creationId xmlns:p14="http://schemas.microsoft.com/office/powerpoint/2010/main" val="631104269"/>
-      </p:ext>
-    </p:extLst>
   </p:cSld>
   <p:clrMapOvr>
     <a:masterClrMapping/>
   </p:clrMapOvr>
-  <p:timing>
-    <p:tnLst>
-      <p:par>
-        <p:cTn id="1" dur="indefinite" restart="never" nodeType="tmRoot"/>
-      </p:par>
-    </p:tnLst>
-  </p:timing>
 </p:sld>
 </file>
 
@@ -5236,7 +5687,7 @@
       </p:grpSpPr>
       <p:sp>
         <p:nvSpPr>
-          <p:cNvPr id="2" name="Title 1"/>
+          <p:cNvPr id="2" name="Título 1"/>
           <p:cNvSpPr>
             <a:spLocks noGrp="1"/>
           </p:cNvSpPr>
@@ -5244,22 +5695,70 @@
             <p:ph type="title"/>
           </p:nvPr>
         </p:nvSpPr>
-        <p:spPr/>
-        <p:txBody>
-          <a:bodyPr/>
-          <a:lstStyle/>
-          <a:p>
-            <a:r>
-              <a:rPr lang="pt-BR" sz="3200" dirty="0" smtClean="0"/>
-              <a:t>Passagem de parâmetros e valor de retorno</a:t>
-            </a:r>
-            <a:endParaRPr lang="en-US" sz="3200" dirty="0"/>
-          </a:p>
-        </p:txBody>
-      </p:sp>
-      <p:sp>
-        <p:nvSpPr>
-          <p:cNvPr id="3" name="Content Placeholder 2"/>
+        <p:spPr>
+          <a:xfrm>
+            <a:off x="457200" y="620688"/>
+            <a:ext cx="7620000" cy="864096"/>
+          </a:xfrm>
+        </p:spPr>
+        <p:txBody>
+          <a:bodyPr/>
+          <a:lstStyle/>
+          <a:p>
+            <a:r>
+              <a:rPr lang="en-US" sz="3200" dirty="0" err="1" smtClean="0"/>
+              <a:t>Programa</a:t>
+            </a:r>
+            <a:r>
+              <a:rPr lang="en-US" sz="3200" dirty="0" smtClean="0"/>
+              <a:t> C </a:t>
+            </a:r>
+            <a:r>
+              <a:rPr lang="en-US" sz="3200" dirty="0" err="1" smtClean="0"/>
+              <a:t>chamando</a:t>
+            </a:r>
+            <a:r>
+              <a:rPr lang="en-US" sz="3200" dirty="0" smtClean="0"/>
+              <a:t> </a:t>
+            </a:r>
+            <a:r>
+              <a:rPr lang="en-US" sz="3200" dirty="0" err="1" smtClean="0"/>
+              <a:t>função</a:t>
+            </a:r>
+            <a:r>
+              <a:rPr lang="en-US" sz="3200" dirty="0" smtClean="0"/>
+              <a:t> </a:t>
+            </a:r>
+            <a:r>
+              <a:rPr lang="en-US" sz="3200" dirty="0" err="1" smtClean="0"/>
+              <a:t>em</a:t>
+            </a:r>
+            <a:r>
+              <a:rPr lang="en-US" sz="3200" dirty="0" smtClean="0"/>
+              <a:t> Assembly (No </a:t>
+            </a:r>
+            <a:r>
+              <a:rPr lang="en-US" sz="3200" dirty="0" err="1" smtClean="0"/>
+              <a:t>exemplo</a:t>
+            </a:r>
+            <a:r>
+              <a:rPr lang="en-US" sz="3200" dirty="0" smtClean="0"/>
+              <a:t> IA-32)</a:t>
+            </a:r>
+            <a:r>
+              <a:rPr lang="en-US" sz="4800" dirty="0" smtClean="0"/>
+              <a:t/>
+            </a:r>
+            <a:br>
+              <a:rPr lang="en-US" sz="4800" dirty="0" smtClean="0"/>
+            </a:br>
+            <a:endParaRPr lang="pt-BR" sz="4800" dirty="0"/>
+          </a:p>
+        </p:txBody>
+      </p:sp>
+      <p:sp>
+        <p:nvSpPr>
+          <p:cNvPr id="3" name="Espaço Reservado para Conteúdo 2"/>
           <p:cNvSpPr>
             <a:spLocks noGrp="1"/>
           </p:cNvSpPr>
@@ -5270,37 +5769,247 @@
         <p:spPr/>
         <p:txBody>
           <a:bodyPr>
-            <a:normAutofit/>
+            <a:normAutofit fontScale="77500" lnSpcReduction="20000"/>
           </a:bodyPr>
           <a:lstStyle/>
           <a:p>
             <a:r>
-              <a:rPr lang="pt-BR" dirty="0" smtClean="0"/>
-              <a:t>Código exemplo</a:t>
-            </a:r>
-          </a:p>
-          <a:p>
+              <a:rPr lang="en-US" dirty="0" smtClean="0"/>
+              <a:t>#</a:t>
+            </a:r>
+            <a:r>
+              <a:rPr lang="en-US" dirty="0" smtClean="0"/>
+              <a:t>include &lt;</a:t>
+            </a:r>
+            <a:r>
+              <a:rPr lang="en-US" dirty="0" err="1" smtClean="0"/>
+              <a:t>stdio.h</a:t>
+            </a:r>
+            <a:r>
+              <a:rPr lang="en-US" dirty="0" smtClean="0"/>
+              <a:t>&gt;</a:t>
+            </a:r>
             <a:endParaRPr lang="pt-BR" dirty="0" smtClean="0"/>
           </a:p>
+          <a:p>
+            <a:r>
+              <a:rPr lang="pt-BR" dirty="0" err="1" smtClean="0"/>
+              <a:t>extern</a:t>
+            </a:r>
+            <a:r>
+              <a:rPr lang="pt-BR" dirty="0" smtClean="0"/>
+              <a:t> </a:t>
+            </a:r>
+            <a:r>
+              <a:rPr lang="pt-BR" dirty="0" err="1" smtClean="0"/>
+              <a:t>int</a:t>
+            </a:r>
+            <a:r>
+              <a:rPr lang="pt-BR" dirty="0" smtClean="0"/>
+              <a:t> soma(</a:t>
+            </a:r>
+            <a:r>
+              <a:rPr lang="pt-BR" dirty="0" err="1" smtClean="0"/>
+              <a:t>int</a:t>
+            </a:r>
+            <a:r>
+              <a:rPr lang="pt-BR" dirty="0" smtClean="0"/>
+              <a:t> a, </a:t>
+            </a:r>
+            <a:r>
+              <a:rPr lang="pt-BR" dirty="0" err="1" smtClean="0"/>
+              <a:t>int</a:t>
+            </a:r>
+            <a:r>
+              <a:rPr lang="pt-BR" dirty="0" smtClean="0"/>
+              <a:t> b);</a:t>
+            </a:r>
+          </a:p>
+          <a:p>
+            <a:r>
+              <a:rPr lang="pt-BR" dirty="0" smtClean="0"/>
+              <a:t> </a:t>
+            </a:r>
+          </a:p>
+          <a:p>
+            <a:r>
+              <a:rPr lang="pt-BR" dirty="0" err="1" smtClean="0"/>
+              <a:t>int</a:t>
+            </a:r>
+            <a:r>
+              <a:rPr lang="pt-BR" dirty="0" smtClean="0"/>
+              <a:t> </a:t>
+            </a:r>
+            <a:r>
+              <a:rPr lang="pt-BR" dirty="0" err="1" smtClean="0"/>
+              <a:t>main</a:t>
+            </a:r>
+            <a:r>
+              <a:rPr lang="pt-BR" dirty="0" smtClean="0"/>
+              <a:t>(){</a:t>
+            </a:r>
+          </a:p>
+          <a:p>
+            <a:r>
+              <a:rPr lang="pt-BR" dirty="0" smtClean="0"/>
+              <a:t>	</a:t>
+            </a:r>
+            <a:r>
+              <a:rPr lang="pt-BR" dirty="0" err="1" smtClean="0"/>
+              <a:t>int</a:t>
+            </a:r>
+            <a:r>
+              <a:rPr lang="pt-BR" dirty="0" smtClean="0"/>
+              <a:t> x;</a:t>
+            </a:r>
+          </a:p>
+          <a:p>
+            <a:r>
+              <a:rPr lang="pt-BR" dirty="0" smtClean="0"/>
+              <a:t>	x = soma(3,79);</a:t>
+            </a:r>
+          </a:p>
+          <a:p>
+            <a:r>
+              <a:rPr lang="pt-BR" dirty="0" smtClean="0"/>
+              <a:t>	</a:t>
+            </a:r>
+            <a:r>
+              <a:rPr lang="pt-BR" dirty="0" err="1" smtClean="0"/>
+              <a:t>printf</a:t>
+            </a:r>
+            <a:r>
+              <a:rPr lang="pt-BR" dirty="0" smtClean="0"/>
+              <a:t>("o resultado da soma </a:t>
+            </a:r>
+            <a:r>
+              <a:rPr lang="pt-BR" dirty="0" err="1" smtClean="0"/>
+              <a:t>eh</a:t>
+            </a:r>
+            <a:r>
+              <a:rPr lang="pt-BR" dirty="0" smtClean="0"/>
+              <a:t>: %d",x);</a:t>
+            </a:r>
+          </a:p>
+          <a:p>
+            <a:r>
+              <a:rPr lang="pt-BR" dirty="0" smtClean="0"/>
+              <a:t>	</a:t>
+            </a:r>
+            <a:r>
+              <a:rPr lang="pt-BR" dirty="0" err="1" smtClean="0"/>
+              <a:t>return</a:t>
+            </a:r>
+            <a:r>
+              <a:rPr lang="pt-BR" dirty="0" smtClean="0"/>
+              <a:t> 0;</a:t>
+            </a:r>
+          </a:p>
+          <a:p>
+            <a:r>
+              <a:rPr lang="pt-BR" dirty="0" smtClean="0"/>
+              <a:t>}</a:t>
+            </a:r>
+          </a:p>
+          <a:p>
+            <a:endParaRPr lang="pt-BR" dirty="0" smtClean="0"/>
+          </a:p>
+          <a:p>
+            <a:r>
+              <a:rPr lang="pt-BR" dirty="0" smtClean="0"/>
+              <a:t>global soma</a:t>
+            </a:r>
+          </a:p>
+          <a:p>
+            <a:r>
+              <a:rPr lang="pt-BR" dirty="0" smtClean="0"/>
+              <a:t> </a:t>
+            </a:r>
+          </a:p>
+          <a:p>
+            <a:r>
+              <a:rPr lang="pt-BR" dirty="0" smtClean="0"/>
+              <a:t>soma:</a:t>
+            </a:r>
+          </a:p>
+          <a:p>
+            <a:r>
+              <a:rPr lang="pt-BR" dirty="0" smtClean="0"/>
+              <a:t>	</a:t>
+            </a:r>
+            <a:r>
+              <a:rPr lang="en-US" dirty="0" err="1" smtClean="0"/>
+              <a:t>mov</a:t>
+            </a:r>
+            <a:r>
+              <a:rPr lang="en-US" dirty="0" smtClean="0"/>
+              <a:t> </a:t>
+            </a:r>
+            <a:r>
+              <a:rPr lang="en-US" dirty="0" err="1" smtClean="0"/>
+              <a:t>eax</a:t>
+            </a:r>
+            <a:r>
+              <a:rPr lang="en-US" dirty="0" smtClean="0"/>
+              <a:t>,[esp+4]</a:t>
+            </a:r>
+            <a:endParaRPr lang="pt-BR" dirty="0" smtClean="0"/>
+          </a:p>
+          <a:p>
+            <a:r>
+              <a:rPr lang="en-US" dirty="0" smtClean="0"/>
+              <a:t>	</a:t>
+            </a:r>
+            <a:r>
+              <a:rPr lang="en-US" dirty="0" err="1" smtClean="0"/>
+              <a:t>mov</a:t>
+            </a:r>
+            <a:r>
+              <a:rPr lang="en-US" dirty="0" smtClean="0"/>
+              <a:t> </a:t>
+            </a:r>
+            <a:r>
+              <a:rPr lang="en-US" dirty="0" err="1" smtClean="0"/>
+              <a:t>ebx</a:t>
+            </a:r>
+            <a:r>
+              <a:rPr lang="en-US" dirty="0" smtClean="0"/>
+              <a:t>,[esp+8]</a:t>
+            </a:r>
+            <a:endParaRPr lang="pt-BR" dirty="0" smtClean="0"/>
+          </a:p>
+          <a:p>
+            <a:r>
+              <a:rPr lang="en-US" dirty="0" smtClean="0"/>
+              <a:t>	add </a:t>
+            </a:r>
+            <a:r>
+              <a:rPr lang="en-US" dirty="0" err="1" smtClean="0"/>
+              <a:t>eax,ebx</a:t>
+            </a:r>
+            <a:endParaRPr lang="pt-BR" dirty="0" smtClean="0"/>
+          </a:p>
+          <a:p>
+            <a:r>
+              <a:rPr lang="en-US" dirty="0" smtClean="0"/>
+              <a:t>	</a:t>
+            </a:r>
+            <a:r>
+              <a:rPr lang="pt-BR" dirty="0" err="1" smtClean="0"/>
+              <a:t>ret</a:t>
+            </a:r>
+            <a:endParaRPr lang="pt-BR" dirty="0" smtClean="0"/>
+          </a:p>
+          <a:p>
+            <a:endParaRPr lang="pt-BR" dirty="0"/>
+          </a:p>
         </p:txBody>
       </p:sp>
     </p:spTree>
-    <p:extLst>
-      <p:ext uri="{BB962C8B-B14F-4D97-AF65-F5344CB8AC3E}">
-        <p14:creationId xmlns:p14="http://schemas.microsoft.com/office/powerpoint/2010/main" val="1011183347"/>
-      </p:ext>
-    </p:extLst>
   </p:cSld>
   <p:clrMapOvr>
     <a:masterClrMapping/>
   </p:clrMapOvr>
-  <p:timing>
-    <p:tnLst>
-      <p:par>
-        <p:cTn id="1" dur="indefinite" restart="never" nodeType="tmRoot"/>
-      </p:par>
-    </p:tnLst>
-  </p:timing>
 </p:sld>
 </file>
 
@@ -5323,7 +6032,7 @@
       </p:grpSpPr>
       <p:sp>
         <p:nvSpPr>
-          <p:cNvPr id="2" name="Title 1"/>
+          <p:cNvPr id="2" name="Título 1"/>
           <p:cNvSpPr>
             <a:spLocks noGrp="1"/>
           </p:cNvSpPr>
@@ -5336,58 +6045,48 @@
           <a:bodyPr/>
           <a:lstStyle/>
           <a:p>
-            <a:r>
-              <a:rPr lang="pt-BR" sz="4000" dirty="0" smtClean="0"/>
-              <a:t>Variáveis globais</a:t>
-            </a:r>
-            <a:endParaRPr lang="en-US" sz="4000" dirty="0"/>
-          </a:p>
-        </p:txBody>
-      </p:sp>
-      <p:sp>
-        <p:nvSpPr>
-          <p:cNvPr id="3" name="Content Placeholder 2"/>
-          <p:cNvSpPr>
-            <a:spLocks noGrp="1"/>
-          </p:cNvSpPr>
-          <p:nvPr>
-            <p:ph idx="1"/>
-          </p:nvPr>
-        </p:nvSpPr>
-        <p:spPr/>
+            <a:endParaRPr lang="pt-BR"/>
+          </a:p>
+        </p:txBody>
+      </p:sp>
+      <p:sp>
+        <p:nvSpPr>
+          <p:cNvPr id="3" name="Espaço Reservado para Texto 2"/>
+          <p:cNvSpPr>
+            <a:spLocks noGrp="1"/>
+          </p:cNvSpPr>
+          <p:nvPr>
+            <p:ph type="body" idx="1"/>
+          </p:nvPr>
+        </p:nvSpPr>
+        <p:spPr>
+          <a:xfrm>
+            <a:off x="722313" y="692696"/>
+            <a:ext cx="6135687" cy="4793705"/>
+          </a:xfrm>
+        </p:spPr>
         <p:txBody>
           <a:bodyPr>
             <a:normAutofit/>
           </a:bodyPr>
           <a:lstStyle/>
           <a:p>
-            <a:r>
-              <a:rPr lang="pt-BR" dirty="0" smtClean="0"/>
-              <a:t>Código exemplo</a:t>
-            </a:r>
-          </a:p>
-          <a:p>
+            <a:pPr>
+              <a:buFont typeface="Arial" pitchFamily="34" charset="0"/>
+              <a:buChar char="•"/>
+            </a:pPr>
             <a:endParaRPr lang="pt-BR" dirty="0" smtClean="0"/>
           </a:p>
+          <a:p>
+            <a:endParaRPr lang="pt-BR" dirty="0"/>
+          </a:p>
         </p:txBody>
       </p:sp>
     </p:spTree>
-    <p:extLst>
-      <p:ext uri="{BB962C8B-B14F-4D97-AF65-F5344CB8AC3E}">
-        <p14:creationId xmlns:p14="http://schemas.microsoft.com/office/powerpoint/2010/main" val="633472005"/>
-      </p:ext>
-    </p:extLst>
   </p:cSld>
   <p:clrMapOvr>
     <a:masterClrMapping/>
   </p:clrMapOvr>
-  <p:timing>
-    <p:tnLst>
-      <p:par>
-        <p:cTn id="1" dur="indefinite" restart="never" nodeType="tmRoot"/>
-      </p:par>
-    </p:tnLst>
-  </p:timing>
 </p:sld>
 </file>
 

--- a/trunk/seminario/Interface entre C e Assemby 8085.pptx
+++ b/trunk/seminario/Interface entre C e Assemby 8085.pptx
@@ -5,7 +5,7 @@
     <p:sldMasterId id="2147483772" r:id="rId1"/>
   </p:sldMasterIdLst>
   <p:notesMasterIdLst>
-    <p:notesMasterId r:id="rId20"/>
+    <p:notesMasterId r:id="rId21"/>
   </p:notesMasterIdLst>
   <p:sldIdLst>
     <p:sldId id="256" r:id="rId2"/>
@@ -21,11 +21,12 @@
     <p:sldId id="300" r:id="rId12"/>
     <p:sldId id="301" r:id="rId13"/>
     <p:sldId id="302" r:id="rId14"/>
-    <p:sldId id="303" r:id="rId15"/>
-    <p:sldId id="304" r:id="rId16"/>
-    <p:sldId id="297" r:id="rId17"/>
-    <p:sldId id="305" r:id="rId18"/>
-    <p:sldId id="289" r:id="rId19"/>
+    <p:sldId id="310" r:id="rId15"/>
+    <p:sldId id="311" r:id="rId16"/>
+    <p:sldId id="312" r:id="rId17"/>
+    <p:sldId id="297" r:id="rId18"/>
+    <p:sldId id="305" r:id="rId19"/>
+    <p:sldId id="289" r:id="rId20"/>
   </p:sldIdLst>
   <p:sldSz cx="9144000" cy="6858000" type="screen4x3"/>
   <p:notesSz cx="6858000" cy="9144000"/>
@@ -210,7 +211,7 @@
             <a:fld id="{0202AF00-0D92-4FB3-BF30-0E1262BA24CF}" type="datetimeFigureOut">
               <a:rPr lang="pt-BR" smtClean="0"/>
               <a:pPr/>
-              <a:t>30/11/2011</a:t>
+              <a:t>01/12/2011</a:t>
             </a:fld>
             <a:endParaRPr lang="pt-BR"/>
           </a:p>
@@ -381,7 +382,7 @@
     </p:spTree>
     <p:extLst>
       <p:ext uri="{BB962C8B-B14F-4D97-AF65-F5344CB8AC3E}">
-        <p14:creationId xmlns:p14="http://schemas.microsoft.com/office/powerpoint/2010/main" xmlns="" val="3517328007"/>
+        <p14:creationId xmlns="" xmlns:p14="http://schemas.microsoft.com/office/powerpoint/2010/main" val="3517328007"/>
       </p:ext>
     </p:extLst>
   </p:cSld>
@@ -676,7 +677,7 @@
             <a:fld id="{7BE08B6B-564C-4EB5-BE5C-0142EA1AA5D2}" type="datetimeFigureOut">
               <a:rPr lang="pt-BR" smtClean="0"/>
               <a:pPr/>
-              <a:t>30/11/2011</a:t>
+              <a:t>01/12/2011</a:t>
             </a:fld>
             <a:endParaRPr lang="pt-BR"/>
           </a:p>
@@ -850,7 +851,7 @@
             <a:fld id="{7BE08B6B-564C-4EB5-BE5C-0142EA1AA5D2}" type="datetimeFigureOut">
               <a:rPr lang="pt-BR" smtClean="0"/>
               <a:pPr/>
-              <a:t>30/11/2011</a:t>
+              <a:t>01/12/2011</a:t>
             </a:fld>
             <a:endParaRPr lang="pt-BR"/>
           </a:p>
@@ -1034,7 +1035,7 @@
             <a:fld id="{7BE08B6B-564C-4EB5-BE5C-0142EA1AA5D2}" type="datetimeFigureOut">
               <a:rPr lang="pt-BR" smtClean="0"/>
               <a:pPr/>
-              <a:t>30/11/2011</a:t>
+              <a:t>01/12/2011</a:t>
             </a:fld>
             <a:endParaRPr lang="pt-BR"/>
           </a:p>
@@ -1208,7 +1209,7 @@
             <a:fld id="{7BE08B6B-564C-4EB5-BE5C-0142EA1AA5D2}" type="datetimeFigureOut">
               <a:rPr lang="pt-BR" smtClean="0"/>
               <a:pPr/>
-              <a:t>30/11/2011</a:t>
+              <a:t>01/12/2011</a:t>
             </a:fld>
             <a:endParaRPr lang="pt-BR"/>
           </a:p>
@@ -1458,7 +1459,7 @@
             <a:fld id="{7BE08B6B-564C-4EB5-BE5C-0142EA1AA5D2}" type="datetimeFigureOut">
               <a:rPr lang="pt-BR" smtClean="0"/>
               <a:pPr/>
-              <a:t>30/11/2011</a:t>
+              <a:t>01/12/2011</a:t>
             </a:fld>
             <a:endParaRPr lang="pt-BR"/>
           </a:p>
@@ -1750,7 +1751,7 @@
             <a:fld id="{7BE08B6B-564C-4EB5-BE5C-0142EA1AA5D2}" type="datetimeFigureOut">
               <a:rPr lang="pt-BR" smtClean="0"/>
               <a:pPr/>
-              <a:t>30/11/2011</a:t>
+              <a:t>01/12/2011</a:t>
             </a:fld>
             <a:endParaRPr lang="pt-BR"/>
           </a:p>
@@ -2188,7 +2189,7 @@
             <a:fld id="{7BE08B6B-564C-4EB5-BE5C-0142EA1AA5D2}" type="datetimeFigureOut">
               <a:rPr lang="pt-BR" smtClean="0"/>
               <a:pPr/>
-              <a:t>30/11/2011</a:t>
+              <a:t>01/12/2011</a:t>
             </a:fld>
             <a:endParaRPr lang="pt-BR"/>
           </a:p>
@@ -2310,7 +2311,7 @@
             <a:fld id="{7BE08B6B-564C-4EB5-BE5C-0142EA1AA5D2}" type="datetimeFigureOut">
               <a:rPr lang="pt-BR" smtClean="0"/>
               <a:pPr/>
-              <a:t>30/11/2011</a:t>
+              <a:t>01/12/2011</a:t>
             </a:fld>
             <a:endParaRPr lang="pt-BR"/>
           </a:p>
@@ -2409,7 +2410,7 @@
             <a:fld id="{7BE08B6B-564C-4EB5-BE5C-0142EA1AA5D2}" type="datetimeFigureOut">
               <a:rPr lang="pt-BR" smtClean="0"/>
               <a:pPr/>
-              <a:t>30/11/2011</a:t>
+              <a:t>01/12/2011</a:t>
             </a:fld>
             <a:endParaRPr lang="pt-BR"/>
           </a:p>
@@ -2607,7 +2608,7 @@
             <a:fld id="{7BE08B6B-564C-4EB5-BE5C-0142EA1AA5D2}" type="datetimeFigureOut">
               <a:rPr lang="pt-BR" smtClean="0"/>
               <a:pPr/>
-              <a:t>30/11/2011</a:t>
+              <a:t>01/12/2011</a:t>
             </a:fld>
             <a:endParaRPr lang="pt-BR"/>
           </a:p>
@@ -2934,7 +2935,7 @@
             <a:fld id="{7BE08B6B-564C-4EB5-BE5C-0142EA1AA5D2}" type="datetimeFigureOut">
               <a:rPr lang="pt-BR" smtClean="0"/>
               <a:pPr/>
-              <a:t>30/11/2011</a:t>
+              <a:t>01/12/2011</a:t>
             </a:fld>
             <a:endParaRPr lang="pt-BR"/>
           </a:p>
@@ -3323,7 +3324,7 @@
             <a:fld id="{7BE08B6B-564C-4EB5-BE5C-0142EA1AA5D2}" type="datetimeFigureOut">
               <a:rPr lang="pt-BR" smtClean="0"/>
               <a:pPr/>
-              <a:t>30/11/2011</a:t>
+              <a:t>01/12/2011</a:t>
             </a:fld>
             <a:endParaRPr lang="pt-BR"/>
           </a:p>
@@ -3847,7 +3848,7 @@
     <a:masterClrMapping/>
   </p:clrMapOvr>
   <mc:AlternateContent xmlns:mc="http://schemas.openxmlformats.org/markup-compatibility/2006">
-    <mc:Choice xmlns:p14="http://schemas.microsoft.com/office/powerpoint/2010/main" xmlns="" Requires="p14">
+    <mc:Choice xmlns="" xmlns:p14="http://schemas.microsoft.com/office/powerpoint/2010/main" Requires="p14">
       <p:transition spd="med" p14:dur="700">
         <p:fade/>
       </p:transition>
@@ -4024,7 +4025,7 @@
     </p:spTree>
     <p:extLst>
       <p:ext uri="{BB962C8B-B14F-4D97-AF65-F5344CB8AC3E}">
-        <p14:creationId xmlns:p14="http://schemas.microsoft.com/office/powerpoint/2010/main" xmlns="" val="3419028655"/>
+        <p14:creationId xmlns="" xmlns:p14="http://schemas.microsoft.com/office/powerpoint/2010/main" val="3419028655"/>
       </p:ext>
     </p:extLst>
   </p:cSld>
@@ -4119,7 +4120,7 @@
     </p:spTree>
     <p:extLst>
       <p:ext uri="{BB962C8B-B14F-4D97-AF65-F5344CB8AC3E}">
-        <p14:creationId xmlns:p14="http://schemas.microsoft.com/office/powerpoint/2010/main" xmlns="" val="631104269"/>
+        <p14:creationId xmlns="" xmlns:p14="http://schemas.microsoft.com/office/powerpoint/2010/main" val="631104269"/>
       </p:ext>
     </p:extLst>
   </p:cSld>
@@ -4206,7 +4207,7 @@
     </p:spTree>
     <p:extLst>
       <p:ext uri="{BB962C8B-B14F-4D97-AF65-F5344CB8AC3E}">
-        <p14:creationId xmlns:p14="http://schemas.microsoft.com/office/powerpoint/2010/main" xmlns="" val="1011183347"/>
+        <p14:creationId xmlns="" xmlns:p14="http://schemas.microsoft.com/office/powerpoint/2010/main" val="1011183347"/>
       </p:ext>
     </p:extLst>
   </p:cSld>
@@ -4293,7 +4294,7 @@
     </p:spTree>
     <p:extLst>
       <p:ext uri="{BB962C8B-B14F-4D97-AF65-F5344CB8AC3E}">
-        <p14:creationId xmlns:p14="http://schemas.microsoft.com/office/powerpoint/2010/main" xmlns="" val="633472005"/>
+        <p14:creationId xmlns="" xmlns:p14="http://schemas.microsoft.com/office/powerpoint/2010/main" val="633472005"/>
       </p:ext>
     </p:extLst>
   </p:cSld>
@@ -4377,8 +4378,215 @@
           <a:p>
             <a:r>
               <a:rPr lang="pt-BR" dirty="0" smtClean="0"/>
-              <a:t>Código exemplo</a:t>
-            </a:r>
+              <a:t>Introdução</a:t>
+            </a:r>
+          </a:p>
+          <a:p>
+            <a:pPr>
+              <a:buNone/>
+            </a:pPr>
+            <a:endParaRPr lang="pt-BR" dirty="0" smtClean="0"/>
+          </a:p>
+          <a:p>
+            <a:r>
+              <a:rPr lang="pt-BR" dirty="0" smtClean="0"/>
+              <a:t>Codificação </a:t>
+            </a:r>
+            <a:r>
+              <a:rPr lang="pt-BR" dirty="0" smtClean="0"/>
+              <a:t>básica para GCC</a:t>
+            </a:r>
+          </a:p>
+          <a:p>
+            <a:pPr lvl="1"/>
+            <a:r>
+              <a:rPr lang="pt-BR" dirty="0" smtClean="0"/>
+              <a:t>Sintaxe: AT&amp;T</a:t>
+            </a:r>
+          </a:p>
+          <a:p>
+            <a:pPr lvl="1"/>
+            <a:r>
+              <a:rPr lang="pt-BR" dirty="0" smtClean="0"/>
+              <a:t>Exemplo: </a:t>
+            </a:r>
+          </a:p>
+          <a:p>
+            <a:pPr lvl="2">
+              <a:buNone/>
+            </a:pPr>
+            <a:r>
+              <a:rPr lang="pt-BR" dirty="0" smtClean="0"/>
+              <a:t>	__</a:t>
+            </a:r>
+            <a:r>
+              <a:rPr lang="pt-BR" dirty="0" err="1" smtClean="0"/>
+              <a:t>asm__</a:t>
+            </a:r>
+            <a:r>
+              <a:rPr lang="pt-BR" dirty="0" smtClean="0"/>
+              <a:t> ("</a:t>
+            </a:r>
+            <a:r>
+              <a:rPr lang="pt-BR" dirty="0" err="1" smtClean="0"/>
+              <a:t>movl</a:t>
+            </a:r>
+            <a:r>
+              <a:rPr lang="pt-BR" dirty="0" smtClean="0"/>
+              <a:t> %</a:t>
+            </a:r>
+            <a:r>
+              <a:rPr lang="pt-BR" dirty="0" err="1" smtClean="0"/>
+              <a:t>eax</a:t>
+            </a:r>
+            <a:r>
+              <a:rPr lang="pt-BR" dirty="0" smtClean="0"/>
+              <a:t>, %</a:t>
+            </a:r>
+            <a:r>
+              <a:rPr lang="pt-BR" dirty="0" err="1" smtClean="0"/>
+              <a:t>ebx</a:t>
+            </a:r>
+            <a:r>
+              <a:rPr lang="pt-BR" dirty="0" smtClean="0"/>
+              <a:t>\n\t" </a:t>
+            </a:r>
+          </a:p>
+          <a:p>
+            <a:pPr lvl="2">
+              <a:buNone/>
+            </a:pPr>
+            <a:r>
+              <a:rPr lang="pt-BR" dirty="0" smtClean="0"/>
+              <a:t>		   "</a:t>
+            </a:r>
+            <a:r>
+              <a:rPr lang="pt-BR" dirty="0" err="1" smtClean="0"/>
+              <a:t>movl</a:t>
+            </a:r>
+            <a:r>
+              <a:rPr lang="pt-BR" dirty="0" smtClean="0"/>
+              <a:t> $56, %</a:t>
+            </a:r>
+            <a:r>
+              <a:rPr lang="pt-BR" dirty="0" err="1" smtClean="0"/>
+              <a:t>esi</a:t>
+            </a:r>
+            <a:r>
+              <a:rPr lang="pt-BR" dirty="0" smtClean="0"/>
+              <a:t>\n\t“</a:t>
+            </a:r>
+          </a:p>
+          <a:p>
+            <a:pPr lvl="2">
+              <a:buNone/>
+            </a:pPr>
+            <a:r>
+              <a:rPr lang="pt-BR" dirty="0" smtClean="0"/>
+              <a:t>		   "</a:t>
+            </a:r>
+            <a:r>
+              <a:rPr lang="pt-BR" dirty="0" err="1" smtClean="0"/>
+              <a:t>movl</a:t>
+            </a:r>
+            <a:r>
+              <a:rPr lang="pt-BR" dirty="0" smtClean="0"/>
+              <a:t> %</a:t>
+            </a:r>
+            <a:r>
+              <a:rPr lang="pt-BR" dirty="0" err="1" smtClean="0"/>
+              <a:t>ecx</a:t>
+            </a:r>
+            <a:r>
+              <a:rPr lang="pt-BR" dirty="0" smtClean="0"/>
+              <a:t>, $</a:t>
+            </a:r>
+            <a:r>
+              <a:rPr lang="pt-BR" dirty="0" err="1" smtClean="0"/>
+              <a:t>label</a:t>
+            </a:r>
+            <a:r>
+              <a:rPr lang="pt-BR" dirty="0" smtClean="0"/>
+              <a:t>(%</a:t>
+            </a:r>
+            <a:r>
+              <a:rPr lang="pt-BR" dirty="0" err="1" smtClean="0"/>
+              <a:t>edx</a:t>
+            </a:r>
+            <a:r>
+              <a:rPr lang="pt-BR" dirty="0" smtClean="0"/>
+              <a:t>,%</a:t>
+            </a:r>
+            <a:r>
+              <a:rPr lang="pt-BR" dirty="0" err="1" smtClean="0"/>
+              <a:t>ebx</a:t>
+            </a:r>
+            <a:r>
+              <a:rPr lang="pt-BR" dirty="0" smtClean="0"/>
+              <a:t>,$4)\n\t”</a:t>
+            </a:r>
+          </a:p>
+          <a:p>
+            <a:pPr lvl="2">
+              <a:buNone/>
+            </a:pPr>
+            <a:r>
+              <a:rPr lang="pt-BR" dirty="0" smtClean="0"/>
+              <a:t>		   "</a:t>
+            </a:r>
+            <a:r>
+              <a:rPr lang="pt-BR" dirty="0" err="1" smtClean="0"/>
+              <a:t>movb</a:t>
+            </a:r>
+            <a:r>
+              <a:rPr lang="pt-BR" dirty="0" smtClean="0"/>
+              <a:t> %ah, (%</a:t>
+            </a:r>
+            <a:r>
+              <a:rPr lang="pt-BR" dirty="0" err="1" smtClean="0"/>
+              <a:t>ebx</a:t>
+            </a:r>
+            <a:r>
+              <a:rPr lang="pt-BR" dirty="0" smtClean="0"/>
+              <a:t>)");</a:t>
+            </a:r>
+          </a:p>
+          <a:p>
+            <a:pPr lvl="2">
+              <a:buNone/>
+            </a:pPr>
+            <a:endParaRPr lang="pt-BR" dirty="0" smtClean="0"/>
+          </a:p>
+          <a:p>
+            <a:r>
+              <a:rPr lang="pt-BR" dirty="0" smtClean="0"/>
+              <a:t>Extensão</a:t>
+            </a:r>
+          </a:p>
+          <a:p>
+            <a:pPr lvl="1"/>
+            <a:r>
+              <a:rPr lang="pt-BR" dirty="0" smtClean="0"/>
+              <a:t>Como definir as variáveis de entrada e saída (interface com C)</a:t>
+            </a:r>
+          </a:p>
+          <a:p>
+            <a:pPr lvl="1"/>
+            <a:r>
+              <a:rPr lang="pt-BR" dirty="0" smtClean="0"/>
+              <a:t>Como indicar como essas variáveis serão usadas em </a:t>
+            </a:r>
+            <a:r>
+              <a:rPr lang="pt-BR" dirty="0" err="1" smtClean="0"/>
+              <a:t>assembly</a:t>
+            </a:r>
+            <a:endParaRPr lang="pt-BR" dirty="0" smtClean="0"/>
+          </a:p>
+          <a:p>
+            <a:pPr lvl="2">
+              <a:buNone/>
+            </a:pPr>
+            <a:endParaRPr lang="pt-BR" dirty="0" smtClean="0"/>
           </a:p>
           <a:p>
             <a:endParaRPr lang="pt-BR" dirty="0" smtClean="0"/>
@@ -4438,8 +4646,16 @@
           <a:lstStyle/>
           <a:p>
             <a:r>
+              <a:rPr lang="pt-BR" sz="4000" dirty="0" err="1" smtClean="0"/>
+              <a:t>Inline</a:t>
+            </a:r>
+            <a:r>
               <a:rPr lang="pt-BR" sz="4000" dirty="0" smtClean="0"/>
-              <a:t>Modelos de memória</a:t>
+              <a:t> </a:t>
+            </a:r>
+            <a:r>
+              <a:rPr lang="pt-BR" sz="4000" dirty="0" err="1" smtClean="0"/>
+              <a:t>assembly</a:t>
             </a:r>
             <a:endParaRPr lang="en-US" sz="4000" dirty="0"/>
           </a:p>
@@ -4458,139 +4674,261 @@
         <p:spPr/>
         <p:txBody>
           <a:bodyPr>
-            <a:normAutofit fontScale="92500" lnSpcReduction="20000"/>
+            <a:normAutofit/>
           </a:bodyPr>
           <a:lstStyle/>
           <a:p>
             <a:r>
               <a:rPr lang="pt-BR" dirty="0" smtClean="0"/>
-              <a:t>O que são os modelos de memória</a:t>
-            </a:r>
-          </a:p>
-          <a:p>
-            <a:endParaRPr lang="pt-BR" dirty="0"/>
-          </a:p>
-          <a:p>
-            <a:r>
-              <a:rPr lang="pt-BR" dirty="0" smtClean="0"/>
-              <a:t>Quando usar um ou outro</a:t>
-            </a:r>
-          </a:p>
-          <a:p>
-            <a:endParaRPr lang="pt-BR" dirty="0"/>
-          </a:p>
-          <a:p>
-            <a:r>
-              <a:rPr lang="pt-BR" dirty="0" smtClean="0"/>
-              <a:t>Misturar modelos de memória – cláusulas </a:t>
-            </a:r>
+              <a:t>Extensão (continuação)</a:t>
+            </a:r>
+          </a:p>
+          <a:p>
+            <a:pPr lvl="1"/>
+            <a:r>
+              <a:rPr lang="pt-BR" dirty="0" smtClean="0"/>
+              <a:t>Campos: </a:t>
+            </a:r>
+            <a:r>
+              <a:rPr lang="pt-BR" i="1" dirty="0" err="1" smtClean="0"/>
+              <a:t>assembly</a:t>
+            </a:r>
+            <a:r>
+              <a:rPr lang="pt-BR" i="1" dirty="0" smtClean="0"/>
+              <a:t> </a:t>
+            </a:r>
+            <a:r>
+              <a:rPr lang="pt-BR" i="1" dirty="0" err="1" smtClean="0"/>
+              <a:t>template</a:t>
+            </a:r>
+            <a:r>
+              <a:rPr lang="pt-BR" dirty="0" smtClean="0"/>
+              <a:t>, saída, entrada e registradores utilizados</a:t>
+            </a:r>
+          </a:p>
+          <a:p>
+            <a:pPr lvl="1"/>
             <a:r>
               <a:rPr lang="pt-BR" dirty="0" err="1" smtClean="0"/>
-              <a:t>tiny</a:t>
-            </a:r>
-            <a:r>
-              <a:rPr lang="pt-BR" dirty="0" smtClean="0"/>
-              <a:t>, </a:t>
+              <a:t>Operandos</a:t>
+            </a:r>
+            <a:r>
+              <a:rPr lang="pt-BR" dirty="0" smtClean="0"/>
+              <a:t>: associados a variáveis em C</a:t>
+            </a:r>
+            <a:endParaRPr lang="pt-BR" dirty="0" smtClean="0"/>
+          </a:p>
+          <a:p>
+            <a:pPr lvl="1"/>
+            <a:r>
+              <a:rPr lang="pt-BR" dirty="0" smtClean="0"/>
+              <a:t>Restrições: r, =r, a,b,c,...,m, ..., número</a:t>
+            </a:r>
+          </a:p>
+          <a:p>
+            <a:pPr lvl="1"/>
+            <a:r>
+              <a:rPr lang="pt-BR" dirty="0" smtClean="0"/>
+              <a:t>Exemplo:</a:t>
+            </a:r>
+          </a:p>
+          <a:p>
+            <a:pPr lvl="1">
+              <a:buNone/>
+            </a:pPr>
+            <a:r>
+              <a:rPr lang="pt-BR" dirty="0" smtClean="0"/>
+              <a:t>			</a:t>
             </a:r>
             <a:r>
               <a:rPr lang="pt-BR" dirty="0" err="1" smtClean="0"/>
-              <a:t>small</a:t>
-            </a:r>
-            <a:r>
-              <a:rPr lang="pt-BR" dirty="0" smtClean="0"/>
-              <a:t>, </a:t>
+              <a:t>int</a:t>
+            </a:r>
+            <a:r>
+              <a:rPr lang="pt-BR" dirty="0" smtClean="0"/>
+              <a:t> </a:t>
+            </a:r>
+            <a:r>
+              <a:rPr lang="pt-BR" dirty="0" smtClean="0"/>
+              <a:t>a=10, b; </a:t>
+            </a:r>
+            <a:endParaRPr lang="pt-BR" dirty="0" smtClean="0"/>
+          </a:p>
+          <a:p>
+            <a:pPr lvl="1">
+              <a:buNone/>
+            </a:pPr>
+            <a:r>
+              <a:rPr lang="pt-BR" dirty="0" smtClean="0"/>
+              <a:t>	</a:t>
+            </a:r>
+            <a:r>
+              <a:rPr lang="pt-BR" dirty="0" smtClean="0"/>
+              <a:t>		</a:t>
             </a:r>
             <a:r>
               <a:rPr lang="pt-BR" dirty="0" err="1" smtClean="0"/>
-              <a:t>medium</a:t>
-            </a:r>
-            <a:r>
-              <a:rPr lang="pt-BR" dirty="0" smtClean="0"/>
-              <a:t>, </a:t>
+              <a:t>asm</a:t>
+            </a:r>
+            <a:r>
+              <a:rPr lang="pt-BR" dirty="0" smtClean="0"/>
+              <a:t> 	(“</a:t>
             </a:r>
             <a:r>
               <a:rPr lang="pt-BR" dirty="0" err="1" smtClean="0"/>
-              <a:t>compact</a:t>
-            </a:r>
-            <a:r>
-              <a:rPr lang="pt-BR" dirty="0" smtClean="0"/>
-              <a:t>, </a:t>
+              <a:t>movl</a:t>
+            </a:r>
+            <a:r>
+              <a:rPr lang="pt-BR" dirty="0" smtClean="0"/>
+              <a:t> </a:t>
+            </a:r>
+            <a:r>
+              <a:rPr lang="pt-BR" dirty="0" smtClean="0"/>
+              <a:t>%1, %%</a:t>
             </a:r>
             <a:r>
               <a:rPr lang="pt-BR" dirty="0" err="1" smtClean="0"/>
-              <a:t>large</a:t>
+              <a:t>eax</a:t>
+            </a:r>
+            <a:r>
+              <a:rPr lang="pt-BR" dirty="0" smtClean="0"/>
+              <a:t>;</a:t>
+            </a:r>
+          </a:p>
+          <a:p>
+            <a:pPr lvl="1">
+              <a:buNone/>
+            </a:pPr>
+            <a:r>
+              <a:rPr lang="pt-BR" dirty="0" smtClean="0"/>
+              <a:t>	</a:t>
+            </a:r>
+            <a:r>
+              <a:rPr lang="pt-BR" dirty="0" smtClean="0"/>
+              <a:t>			   </a:t>
+            </a:r>
+            <a:r>
+              <a:rPr lang="pt-BR" dirty="0" err="1" smtClean="0"/>
+              <a:t>movl</a:t>
+            </a:r>
+            <a:r>
+              <a:rPr lang="pt-BR" dirty="0" smtClean="0"/>
+              <a:t> %%</a:t>
+            </a:r>
+            <a:r>
+              <a:rPr lang="pt-BR" dirty="0" err="1" smtClean="0"/>
+              <a:t>eax</a:t>
+            </a:r>
+            <a:r>
+              <a:rPr lang="pt-BR" dirty="0" smtClean="0"/>
+              <a:t>, %0</a:t>
+            </a:r>
+            <a:r>
+              <a:rPr lang="pt-BR" dirty="0" smtClean="0"/>
+              <a:t>;”</a:t>
+            </a:r>
+          </a:p>
+          <a:p>
+            <a:pPr lvl="1">
+              <a:buNone/>
+            </a:pPr>
+            <a:r>
+              <a:rPr lang="pt-BR" dirty="0" smtClean="0"/>
+              <a:t>	</a:t>
+            </a:r>
+            <a:r>
+              <a:rPr lang="pt-BR" dirty="0" smtClean="0"/>
+              <a:t>			:"=</a:t>
+            </a:r>
+            <a:r>
+              <a:rPr lang="pt-BR" dirty="0" smtClean="0"/>
+              <a:t>r"(b</a:t>
+            </a:r>
+            <a:r>
+              <a:rPr lang="pt-BR" dirty="0" smtClean="0"/>
+              <a:t>)	/* </a:t>
+            </a:r>
+            <a:r>
+              <a:rPr lang="pt-BR" dirty="0" err="1" smtClean="0"/>
+              <a:t>saida</a:t>
             </a:r>
             <a:r>
               <a:rPr lang="pt-BR" dirty="0" smtClean="0"/>
               <a:t> </a:t>
             </a:r>
             <a:r>
+              <a:rPr lang="pt-BR" dirty="0" smtClean="0"/>
+              <a:t>*/ </a:t>
+            </a:r>
+            <a:endParaRPr lang="pt-BR" dirty="0" smtClean="0"/>
+          </a:p>
+          <a:p>
+            <a:pPr lvl="1">
+              <a:buNone/>
+            </a:pPr>
+            <a:r>
+              <a:rPr lang="pt-BR" dirty="0" smtClean="0"/>
+              <a:t>	</a:t>
+            </a:r>
+            <a:r>
+              <a:rPr lang="pt-BR" dirty="0" smtClean="0"/>
+              <a:t>			:"</a:t>
+            </a:r>
+            <a:r>
+              <a:rPr lang="pt-BR" dirty="0" smtClean="0"/>
+              <a:t>r"(a) </a:t>
+            </a:r>
+            <a:r>
+              <a:rPr lang="pt-BR" dirty="0" smtClean="0"/>
+              <a:t>	/* entrada </a:t>
+            </a:r>
+            <a:r>
+              <a:rPr lang="pt-BR" dirty="0" smtClean="0"/>
+              <a:t>*/ </a:t>
+            </a:r>
+            <a:endParaRPr lang="pt-BR" dirty="0" smtClean="0"/>
+          </a:p>
+          <a:p>
+            <a:pPr lvl="1">
+              <a:buNone/>
+            </a:pPr>
+            <a:r>
+              <a:rPr lang="pt-BR" dirty="0" smtClean="0"/>
+              <a:t>	</a:t>
+            </a:r>
+            <a:r>
+              <a:rPr lang="pt-BR" dirty="0" smtClean="0"/>
+              <a:t>			:"%</a:t>
+            </a:r>
+            <a:r>
               <a:rPr lang="pt-BR" dirty="0" err="1" smtClean="0"/>
-              <a:t>huge</a:t>
+              <a:t>eax</a:t>
+            </a:r>
+            <a:r>
+              <a:rPr lang="pt-BR" dirty="0" smtClean="0"/>
+              <a:t>" </a:t>
+            </a:r>
+            <a:r>
+              <a:rPr lang="pt-BR" dirty="0" smtClean="0"/>
+              <a:t>	/* registradores utilizados </a:t>
+            </a:r>
+            <a:r>
+              <a:rPr lang="pt-BR" dirty="0" smtClean="0"/>
+              <a:t>*/  </a:t>
+            </a:r>
+            <a:r>
+              <a:rPr lang="pt-BR" dirty="0" smtClean="0"/>
+              <a:t>); </a:t>
             </a:r>
             <a:endParaRPr lang="pt-BR" dirty="0" smtClean="0"/>
           </a:p>
           <a:p>
-            <a:endParaRPr lang="pt-BR" dirty="0"/>
-          </a:p>
-          <a:p>
-            <a:r>
-              <a:rPr lang="pt-BR" dirty="0" smtClean="0"/>
-              <a:t>Fontes: </a:t>
-            </a:r>
-          </a:p>
-          <a:p>
-            <a:r>
-              <a:rPr lang="en-US" dirty="0">
-                <a:hlinkClick r:id="rId2"/>
-              </a:rPr>
-              <a:t>http://</a:t>
-            </a:r>
-            <a:r>
-              <a:rPr lang="en-US" dirty="0" smtClean="0">
-                <a:hlinkClick r:id="rId2"/>
-              </a:rPr>
-              <a:t>www.esacademy.com/en/library/technical-articles-and-documents/8051-programming/8051-memory-configurations-with-c-compilers.html</a:t>
-            </a:r>
-            <a:endParaRPr lang="en-US" dirty="0" smtClean="0"/>
-          </a:p>
-          <a:p>
-            <a:r>
-              <a:rPr lang="en-US" dirty="0">
-                <a:hlinkClick r:id="rId3"/>
-              </a:rPr>
-              <a:t>http://</a:t>
-            </a:r>
-            <a:r>
-              <a:rPr lang="en-US" dirty="0" smtClean="0">
-                <a:hlinkClick r:id="rId3"/>
-              </a:rPr>
-              <a:t>www.keil.com/support/docs/995.htm</a:t>
-            </a:r>
-            <a:endParaRPr lang="en-US" dirty="0" smtClean="0"/>
-          </a:p>
-          <a:p>
-            <a:r>
-              <a:rPr lang="en-US" dirty="0">
-                <a:hlinkClick r:id="rId4"/>
-              </a:rPr>
-              <a:t>http://</a:t>
-            </a:r>
-            <a:r>
-              <a:rPr lang="en-US" dirty="0" smtClean="0">
-                <a:hlinkClick r:id="rId4"/>
-              </a:rPr>
-              <a:t>www.digitalmars.com/ctg/ctgMemoryModel.html</a:t>
-            </a:r>
-            <a:endParaRPr lang="en-US" dirty="0" smtClean="0"/>
-          </a:p>
-          <a:p>
-            <a:r>
-              <a:rPr lang="en-US" dirty="0">
-                <a:hlinkClick r:id="rId5"/>
-              </a:rPr>
-              <a:t>http://infocenter.arm.com/help/index.jsp?topic=/com.arm.doc.faqs/ka9553.html</a:t>
-            </a:r>
+            <a:pPr lvl="2">
+              <a:buNone/>
+            </a:pPr>
+            <a:endParaRPr lang="pt-BR" dirty="0" smtClean="0"/>
+          </a:p>
+          <a:p>
             <a:endParaRPr lang="pt-BR" dirty="0" smtClean="0"/>
           </a:p>
         </p:txBody>
@@ -4598,7 +4936,7 @@
     </p:spTree>
     <p:extLst>
       <p:ext uri="{BB962C8B-B14F-4D97-AF65-F5344CB8AC3E}">
-        <p14:creationId xmlns:p14="http://schemas.microsoft.com/office/powerpoint/2010/main" xmlns="" val="1443271526"/>
+        <p14:creationId xmlns:p14="http://schemas.microsoft.com/office/powerpoint/2010/main" xmlns="" val="1565328756"/>
       </p:ext>
     </p:extLst>
   </p:cSld>
@@ -4634,7 +4972,7 @@
       </p:grpSpPr>
       <p:sp>
         <p:nvSpPr>
-          <p:cNvPr id="4" name="Title 3"/>
+          <p:cNvPr id="2" name="Title 1"/>
           <p:cNvSpPr>
             <a:spLocks noGrp="1"/>
           </p:cNvSpPr>
@@ -4648,36 +4986,313 @@
           <a:lstStyle/>
           <a:p>
             <a:r>
-              <a:rPr lang="pt-BR" dirty="0" smtClean="0"/>
-              <a:t>conclusão</a:t>
-            </a:r>
-            <a:endParaRPr lang="en-US" dirty="0"/>
-          </a:p>
-        </p:txBody>
-      </p:sp>
-      <p:sp>
-        <p:nvSpPr>
-          <p:cNvPr id="5" name="Text Placeholder 4"/>
-          <p:cNvSpPr>
-            <a:spLocks noGrp="1"/>
-          </p:cNvSpPr>
-          <p:nvPr>
-            <p:ph type="body" idx="1"/>
+              <a:rPr lang="pt-BR" sz="4000" dirty="0" smtClean="0"/>
+              <a:t>Modelos de memória</a:t>
+            </a:r>
+            <a:endParaRPr lang="en-US" sz="4000" dirty="0"/>
+          </a:p>
+        </p:txBody>
+      </p:sp>
+      <p:sp>
+        <p:nvSpPr>
+          <p:cNvPr id="3" name="Content Placeholder 2"/>
+          <p:cNvSpPr>
+            <a:spLocks noGrp="1"/>
+          </p:cNvSpPr>
+          <p:nvPr>
+            <p:ph idx="1"/>
           </p:nvPr>
         </p:nvSpPr>
         <p:spPr/>
         <p:txBody>
-          <a:bodyPr/>
-          <a:lstStyle/>
-          <a:p>
-            <a:endParaRPr lang="en-US"/>
+          <a:bodyPr>
+            <a:normAutofit fontScale="92500" lnSpcReduction="10000"/>
+          </a:bodyPr>
+          <a:lstStyle/>
+          <a:p>
+            <a:r>
+              <a:rPr lang="pt-BR" dirty="0" smtClean="0"/>
+              <a:t>O que </a:t>
+            </a:r>
+            <a:r>
+              <a:rPr lang="pt-BR" dirty="0" smtClean="0"/>
+              <a:t>são?</a:t>
+            </a:r>
+            <a:endParaRPr lang="pt-BR" dirty="0" smtClean="0"/>
+          </a:p>
+          <a:p>
+            <a:endParaRPr lang="pt-BR" dirty="0"/>
+          </a:p>
+          <a:p>
+            <a:r>
+              <a:rPr lang="pt-BR" dirty="0" smtClean="0"/>
+              <a:t>Qual usar?</a:t>
+            </a:r>
+            <a:endParaRPr lang="pt-BR" dirty="0" smtClean="0"/>
+          </a:p>
+          <a:p>
+            <a:pPr>
+              <a:buNone/>
+            </a:pPr>
+            <a:endParaRPr lang="pt-BR" dirty="0" smtClean="0"/>
+          </a:p>
+          <a:p>
+            <a:pPr>
+              <a:buNone/>
+            </a:pPr>
+            <a:endParaRPr lang="pt-BR" dirty="0" smtClean="0"/>
+          </a:p>
+          <a:p>
+            <a:pPr>
+              <a:buNone/>
+            </a:pPr>
+            <a:endParaRPr lang="pt-BR" dirty="0" smtClean="0"/>
+          </a:p>
+          <a:p>
+            <a:endParaRPr lang="pt-BR" dirty="0" smtClean="0"/>
+          </a:p>
+          <a:p>
+            <a:pPr>
+              <a:buNone/>
+            </a:pPr>
+            <a:endParaRPr lang="pt-BR" dirty="0"/>
+          </a:p>
+          <a:p>
+            <a:r>
+              <a:rPr lang="pt-BR" dirty="0" smtClean="0"/>
+              <a:t>Misturar modelos de memória – cláusulas </a:t>
+            </a:r>
+            <a:r>
+              <a:rPr lang="pt-BR" dirty="0" err="1" smtClean="0"/>
+              <a:t>tiny</a:t>
+            </a:r>
+            <a:r>
+              <a:rPr lang="pt-BR" dirty="0" smtClean="0"/>
+              <a:t>, small, </a:t>
+            </a:r>
+            <a:r>
+              <a:rPr lang="pt-BR" dirty="0" err="1" smtClean="0"/>
+              <a:t>medium</a:t>
+            </a:r>
+            <a:r>
+              <a:rPr lang="pt-BR" dirty="0" smtClean="0"/>
+              <a:t>, </a:t>
+            </a:r>
+            <a:r>
+              <a:rPr lang="pt-BR" dirty="0" err="1" smtClean="0"/>
+              <a:t>compact</a:t>
+            </a:r>
+            <a:r>
+              <a:rPr lang="pt-BR" dirty="0" smtClean="0"/>
+              <a:t>, </a:t>
+            </a:r>
+            <a:r>
+              <a:rPr lang="pt-BR" dirty="0" err="1" smtClean="0"/>
+              <a:t>large</a:t>
+            </a:r>
+            <a:r>
+              <a:rPr lang="pt-BR" dirty="0" smtClean="0"/>
+              <a:t>, </a:t>
+            </a:r>
+            <a:r>
+              <a:rPr lang="pt-BR" dirty="0" err="1" smtClean="0"/>
+              <a:t>huge</a:t>
+            </a:r>
+            <a:endParaRPr lang="pt-BR" dirty="0" smtClean="0"/>
+          </a:p>
+          <a:p>
+            <a:pPr lvl="1"/>
+            <a:r>
+              <a:rPr lang="pt-BR" dirty="0" smtClean="0"/>
+              <a:t>Podem ser usadas para especificar o modelo para cada função</a:t>
+            </a:r>
+          </a:p>
+          <a:p>
+            <a:pPr lvl="1"/>
+            <a:r>
+              <a:rPr lang="pt-BR" dirty="0" smtClean="0"/>
+              <a:t>Exemplo: </a:t>
+            </a:r>
+            <a:r>
+              <a:rPr lang="pt-BR" dirty="0" smtClean="0"/>
+              <a:t>	</a:t>
+            </a:r>
+            <a:r>
+              <a:rPr lang="pt-BR" dirty="0" err="1" smtClean="0"/>
+              <a:t>void</a:t>
+            </a:r>
+            <a:r>
+              <a:rPr lang="pt-BR" dirty="0" smtClean="0"/>
+              <a:t> </a:t>
+            </a:r>
+            <a:r>
+              <a:rPr lang="pt-BR" dirty="0" err="1" smtClean="0"/>
+              <a:t>foo</a:t>
+            </a:r>
+            <a:r>
+              <a:rPr lang="pt-BR" dirty="0" smtClean="0"/>
+              <a:t>(</a:t>
+            </a:r>
+            <a:r>
+              <a:rPr lang="pt-BR" dirty="0" err="1" smtClean="0"/>
+              <a:t>void</a:t>
+            </a:r>
+            <a:r>
+              <a:rPr lang="pt-BR" dirty="0" smtClean="0"/>
+              <a:t>) </a:t>
+            </a:r>
+            <a:r>
+              <a:rPr lang="pt-BR" dirty="0" smtClean="0"/>
+              <a:t>small</a:t>
+            </a:r>
+          </a:p>
+          <a:p>
+            <a:pPr lvl="1">
+              <a:buNone/>
+            </a:pPr>
+            <a:r>
+              <a:rPr lang="pt-BR" dirty="0" smtClean="0"/>
+              <a:t>	</a:t>
+            </a:r>
+            <a:r>
+              <a:rPr lang="pt-BR" dirty="0" smtClean="0"/>
+              <a:t>			{ for </a:t>
+            </a:r>
+            <a:r>
+              <a:rPr lang="pt-BR" dirty="0" smtClean="0"/>
+              <a:t>(i=8;i&gt;0;i--) { </a:t>
+            </a:r>
+            <a:endParaRPr lang="pt-BR" dirty="0" smtClean="0"/>
+          </a:p>
+          <a:p>
+            <a:pPr lvl="1">
+              <a:buNone/>
+            </a:pPr>
+            <a:r>
+              <a:rPr lang="pt-BR" dirty="0" smtClean="0"/>
+              <a:t>	</a:t>
+            </a:r>
+            <a:r>
+              <a:rPr lang="pt-BR" dirty="0" smtClean="0"/>
+              <a:t>			P1.2 </a:t>
+            </a:r>
+            <a:r>
+              <a:rPr lang="pt-BR" dirty="0" smtClean="0"/>
+              <a:t>= ~P1.2; } </a:t>
+            </a:r>
+            <a:r>
+              <a:rPr lang="pt-BR" dirty="0" smtClean="0"/>
+              <a:t> }</a:t>
+            </a:r>
+            <a:endParaRPr lang="pt-BR" dirty="0" smtClean="0"/>
+          </a:p>
+          <a:p>
+            <a:endParaRPr lang="pt-BR" dirty="0"/>
+          </a:p>
+        </p:txBody>
+      </p:sp>
+      <p:pic>
+        <p:nvPicPr>
+          <p:cNvPr id="6" name="Picture 2"/>
+          <p:cNvPicPr>
+            <a:picLocks noChangeAspect="1" noChangeArrowheads="1"/>
+          </p:cNvPicPr>
+          <p:nvPr/>
+        </p:nvPicPr>
+        <p:blipFill>
+          <a:blip r:embed="rId2" cstate="print"/>
+          <a:srcRect l="21870" t="40022" r="49780" b="38128"/>
+          <a:stretch>
+            <a:fillRect/>
+          </a:stretch>
+        </p:blipFill>
+        <p:spPr bwMode="auto">
+          <a:xfrm>
+            <a:off x="1259632" y="2708920"/>
+            <a:ext cx="3489619" cy="1512168"/>
+          </a:xfrm>
+          <a:prstGeom prst="rect">
+            <a:avLst/>
+          </a:prstGeom>
+          <a:noFill/>
+          <a:ln w="9525">
+            <a:noFill/>
+            <a:miter lim="800000"/>
+            <a:headEnd/>
+            <a:tailEnd/>
+          </a:ln>
+        </p:spPr>
+      </p:pic>
+      <p:pic>
+        <p:nvPicPr>
+          <p:cNvPr id="7" name="Picture 2"/>
+          <p:cNvPicPr>
+            <a:picLocks noChangeAspect="1" noChangeArrowheads="1"/>
+          </p:cNvPicPr>
+          <p:nvPr/>
+        </p:nvPicPr>
+        <p:blipFill>
+          <a:blip r:embed="rId3" cstate="print"/>
+          <a:srcRect l="12448" t="45891" r="75376" b="24578"/>
+          <a:stretch>
+            <a:fillRect/>
+          </a:stretch>
+        </p:blipFill>
+        <p:spPr bwMode="auto">
+          <a:xfrm>
+            <a:off x="5868144" y="1052736"/>
+            <a:ext cx="1584176" cy="2160240"/>
+          </a:xfrm>
+          <a:prstGeom prst="rect">
+            <a:avLst/>
+          </a:prstGeom>
+          <a:noFill/>
+          <a:ln w="9525">
+            <a:noFill/>
+            <a:miter lim="800000"/>
+            <a:headEnd/>
+            <a:tailEnd/>
+          </a:ln>
+        </p:spPr>
+      </p:pic>
+      <p:sp>
+        <p:nvSpPr>
+          <p:cNvPr id="8" name="CaixaDeTexto 7"/>
+          <p:cNvSpPr txBox="1"/>
+          <p:nvPr/>
+        </p:nvSpPr>
+        <p:spPr>
+          <a:xfrm>
+            <a:off x="5580112" y="3212976"/>
+            <a:ext cx="2213811" cy="369332"/>
+          </a:xfrm>
+          <a:prstGeom prst="rect">
+            <a:avLst/>
+          </a:prstGeom>
+          <a:noFill/>
+        </p:spPr>
+        <p:txBody>
+          <a:bodyPr wrap="none" rtlCol="0">
+            <a:spAutoFit/>
+          </a:bodyPr>
+          <a:lstStyle/>
+          <a:p>
+            <a:r>
+              <a:rPr lang="pt-BR" dirty="0" smtClean="0"/>
+              <a:t>Intel Memory </a:t>
+            </a:r>
+            <a:r>
+              <a:rPr lang="pt-BR" dirty="0" err="1" smtClean="0"/>
+              <a:t>Models</a:t>
+            </a:r>
+            <a:endParaRPr lang="pt-BR" dirty="0"/>
           </a:p>
         </p:txBody>
       </p:sp>
     </p:spTree>
     <p:extLst>
       <p:ext uri="{BB962C8B-B14F-4D97-AF65-F5344CB8AC3E}">
-        <p14:creationId xmlns:p14="http://schemas.microsoft.com/office/powerpoint/2010/main" xmlns="" val="3480651843"/>
+        <p14:creationId xmlns:p14="http://schemas.microsoft.com/office/powerpoint/2010/main" xmlns="" val="1443271526"/>
       </p:ext>
     </p:extLst>
   </p:cSld>
@@ -4713,7 +5328,7 @@
       </p:grpSpPr>
       <p:sp>
         <p:nvSpPr>
-          <p:cNvPr id="2" name="Title 1"/>
+          <p:cNvPr id="4" name="Title 3"/>
           <p:cNvSpPr>
             <a:spLocks noGrp="1"/>
           </p:cNvSpPr>
@@ -4727,38 +5342,36 @@
           <a:lstStyle/>
           <a:p>
             <a:r>
-              <a:rPr lang="pt-BR" sz="4000" dirty="0" smtClean="0"/>
-              <a:t>Estudo de caso - ???</a:t>
-            </a:r>
-            <a:endParaRPr lang="en-US" sz="4000" dirty="0"/>
-          </a:p>
-        </p:txBody>
-      </p:sp>
-      <p:sp>
-        <p:nvSpPr>
-          <p:cNvPr id="3" name="Content Placeholder 2"/>
-          <p:cNvSpPr>
-            <a:spLocks noGrp="1"/>
-          </p:cNvSpPr>
-          <p:nvPr>
-            <p:ph idx="1"/>
+              <a:rPr lang="pt-BR" dirty="0" smtClean="0"/>
+              <a:t>conclusão</a:t>
+            </a:r>
+            <a:endParaRPr lang="en-US" dirty="0"/>
+          </a:p>
+        </p:txBody>
+      </p:sp>
+      <p:sp>
+        <p:nvSpPr>
+          <p:cNvPr id="5" name="Text Placeholder 4"/>
+          <p:cNvSpPr>
+            <a:spLocks noGrp="1"/>
+          </p:cNvSpPr>
+          <p:nvPr>
+            <p:ph type="body" idx="1"/>
           </p:nvPr>
         </p:nvSpPr>
         <p:spPr/>
         <p:txBody>
-          <a:bodyPr>
-            <a:normAutofit/>
-          </a:bodyPr>
-          <a:lstStyle/>
-          <a:p>
-            <a:endParaRPr lang="pt-BR" dirty="0" smtClean="0"/>
+          <a:bodyPr/>
+          <a:lstStyle/>
+          <a:p>
+            <a:endParaRPr lang="en-US"/>
           </a:p>
         </p:txBody>
       </p:sp>
     </p:spTree>
     <p:extLst>
       <p:ext uri="{BB962C8B-B14F-4D97-AF65-F5344CB8AC3E}">
-        <p14:creationId xmlns:p14="http://schemas.microsoft.com/office/powerpoint/2010/main" xmlns="" val="3522577388"/>
+        <p14:creationId xmlns="" xmlns:p14="http://schemas.microsoft.com/office/powerpoint/2010/main" val="3480651843"/>
       </p:ext>
     </p:extLst>
   </p:cSld>
@@ -4808,6 +5421,87 @@
           <a:lstStyle/>
           <a:p>
             <a:r>
+              <a:rPr lang="pt-BR" sz="4000" dirty="0" smtClean="0"/>
+              <a:t>Estudo de caso - ???</a:t>
+            </a:r>
+            <a:endParaRPr lang="en-US" sz="4000" dirty="0"/>
+          </a:p>
+        </p:txBody>
+      </p:sp>
+      <p:sp>
+        <p:nvSpPr>
+          <p:cNvPr id="3" name="Content Placeholder 2"/>
+          <p:cNvSpPr>
+            <a:spLocks noGrp="1"/>
+          </p:cNvSpPr>
+          <p:nvPr>
+            <p:ph idx="1"/>
+          </p:nvPr>
+        </p:nvSpPr>
+        <p:spPr/>
+        <p:txBody>
+          <a:bodyPr>
+            <a:normAutofit/>
+          </a:bodyPr>
+          <a:lstStyle/>
+          <a:p>
+            <a:endParaRPr lang="pt-BR" dirty="0" smtClean="0"/>
+          </a:p>
+        </p:txBody>
+      </p:sp>
+    </p:spTree>
+    <p:extLst>
+      <p:ext uri="{BB962C8B-B14F-4D97-AF65-F5344CB8AC3E}">
+        <p14:creationId xmlns="" xmlns:p14="http://schemas.microsoft.com/office/powerpoint/2010/main" val="3522577388"/>
+      </p:ext>
+    </p:extLst>
+  </p:cSld>
+  <p:clrMapOvr>
+    <a:masterClrMapping/>
+  </p:clrMapOvr>
+  <p:timing>
+    <p:tnLst>
+      <p:par>
+        <p:cTn id="1" dur="indefinite" restart="never" nodeType="tmRoot"/>
+      </p:par>
+    </p:tnLst>
+  </p:timing>
+</p:sld>
+</file>
+
+<file path=ppt/slides/slide19.xml><?xml version="1.0" encoding="utf-8"?>
+<p:sld xmlns:a="http://schemas.openxmlformats.org/drawingml/2006/main" xmlns:r="http://schemas.openxmlformats.org/officeDocument/2006/relationships" xmlns:p="http://schemas.openxmlformats.org/presentationml/2006/main">
+  <p:cSld>
+    <p:spTree>
+      <p:nvGrpSpPr>
+        <p:cNvPr id="1" name=""/>
+        <p:cNvGrpSpPr/>
+        <p:nvPr/>
+      </p:nvGrpSpPr>
+      <p:grpSpPr>
+        <a:xfrm>
+          <a:off x="0" y="0"/>
+          <a:ext cx="0" cy="0"/>
+          <a:chOff x="0" y="0"/>
+          <a:chExt cx="0" cy="0"/>
+        </a:xfrm>
+      </p:grpSpPr>
+      <p:sp>
+        <p:nvSpPr>
+          <p:cNvPr id="2" name="Title 1"/>
+          <p:cNvSpPr>
+            <a:spLocks noGrp="1"/>
+          </p:cNvSpPr>
+          <p:nvPr>
+            <p:ph type="title"/>
+          </p:nvPr>
+        </p:nvSpPr>
+        <p:spPr/>
+        <p:txBody>
+          <a:bodyPr/>
+          <a:lstStyle/>
+          <a:p>
+            <a:r>
               <a:rPr lang="pt-BR" dirty="0" smtClean="0"/>
               <a:t>Perguntas</a:t>
             </a:r>
@@ -4846,7 +5540,7 @@
           <a:blip r:embed="rId2" cstate="print">
             <a:extLst>
               <a:ext uri="{28A0092B-C50C-407E-A947-70E740481C1C}">
-                <a14:useLocalDpi xmlns:a14="http://schemas.microsoft.com/office/drawing/2010/main" xmlns="" val="0"/>
+                <a14:useLocalDpi xmlns="" xmlns:a14="http://schemas.microsoft.com/office/drawing/2010/main" val="0"/>
               </a:ext>
             </a:extLst>
           </a:blip>
@@ -4866,7 +5560,7 @@
           <a:noFill/>
           <a:extLst>
             <a:ext uri="{909E8E84-426E-40DD-AFC4-6F175D3DCCD1}">
-              <a14:hiddenFill xmlns:a14="http://schemas.microsoft.com/office/drawing/2010/main" xmlns="">
+              <a14:hiddenFill xmlns="" xmlns:a14="http://schemas.microsoft.com/office/drawing/2010/main">
                 <a:solidFill>
                   <a:srgbClr val="FFFFFF"/>
                 </a:solidFill>
@@ -4878,7 +5572,7 @@
     </p:spTree>
     <p:extLst>
       <p:ext uri="{BB962C8B-B14F-4D97-AF65-F5344CB8AC3E}">
-        <p14:creationId xmlns:p14="http://schemas.microsoft.com/office/powerpoint/2010/main" xmlns="" val="575131698"/>
+        <p14:creationId xmlns="" xmlns:p14="http://schemas.microsoft.com/office/powerpoint/2010/main" val="575131698"/>
       </p:ext>
     </p:extLst>
   </p:cSld>
@@ -5072,7 +5766,7 @@
     </p:spTree>
     <p:extLst>
       <p:ext uri="{BB962C8B-B14F-4D97-AF65-F5344CB8AC3E}">
-        <p14:creationId xmlns:p14="http://schemas.microsoft.com/office/powerpoint/2010/main" xmlns="" val="460233177"/>
+        <p14:creationId xmlns="" xmlns:p14="http://schemas.microsoft.com/office/powerpoint/2010/main" val="460233177"/>
       </p:ext>
     </p:extLst>
   </p:cSld>
@@ -5151,7 +5845,7 @@
     </p:spTree>
     <p:extLst>
       <p:ext uri="{BB962C8B-B14F-4D97-AF65-F5344CB8AC3E}">
-        <p14:creationId xmlns:p14="http://schemas.microsoft.com/office/powerpoint/2010/main" xmlns="" val="820920551"/>
+        <p14:creationId xmlns="" xmlns:p14="http://schemas.microsoft.com/office/powerpoint/2010/main" val="820920551"/>
       </p:ext>
     </p:extLst>
   </p:cSld>
@@ -5271,7 +5965,7 @@
     </p:spTree>
     <p:extLst>
       <p:ext uri="{BB962C8B-B14F-4D97-AF65-F5344CB8AC3E}">
-        <p14:creationId xmlns:p14="http://schemas.microsoft.com/office/powerpoint/2010/main" xmlns="" val="3058117082"/>
+        <p14:creationId xmlns="" xmlns:p14="http://schemas.microsoft.com/office/powerpoint/2010/main" val="3058117082"/>
       </p:ext>
     </p:extLst>
   </p:cSld>
@@ -5361,7 +6055,7 @@
     </p:spTree>
     <p:extLst>
       <p:ext uri="{BB962C8B-B14F-4D97-AF65-F5344CB8AC3E}">
-        <p14:creationId xmlns:p14="http://schemas.microsoft.com/office/powerpoint/2010/main" xmlns="" val="3480651843"/>
+        <p14:creationId xmlns="" xmlns:p14="http://schemas.microsoft.com/office/powerpoint/2010/main" val="3480651843"/>
       </p:ext>
     </p:extLst>
   </p:cSld>
@@ -5490,11 +6184,7 @@
             </a:r>
             <a:r>
               <a:rPr lang="pt-BR" dirty="0" smtClean="0"/>
-              <a:t>(); e deve-se colocar seu protótipo no início do </a:t>
-            </a:r>
-            <a:r>
-              <a:rPr lang="pt-BR" dirty="0" smtClean="0"/>
-              <a:t>programa</a:t>
+              <a:t>(); e deve-se colocar seu protótipo no início do programa</a:t>
             </a:r>
           </a:p>
           <a:p>
@@ -5613,11 +6303,7 @@
           <a:p>
             <a:r>
               <a:rPr lang="pt-BR" dirty="0" smtClean="0"/>
-              <a:t>Para </a:t>
-            </a:r>
-            <a:r>
-              <a:rPr lang="pt-BR" dirty="0" smtClean="0"/>
-              <a:t>chamar do </a:t>
+              <a:t>Para chamar do </a:t>
             </a:r>
             <a:r>
               <a:rPr lang="pt-BR" dirty="0" err="1" smtClean="0"/>
@@ -5775,11 +6461,7 @@
           <a:p>
             <a:r>
               <a:rPr lang="en-US" dirty="0" smtClean="0"/>
-              <a:t>#</a:t>
-            </a:r>
-            <a:r>
-              <a:rPr lang="en-US" dirty="0" smtClean="0"/>
-              <a:t>include &lt;</a:t>
+              <a:t>#include &lt;</a:t>
             </a:r>
             <a:r>
               <a:rPr lang="en-US" dirty="0" err="1" smtClean="0"/>

--- a/trunk/seminario/Interface entre C e Assemby 8085.pptx
+++ b/trunk/seminario/Interface entre C e Assemby 8085.pptx
@@ -5,7 +5,7 @@
     <p:sldMasterId id="2147483772" r:id="rId1"/>
   </p:sldMasterIdLst>
   <p:notesMasterIdLst>
-    <p:notesMasterId r:id="rId21"/>
+    <p:notesMasterId r:id="rId23"/>
   </p:notesMasterIdLst>
   <p:sldIdLst>
     <p:sldId id="256" r:id="rId2"/>
@@ -16,17 +16,19 @@
     <p:sldId id="307" r:id="rId7"/>
     <p:sldId id="309" r:id="rId8"/>
     <p:sldId id="308" r:id="rId9"/>
-    <p:sldId id="306" r:id="rId10"/>
-    <p:sldId id="299" r:id="rId11"/>
-    <p:sldId id="300" r:id="rId12"/>
-    <p:sldId id="301" r:id="rId13"/>
-    <p:sldId id="302" r:id="rId14"/>
-    <p:sldId id="310" r:id="rId15"/>
-    <p:sldId id="311" r:id="rId16"/>
-    <p:sldId id="312" r:id="rId17"/>
-    <p:sldId id="297" r:id="rId18"/>
-    <p:sldId id="305" r:id="rId19"/>
-    <p:sldId id="289" r:id="rId20"/>
+    <p:sldId id="313" r:id="rId10"/>
+    <p:sldId id="314" r:id="rId11"/>
+    <p:sldId id="306" r:id="rId12"/>
+    <p:sldId id="299" r:id="rId13"/>
+    <p:sldId id="300" r:id="rId14"/>
+    <p:sldId id="301" r:id="rId15"/>
+    <p:sldId id="302" r:id="rId16"/>
+    <p:sldId id="310" r:id="rId17"/>
+    <p:sldId id="311" r:id="rId18"/>
+    <p:sldId id="312" r:id="rId19"/>
+    <p:sldId id="297" r:id="rId20"/>
+    <p:sldId id="305" r:id="rId21"/>
+    <p:sldId id="289" r:id="rId22"/>
   </p:sldIdLst>
   <p:sldSz cx="9144000" cy="6858000" type="screen4x3"/>
   <p:notesSz cx="6858000" cy="9144000"/>
@@ -382,7 +384,7 @@
     </p:spTree>
     <p:extLst>
       <p:ext uri="{BB962C8B-B14F-4D97-AF65-F5344CB8AC3E}">
-        <p14:creationId xmlns="" xmlns:p14="http://schemas.microsoft.com/office/powerpoint/2010/main" val="3517328007"/>
+        <p14:creationId xmlns:p14="http://schemas.microsoft.com/office/powerpoint/2010/main" xmlns="" val="3517328007"/>
       </p:ext>
     </p:extLst>
   </p:cSld>
@@ -3848,7 +3850,7 @@
     <a:masterClrMapping/>
   </p:clrMapOvr>
   <mc:AlternateContent xmlns:mc="http://schemas.openxmlformats.org/markup-compatibility/2006">
-    <mc:Choice xmlns="" xmlns:p14="http://schemas.microsoft.com/office/powerpoint/2010/main" Requires="p14">
+    <mc:Choice xmlns:p14="http://schemas.microsoft.com/office/powerpoint/2010/main" xmlns="" Requires="p14">
       <p:transition spd="med" p14:dur="700">
         <p:fade/>
       </p:transition>
@@ -3888,7 +3890,7 @@
       </p:grpSpPr>
       <p:sp>
         <p:nvSpPr>
-          <p:cNvPr id="2" name="Title 1"/>
+          <p:cNvPr id="2" name="Título 1"/>
           <p:cNvSpPr>
             <a:spLocks noGrp="1"/>
           </p:cNvSpPr>
@@ -3902,20 +3904,32 @@
           <a:lstStyle/>
           <a:p>
             <a:r>
-              <a:rPr lang="pt-BR" sz="3200" dirty="0" smtClean="0"/>
-              <a:t>Programa C chamando função em </a:t>
-            </a:r>
-            <a:r>
-              <a:rPr lang="pt-BR" sz="3200" dirty="0" err="1" smtClean="0"/>
+              <a:rPr lang="pt-BR" dirty="0" smtClean="0"/>
+              <a:t>Forma de se chamar C em </a:t>
+            </a:r>
+            <a:r>
+              <a:rPr lang="pt-BR" dirty="0" err="1" smtClean="0"/>
               <a:t>assembly</a:t>
             </a:r>
-            <a:endParaRPr lang="en-US" sz="3200" dirty="0"/>
-          </a:p>
-        </p:txBody>
-      </p:sp>
-      <p:sp>
-        <p:nvSpPr>
-          <p:cNvPr id="3" name="Content Placeholder 2"/>
+            <a:r>
+              <a:rPr lang="pt-BR" dirty="0" smtClean="0"/>
+              <a:t> ou </a:t>
+            </a:r>
+            <a:r>
+              <a:rPr lang="pt-BR" dirty="0" err="1" smtClean="0"/>
+              <a:t>assembly</a:t>
+            </a:r>
+            <a:r>
+              <a:rPr lang="pt-BR" dirty="0" smtClean="0"/>
+              <a:t> em  C</a:t>
+            </a:r>
+            <a:endParaRPr lang="pt-BR" dirty="0"/>
+          </a:p>
+        </p:txBody>
+      </p:sp>
+      <p:sp>
+        <p:nvSpPr>
+          <p:cNvPr id="3" name="Espaço Reservado para Conteúdo 2"/>
           <p:cNvSpPr>
             <a:spLocks noGrp="1"/>
           </p:cNvSpPr>
@@ -3925,22 +3939,16 @@
         </p:nvSpPr>
         <p:spPr/>
         <p:txBody>
-          <a:bodyPr>
-            <a:normAutofit/>
-          </a:bodyPr>
-          <a:lstStyle/>
-          <a:p>
-            <a:r>
-              <a:rPr lang="pt-BR" dirty="0" smtClean="0"/>
-              <a:t>Como isso é </a:t>
-            </a:r>
-            <a:r>
-              <a:rPr lang="pt-BR" dirty="0" err="1" smtClean="0"/>
-              <a:t>possivel</a:t>
-            </a:r>
-            <a:r>
-              <a:rPr lang="pt-BR" dirty="0" smtClean="0"/>
-              <a:t>?</a:t>
+          <a:bodyPr/>
+          <a:lstStyle/>
+          <a:p>
+            <a:r>
+              <a:rPr lang="pt-BR" dirty="0" smtClean="0"/>
+              <a:t>Desta forma é permitido fazer com que haja trocas em qualquer sentido entre os códigos, dado que eles só vão ser conectados e formato “.</a:t>
+            </a:r>
+            <a:r>
+              <a:rPr lang="pt-BR" smtClean="0"/>
+              <a:t>o”;</a:t>
             </a:r>
           </a:p>
           <a:p>
@@ -3948,97 +3956,34 @@
           </a:p>
           <a:p>
             <a:r>
-              <a:rPr lang="pt-BR" dirty="0" err="1" smtClean="0"/>
-              <a:t>a.c</a:t>
-            </a:r>
-            <a:r>
-              <a:rPr lang="pt-BR" dirty="0" smtClean="0"/>
-              <a:t> -&gt; compilador -&gt; </a:t>
-            </a:r>
-            <a:r>
-              <a:rPr lang="pt-BR" dirty="0" err="1" smtClean="0"/>
-              <a:t>a.o</a:t>
-            </a:r>
-            <a:endParaRPr lang="pt-BR" dirty="0" smtClean="0"/>
-          </a:p>
-          <a:p>
-            <a:r>
-              <a:rPr lang="pt-BR" dirty="0" smtClean="0"/>
-              <a:t>b.asm -&gt; montador -&gt; </a:t>
-            </a:r>
-            <a:r>
-              <a:rPr lang="pt-BR" dirty="0" err="1" smtClean="0"/>
-              <a:t>b.o</a:t>
-            </a:r>
-            <a:endParaRPr lang="pt-BR" dirty="0" smtClean="0"/>
-          </a:p>
-          <a:p>
-            <a:r>
-              <a:rPr lang="pt-BR" dirty="0" err="1" smtClean="0"/>
-              <a:t>a.o</a:t>
-            </a:r>
-            <a:r>
-              <a:rPr lang="pt-BR" dirty="0" smtClean="0"/>
-              <a:t> + </a:t>
-            </a:r>
-            <a:r>
-              <a:rPr lang="pt-BR" dirty="0" err="1" smtClean="0"/>
-              <a:t>b.o</a:t>
-            </a:r>
-            <a:r>
-              <a:rPr lang="pt-BR" dirty="0" smtClean="0"/>
-              <a:t> -&gt; </a:t>
-            </a:r>
-            <a:r>
-              <a:rPr lang="pt-BR" dirty="0" err="1" smtClean="0"/>
-              <a:t>ligador</a:t>
-            </a:r>
-            <a:r>
-              <a:rPr lang="pt-BR" dirty="0" smtClean="0"/>
-              <a:t> -&gt; </a:t>
-            </a:r>
-            <a:r>
-              <a:rPr lang="pt-BR" dirty="0" err="1" smtClean="0"/>
-              <a:t>executavel</a:t>
+              <a:rPr lang="pt-BR" dirty="0" smtClean="0"/>
+              <a:t>Formato </a:t>
+            </a:r>
+            <a:r>
+              <a:rPr lang="pt-BR" dirty="0" smtClean="0"/>
+              <a:t>“.o</a:t>
+            </a:r>
+            <a:r>
+              <a:rPr lang="pt-BR" dirty="0" smtClean="0"/>
+              <a:t>” não cria diferenças entre programas desde que não seja em </a:t>
+            </a:r>
+            <a:r>
+              <a:rPr lang="pt-BR" dirty="0" err="1" smtClean="0"/>
+              <a:t>OS`</a:t>
+            </a:r>
+            <a:r>
+              <a:rPr lang="pt-BR" dirty="0" smtClean="0"/>
+              <a:t>s diferentes.</a:t>
             </a:r>
             <a:endParaRPr lang="pt-BR" dirty="0"/>
           </a:p>
-          <a:p>
-            <a:endParaRPr lang="pt-BR" dirty="0" smtClean="0"/>
-          </a:p>
-          <a:p>
-            <a:r>
-              <a:rPr lang="pt-BR" dirty="0" smtClean="0"/>
-              <a:t>Pro </a:t>
-            </a:r>
-            <a:r>
-              <a:rPr lang="pt-BR" dirty="0" err="1" smtClean="0"/>
-              <a:t>ligador</a:t>
-            </a:r>
-            <a:r>
-              <a:rPr lang="pt-BR" dirty="0" smtClean="0"/>
-              <a:t> tudo é objeto. Tanto faz de onde veio</a:t>
-            </a:r>
-          </a:p>
         </p:txBody>
       </p:sp>
     </p:spTree>
-    <p:extLst>
-      <p:ext uri="{BB962C8B-B14F-4D97-AF65-F5344CB8AC3E}">
-        <p14:creationId xmlns="" xmlns:p14="http://schemas.microsoft.com/office/powerpoint/2010/main" val="3419028655"/>
-      </p:ext>
-    </p:extLst>
   </p:cSld>
   <p:clrMapOvr>
     <a:masterClrMapping/>
   </p:clrMapOvr>
-  <p:timing>
-    <p:tnLst>
-      <p:par>
-        <p:cTn id="1" dur="indefinite" restart="never" nodeType="tmRoot"/>
-      </p:par>
-    </p:tnLst>
-  </p:timing>
 </p:sld>
 </file>
 
@@ -4061,7 +4006,7 @@
       </p:grpSpPr>
       <p:sp>
         <p:nvSpPr>
-          <p:cNvPr id="2" name="Title 1"/>
+          <p:cNvPr id="2" name="Título 1"/>
           <p:cNvSpPr>
             <a:spLocks noGrp="1"/>
           </p:cNvSpPr>
@@ -4074,66 +4019,48 @@
           <a:bodyPr/>
           <a:lstStyle/>
           <a:p>
-            <a:r>
-              <a:rPr lang="pt-BR" sz="3600" dirty="0" smtClean="0"/>
-              <a:t>Diretivas </a:t>
-            </a:r>
-            <a:r>
-              <a:rPr lang="pt-BR" sz="3600" dirty="0" err="1" smtClean="0"/>
-              <a:t>extern</a:t>
-            </a:r>
-            <a:r>
-              <a:rPr lang="pt-BR" sz="3600" dirty="0" smtClean="0"/>
-              <a:t> e global</a:t>
-            </a:r>
-            <a:endParaRPr lang="en-US" sz="3600" dirty="0"/>
-          </a:p>
-        </p:txBody>
-      </p:sp>
-      <p:sp>
-        <p:nvSpPr>
-          <p:cNvPr id="3" name="Content Placeholder 2"/>
-          <p:cNvSpPr>
-            <a:spLocks noGrp="1"/>
-          </p:cNvSpPr>
-          <p:nvPr>
-            <p:ph idx="1"/>
-          </p:nvPr>
-        </p:nvSpPr>
-        <p:spPr/>
+            <a:endParaRPr lang="pt-BR" dirty="0"/>
+          </a:p>
+        </p:txBody>
+      </p:sp>
+      <p:sp>
+        <p:nvSpPr>
+          <p:cNvPr id="3" name="Espaço Reservado para Texto 2"/>
+          <p:cNvSpPr>
+            <a:spLocks noGrp="1"/>
+          </p:cNvSpPr>
+          <p:nvPr>
+            <p:ph type="body" idx="1"/>
+          </p:nvPr>
+        </p:nvSpPr>
+        <p:spPr>
+          <a:xfrm>
+            <a:off x="722313" y="692696"/>
+            <a:ext cx="6135687" cy="4793705"/>
+          </a:xfrm>
+        </p:spPr>
         <p:txBody>
           <a:bodyPr>
             <a:normAutofit/>
           </a:bodyPr>
           <a:lstStyle/>
           <a:p>
-            <a:r>
-              <a:rPr lang="pt-BR" dirty="0" smtClean="0"/>
-              <a:t>Código exemplo</a:t>
-            </a:r>
-          </a:p>
-          <a:p>
+            <a:pPr>
+              <a:buFont typeface="Arial" pitchFamily="34" charset="0"/>
+              <a:buChar char="•"/>
+            </a:pPr>
             <a:endParaRPr lang="pt-BR" dirty="0" smtClean="0"/>
           </a:p>
+          <a:p>
+            <a:endParaRPr lang="pt-BR" dirty="0"/>
+          </a:p>
         </p:txBody>
       </p:sp>
     </p:spTree>
-    <p:extLst>
-      <p:ext uri="{BB962C8B-B14F-4D97-AF65-F5344CB8AC3E}">
-        <p14:creationId xmlns="" xmlns:p14="http://schemas.microsoft.com/office/powerpoint/2010/main" val="631104269"/>
-      </p:ext>
-    </p:extLst>
   </p:cSld>
   <p:clrMapOvr>
     <a:masterClrMapping/>
   </p:clrMapOvr>
-  <p:timing>
-    <p:tnLst>
-      <p:par>
-        <p:cTn id="1" dur="indefinite" restart="never" nodeType="tmRoot"/>
-      </p:par>
-    </p:tnLst>
-  </p:timing>
 </p:sld>
 </file>
 
@@ -4171,7 +4098,11 @@
           <a:p>
             <a:r>
               <a:rPr lang="pt-BR" sz="3200" dirty="0" smtClean="0"/>
-              <a:t>Passagem de parâmetros e valor de retorno</a:t>
+              <a:t>Programa C chamando função em </a:t>
+            </a:r>
+            <a:r>
+              <a:rPr lang="pt-BR" sz="3200" dirty="0" err="1" smtClean="0"/>
+              <a:t>assembly</a:t>
             </a:r>
             <a:endParaRPr lang="en-US" sz="3200" dirty="0"/>
           </a:p>
@@ -4196,18 +4127,100 @@
           <a:p>
             <a:r>
               <a:rPr lang="pt-BR" dirty="0" smtClean="0"/>
-              <a:t>Código exemplo</a:t>
+              <a:t>Como isso é </a:t>
+            </a:r>
+            <a:r>
+              <a:rPr lang="pt-BR" dirty="0" err="1" smtClean="0"/>
+              <a:t>possivel</a:t>
+            </a:r>
+            <a:r>
+              <a:rPr lang="pt-BR" dirty="0" smtClean="0"/>
+              <a:t>?</a:t>
             </a:r>
           </a:p>
           <a:p>
             <a:endParaRPr lang="pt-BR" dirty="0" smtClean="0"/>
+          </a:p>
+          <a:p>
+            <a:r>
+              <a:rPr lang="pt-BR" dirty="0" err="1" smtClean="0"/>
+              <a:t>a.c</a:t>
+            </a:r>
+            <a:r>
+              <a:rPr lang="pt-BR" dirty="0" smtClean="0"/>
+              <a:t> -&gt; compilador -&gt; </a:t>
+            </a:r>
+            <a:r>
+              <a:rPr lang="pt-BR" dirty="0" err="1" smtClean="0"/>
+              <a:t>a.o</a:t>
+            </a:r>
+            <a:endParaRPr lang="pt-BR" dirty="0" smtClean="0"/>
+          </a:p>
+          <a:p>
+            <a:r>
+              <a:rPr lang="pt-BR" dirty="0" smtClean="0"/>
+              <a:t>b.asm -&gt; montador -&gt; </a:t>
+            </a:r>
+            <a:r>
+              <a:rPr lang="pt-BR" dirty="0" err="1" smtClean="0"/>
+              <a:t>b.o</a:t>
+            </a:r>
+            <a:endParaRPr lang="pt-BR" dirty="0" smtClean="0"/>
+          </a:p>
+          <a:p>
+            <a:r>
+              <a:rPr lang="pt-BR" dirty="0" err="1" smtClean="0"/>
+              <a:t>a.o</a:t>
+            </a:r>
+            <a:r>
+              <a:rPr lang="pt-BR" dirty="0" smtClean="0"/>
+              <a:t> + </a:t>
+            </a:r>
+            <a:r>
+              <a:rPr lang="pt-BR" dirty="0" err="1" smtClean="0"/>
+              <a:t>b.o</a:t>
+            </a:r>
+            <a:r>
+              <a:rPr lang="pt-BR" dirty="0" smtClean="0"/>
+              <a:t> -&gt; </a:t>
+            </a:r>
+            <a:r>
+              <a:rPr lang="pt-BR" dirty="0" err="1" smtClean="0"/>
+              <a:t>ligador</a:t>
+            </a:r>
+            <a:r>
+              <a:rPr lang="pt-BR" dirty="0" smtClean="0"/>
+              <a:t> -&gt; </a:t>
+            </a:r>
+            <a:r>
+              <a:rPr lang="pt-BR" dirty="0" err="1" smtClean="0"/>
+              <a:t>executavel</a:t>
+            </a:r>
+            <a:endParaRPr lang="pt-BR" dirty="0"/>
+          </a:p>
+          <a:p>
+            <a:endParaRPr lang="pt-BR" dirty="0" smtClean="0"/>
+          </a:p>
+          <a:p>
+            <a:r>
+              <a:rPr lang="pt-BR" dirty="0" smtClean="0"/>
+              <a:t>Pro </a:t>
+            </a:r>
+            <a:r>
+              <a:rPr lang="pt-BR" dirty="0" err="1" smtClean="0"/>
+              <a:t>ligador</a:t>
+            </a:r>
+            <a:r>
+              <a:rPr lang="pt-BR" dirty="0" smtClean="0"/>
+              <a:t> tudo é objeto. Tanto faz de onde veio</a:t>
+            </a:r>
           </a:p>
         </p:txBody>
       </p:sp>
     </p:spTree>
     <p:extLst>
       <p:ext uri="{BB962C8B-B14F-4D97-AF65-F5344CB8AC3E}">
-        <p14:creationId xmlns="" xmlns:p14="http://schemas.microsoft.com/office/powerpoint/2010/main" val="1011183347"/>
+        <p14:creationId xmlns:p14="http://schemas.microsoft.com/office/powerpoint/2010/main" xmlns="" val="3419028655"/>
       </p:ext>
     </p:extLst>
   </p:cSld>
@@ -4257,10 +4270,18 @@
           <a:lstStyle/>
           <a:p>
             <a:r>
-              <a:rPr lang="pt-BR" sz="4000" dirty="0" smtClean="0"/>
-              <a:t>Variáveis globais</a:t>
-            </a:r>
-            <a:endParaRPr lang="en-US" sz="4000" dirty="0"/>
+              <a:rPr lang="pt-BR" sz="3600" dirty="0" smtClean="0"/>
+              <a:t>Diretivas </a:t>
+            </a:r>
+            <a:r>
+              <a:rPr lang="pt-BR" sz="3600" dirty="0" err="1" smtClean="0"/>
+              <a:t>extern</a:t>
+            </a:r>
+            <a:r>
+              <a:rPr lang="pt-BR" sz="3600" dirty="0" smtClean="0"/>
+              <a:t> e global</a:t>
+            </a:r>
+            <a:endParaRPr lang="en-US" sz="3600" dirty="0"/>
           </a:p>
         </p:txBody>
       </p:sp>
@@ -4294,7 +4315,7 @@
     </p:spTree>
     <p:extLst>
       <p:ext uri="{BB962C8B-B14F-4D97-AF65-F5344CB8AC3E}">
-        <p14:creationId xmlns="" xmlns:p14="http://schemas.microsoft.com/office/powerpoint/2010/main" val="633472005"/>
+        <p14:creationId xmlns:p14="http://schemas.microsoft.com/office/powerpoint/2010/main" xmlns="" val="631104269"/>
       </p:ext>
     </p:extLst>
   </p:cSld>
@@ -4344,18 +4365,10 @@
           <a:lstStyle/>
           <a:p>
             <a:r>
-              <a:rPr lang="pt-BR" sz="4000" dirty="0" err="1" smtClean="0"/>
-              <a:t>Inline</a:t>
-            </a:r>
-            <a:r>
-              <a:rPr lang="pt-BR" sz="4000" dirty="0" smtClean="0"/>
-              <a:t> </a:t>
-            </a:r>
-            <a:r>
-              <a:rPr lang="pt-BR" sz="4000" dirty="0" err="1" smtClean="0"/>
-              <a:t>assembly</a:t>
-            </a:r>
-            <a:endParaRPr lang="en-US" sz="4000" dirty="0"/>
+              <a:rPr lang="pt-BR" sz="3200" dirty="0" smtClean="0"/>
+              <a:t>Passagem de parâmetros e valor de retorno</a:t>
+            </a:r>
+            <a:endParaRPr lang="en-US" sz="3200" dirty="0"/>
           </a:p>
         </p:txBody>
       </p:sp>
@@ -4378,215 +4391,8 @@
           <a:p>
             <a:r>
               <a:rPr lang="pt-BR" dirty="0" smtClean="0"/>
-              <a:t>Introdução</a:t>
-            </a:r>
-          </a:p>
-          <a:p>
-            <a:pPr>
-              <a:buNone/>
-            </a:pPr>
-            <a:endParaRPr lang="pt-BR" dirty="0" smtClean="0"/>
-          </a:p>
-          <a:p>
-            <a:r>
-              <a:rPr lang="pt-BR" dirty="0" smtClean="0"/>
-              <a:t>Codificação </a:t>
-            </a:r>
-            <a:r>
-              <a:rPr lang="pt-BR" dirty="0" smtClean="0"/>
-              <a:t>básica para GCC</a:t>
-            </a:r>
-          </a:p>
-          <a:p>
-            <a:pPr lvl="1"/>
-            <a:r>
-              <a:rPr lang="pt-BR" dirty="0" smtClean="0"/>
-              <a:t>Sintaxe: AT&amp;T</a:t>
-            </a:r>
-          </a:p>
-          <a:p>
-            <a:pPr lvl="1"/>
-            <a:r>
-              <a:rPr lang="pt-BR" dirty="0" smtClean="0"/>
-              <a:t>Exemplo: </a:t>
-            </a:r>
-          </a:p>
-          <a:p>
-            <a:pPr lvl="2">
-              <a:buNone/>
-            </a:pPr>
-            <a:r>
-              <a:rPr lang="pt-BR" dirty="0" smtClean="0"/>
-              <a:t>	__</a:t>
-            </a:r>
-            <a:r>
-              <a:rPr lang="pt-BR" dirty="0" err="1" smtClean="0"/>
-              <a:t>asm__</a:t>
-            </a:r>
-            <a:r>
-              <a:rPr lang="pt-BR" dirty="0" smtClean="0"/>
-              <a:t> ("</a:t>
-            </a:r>
-            <a:r>
-              <a:rPr lang="pt-BR" dirty="0" err="1" smtClean="0"/>
-              <a:t>movl</a:t>
-            </a:r>
-            <a:r>
-              <a:rPr lang="pt-BR" dirty="0" smtClean="0"/>
-              <a:t> %</a:t>
-            </a:r>
-            <a:r>
-              <a:rPr lang="pt-BR" dirty="0" err="1" smtClean="0"/>
-              <a:t>eax</a:t>
-            </a:r>
-            <a:r>
-              <a:rPr lang="pt-BR" dirty="0" smtClean="0"/>
-              <a:t>, %</a:t>
-            </a:r>
-            <a:r>
-              <a:rPr lang="pt-BR" dirty="0" err="1" smtClean="0"/>
-              <a:t>ebx</a:t>
-            </a:r>
-            <a:r>
-              <a:rPr lang="pt-BR" dirty="0" smtClean="0"/>
-              <a:t>\n\t" </a:t>
-            </a:r>
-          </a:p>
-          <a:p>
-            <a:pPr lvl="2">
-              <a:buNone/>
-            </a:pPr>
-            <a:r>
-              <a:rPr lang="pt-BR" dirty="0" smtClean="0"/>
-              <a:t>		   "</a:t>
-            </a:r>
-            <a:r>
-              <a:rPr lang="pt-BR" dirty="0" err="1" smtClean="0"/>
-              <a:t>movl</a:t>
-            </a:r>
-            <a:r>
-              <a:rPr lang="pt-BR" dirty="0" smtClean="0"/>
-              <a:t> $56, %</a:t>
-            </a:r>
-            <a:r>
-              <a:rPr lang="pt-BR" dirty="0" err="1" smtClean="0"/>
-              <a:t>esi</a:t>
-            </a:r>
-            <a:r>
-              <a:rPr lang="pt-BR" dirty="0" smtClean="0"/>
-              <a:t>\n\t“</a:t>
-            </a:r>
-          </a:p>
-          <a:p>
-            <a:pPr lvl="2">
-              <a:buNone/>
-            </a:pPr>
-            <a:r>
-              <a:rPr lang="pt-BR" dirty="0" smtClean="0"/>
-              <a:t>		   "</a:t>
-            </a:r>
-            <a:r>
-              <a:rPr lang="pt-BR" dirty="0" err="1" smtClean="0"/>
-              <a:t>movl</a:t>
-            </a:r>
-            <a:r>
-              <a:rPr lang="pt-BR" dirty="0" smtClean="0"/>
-              <a:t> %</a:t>
-            </a:r>
-            <a:r>
-              <a:rPr lang="pt-BR" dirty="0" err="1" smtClean="0"/>
-              <a:t>ecx</a:t>
-            </a:r>
-            <a:r>
-              <a:rPr lang="pt-BR" dirty="0" smtClean="0"/>
-              <a:t>, $</a:t>
-            </a:r>
-            <a:r>
-              <a:rPr lang="pt-BR" dirty="0" err="1" smtClean="0"/>
-              <a:t>label</a:t>
-            </a:r>
-            <a:r>
-              <a:rPr lang="pt-BR" dirty="0" smtClean="0"/>
-              <a:t>(%</a:t>
-            </a:r>
-            <a:r>
-              <a:rPr lang="pt-BR" dirty="0" err="1" smtClean="0"/>
-              <a:t>edx</a:t>
-            </a:r>
-            <a:r>
-              <a:rPr lang="pt-BR" dirty="0" smtClean="0"/>
-              <a:t>,%</a:t>
-            </a:r>
-            <a:r>
-              <a:rPr lang="pt-BR" dirty="0" err="1" smtClean="0"/>
-              <a:t>ebx</a:t>
-            </a:r>
-            <a:r>
-              <a:rPr lang="pt-BR" dirty="0" smtClean="0"/>
-              <a:t>,$4)\n\t”</a:t>
-            </a:r>
-          </a:p>
-          <a:p>
-            <a:pPr lvl="2">
-              <a:buNone/>
-            </a:pPr>
-            <a:r>
-              <a:rPr lang="pt-BR" dirty="0" smtClean="0"/>
-              <a:t>		   "</a:t>
-            </a:r>
-            <a:r>
-              <a:rPr lang="pt-BR" dirty="0" err="1" smtClean="0"/>
-              <a:t>movb</a:t>
-            </a:r>
-            <a:r>
-              <a:rPr lang="pt-BR" dirty="0" smtClean="0"/>
-              <a:t> %ah, (%</a:t>
-            </a:r>
-            <a:r>
-              <a:rPr lang="pt-BR" dirty="0" err="1" smtClean="0"/>
-              <a:t>ebx</a:t>
-            </a:r>
-            <a:r>
-              <a:rPr lang="pt-BR" dirty="0" smtClean="0"/>
-              <a:t>)");</a:t>
-            </a:r>
-          </a:p>
-          <a:p>
-            <a:pPr lvl="2">
-              <a:buNone/>
-            </a:pPr>
-            <a:endParaRPr lang="pt-BR" dirty="0" smtClean="0"/>
-          </a:p>
-          <a:p>
-            <a:r>
-              <a:rPr lang="pt-BR" dirty="0" smtClean="0"/>
-              <a:t>Extensão</a:t>
-            </a:r>
-          </a:p>
-          <a:p>
-            <a:pPr lvl="1"/>
-            <a:r>
-              <a:rPr lang="pt-BR" dirty="0" smtClean="0"/>
-              <a:t>Como definir as variáveis de entrada e saída (interface com C)</a:t>
-            </a:r>
-          </a:p>
-          <a:p>
-            <a:pPr lvl="1"/>
-            <a:r>
-              <a:rPr lang="pt-BR" dirty="0" smtClean="0"/>
-              <a:t>Como indicar como essas variáveis serão usadas em </a:t>
-            </a:r>
-            <a:r>
-              <a:rPr lang="pt-BR" dirty="0" err="1" smtClean="0"/>
-              <a:t>assembly</a:t>
-            </a:r>
-            <a:endParaRPr lang="pt-BR" dirty="0" smtClean="0"/>
-          </a:p>
-          <a:p>
-            <a:pPr lvl="2">
-              <a:buNone/>
-            </a:pPr>
-            <a:endParaRPr lang="pt-BR" dirty="0" smtClean="0"/>
+              <a:t>Código exemplo</a:t>
+            </a:r>
           </a:p>
           <a:p>
             <a:endParaRPr lang="pt-BR" dirty="0" smtClean="0"/>
@@ -4596,7 +4402,7 @@
     </p:spTree>
     <p:extLst>
       <p:ext uri="{BB962C8B-B14F-4D97-AF65-F5344CB8AC3E}">
-        <p14:creationId xmlns:p14="http://schemas.microsoft.com/office/powerpoint/2010/main" xmlns="" val="1565328756"/>
+        <p14:creationId xmlns:p14="http://schemas.microsoft.com/office/powerpoint/2010/main" xmlns="" val="1011183347"/>
       </p:ext>
     </p:extLst>
   </p:cSld>
@@ -4646,16 +4452,8 @@
           <a:lstStyle/>
           <a:p>
             <a:r>
-              <a:rPr lang="pt-BR" sz="4000" dirty="0" err="1" smtClean="0"/>
-              <a:t>Inline</a:t>
-            </a:r>
-            <a:r>
               <a:rPr lang="pt-BR" sz="4000" dirty="0" smtClean="0"/>
-              <a:t> </a:t>
-            </a:r>
-            <a:r>
-              <a:rPr lang="pt-BR" sz="4000" dirty="0" err="1" smtClean="0"/>
-              <a:t>assembly</a:t>
+              <a:t>Variáveis globais</a:t>
             </a:r>
             <a:endParaRPr lang="en-US" sz="4000" dirty="0"/>
           </a:p>
@@ -4680,253 +4478,8 @@
           <a:p>
             <a:r>
               <a:rPr lang="pt-BR" dirty="0" smtClean="0"/>
-              <a:t>Extensão (continuação)</a:t>
-            </a:r>
-          </a:p>
-          <a:p>
-            <a:pPr lvl="1"/>
-            <a:r>
-              <a:rPr lang="pt-BR" dirty="0" smtClean="0"/>
-              <a:t>Campos: </a:t>
-            </a:r>
-            <a:r>
-              <a:rPr lang="pt-BR" i="1" dirty="0" err="1" smtClean="0"/>
-              <a:t>assembly</a:t>
-            </a:r>
-            <a:r>
-              <a:rPr lang="pt-BR" i="1" dirty="0" smtClean="0"/>
-              <a:t> </a:t>
-            </a:r>
-            <a:r>
-              <a:rPr lang="pt-BR" i="1" dirty="0" err="1" smtClean="0"/>
-              <a:t>template</a:t>
-            </a:r>
-            <a:r>
-              <a:rPr lang="pt-BR" dirty="0" smtClean="0"/>
-              <a:t>, saída, entrada e registradores utilizados</a:t>
-            </a:r>
-          </a:p>
-          <a:p>
-            <a:pPr lvl="1"/>
-            <a:r>
-              <a:rPr lang="pt-BR" dirty="0" err="1" smtClean="0"/>
-              <a:t>Operandos</a:t>
-            </a:r>
-            <a:r>
-              <a:rPr lang="pt-BR" dirty="0" smtClean="0"/>
-              <a:t>: associados a variáveis em C</a:t>
-            </a:r>
-            <a:endParaRPr lang="pt-BR" dirty="0" smtClean="0"/>
-          </a:p>
-          <a:p>
-            <a:pPr lvl="1"/>
-            <a:r>
-              <a:rPr lang="pt-BR" dirty="0" smtClean="0"/>
-              <a:t>Restrições: r, =r, a,b,c,...,m, ..., número</a:t>
-            </a:r>
-          </a:p>
-          <a:p>
-            <a:pPr lvl="1"/>
-            <a:r>
-              <a:rPr lang="pt-BR" dirty="0" smtClean="0"/>
-              <a:t>Exemplo:</a:t>
-            </a:r>
-          </a:p>
-          <a:p>
-            <a:pPr lvl="1">
-              <a:buNone/>
-            </a:pPr>
-            <a:r>
-              <a:rPr lang="pt-BR" dirty="0" smtClean="0"/>
-              <a:t>			</a:t>
-            </a:r>
-            <a:r>
-              <a:rPr lang="pt-BR" dirty="0" err="1" smtClean="0"/>
-              <a:t>int</a:t>
-            </a:r>
-            <a:r>
-              <a:rPr lang="pt-BR" dirty="0" smtClean="0"/>
-              <a:t> </a:t>
-            </a:r>
-            <a:r>
-              <a:rPr lang="pt-BR" dirty="0" smtClean="0"/>
-              <a:t>a=10, b; </a:t>
-            </a:r>
-            <a:endParaRPr lang="pt-BR" dirty="0" smtClean="0"/>
-          </a:p>
-          <a:p>
-            <a:pPr lvl="1">
-              <a:buNone/>
-            </a:pPr>
-            <a:r>
-              <a:rPr lang="pt-BR" dirty="0" smtClean="0"/>
-              <a:t>	</a:t>
-            </a:r>
-            <a:r>
-              <a:rPr lang="pt-BR" dirty="0" smtClean="0"/>
-              <a:t>		</a:t>
-            </a:r>
-            <a:r>
-              <a:rPr lang="pt-BR" dirty="0" err="1" smtClean="0"/>
-              <a:t>asm</a:t>
-            </a:r>
-            <a:r>
-              <a:rPr lang="pt-BR" dirty="0" smtClean="0"/>
-              <a:t> 	(“</a:t>
-            </a:r>
-            <a:r>
-              <a:rPr lang="pt-BR" dirty="0" err="1" smtClean="0"/>
-              <a:t>movl</a:t>
-            </a:r>
-            <a:r>
-              <a:rPr lang="pt-BR" dirty="0" smtClean="0"/>
-              <a:t> </a:t>
-            </a:r>
-            <a:r>
-              <a:rPr lang="pt-BR" dirty="0" smtClean="0"/>
-              <a:t>%1, %%</a:t>
-            </a:r>
-            <a:r>
-              <a:rPr lang="pt-BR" dirty="0" err="1" smtClean="0"/>
-              <a:t>eax</a:t>
-            </a:r>
-            <a:r>
-              <a:rPr lang="pt-BR" dirty="0" smtClean="0"/>
-              <a:t>;</a:t>
-            </a:r>
-          </a:p>
-          <a:p>
-            <a:pPr lvl="1">
-              <a:buNone/>
-            </a:pPr>
-            <a:r>
-              <a:rPr lang="pt-BR" dirty="0" smtClean="0"/>
-              <a:t>	</a:t>
-            </a:r>
-            <a:r>
-              <a:rPr lang="pt-BR" dirty="0" smtClean="0"/>
-              <a:t>			   </a:t>
-            </a:r>
-            <a:r>
-              <a:rPr lang="pt-BR" dirty="0" err="1" smtClean="0"/>
-              <a:t>movl</a:t>
-            </a:r>
-            <a:r>
-              <a:rPr lang="pt-BR" dirty="0" smtClean="0"/>
-              <a:t> %%</a:t>
-            </a:r>
-            <a:r>
-              <a:rPr lang="pt-BR" dirty="0" err="1" smtClean="0"/>
-              <a:t>eax</a:t>
-            </a:r>
-            <a:r>
-              <a:rPr lang="pt-BR" dirty="0" smtClean="0"/>
-              <a:t>, %0</a:t>
-            </a:r>
-            <a:r>
-              <a:rPr lang="pt-BR" dirty="0" smtClean="0"/>
-              <a:t>;”</a:t>
-            </a:r>
-          </a:p>
-          <a:p>
-            <a:pPr lvl="1">
-              <a:buNone/>
-            </a:pPr>
-            <a:r>
-              <a:rPr lang="pt-BR" dirty="0" smtClean="0"/>
-              <a:t>	</a:t>
-            </a:r>
-            <a:r>
-              <a:rPr lang="pt-BR" dirty="0" smtClean="0"/>
-              <a:t>			:"=</a:t>
-            </a:r>
-            <a:r>
-              <a:rPr lang="pt-BR" dirty="0" smtClean="0"/>
-              <a:t>r"(b</a:t>
-            </a:r>
-            <a:r>
-              <a:rPr lang="pt-BR" dirty="0" smtClean="0"/>
-              <a:t>)	/* </a:t>
-            </a:r>
-            <a:r>
-              <a:rPr lang="pt-BR" dirty="0" err="1" smtClean="0"/>
-              <a:t>saida</a:t>
-            </a:r>
-            <a:r>
-              <a:rPr lang="pt-BR" dirty="0" smtClean="0"/>
-              <a:t> </a:t>
-            </a:r>
-            <a:r>
-              <a:rPr lang="pt-BR" dirty="0" smtClean="0"/>
-              <a:t>*/ </a:t>
-            </a:r>
-            <a:endParaRPr lang="pt-BR" dirty="0" smtClean="0"/>
-          </a:p>
-          <a:p>
-            <a:pPr lvl="1">
-              <a:buNone/>
-            </a:pPr>
-            <a:r>
-              <a:rPr lang="pt-BR" dirty="0" smtClean="0"/>
-              <a:t>	</a:t>
-            </a:r>
-            <a:r>
-              <a:rPr lang="pt-BR" dirty="0" smtClean="0"/>
-              <a:t>			:"</a:t>
-            </a:r>
-            <a:r>
-              <a:rPr lang="pt-BR" dirty="0" smtClean="0"/>
-              <a:t>r"(a) </a:t>
-            </a:r>
-            <a:r>
-              <a:rPr lang="pt-BR" dirty="0" smtClean="0"/>
-              <a:t>	/* entrada </a:t>
-            </a:r>
-            <a:r>
-              <a:rPr lang="pt-BR" dirty="0" smtClean="0"/>
-              <a:t>*/ </a:t>
-            </a:r>
-            <a:endParaRPr lang="pt-BR" dirty="0" smtClean="0"/>
-          </a:p>
-          <a:p>
-            <a:pPr lvl="1">
-              <a:buNone/>
-            </a:pPr>
-            <a:r>
-              <a:rPr lang="pt-BR" dirty="0" smtClean="0"/>
-              <a:t>	</a:t>
-            </a:r>
-            <a:r>
-              <a:rPr lang="pt-BR" dirty="0" smtClean="0"/>
-              <a:t>			:"%</a:t>
-            </a:r>
-            <a:r>
-              <a:rPr lang="pt-BR" dirty="0" err="1" smtClean="0"/>
-              <a:t>eax</a:t>
-            </a:r>
-            <a:r>
-              <a:rPr lang="pt-BR" dirty="0" smtClean="0"/>
-              <a:t>" </a:t>
-            </a:r>
-            <a:r>
-              <a:rPr lang="pt-BR" dirty="0" smtClean="0"/>
-              <a:t>	/* registradores utilizados </a:t>
-            </a:r>
-            <a:r>
-              <a:rPr lang="pt-BR" dirty="0" smtClean="0"/>
-              <a:t>*/  </a:t>
-            </a:r>
-            <a:r>
-              <a:rPr lang="pt-BR" dirty="0" smtClean="0"/>
-              <a:t>); </a:t>
-            </a:r>
-            <a:endParaRPr lang="pt-BR" dirty="0" smtClean="0"/>
-          </a:p>
-          <a:p>
-            <a:pPr lvl="2">
-              <a:buNone/>
-            </a:pPr>
-            <a:endParaRPr lang="pt-BR" dirty="0" smtClean="0"/>
+              <a:t>Código exemplo</a:t>
+            </a:r>
           </a:p>
           <a:p>
             <a:endParaRPr lang="pt-BR" dirty="0" smtClean="0"/>
@@ -4936,7 +4489,7 @@
     </p:spTree>
     <p:extLst>
       <p:ext uri="{BB962C8B-B14F-4D97-AF65-F5344CB8AC3E}">
-        <p14:creationId xmlns:p14="http://schemas.microsoft.com/office/powerpoint/2010/main" xmlns="" val="1565328756"/>
+        <p14:creationId xmlns:p14="http://schemas.microsoft.com/office/powerpoint/2010/main" xmlns="" val="633472005"/>
       </p:ext>
     </p:extLst>
   </p:cSld>
@@ -4986,6 +4539,571 @@
           <a:lstStyle/>
           <a:p>
             <a:r>
+              <a:rPr lang="pt-BR" sz="4000" dirty="0" err="1" smtClean="0"/>
+              <a:t>Inline</a:t>
+            </a:r>
+            <a:r>
+              <a:rPr lang="pt-BR" sz="4000" dirty="0" smtClean="0"/>
+              <a:t> </a:t>
+            </a:r>
+            <a:r>
+              <a:rPr lang="pt-BR" sz="4000" dirty="0" err="1" smtClean="0"/>
+              <a:t>assembly</a:t>
+            </a:r>
+            <a:endParaRPr lang="en-US" sz="4000" dirty="0"/>
+          </a:p>
+        </p:txBody>
+      </p:sp>
+      <p:sp>
+        <p:nvSpPr>
+          <p:cNvPr id="3" name="Content Placeholder 2"/>
+          <p:cNvSpPr>
+            <a:spLocks noGrp="1"/>
+          </p:cNvSpPr>
+          <p:nvPr>
+            <p:ph idx="1"/>
+          </p:nvPr>
+        </p:nvSpPr>
+        <p:spPr/>
+        <p:txBody>
+          <a:bodyPr>
+            <a:normAutofit/>
+          </a:bodyPr>
+          <a:lstStyle/>
+          <a:p>
+            <a:r>
+              <a:rPr lang="pt-BR" dirty="0" smtClean="0"/>
+              <a:t>Introdução</a:t>
+            </a:r>
+          </a:p>
+          <a:p>
+            <a:pPr>
+              <a:buNone/>
+            </a:pPr>
+            <a:endParaRPr lang="pt-BR" dirty="0" smtClean="0"/>
+          </a:p>
+          <a:p>
+            <a:r>
+              <a:rPr lang="pt-BR" dirty="0" smtClean="0"/>
+              <a:t>Codificação básica para GCC</a:t>
+            </a:r>
+          </a:p>
+          <a:p>
+            <a:pPr lvl="1"/>
+            <a:r>
+              <a:rPr lang="pt-BR" dirty="0" smtClean="0"/>
+              <a:t>Sintaxe: AT&amp;T</a:t>
+            </a:r>
+          </a:p>
+          <a:p>
+            <a:pPr lvl="1"/>
+            <a:r>
+              <a:rPr lang="pt-BR" dirty="0" smtClean="0"/>
+              <a:t>Exemplo: </a:t>
+            </a:r>
+          </a:p>
+          <a:p>
+            <a:pPr lvl="2">
+              <a:buNone/>
+            </a:pPr>
+            <a:r>
+              <a:rPr lang="pt-BR" dirty="0" smtClean="0"/>
+              <a:t>	__</a:t>
+            </a:r>
+            <a:r>
+              <a:rPr lang="pt-BR" dirty="0" err="1" smtClean="0"/>
+              <a:t>asm__</a:t>
+            </a:r>
+            <a:r>
+              <a:rPr lang="pt-BR" dirty="0" smtClean="0"/>
+              <a:t> ("</a:t>
+            </a:r>
+            <a:r>
+              <a:rPr lang="pt-BR" dirty="0" err="1" smtClean="0"/>
+              <a:t>movl</a:t>
+            </a:r>
+            <a:r>
+              <a:rPr lang="pt-BR" dirty="0" smtClean="0"/>
+              <a:t> %</a:t>
+            </a:r>
+            <a:r>
+              <a:rPr lang="pt-BR" dirty="0" err="1" smtClean="0"/>
+              <a:t>eax</a:t>
+            </a:r>
+            <a:r>
+              <a:rPr lang="pt-BR" dirty="0" smtClean="0"/>
+              <a:t>, %</a:t>
+            </a:r>
+            <a:r>
+              <a:rPr lang="pt-BR" dirty="0" err="1" smtClean="0"/>
+              <a:t>ebx</a:t>
+            </a:r>
+            <a:r>
+              <a:rPr lang="pt-BR" dirty="0" smtClean="0"/>
+              <a:t>\n\t" </a:t>
+            </a:r>
+          </a:p>
+          <a:p>
+            <a:pPr lvl="2">
+              <a:buNone/>
+            </a:pPr>
+            <a:r>
+              <a:rPr lang="pt-BR" dirty="0" smtClean="0"/>
+              <a:t>		   "</a:t>
+            </a:r>
+            <a:r>
+              <a:rPr lang="pt-BR" dirty="0" err="1" smtClean="0"/>
+              <a:t>movl</a:t>
+            </a:r>
+            <a:r>
+              <a:rPr lang="pt-BR" dirty="0" smtClean="0"/>
+              <a:t> $56, %</a:t>
+            </a:r>
+            <a:r>
+              <a:rPr lang="pt-BR" dirty="0" err="1" smtClean="0"/>
+              <a:t>esi</a:t>
+            </a:r>
+            <a:r>
+              <a:rPr lang="pt-BR" dirty="0" smtClean="0"/>
+              <a:t>\n\t“</a:t>
+            </a:r>
+          </a:p>
+          <a:p>
+            <a:pPr lvl="2">
+              <a:buNone/>
+            </a:pPr>
+            <a:r>
+              <a:rPr lang="pt-BR" dirty="0" smtClean="0"/>
+              <a:t>		   "</a:t>
+            </a:r>
+            <a:r>
+              <a:rPr lang="pt-BR" dirty="0" err="1" smtClean="0"/>
+              <a:t>movl</a:t>
+            </a:r>
+            <a:r>
+              <a:rPr lang="pt-BR" dirty="0" smtClean="0"/>
+              <a:t> %</a:t>
+            </a:r>
+            <a:r>
+              <a:rPr lang="pt-BR" dirty="0" err="1" smtClean="0"/>
+              <a:t>ecx</a:t>
+            </a:r>
+            <a:r>
+              <a:rPr lang="pt-BR" dirty="0" smtClean="0"/>
+              <a:t>, $</a:t>
+            </a:r>
+            <a:r>
+              <a:rPr lang="pt-BR" dirty="0" err="1" smtClean="0"/>
+              <a:t>label</a:t>
+            </a:r>
+            <a:r>
+              <a:rPr lang="pt-BR" dirty="0" smtClean="0"/>
+              <a:t>(%</a:t>
+            </a:r>
+            <a:r>
+              <a:rPr lang="pt-BR" dirty="0" err="1" smtClean="0"/>
+              <a:t>edx</a:t>
+            </a:r>
+            <a:r>
+              <a:rPr lang="pt-BR" dirty="0" smtClean="0"/>
+              <a:t>,%</a:t>
+            </a:r>
+            <a:r>
+              <a:rPr lang="pt-BR" dirty="0" err="1" smtClean="0"/>
+              <a:t>ebx</a:t>
+            </a:r>
+            <a:r>
+              <a:rPr lang="pt-BR" dirty="0" smtClean="0"/>
+              <a:t>,$4)\n\t”</a:t>
+            </a:r>
+          </a:p>
+          <a:p>
+            <a:pPr lvl="2">
+              <a:buNone/>
+            </a:pPr>
+            <a:r>
+              <a:rPr lang="pt-BR" dirty="0" smtClean="0"/>
+              <a:t>		   "</a:t>
+            </a:r>
+            <a:r>
+              <a:rPr lang="pt-BR" dirty="0" err="1" smtClean="0"/>
+              <a:t>movb</a:t>
+            </a:r>
+            <a:r>
+              <a:rPr lang="pt-BR" dirty="0" smtClean="0"/>
+              <a:t> %ah, (%</a:t>
+            </a:r>
+            <a:r>
+              <a:rPr lang="pt-BR" dirty="0" err="1" smtClean="0"/>
+              <a:t>ebx</a:t>
+            </a:r>
+            <a:r>
+              <a:rPr lang="pt-BR" dirty="0" smtClean="0"/>
+              <a:t>)");</a:t>
+            </a:r>
+          </a:p>
+          <a:p>
+            <a:pPr lvl="2">
+              <a:buNone/>
+            </a:pPr>
+            <a:endParaRPr lang="pt-BR" dirty="0" smtClean="0"/>
+          </a:p>
+          <a:p>
+            <a:r>
+              <a:rPr lang="pt-BR" dirty="0" smtClean="0"/>
+              <a:t>Extensão</a:t>
+            </a:r>
+          </a:p>
+          <a:p>
+            <a:pPr lvl="1"/>
+            <a:r>
+              <a:rPr lang="pt-BR" dirty="0" smtClean="0"/>
+              <a:t>Como definir as variáveis de entrada e saída (interface com C)</a:t>
+            </a:r>
+          </a:p>
+          <a:p>
+            <a:pPr lvl="1"/>
+            <a:r>
+              <a:rPr lang="pt-BR" dirty="0" smtClean="0"/>
+              <a:t>Como indicar como essas variáveis serão usadas em </a:t>
+            </a:r>
+            <a:r>
+              <a:rPr lang="pt-BR" dirty="0" err="1" smtClean="0"/>
+              <a:t>assembly</a:t>
+            </a:r>
+            <a:endParaRPr lang="pt-BR" dirty="0" smtClean="0"/>
+          </a:p>
+          <a:p>
+            <a:pPr lvl="2">
+              <a:buNone/>
+            </a:pPr>
+            <a:endParaRPr lang="pt-BR" dirty="0" smtClean="0"/>
+          </a:p>
+          <a:p>
+            <a:endParaRPr lang="pt-BR" dirty="0" smtClean="0"/>
+          </a:p>
+        </p:txBody>
+      </p:sp>
+    </p:spTree>
+    <p:extLst>
+      <p:ext uri="{BB962C8B-B14F-4D97-AF65-F5344CB8AC3E}">
+        <p14:creationId xmlns="" xmlns:p14="http://schemas.microsoft.com/office/powerpoint/2010/main" val="1565328756"/>
+      </p:ext>
+    </p:extLst>
+  </p:cSld>
+  <p:clrMapOvr>
+    <a:masterClrMapping/>
+  </p:clrMapOvr>
+  <p:timing>
+    <p:tnLst>
+      <p:par>
+        <p:cTn id="1" dur="indefinite" restart="never" nodeType="tmRoot"/>
+      </p:par>
+    </p:tnLst>
+  </p:timing>
+</p:sld>
+</file>
+
+<file path=ppt/slides/slide17.xml><?xml version="1.0" encoding="utf-8"?>
+<p:sld xmlns:a="http://schemas.openxmlformats.org/drawingml/2006/main" xmlns:r="http://schemas.openxmlformats.org/officeDocument/2006/relationships" xmlns:p="http://schemas.openxmlformats.org/presentationml/2006/main">
+  <p:cSld>
+    <p:spTree>
+      <p:nvGrpSpPr>
+        <p:cNvPr id="1" name=""/>
+        <p:cNvGrpSpPr/>
+        <p:nvPr/>
+      </p:nvGrpSpPr>
+      <p:grpSpPr>
+        <a:xfrm>
+          <a:off x="0" y="0"/>
+          <a:ext cx="0" cy="0"/>
+          <a:chOff x="0" y="0"/>
+          <a:chExt cx="0" cy="0"/>
+        </a:xfrm>
+      </p:grpSpPr>
+      <p:sp>
+        <p:nvSpPr>
+          <p:cNvPr id="2" name="Title 1"/>
+          <p:cNvSpPr>
+            <a:spLocks noGrp="1"/>
+          </p:cNvSpPr>
+          <p:nvPr>
+            <p:ph type="title"/>
+          </p:nvPr>
+        </p:nvSpPr>
+        <p:spPr/>
+        <p:txBody>
+          <a:bodyPr/>
+          <a:lstStyle/>
+          <a:p>
+            <a:r>
+              <a:rPr lang="pt-BR" sz="4000" dirty="0" err="1" smtClean="0"/>
+              <a:t>Inline</a:t>
+            </a:r>
+            <a:r>
+              <a:rPr lang="pt-BR" sz="4000" dirty="0" smtClean="0"/>
+              <a:t> </a:t>
+            </a:r>
+            <a:r>
+              <a:rPr lang="pt-BR" sz="4000" dirty="0" err="1" smtClean="0"/>
+              <a:t>assembly</a:t>
+            </a:r>
+            <a:endParaRPr lang="en-US" sz="4000" dirty="0"/>
+          </a:p>
+        </p:txBody>
+      </p:sp>
+      <p:sp>
+        <p:nvSpPr>
+          <p:cNvPr id="3" name="Content Placeholder 2"/>
+          <p:cNvSpPr>
+            <a:spLocks noGrp="1"/>
+          </p:cNvSpPr>
+          <p:nvPr>
+            <p:ph idx="1"/>
+          </p:nvPr>
+        </p:nvSpPr>
+        <p:spPr/>
+        <p:txBody>
+          <a:bodyPr>
+            <a:normAutofit/>
+          </a:bodyPr>
+          <a:lstStyle/>
+          <a:p>
+            <a:r>
+              <a:rPr lang="pt-BR" dirty="0" smtClean="0"/>
+              <a:t>Extensão (continuação)</a:t>
+            </a:r>
+          </a:p>
+          <a:p>
+            <a:pPr lvl="1"/>
+            <a:r>
+              <a:rPr lang="pt-BR" dirty="0" smtClean="0"/>
+              <a:t>Campos: </a:t>
+            </a:r>
+            <a:r>
+              <a:rPr lang="pt-BR" i="1" dirty="0" err="1" smtClean="0"/>
+              <a:t>assembly</a:t>
+            </a:r>
+            <a:r>
+              <a:rPr lang="pt-BR" i="1" dirty="0" smtClean="0"/>
+              <a:t> </a:t>
+            </a:r>
+            <a:r>
+              <a:rPr lang="pt-BR" i="1" dirty="0" err="1" smtClean="0"/>
+              <a:t>template</a:t>
+            </a:r>
+            <a:r>
+              <a:rPr lang="pt-BR" dirty="0" smtClean="0"/>
+              <a:t>, saída, entrada e registradores utilizados</a:t>
+            </a:r>
+          </a:p>
+          <a:p>
+            <a:pPr lvl="1"/>
+            <a:r>
+              <a:rPr lang="pt-BR" dirty="0" err="1" smtClean="0"/>
+              <a:t>Operandos</a:t>
+            </a:r>
+            <a:r>
+              <a:rPr lang="pt-BR" dirty="0" smtClean="0"/>
+              <a:t>: associados a variáveis em C</a:t>
+            </a:r>
+          </a:p>
+          <a:p>
+            <a:pPr lvl="1"/>
+            <a:r>
+              <a:rPr lang="pt-BR" dirty="0" smtClean="0"/>
+              <a:t>Restrições: r, =r, a,b,c,...,m, ..., número</a:t>
+            </a:r>
+          </a:p>
+          <a:p>
+            <a:pPr lvl="1"/>
+            <a:r>
+              <a:rPr lang="pt-BR" dirty="0" smtClean="0"/>
+              <a:t>Exemplo:</a:t>
+            </a:r>
+          </a:p>
+          <a:p>
+            <a:pPr lvl="1">
+              <a:buNone/>
+            </a:pPr>
+            <a:r>
+              <a:rPr lang="pt-BR" dirty="0" smtClean="0"/>
+              <a:t>			</a:t>
+            </a:r>
+            <a:r>
+              <a:rPr lang="pt-BR" dirty="0" err="1" smtClean="0"/>
+              <a:t>int</a:t>
+            </a:r>
+            <a:r>
+              <a:rPr lang="pt-BR" dirty="0" smtClean="0"/>
+              <a:t> a=10, b; </a:t>
+            </a:r>
+          </a:p>
+          <a:p>
+            <a:pPr lvl="1">
+              <a:buNone/>
+            </a:pPr>
+            <a:r>
+              <a:rPr lang="pt-BR" dirty="0" smtClean="0"/>
+              <a:t>			</a:t>
+            </a:r>
+            <a:r>
+              <a:rPr lang="pt-BR" dirty="0" err="1" smtClean="0"/>
+              <a:t>asm</a:t>
+            </a:r>
+            <a:r>
+              <a:rPr lang="pt-BR" dirty="0" smtClean="0"/>
+              <a:t> 	(“</a:t>
+            </a:r>
+            <a:r>
+              <a:rPr lang="pt-BR" dirty="0" err="1" smtClean="0"/>
+              <a:t>movl</a:t>
+            </a:r>
+            <a:r>
+              <a:rPr lang="pt-BR" dirty="0" smtClean="0"/>
+              <a:t> %1, %%</a:t>
+            </a:r>
+            <a:r>
+              <a:rPr lang="pt-BR" dirty="0" err="1" smtClean="0"/>
+              <a:t>eax</a:t>
+            </a:r>
+            <a:r>
+              <a:rPr lang="pt-BR" dirty="0" smtClean="0"/>
+              <a:t>;</a:t>
+            </a:r>
+          </a:p>
+          <a:p>
+            <a:pPr lvl="1">
+              <a:buNone/>
+            </a:pPr>
+            <a:r>
+              <a:rPr lang="pt-BR" dirty="0" smtClean="0"/>
+              <a:t>				   </a:t>
+            </a:r>
+            <a:r>
+              <a:rPr lang="pt-BR" dirty="0" err="1" smtClean="0"/>
+              <a:t>movl</a:t>
+            </a:r>
+            <a:r>
+              <a:rPr lang="pt-BR" dirty="0" smtClean="0"/>
+              <a:t> %%</a:t>
+            </a:r>
+            <a:r>
+              <a:rPr lang="pt-BR" dirty="0" err="1" smtClean="0"/>
+              <a:t>eax</a:t>
+            </a:r>
+            <a:r>
+              <a:rPr lang="pt-BR" dirty="0" smtClean="0"/>
+              <a:t>, %0;”</a:t>
+            </a:r>
+          </a:p>
+          <a:p>
+            <a:pPr lvl="1">
+              <a:buNone/>
+            </a:pPr>
+            <a:r>
+              <a:rPr lang="pt-BR" dirty="0" smtClean="0"/>
+              <a:t>				:"=r"(b)	/* </a:t>
+            </a:r>
+            <a:r>
+              <a:rPr lang="pt-BR" dirty="0" err="1" smtClean="0"/>
+              <a:t>saida</a:t>
+            </a:r>
+            <a:r>
+              <a:rPr lang="pt-BR" dirty="0" smtClean="0"/>
+              <a:t> */ </a:t>
+            </a:r>
+          </a:p>
+          <a:p>
+            <a:pPr lvl="1">
+              <a:buNone/>
+            </a:pPr>
+            <a:r>
+              <a:rPr lang="pt-BR" dirty="0" smtClean="0"/>
+              <a:t>				:"r"(a) 	/* entrada */ </a:t>
+            </a:r>
+          </a:p>
+          <a:p>
+            <a:pPr lvl="1">
+              <a:buNone/>
+            </a:pPr>
+            <a:r>
+              <a:rPr lang="pt-BR" dirty="0" smtClean="0"/>
+              <a:t>				:"%</a:t>
+            </a:r>
+            <a:r>
+              <a:rPr lang="pt-BR" dirty="0" err="1" smtClean="0"/>
+              <a:t>eax</a:t>
+            </a:r>
+            <a:r>
+              <a:rPr lang="pt-BR" dirty="0" smtClean="0"/>
+              <a:t>" 	/* registradores utilizados */  ); </a:t>
+            </a:r>
+          </a:p>
+          <a:p>
+            <a:pPr lvl="2">
+              <a:buNone/>
+            </a:pPr>
+            <a:endParaRPr lang="pt-BR" dirty="0" smtClean="0"/>
+          </a:p>
+          <a:p>
+            <a:endParaRPr lang="pt-BR" dirty="0" smtClean="0"/>
+          </a:p>
+        </p:txBody>
+      </p:sp>
+    </p:spTree>
+    <p:extLst>
+      <p:ext uri="{BB962C8B-B14F-4D97-AF65-F5344CB8AC3E}">
+        <p14:creationId xmlns="" xmlns:p14="http://schemas.microsoft.com/office/powerpoint/2010/main" val="1565328756"/>
+      </p:ext>
+    </p:extLst>
+  </p:cSld>
+  <p:clrMapOvr>
+    <a:masterClrMapping/>
+  </p:clrMapOvr>
+  <p:timing>
+    <p:tnLst>
+      <p:par>
+        <p:cTn id="1" dur="indefinite" restart="never" nodeType="tmRoot"/>
+      </p:par>
+    </p:tnLst>
+  </p:timing>
+</p:sld>
+</file>
+
+<file path=ppt/slides/slide18.xml><?xml version="1.0" encoding="utf-8"?>
+<p:sld xmlns:a="http://schemas.openxmlformats.org/drawingml/2006/main" xmlns:r="http://schemas.openxmlformats.org/officeDocument/2006/relationships" xmlns:p="http://schemas.openxmlformats.org/presentationml/2006/main">
+  <p:cSld>
+    <p:spTree>
+      <p:nvGrpSpPr>
+        <p:cNvPr id="1" name=""/>
+        <p:cNvGrpSpPr/>
+        <p:nvPr/>
+      </p:nvGrpSpPr>
+      <p:grpSpPr>
+        <a:xfrm>
+          <a:off x="0" y="0"/>
+          <a:ext cx="0" cy="0"/>
+          <a:chOff x="0" y="0"/>
+          <a:chExt cx="0" cy="0"/>
+        </a:xfrm>
+      </p:grpSpPr>
+      <p:sp>
+        <p:nvSpPr>
+          <p:cNvPr id="2" name="Title 1"/>
+          <p:cNvSpPr>
+            <a:spLocks noGrp="1"/>
+          </p:cNvSpPr>
+          <p:nvPr>
+            <p:ph type="title"/>
+          </p:nvPr>
+        </p:nvSpPr>
+        <p:spPr/>
+        <p:txBody>
+          <a:bodyPr/>
+          <a:lstStyle/>
+          <a:p>
+            <a:r>
               <a:rPr lang="pt-BR" sz="4000" dirty="0" smtClean="0"/>
               <a:t>Modelos de memória</a:t>
             </a:r>
@@ -5012,13 +5130,8 @@
           <a:p>
             <a:r>
               <a:rPr lang="pt-BR" dirty="0" smtClean="0"/>
-              <a:t>O que </a:t>
-            </a:r>
-            <a:r>
-              <a:rPr lang="pt-BR" dirty="0" smtClean="0"/>
-              <a:t>são?</a:t>
-            </a:r>
-            <a:endParaRPr lang="pt-BR" dirty="0" smtClean="0"/>
+              <a:t>O que são?</a:t>
+            </a:r>
           </a:p>
           <a:p>
             <a:endParaRPr lang="pt-BR" dirty="0"/>
@@ -5028,7 +5141,6 @@
               <a:rPr lang="pt-BR" dirty="0" smtClean="0"/>
               <a:t>Qual usar?</a:t>
             </a:r>
-            <a:endParaRPr lang="pt-BR" dirty="0" smtClean="0"/>
           </a:p>
           <a:p>
             <a:pPr>
@@ -5111,11 +5223,7 @@
             <a:pPr lvl="1"/>
             <a:r>
               <a:rPr lang="pt-BR" dirty="0" smtClean="0"/>
-              <a:t>Exemplo: </a:t>
-            </a:r>
-            <a:r>
-              <a:rPr lang="pt-BR" dirty="0" smtClean="0"/>
-              <a:t>	</a:t>
+              <a:t>Exemplo: 	</a:t>
             </a:r>
             <a:r>
               <a:rPr lang="pt-BR" dirty="0" err="1" smtClean="0"/>
@@ -5139,11 +5247,7 @@
             </a:r>
             <a:r>
               <a:rPr lang="pt-BR" dirty="0" smtClean="0"/>
-              <a:t>) </a:t>
-            </a:r>
-            <a:r>
-              <a:rPr lang="pt-BR" dirty="0" smtClean="0"/>
-              <a:t>small</a:t>
+              <a:t>) small</a:t>
             </a:r>
           </a:p>
           <a:p>
@@ -5152,17 +5256,8 @@
             </a:pPr>
             <a:r>
               <a:rPr lang="pt-BR" dirty="0" smtClean="0"/>
-              <a:t>	</a:t>
-            </a:r>
-            <a:r>
-              <a:rPr lang="pt-BR" dirty="0" smtClean="0"/>
-              <a:t>			{ for </a:t>
-            </a:r>
-            <a:r>
-              <a:rPr lang="pt-BR" dirty="0" smtClean="0"/>
-              <a:t>(i=8;i&gt;0;i--) { </a:t>
-            </a:r>
-            <a:endParaRPr lang="pt-BR" dirty="0" smtClean="0"/>
+              <a:t>				{ for (i=8;i&gt;0;i--) { </a:t>
+            </a:r>
           </a:p>
           <a:p>
             <a:pPr lvl="1">
@@ -5170,21 +5265,8 @@
             </a:pPr>
             <a:r>
               <a:rPr lang="pt-BR" dirty="0" smtClean="0"/>
-              <a:t>	</a:t>
-            </a:r>
-            <a:r>
-              <a:rPr lang="pt-BR" dirty="0" smtClean="0"/>
-              <a:t>			P1.2 </a:t>
-            </a:r>
-            <a:r>
-              <a:rPr lang="pt-BR" dirty="0" smtClean="0"/>
-              <a:t>= ~P1.2; } </a:t>
-            </a:r>
-            <a:r>
-              <a:rPr lang="pt-BR" dirty="0" smtClean="0"/>
-              <a:t> }</a:t>
-            </a:r>
-            <a:endParaRPr lang="pt-BR" dirty="0" smtClean="0"/>
+              <a:t>				P1.2 = ~P1.2; }  }</a:t>
+            </a:r>
           </a:p>
           <a:p>
             <a:endParaRPr lang="pt-BR" dirty="0"/>
@@ -5292,167 +5374,7 @@
     </p:spTree>
     <p:extLst>
       <p:ext uri="{BB962C8B-B14F-4D97-AF65-F5344CB8AC3E}">
-        <p14:creationId xmlns:p14="http://schemas.microsoft.com/office/powerpoint/2010/main" xmlns="" val="1443271526"/>
-      </p:ext>
-    </p:extLst>
-  </p:cSld>
-  <p:clrMapOvr>
-    <a:masterClrMapping/>
-  </p:clrMapOvr>
-  <p:timing>
-    <p:tnLst>
-      <p:par>
-        <p:cTn id="1" dur="indefinite" restart="never" nodeType="tmRoot"/>
-      </p:par>
-    </p:tnLst>
-  </p:timing>
-</p:sld>
-</file>
-
-<file path=ppt/slides/slide17.xml><?xml version="1.0" encoding="utf-8"?>
-<p:sld xmlns:a="http://schemas.openxmlformats.org/drawingml/2006/main" xmlns:r="http://schemas.openxmlformats.org/officeDocument/2006/relationships" xmlns:p="http://schemas.openxmlformats.org/presentationml/2006/main">
-  <p:cSld>
-    <p:spTree>
-      <p:nvGrpSpPr>
-        <p:cNvPr id="1" name=""/>
-        <p:cNvGrpSpPr/>
-        <p:nvPr/>
-      </p:nvGrpSpPr>
-      <p:grpSpPr>
-        <a:xfrm>
-          <a:off x="0" y="0"/>
-          <a:ext cx="0" cy="0"/>
-          <a:chOff x="0" y="0"/>
-          <a:chExt cx="0" cy="0"/>
-        </a:xfrm>
-      </p:grpSpPr>
-      <p:sp>
-        <p:nvSpPr>
-          <p:cNvPr id="4" name="Title 3"/>
-          <p:cNvSpPr>
-            <a:spLocks noGrp="1"/>
-          </p:cNvSpPr>
-          <p:nvPr>
-            <p:ph type="title"/>
-          </p:nvPr>
-        </p:nvSpPr>
-        <p:spPr/>
-        <p:txBody>
-          <a:bodyPr/>
-          <a:lstStyle/>
-          <a:p>
-            <a:r>
-              <a:rPr lang="pt-BR" dirty="0" smtClean="0"/>
-              <a:t>conclusão</a:t>
-            </a:r>
-            <a:endParaRPr lang="en-US" dirty="0"/>
-          </a:p>
-        </p:txBody>
-      </p:sp>
-      <p:sp>
-        <p:nvSpPr>
-          <p:cNvPr id="5" name="Text Placeholder 4"/>
-          <p:cNvSpPr>
-            <a:spLocks noGrp="1"/>
-          </p:cNvSpPr>
-          <p:nvPr>
-            <p:ph type="body" idx="1"/>
-          </p:nvPr>
-        </p:nvSpPr>
-        <p:spPr/>
-        <p:txBody>
-          <a:bodyPr/>
-          <a:lstStyle/>
-          <a:p>
-            <a:endParaRPr lang="en-US"/>
-          </a:p>
-        </p:txBody>
-      </p:sp>
-    </p:spTree>
-    <p:extLst>
-      <p:ext uri="{BB962C8B-B14F-4D97-AF65-F5344CB8AC3E}">
-        <p14:creationId xmlns="" xmlns:p14="http://schemas.microsoft.com/office/powerpoint/2010/main" val="3480651843"/>
-      </p:ext>
-    </p:extLst>
-  </p:cSld>
-  <p:clrMapOvr>
-    <a:masterClrMapping/>
-  </p:clrMapOvr>
-  <p:timing>
-    <p:tnLst>
-      <p:par>
-        <p:cTn id="1" dur="indefinite" restart="never" nodeType="tmRoot"/>
-      </p:par>
-    </p:tnLst>
-  </p:timing>
-</p:sld>
-</file>
-
-<file path=ppt/slides/slide18.xml><?xml version="1.0" encoding="utf-8"?>
-<p:sld xmlns:a="http://schemas.openxmlformats.org/drawingml/2006/main" xmlns:r="http://schemas.openxmlformats.org/officeDocument/2006/relationships" xmlns:p="http://schemas.openxmlformats.org/presentationml/2006/main">
-  <p:cSld>
-    <p:spTree>
-      <p:nvGrpSpPr>
-        <p:cNvPr id="1" name=""/>
-        <p:cNvGrpSpPr/>
-        <p:nvPr/>
-      </p:nvGrpSpPr>
-      <p:grpSpPr>
-        <a:xfrm>
-          <a:off x="0" y="0"/>
-          <a:ext cx="0" cy="0"/>
-          <a:chOff x="0" y="0"/>
-          <a:chExt cx="0" cy="0"/>
-        </a:xfrm>
-      </p:grpSpPr>
-      <p:sp>
-        <p:nvSpPr>
-          <p:cNvPr id="2" name="Title 1"/>
-          <p:cNvSpPr>
-            <a:spLocks noGrp="1"/>
-          </p:cNvSpPr>
-          <p:nvPr>
-            <p:ph type="title"/>
-          </p:nvPr>
-        </p:nvSpPr>
-        <p:spPr/>
-        <p:txBody>
-          <a:bodyPr/>
-          <a:lstStyle/>
-          <a:p>
-            <a:r>
-              <a:rPr lang="pt-BR" sz="4000" dirty="0" smtClean="0"/>
-              <a:t>Estudo de caso - ???</a:t>
-            </a:r>
-            <a:endParaRPr lang="en-US" sz="4000" dirty="0"/>
-          </a:p>
-        </p:txBody>
-      </p:sp>
-      <p:sp>
-        <p:nvSpPr>
-          <p:cNvPr id="3" name="Content Placeholder 2"/>
-          <p:cNvSpPr>
-            <a:spLocks noGrp="1"/>
-          </p:cNvSpPr>
-          <p:nvPr>
-            <p:ph idx="1"/>
-          </p:nvPr>
-        </p:nvSpPr>
-        <p:spPr/>
-        <p:txBody>
-          <a:bodyPr>
-            <a:normAutofit/>
-          </a:bodyPr>
-          <a:lstStyle/>
-          <a:p>
-            <a:endParaRPr lang="pt-BR" dirty="0" smtClean="0"/>
-          </a:p>
-        </p:txBody>
-      </p:sp>
-    </p:spTree>
-    <p:extLst>
-      <p:ext uri="{BB962C8B-B14F-4D97-AF65-F5344CB8AC3E}">
-        <p14:creationId xmlns="" xmlns:p14="http://schemas.microsoft.com/office/powerpoint/2010/main" val="3522577388"/>
+        <p14:creationId xmlns="" xmlns:p14="http://schemas.microsoft.com/office/powerpoint/2010/main" val="1443271526"/>
       </p:ext>
     </p:extLst>
   </p:cSld>
@@ -5488,7 +5410,7 @@
       </p:grpSpPr>
       <p:sp>
         <p:nvSpPr>
-          <p:cNvPr id="2" name="Title 1"/>
+          <p:cNvPr id="4" name="Title 3"/>
           <p:cNvSpPr>
             <a:spLocks noGrp="1"/>
           </p:cNvSpPr>
@@ -5503,7 +5425,7 @@
           <a:p>
             <a:r>
               <a:rPr lang="pt-BR" dirty="0" smtClean="0"/>
-              <a:t>Perguntas</a:t>
+              <a:t>conclusão</a:t>
             </a:r>
             <a:endParaRPr lang="en-US" dirty="0"/>
           </a:p>
@@ -5511,12 +5433,12 @@
       </p:sp>
       <p:sp>
         <p:nvSpPr>
-          <p:cNvPr id="3" name="Content Placeholder 2"/>
-          <p:cNvSpPr>
-            <a:spLocks noGrp="1"/>
-          </p:cNvSpPr>
-          <p:nvPr>
-            <p:ph idx="1"/>
+          <p:cNvPr id="5" name="Text Placeholder 4"/>
+          <p:cNvSpPr>
+            <a:spLocks noGrp="1"/>
+          </p:cNvSpPr>
+          <p:nvPr>
+            <p:ph type="body" idx="1"/>
           </p:nvPr>
         </p:nvSpPr>
         <p:spPr/>
@@ -5528,51 +5450,10 @@
           </a:p>
         </p:txBody>
       </p:sp>
-      <p:pic>
-        <p:nvPicPr>
-          <p:cNvPr id="4098" name="Picture 2" descr="http://3.bp.blogspot.com/-fSkMFFUf_S0/Th2rIbKd_rI/AAAAAAAAAIw/4YVc3a7vYQQ/s1600/pergunta.jpg"/>
-          <p:cNvPicPr>
-            <a:picLocks noChangeAspect="1" noChangeArrowheads="1"/>
-          </p:cNvPicPr>
-          <p:nvPr/>
-        </p:nvPicPr>
-        <p:blipFill>
-          <a:blip r:embed="rId2" cstate="print">
-            <a:extLst>
-              <a:ext uri="{28A0092B-C50C-407E-A947-70E740481C1C}">
-                <a14:useLocalDpi xmlns="" xmlns:a14="http://schemas.microsoft.com/office/drawing/2010/main" val="0"/>
-              </a:ext>
-            </a:extLst>
-          </a:blip>
-          <a:srcRect/>
-          <a:stretch>
-            <a:fillRect/>
-          </a:stretch>
-        </p:blipFill>
-        <p:spPr bwMode="auto">
-          <a:xfrm>
-            <a:off x="2339751" y="1628800"/>
-            <a:ext cx="4694047" cy="4680520"/>
-          </a:xfrm>
-          <a:prstGeom prst="rect">
-            <a:avLst/>
-          </a:prstGeom>
-          <a:noFill/>
-          <a:extLst>
-            <a:ext uri="{909E8E84-426E-40DD-AFC4-6F175D3DCCD1}">
-              <a14:hiddenFill xmlns="" xmlns:a14="http://schemas.microsoft.com/office/drawing/2010/main">
-                <a:solidFill>
-                  <a:srgbClr val="FFFFFF"/>
-                </a:solidFill>
-              </a14:hiddenFill>
-            </a:ext>
-          </a:extLst>
-        </p:spPr>
-      </p:pic>
     </p:spTree>
     <p:extLst>
       <p:ext uri="{BB962C8B-B14F-4D97-AF65-F5344CB8AC3E}">
-        <p14:creationId xmlns="" xmlns:p14="http://schemas.microsoft.com/office/powerpoint/2010/main" val="575131698"/>
+        <p14:creationId xmlns:p14="http://schemas.microsoft.com/office/powerpoint/2010/main" xmlns="" val="3480651843"/>
       </p:ext>
     </p:extLst>
   </p:cSld>
@@ -5766,7 +5647,208 @@
     </p:spTree>
     <p:extLst>
       <p:ext uri="{BB962C8B-B14F-4D97-AF65-F5344CB8AC3E}">
-        <p14:creationId xmlns="" xmlns:p14="http://schemas.microsoft.com/office/powerpoint/2010/main" val="460233177"/>
+        <p14:creationId xmlns:p14="http://schemas.microsoft.com/office/powerpoint/2010/main" xmlns="" val="460233177"/>
+      </p:ext>
+    </p:extLst>
+  </p:cSld>
+  <p:clrMapOvr>
+    <a:masterClrMapping/>
+  </p:clrMapOvr>
+  <p:timing>
+    <p:tnLst>
+      <p:par>
+        <p:cTn id="1" dur="indefinite" restart="never" nodeType="tmRoot"/>
+      </p:par>
+    </p:tnLst>
+  </p:timing>
+</p:sld>
+</file>
+
+<file path=ppt/slides/slide20.xml><?xml version="1.0" encoding="utf-8"?>
+<p:sld xmlns:a="http://schemas.openxmlformats.org/drawingml/2006/main" xmlns:r="http://schemas.openxmlformats.org/officeDocument/2006/relationships" xmlns:p="http://schemas.openxmlformats.org/presentationml/2006/main">
+  <p:cSld>
+    <p:spTree>
+      <p:nvGrpSpPr>
+        <p:cNvPr id="1" name=""/>
+        <p:cNvGrpSpPr/>
+        <p:nvPr/>
+      </p:nvGrpSpPr>
+      <p:grpSpPr>
+        <a:xfrm>
+          <a:off x="0" y="0"/>
+          <a:ext cx="0" cy="0"/>
+          <a:chOff x="0" y="0"/>
+          <a:chExt cx="0" cy="0"/>
+        </a:xfrm>
+      </p:grpSpPr>
+      <p:sp>
+        <p:nvSpPr>
+          <p:cNvPr id="2" name="Title 1"/>
+          <p:cNvSpPr>
+            <a:spLocks noGrp="1"/>
+          </p:cNvSpPr>
+          <p:nvPr>
+            <p:ph type="title"/>
+          </p:nvPr>
+        </p:nvSpPr>
+        <p:spPr/>
+        <p:txBody>
+          <a:bodyPr/>
+          <a:lstStyle/>
+          <a:p>
+            <a:r>
+              <a:rPr lang="pt-BR" sz="4000" dirty="0" smtClean="0"/>
+              <a:t>Estudo de caso - ???</a:t>
+            </a:r>
+            <a:endParaRPr lang="en-US" sz="4000" dirty="0"/>
+          </a:p>
+        </p:txBody>
+      </p:sp>
+      <p:sp>
+        <p:nvSpPr>
+          <p:cNvPr id="3" name="Content Placeholder 2"/>
+          <p:cNvSpPr>
+            <a:spLocks noGrp="1"/>
+          </p:cNvSpPr>
+          <p:nvPr>
+            <p:ph idx="1"/>
+          </p:nvPr>
+        </p:nvSpPr>
+        <p:spPr/>
+        <p:txBody>
+          <a:bodyPr>
+            <a:normAutofit/>
+          </a:bodyPr>
+          <a:lstStyle/>
+          <a:p>
+            <a:endParaRPr lang="pt-BR" dirty="0" smtClean="0"/>
+          </a:p>
+        </p:txBody>
+      </p:sp>
+    </p:spTree>
+    <p:extLst>
+      <p:ext uri="{BB962C8B-B14F-4D97-AF65-F5344CB8AC3E}">
+        <p14:creationId xmlns:p14="http://schemas.microsoft.com/office/powerpoint/2010/main" xmlns="" val="3522577388"/>
+      </p:ext>
+    </p:extLst>
+  </p:cSld>
+  <p:clrMapOvr>
+    <a:masterClrMapping/>
+  </p:clrMapOvr>
+  <p:timing>
+    <p:tnLst>
+      <p:par>
+        <p:cTn id="1" dur="indefinite" restart="never" nodeType="tmRoot"/>
+      </p:par>
+    </p:tnLst>
+  </p:timing>
+</p:sld>
+</file>
+
+<file path=ppt/slides/slide21.xml><?xml version="1.0" encoding="utf-8"?>
+<p:sld xmlns:a="http://schemas.openxmlformats.org/drawingml/2006/main" xmlns:r="http://schemas.openxmlformats.org/officeDocument/2006/relationships" xmlns:p="http://schemas.openxmlformats.org/presentationml/2006/main">
+  <p:cSld>
+    <p:spTree>
+      <p:nvGrpSpPr>
+        <p:cNvPr id="1" name=""/>
+        <p:cNvGrpSpPr/>
+        <p:nvPr/>
+      </p:nvGrpSpPr>
+      <p:grpSpPr>
+        <a:xfrm>
+          <a:off x="0" y="0"/>
+          <a:ext cx="0" cy="0"/>
+          <a:chOff x="0" y="0"/>
+          <a:chExt cx="0" cy="0"/>
+        </a:xfrm>
+      </p:grpSpPr>
+      <p:sp>
+        <p:nvSpPr>
+          <p:cNvPr id="2" name="Title 1"/>
+          <p:cNvSpPr>
+            <a:spLocks noGrp="1"/>
+          </p:cNvSpPr>
+          <p:nvPr>
+            <p:ph type="title"/>
+          </p:nvPr>
+        </p:nvSpPr>
+        <p:spPr/>
+        <p:txBody>
+          <a:bodyPr/>
+          <a:lstStyle/>
+          <a:p>
+            <a:r>
+              <a:rPr lang="pt-BR" dirty="0" smtClean="0"/>
+              <a:t>Perguntas</a:t>
+            </a:r>
+            <a:endParaRPr lang="en-US" dirty="0"/>
+          </a:p>
+        </p:txBody>
+      </p:sp>
+      <p:sp>
+        <p:nvSpPr>
+          <p:cNvPr id="3" name="Content Placeholder 2"/>
+          <p:cNvSpPr>
+            <a:spLocks noGrp="1"/>
+          </p:cNvSpPr>
+          <p:nvPr>
+            <p:ph idx="1"/>
+          </p:nvPr>
+        </p:nvSpPr>
+        <p:spPr/>
+        <p:txBody>
+          <a:bodyPr/>
+          <a:lstStyle/>
+          <a:p>
+            <a:endParaRPr lang="en-US"/>
+          </a:p>
+        </p:txBody>
+      </p:sp>
+      <p:pic>
+        <p:nvPicPr>
+          <p:cNvPr id="4098" name="Picture 2" descr="http://3.bp.blogspot.com/-fSkMFFUf_S0/Th2rIbKd_rI/AAAAAAAAAIw/4YVc3a7vYQQ/s1600/pergunta.jpg"/>
+          <p:cNvPicPr>
+            <a:picLocks noChangeAspect="1" noChangeArrowheads="1"/>
+          </p:cNvPicPr>
+          <p:nvPr/>
+        </p:nvPicPr>
+        <p:blipFill>
+          <a:blip r:embed="rId2" cstate="print">
+            <a:extLst>
+              <a:ext uri="{28A0092B-C50C-407E-A947-70E740481C1C}">
+                <a14:useLocalDpi xmlns:a14="http://schemas.microsoft.com/office/drawing/2010/main" xmlns="" val="0"/>
+              </a:ext>
+            </a:extLst>
+          </a:blip>
+          <a:srcRect/>
+          <a:stretch>
+            <a:fillRect/>
+          </a:stretch>
+        </p:blipFill>
+        <p:spPr bwMode="auto">
+          <a:xfrm>
+            <a:off x="2339751" y="1628800"/>
+            <a:ext cx="4694047" cy="4680520"/>
+          </a:xfrm>
+          <a:prstGeom prst="rect">
+            <a:avLst/>
+          </a:prstGeom>
+          <a:noFill/>
+          <a:extLst>
+            <a:ext uri="{909E8E84-426E-40DD-AFC4-6F175D3DCCD1}">
+              <a14:hiddenFill xmlns:a14="http://schemas.microsoft.com/office/drawing/2010/main" xmlns="">
+                <a:solidFill>
+                  <a:srgbClr val="FFFFFF"/>
+                </a:solidFill>
+              </a14:hiddenFill>
+            </a:ext>
+          </a:extLst>
+        </p:spPr>
+      </p:pic>
+    </p:spTree>
+    <p:extLst>
+      <p:ext uri="{BB962C8B-B14F-4D97-AF65-F5344CB8AC3E}">
+        <p14:creationId xmlns:p14="http://schemas.microsoft.com/office/powerpoint/2010/main" xmlns="" val="575131698"/>
       </p:ext>
     </p:extLst>
   </p:cSld>
@@ -5845,7 +5927,7 @@
     </p:spTree>
     <p:extLst>
       <p:ext uri="{BB962C8B-B14F-4D97-AF65-F5344CB8AC3E}">
-        <p14:creationId xmlns="" xmlns:p14="http://schemas.microsoft.com/office/powerpoint/2010/main" val="820920551"/>
+        <p14:creationId xmlns:p14="http://schemas.microsoft.com/office/powerpoint/2010/main" xmlns="" val="820920551"/>
       </p:ext>
     </p:extLst>
   </p:cSld>
@@ -5965,7 +6047,7 @@
     </p:spTree>
     <p:extLst>
       <p:ext uri="{BB962C8B-B14F-4D97-AF65-F5344CB8AC3E}">
-        <p14:creationId xmlns="" xmlns:p14="http://schemas.microsoft.com/office/powerpoint/2010/main" val="3058117082"/>
+        <p14:creationId xmlns:p14="http://schemas.microsoft.com/office/powerpoint/2010/main" xmlns="" val="3058117082"/>
       </p:ext>
     </p:extLst>
   </p:cSld>
@@ -6055,7 +6137,7 @@
     </p:spTree>
     <p:extLst>
       <p:ext uri="{BB962C8B-B14F-4D97-AF65-F5344CB8AC3E}">
-        <p14:creationId xmlns="" xmlns:p14="http://schemas.microsoft.com/office/powerpoint/2010/main" val="3480651843"/>
+        <p14:creationId xmlns:p14="http://schemas.microsoft.com/office/powerpoint/2010/main" xmlns="" val="3480651843"/>
       </p:ext>
     </p:extLst>
   </p:cSld>
@@ -6722,48 +6804,74 @@
             <p:ph type="title"/>
           </p:nvPr>
         </p:nvSpPr>
-        <p:spPr/>
-        <p:txBody>
-          <a:bodyPr/>
-          <a:lstStyle/>
-          <a:p>
-            <a:endParaRPr lang="pt-BR"/>
-          </a:p>
-        </p:txBody>
-      </p:sp>
-      <p:sp>
-        <p:nvSpPr>
-          <p:cNvPr id="3" name="Espaço Reservado para Texto 2"/>
-          <p:cNvSpPr>
-            <a:spLocks noGrp="1"/>
-          </p:cNvSpPr>
-          <p:nvPr>
-            <p:ph type="body" idx="1"/>
-          </p:nvPr>
-        </p:nvSpPr>
         <p:spPr>
           <a:xfrm>
-            <a:off x="722313" y="692696"/>
-            <a:ext cx="6135687" cy="4793705"/>
+            <a:off x="696416" y="188640"/>
+            <a:ext cx="7620000" cy="1143000"/>
           </a:xfrm>
         </p:spPr>
         <p:txBody>
-          <a:bodyPr>
-            <a:normAutofit/>
-          </a:bodyPr>
-          <a:lstStyle/>
-          <a:p>
-            <a:pPr>
-              <a:buFont typeface="Arial" pitchFamily="34" charset="0"/>
-              <a:buChar char="•"/>
-            </a:pPr>
-            <a:endParaRPr lang="pt-BR" dirty="0" smtClean="0"/>
-          </a:p>
-          <a:p>
+          <a:bodyPr/>
+          <a:lstStyle/>
+          <a:p>
+            <a:r>
+              <a:rPr lang="pt-BR" dirty="0" smtClean="0"/>
+              <a:t>Forma de se chamar C em </a:t>
+            </a:r>
+            <a:r>
+              <a:rPr lang="pt-BR" dirty="0" err="1" smtClean="0"/>
+              <a:t>assembly</a:t>
+            </a:r>
+            <a:r>
+              <a:rPr lang="pt-BR" dirty="0" smtClean="0"/>
+              <a:t> ou </a:t>
+            </a:r>
+            <a:r>
+              <a:rPr lang="pt-BR" dirty="0" err="1" smtClean="0"/>
+              <a:t>assembly</a:t>
+            </a:r>
+            <a:r>
+              <a:rPr lang="pt-BR" dirty="0" smtClean="0"/>
+              <a:t> em  C</a:t>
+            </a:r>
             <a:endParaRPr lang="pt-BR" dirty="0"/>
           </a:p>
         </p:txBody>
       </p:sp>
+      <p:pic>
+        <p:nvPicPr>
+          <p:cNvPr id="1026" name="Picture 2"/>
+          <p:cNvPicPr>
+            <a:picLocks noGrp="1" noChangeAspect="1" noChangeArrowheads="1"/>
+          </p:cNvPicPr>
+          <p:nvPr>
+            <p:ph idx="1"/>
+          </p:nvPr>
+        </p:nvPicPr>
+        <p:blipFill>
+          <a:blip r:embed="rId2" cstate="print"/>
+          <a:srcRect/>
+          <a:stretch>
+            <a:fillRect/>
+          </a:stretch>
+        </p:blipFill>
+        <p:spPr bwMode="auto">
+          <a:xfrm>
+            <a:off x="1403648" y="1490286"/>
+            <a:ext cx="5616624" cy="5179074"/>
+          </a:xfrm>
+          <a:prstGeom prst="rect">
+            <a:avLst/>
+          </a:prstGeom>
+          <a:noFill/>
+          <a:ln w="9525">
+            <a:noFill/>
+            <a:miter lim="800000"/>
+            <a:headEnd/>
+            <a:tailEnd/>
+          </a:ln>
+        </p:spPr>
+      </p:pic>
     </p:spTree>
   </p:cSld>
   <p:clrMapOvr>

--- a/trunk/seminario/Interface entre C e Assemby 8085.pptx
+++ b/trunk/seminario/Interface entre C e Assemby 8085.pptx
@@ -5,37 +5,41 @@
     <p:sldMasterId id="2147483784" r:id="rId1"/>
   </p:sldMasterIdLst>
   <p:notesMasterIdLst>
-    <p:notesMasterId r:id="rId30"/>
+    <p:notesMasterId r:id="rId34"/>
   </p:notesMasterIdLst>
   <p:sldIdLst>
     <p:sldId id="256" r:id="rId2"/>
     <p:sldId id="276" r:id="rId3"/>
     <p:sldId id="295" r:id="rId4"/>
-    <p:sldId id="298" r:id="rId5"/>
-    <p:sldId id="296" r:id="rId6"/>
-    <p:sldId id="307" r:id="rId7"/>
-    <p:sldId id="309" r:id="rId8"/>
-    <p:sldId id="308" r:id="rId9"/>
-    <p:sldId id="313" r:id="rId10"/>
-    <p:sldId id="314" r:id="rId11"/>
-    <p:sldId id="306" r:id="rId12"/>
-    <p:sldId id="299" r:id="rId13"/>
-    <p:sldId id="300" r:id="rId14"/>
-    <p:sldId id="301" r:id="rId15"/>
-    <p:sldId id="302" r:id="rId16"/>
-    <p:sldId id="310" r:id="rId17"/>
-    <p:sldId id="311" r:id="rId18"/>
-    <p:sldId id="312" r:id="rId19"/>
-    <p:sldId id="297" r:id="rId20"/>
-    <p:sldId id="315" r:id="rId21"/>
-    <p:sldId id="305" r:id="rId22"/>
-    <p:sldId id="316" r:id="rId23"/>
-    <p:sldId id="317" r:id="rId24"/>
-    <p:sldId id="318" r:id="rId25"/>
-    <p:sldId id="319" r:id="rId26"/>
-    <p:sldId id="320" r:id="rId27"/>
-    <p:sldId id="321" r:id="rId28"/>
-    <p:sldId id="289" r:id="rId29"/>
+    <p:sldId id="322" r:id="rId5"/>
+    <p:sldId id="323" r:id="rId6"/>
+    <p:sldId id="324" r:id="rId7"/>
+    <p:sldId id="296" r:id="rId8"/>
+    <p:sldId id="313" r:id="rId9"/>
+    <p:sldId id="314" r:id="rId10"/>
+    <p:sldId id="307" r:id="rId11"/>
+    <p:sldId id="308" r:id="rId12"/>
+    <p:sldId id="309" r:id="rId13"/>
+    <p:sldId id="325" r:id="rId14"/>
+    <p:sldId id="326" r:id="rId15"/>
+    <p:sldId id="327" r:id="rId16"/>
+    <p:sldId id="328" r:id="rId17"/>
+    <p:sldId id="329" r:id="rId18"/>
+    <p:sldId id="330" r:id="rId19"/>
+    <p:sldId id="331" r:id="rId20"/>
+    <p:sldId id="310" r:id="rId21"/>
+    <p:sldId id="311" r:id="rId22"/>
+    <p:sldId id="312" r:id="rId23"/>
+    <p:sldId id="297" r:id="rId24"/>
+    <p:sldId id="315" r:id="rId25"/>
+    <p:sldId id="305" r:id="rId26"/>
+    <p:sldId id="316" r:id="rId27"/>
+    <p:sldId id="317" r:id="rId28"/>
+    <p:sldId id="318" r:id="rId29"/>
+    <p:sldId id="319" r:id="rId30"/>
+    <p:sldId id="320" r:id="rId31"/>
+    <p:sldId id="321" r:id="rId32"/>
+    <p:sldId id="289" r:id="rId33"/>
   </p:sldIdLst>
   <p:sldSz cx="9144000" cy="6858000" type="screen4x3"/>
   <p:notesSz cx="6858000" cy="9144000"/>
@@ -220,7 +224,7 @@
             <a:fld id="{0202AF00-0D92-4FB3-BF30-0E1262BA24CF}" type="datetimeFigureOut">
               <a:rPr lang="pt-BR" smtClean="0"/>
               <a:pPr/>
-              <a:t>01/12/2011</a:t>
+              <a:t>02/12/2011</a:t>
             </a:fld>
             <a:endParaRPr lang="pt-BR"/>
           </a:p>
@@ -1117,7 +1121,7 @@
             <a:fld id="{7BE08B6B-564C-4EB5-BE5C-0142EA1AA5D2}" type="datetimeFigureOut">
               <a:rPr lang="pt-BR" smtClean="0"/>
               <a:pPr/>
-              <a:t>01/12/2011</a:t>
+              <a:t>02/12/2011</a:t>
             </a:fld>
             <a:endParaRPr lang="pt-BR"/>
           </a:p>
@@ -1322,7 +1326,7 @@
             <a:fld id="{7BE08B6B-564C-4EB5-BE5C-0142EA1AA5D2}" type="datetimeFigureOut">
               <a:rPr lang="pt-BR" smtClean="0"/>
               <a:pPr/>
-              <a:t>01/12/2011</a:t>
+              <a:t>02/12/2011</a:t>
             </a:fld>
             <a:endParaRPr lang="pt-BR"/>
           </a:p>
@@ -1516,7 +1520,7 @@
             <a:fld id="{7BE08B6B-564C-4EB5-BE5C-0142EA1AA5D2}" type="datetimeFigureOut">
               <a:rPr lang="pt-BR" smtClean="0"/>
               <a:pPr/>
-              <a:t>01/12/2011</a:t>
+              <a:t>02/12/2011</a:t>
             </a:fld>
             <a:endParaRPr lang="pt-BR"/>
           </a:p>
@@ -1675,7 +1679,7 @@
             <a:fld id="{7BE08B6B-564C-4EB5-BE5C-0142EA1AA5D2}" type="datetimeFigureOut">
               <a:rPr lang="pt-BR" smtClean="0"/>
               <a:pPr/>
-              <a:t>01/12/2011</a:t>
+              <a:t>02/12/2011</a:t>
             </a:fld>
             <a:endParaRPr lang="pt-BR"/>
           </a:p>
@@ -1939,7 +1943,7 @@
             <a:fld id="{7BE08B6B-564C-4EB5-BE5C-0142EA1AA5D2}" type="datetimeFigureOut">
               <a:rPr lang="pt-BR" smtClean="0"/>
               <a:pPr/>
-              <a:t>01/12/2011</a:t>
+              <a:t>02/12/2011</a:t>
             </a:fld>
             <a:endParaRPr lang="pt-BR"/>
           </a:p>
@@ -2357,7 +2361,7 @@
             <a:fld id="{7BE08B6B-564C-4EB5-BE5C-0142EA1AA5D2}" type="datetimeFigureOut">
               <a:rPr lang="pt-BR" smtClean="0"/>
               <a:pPr/>
-              <a:t>01/12/2011</a:t>
+              <a:t>02/12/2011</a:t>
             </a:fld>
             <a:endParaRPr lang="pt-BR"/>
           </a:p>
@@ -2812,7 +2816,7 @@
             <a:fld id="{7BE08B6B-564C-4EB5-BE5C-0142EA1AA5D2}" type="datetimeFigureOut">
               <a:rPr lang="pt-BR" smtClean="0"/>
               <a:pPr/>
-              <a:t>01/12/2011</a:t>
+              <a:t>02/12/2011</a:t>
             </a:fld>
             <a:endParaRPr lang="pt-BR"/>
           </a:p>
@@ -2922,7 +2926,7 @@
             <a:fld id="{7BE08B6B-564C-4EB5-BE5C-0142EA1AA5D2}" type="datetimeFigureOut">
               <a:rPr lang="pt-BR" smtClean="0"/>
               <a:pPr/>
-              <a:t>01/12/2011</a:t>
+              <a:t>02/12/2011</a:t>
             </a:fld>
             <a:endParaRPr lang="pt-BR"/>
           </a:p>
@@ -3052,7 +3056,7 @@
             <a:fld id="{7BE08B6B-564C-4EB5-BE5C-0142EA1AA5D2}" type="datetimeFigureOut">
               <a:rPr lang="pt-BR" smtClean="0"/>
               <a:pPr/>
-              <a:t>01/12/2011</a:t>
+              <a:t>02/12/2011</a:t>
             </a:fld>
             <a:endParaRPr lang="pt-BR"/>
           </a:p>
@@ -3335,7 +3339,7 @@
             <a:fld id="{7BE08B6B-564C-4EB5-BE5C-0142EA1AA5D2}" type="datetimeFigureOut">
               <a:rPr lang="pt-BR" smtClean="0"/>
               <a:pPr/>
-              <a:t>01/12/2011</a:t>
+              <a:t>02/12/2011</a:t>
             </a:fld>
             <a:endParaRPr lang="pt-BR"/>
           </a:p>
@@ -3549,7 +3553,7 @@
             <a:fld id="{7BE08B6B-564C-4EB5-BE5C-0142EA1AA5D2}" type="datetimeFigureOut">
               <a:rPr lang="pt-BR" smtClean="0"/>
               <a:pPr/>
-              <a:t>01/12/2011</a:t>
+              <a:t>02/12/2011</a:t>
             </a:fld>
             <a:endParaRPr lang="pt-BR"/>
           </a:p>
@@ -4667,7 +4671,7 @@
             <a:fld id="{7BE08B6B-564C-4EB5-BE5C-0142EA1AA5D2}" type="datetimeFigureOut">
               <a:rPr lang="pt-BR" smtClean="0"/>
               <a:pPr/>
-              <a:t>01/12/2011</a:t>
+              <a:t>02/12/2011</a:t>
             </a:fld>
             <a:endParaRPr lang="pt-BR"/>
           </a:p>
@@ -5097,7 +5101,7 @@
         </p:nvSpPr>
         <p:spPr>
           <a:xfrm>
-            <a:off x="323528" y="1905000"/>
+            <a:off x="539552" y="1905000"/>
             <a:ext cx="7992888" cy="2593975"/>
           </a:xfrm>
         </p:spPr>
@@ -5151,42 +5155,79 @@
             <p:ph type="subTitle" idx="1"/>
           </p:nvPr>
         </p:nvSpPr>
-        <p:spPr/>
+        <p:spPr>
+          <a:xfrm>
+            <a:off x="255984" y="5253632"/>
+            <a:ext cx="7772400" cy="1199704"/>
+          </a:xfrm>
+        </p:spPr>
         <p:txBody>
           <a:bodyPr>
             <a:noAutofit/>
           </a:bodyPr>
           <a:lstStyle/>
           <a:p>
-            <a:r>
-              <a:rPr lang="pt-BR" sz="2000" dirty="0" smtClean="0"/>
+            <a:pPr algn="l"/>
+            <a:r>
+              <a:rPr lang="pt-BR" sz="1800" dirty="0" smtClean="0">
+                <a:solidFill>
+                  <a:schemeClr val="bg1"/>
+                </a:solidFill>
+              </a:rPr>
               <a:t>André Augusto Geraldes</a:t>
             </a:r>
           </a:p>
           <a:p>
-            <a:r>
-              <a:rPr lang="pt-BR" sz="2000" dirty="0" smtClean="0"/>
+            <a:pPr algn="l"/>
+            <a:r>
+              <a:rPr lang="pt-BR" sz="1800" dirty="0" smtClean="0">
+                <a:solidFill>
+                  <a:schemeClr val="bg1"/>
+                </a:solidFill>
+              </a:rPr>
               <a:t>Caio </a:t>
             </a:r>
             <a:r>
-              <a:rPr lang="pt-BR" sz="2000" dirty="0" err="1" smtClean="0"/>
+              <a:rPr lang="pt-BR" sz="1800" dirty="0" err="1" smtClean="0">
+                <a:solidFill>
+                  <a:schemeClr val="bg1"/>
+                </a:solidFill>
+              </a:rPr>
               <a:t>Angelo</a:t>
             </a:r>
-            <a:endParaRPr lang="pt-BR" sz="2000" dirty="0" smtClean="0"/>
-          </a:p>
-          <a:p>
-            <a:r>
-              <a:rPr lang="pt-BR" sz="2000" dirty="0" err="1" smtClean="0"/>
+            <a:endParaRPr lang="pt-BR" sz="1800" dirty="0" smtClean="0">
+              <a:solidFill>
+                <a:schemeClr val="bg1"/>
+              </a:solidFill>
+            </a:endParaRPr>
+          </a:p>
+          <a:p>
+            <a:pPr algn="l"/>
+            <a:r>
+              <a:rPr lang="pt-BR" sz="1800" dirty="0" err="1" smtClean="0">
+                <a:solidFill>
+                  <a:schemeClr val="bg1"/>
+                </a:solidFill>
+              </a:rPr>
               <a:t>Djore</a:t>
             </a:r>
             <a:r>
-              <a:rPr lang="pt-BR" sz="2000" dirty="0" smtClean="0"/>
+              <a:rPr lang="pt-BR" sz="1800" dirty="0" smtClean="0">
+                <a:solidFill>
+                  <a:schemeClr val="bg1"/>
+                </a:solidFill>
+              </a:rPr>
               <a:t> Gouveia					</a:t>
             </a:r>
           </a:p>
           <a:p>
-            <a:r>
-              <a:rPr lang="pt-BR" dirty="0" smtClean="0"/>
+            <a:pPr algn="l"/>
+            <a:r>
+              <a:rPr lang="pt-BR" sz="1800" dirty="0" smtClean="0">
+                <a:solidFill>
+                  <a:schemeClr val="bg1"/>
+                </a:solidFill>
+              </a:rPr>
               <a:t>Ney César de Melo Filho </a:t>
             </a:r>
             <a:r>
@@ -5206,7 +5247,7 @@
         </p:nvSpPr>
         <p:spPr>
           <a:xfrm>
-            <a:off x="174117" y="1268760"/>
+            <a:off x="395536" y="1268759"/>
             <a:ext cx="8280920" cy="1296987"/>
           </a:xfrm>
           <a:prstGeom prst="rect">
@@ -5251,15 +5292,16 @@
               <a:rPr lang="pt-BR" sz="5400" dirty="0" smtClean="0"/>
             </a:br>
             <a:r>
-              <a:rPr lang="pt-BR" sz="6000" dirty="0" smtClean="0"/>
-              <a:t/>
-            </a:r>
-            <a:br>
-              <a:rPr lang="pt-BR" sz="6000" dirty="0" smtClean="0"/>
-            </a:br>
-            <a:r>
               <a:rPr lang="pt-BR" sz="4000" dirty="0" smtClean="0"/>
-              <a:t>Software Básico – UnB 2/2011</a:t>
+              <a:t>Software </a:t>
+            </a:r>
+            <a:r>
+              <a:rPr lang="pt-BR" sz="4000" dirty="0" smtClean="0"/>
+              <a:t>Básico – UnB </a:t>
+            </a:r>
+            <a:r>
+              <a:rPr lang="pt-BR" sz="4000" dirty="0" smtClean="0"/>
+              <a:t>2/2011</a:t>
             </a:r>
             <a:r>
               <a:rPr lang="pt-BR" sz="5400" dirty="0" smtClean="0"/>
@@ -5326,36 +5368,121 @@
             <p:ph idx="1"/>
           </p:nvPr>
         </p:nvSpPr>
-        <p:spPr/>
-        <p:txBody>
-          <a:bodyPr/>
+        <p:spPr>
+          <a:xfrm>
+            <a:off x="457200" y="1412776"/>
+            <a:ext cx="7620000" cy="4988024"/>
+          </a:xfrm>
+        </p:spPr>
+        <p:txBody>
+          <a:bodyPr>
+            <a:normAutofit fontScale="85000" lnSpcReduction="20000"/>
+          </a:bodyPr>
           <a:lstStyle/>
           <a:p>
             <a:r>
               <a:rPr lang="pt-BR" dirty="0" smtClean="0"/>
-              <a:t>Desta forma é permitido fazer com que haja trocas em qualquer sentido entre os códigos, dado que eles só vão ser conectados e formato “.</a:t>
-            </a:r>
-            <a:r>
-              <a:rPr lang="pt-BR" smtClean="0"/>
-              <a:t>o”;</a:t>
-            </a:r>
-          </a:p>
-          <a:p>
+              <a:t>Para chamar do C uma função </a:t>
+            </a:r>
+            <a:r>
+              <a:rPr lang="pt-BR" dirty="0" err="1" smtClean="0"/>
+              <a:t>assembly</a:t>
+            </a:r>
+            <a:r>
+              <a:rPr lang="pt-BR" dirty="0" smtClean="0"/>
+              <a:t> sem parâmetros e sem retorno, basta colocar seu nome no .ASM, em qualquer lugar, como </a:t>
+            </a:r>
+            <a:r>
+              <a:rPr lang="pt-BR" dirty="0" smtClean="0"/>
+              <a:t>externa:</a:t>
+            </a:r>
             <a:endParaRPr lang="pt-BR" dirty="0" smtClean="0"/>
           </a:p>
           <a:p>
-            <a:r>
-              <a:rPr lang="pt-BR" dirty="0" smtClean="0"/>
-              <a:t>Formato “.o” não cria diferenças entre programas desde que não seja em </a:t>
-            </a:r>
+            <a:pPr lvl="1"/>
             <a:r>
               <a:rPr lang="pt-BR" dirty="0" err="1" smtClean="0"/>
-              <a:t>OS`</a:t>
-            </a:r>
-            <a:r>
-              <a:rPr lang="pt-BR" dirty="0" smtClean="0"/>
-              <a:t>s diferentes.</a:t>
-            </a:r>
+              <a:t>extern</a:t>
+            </a:r>
+            <a:r>
+              <a:rPr lang="pt-BR" dirty="0" smtClean="0"/>
+              <a:t> </a:t>
+            </a:r>
+            <a:r>
+              <a:rPr lang="pt-BR" dirty="0" err="1" smtClean="0"/>
+              <a:t>nome_funcao_ASM</a:t>
+            </a:r>
+            <a:endParaRPr lang="pt-BR" dirty="0" smtClean="0"/>
+          </a:p>
+          <a:p>
+            <a:pPr lvl="1"/>
+            <a:endParaRPr lang="pt-BR" dirty="0" smtClean="0"/>
+          </a:p>
+          <a:p>
+            <a:r>
+              <a:rPr lang="pt-BR" dirty="0" smtClean="0"/>
+              <a:t>A chamada em C é a usual: </a:t>
+            </a:r>
+            <a:r>
+              <a:rPr lang="pt-BR" dirty="0" err="1" smtClean="0"/>
+              <a:t>nome_funcao_ASM</a:t>
+            </a:r>
+            <a:r>
+              <a:rPr lang="pt-BR" dirty="0" smtClean="0"/>
+              <a:t>(); e deve-se colocar seu protótipo no início do programa</a:t>
+            </a:r>
+          </a:p>
+          <a:p>
+            <a:endParaRPr lang="pt-BR" dirty="0" smtClean="0"/>
+          </a:p>
+          <a:p>
+            <a:r>
+              <a:rPr lang="pt-BR" dirty="0" smtClean="0"/>
+              <a:t>A maneira mais simples de trocar valores entre eles é usar variáveis globais. Declare-as normalmente em C e no </a:t>
+            </a:r>
+            <a:r>
+              <a:rPr lang="pt-BR" dirty="0" err="1" smtClean="0"/>
+              <a:t>assembly</a:t>
+            </a:r>
+            <a:r>
+              <a:rPr lang="pt-BR" dirty="0" smtClean="0"/>
+              <a:t> as declare como externas:</a:t>
+            </a:r>
+          </a:p>
+          <a:p>
+            <a:pPr lvl="8"/>
+            <a:r>
+              <a:rPr lang="pt-BR" sz="2400" dirty="0" err="1" smtClean="0"/>
+              <a:t>extern</a:t>
+            </a:r>
+            <a:r>
+              <a:rPr lang="pt-BR" sz="2400" dirty="0" smtClean="0"/>
+              <a:t> </a:t>
+            </a:r>
+            <a:r>
+              <a:rPr lang="pt-BR" sz="2400" dirty="0" smtClean="0"/>
+              <a:t>data(var1)</a:t>
+            </a:r>
+          </a:p>
+          <a:p>
+            <a:pPr lvl="8"/>
+            <a:r>
+              <a:rPr lang="pt-BR" sz="2400" dirty="0" err="1" smtClean="0"/>
+              <a:t>extern</a:t>
+            </a:r>
+            <a:r>
+              <a:rPr lang="pt-BR" sz="2400" dirty="0" smtClean="0"/>
+              <a:t> </a:t>
+            </a:r>
+            <a:r>
+              <a:rPr lang="pt-BR" sz="2400" dirty="0" smtClean="0"/>
+              <a:t>data(var2)</a:t>
+            </a:r>
+          </a:p>
+          <a:p>
+            <a:endParaRPr lang="pt-BR" dirty="0" smtClean="0"/>
+          </a:p>
+          <a:p>
             <a:endParaRPr lang="pt-BR" dirty="0"/>
           </a:p>
         </p:txBody>
@@ -5372,30 +5499,20 @@
         </p:nvSpPr>
         <p:spPr/>
         <p:txBody>
-          <a:bodyPr>
-            <a:normAutofit fontScale="90000"/>
-          </a:bodyPr>
+          <a:bodyPr/>
           <a:lstStyle/>
           <a:p>
             <a:r>
               <a:rPr lang="pt-BR" dirty="0" smtClean="0"/>
-              <a:t>Forma de se chamar C em </a:t>
+              <a:t>Chamando </a:t>
             </a:r>
             <a:r>
               <a:rPr lang="pt-BR" dirty="0" err="1" smtClean="0"/>
-              <a:t>assembly</a:t>
-            </a:r>
-            <a:r>
-              <a:rPr lang="pt-BR" dirty="0" smtClean="0"/>
-              <a:t> ou </a:t>
-            </a:r>
-            <a:r>
-              <a:rPr lang="pt-BR" dirty="0" err="1" smtClean="0"/>
-              <a:t>assembly</a:t>
-            </a:r>
-            <a:r>
-              <a:rPr lang="pt-BR" dirty="0" smtClean="0"/>
-              <a:t> em  C</a:t>
+              <a:t>Assembly</a:t>
+            </a:r>
+            <a:r>
+              <a:rPr lang="pt-BR" dirty="0" smtClean="0"/>
+              <a:t> em C</a:t>
             </a:r>
             <a:endParaRPr lang="pt-BR" dirty="0"/>
           </a:p>
@@ -5406,6 +5523,13 @@
   <p:clrMapOvr>
     <a:masterClrMapping/>
   </p:clrMapOvr>
+  <p:timing>
+    <p:tnLst>
+      <p:par>
+        <p:cTn id="1" dur="indefinite" restart="never" nodeType="tmRoot"/>
+      </p:par>
+    </p:tnLst>
+  </p:timing>
 </p:sld>
 </file>
 
@@ -5428,6 +5552,251 @@
       </p:grpSpPr>
       <p:sp>
         <p:nvSpPr>
+          <p:cNvPr id="3" name="Espaço Reservado para Conteúdo 2"/>
+          <p:cNvSpPr>
+            <a:spLocks noGrp="1"/>
+          </p:cNvSpPr>
+          <p:nvPr>
+            <p:ph idx="1"/>
+          </p:nvPr>
+        </p:nvSpPr>
+        <p:spPr/>
+        <p:txBody>
+          <a:bodyPr>
+            <a:normAutofit fontScale="62500" lnSpcReduction="20000"/>
+          </a:bodyPr>
+          <a:lstStyle/>
+          <a:p>
+            <a:r>
+              <a:rPr lang="en-US" dirty="0" smtClean="0"/>
+              <a:t>#include &lt;</a:t>
+            </a:r>
+            <a:r>
+              <a:rPr lang="en-US" dirty="0" err="1" smtClean="0"/>
+              <a:t>stdio.h</a:t>
+            </a:r>
+            <a:r>
+              <a:rPr lang="en-US" dirty="0" smtClean="0"/>
+              <a:t>&gt;</a:t>
+            </a:r>
+            <a:endParaRPr lang="pt-BR" dirty="0" smtClean="0"/>
+          </a:p>
+          <a:p>
+            <a:r>
+              <a:rPr lang="pt-BR" dirty="0" err="1" smtClean="0"/>
+              <a:t>extern</a:t>
+            </a:r>
+            <a:r>
+              <a:rPr lang="pt-BR" dirty="0" smtClean="0"/>
+              <a:t> </a:t>
+            </a:r>
+            <a:r>
+              <a:rPr lang="pt-BR" dirty="0" err="1" smtClean="0"/>
+              <a:t>int</a:t>
+            </a:r>
+            <a:r>
+              <a:rPr lang="pt-BR" dirty="0" smtClean="0"/>
+              <a:t> soma(</a:t>
+            </a:r>
+            <a:r>
+              <a:rPr lang="pt-BR" dirty="0" err="1" smtClean="0"/>
+              <a:t>int</a:t>
+            </a:r>
+            <a:r>
+              <a:rPr lang="pt-BR" dirty="0" smtClean="0"/>
+              <a:t> a, </a:t>
+            </a:r>
+            <a:r>
+              <a:rPr lang="pt-BR" dirty="0" err="1" smtClean="0"/>
+              <a:t>int</a:t>
+            </a:r>
+            <a:r>
+              <a:rPr lang="pt-BR" dirty="0" smtClean="0"/>
+              <a:t> b);</a:t>
+            </a:r>
+          </a:p>
+          <a:p>
+            <a:r>
+              <a:rPr lang="pt-BR" dirty="0" smtClean="0"/>
+              <a:t> </a:t>
+            </a:r>
+          </a:p>
+          <a:p>
+            <a:r>
+              <a:rPr lang="pt-BR" dirty="0" err="1" smtClean="0"/>
+              <a:t>int</a:t>
+            </a:r>
+            <a:r>
+              <a:rPr lang="pt-BR" dirty="0" smtClean="0"/>
+              <a:t> </a:t>
+            </a:r>
+            <a:r>
+              <a:rPr lang="pt-BR" dirty="0" err="1" smtClean="0"/>
+              <a:t>main</a:t>
+            </a:r>
+            <a:r>
+              <a:rPr lang="pt-BR" dirty="0" smtClean="0"/>
+              <a:t>(){</a:t>
+            </a:r>
+          </a:p>
+          <a:p>
+            <a:r>
+              <a:rPr lang="pt-BR" dirty="0" smtClean="0"/>
+              <a:t>	</a:t>
+            </a:r>
+            <a:r>
+              <a:rPr lang="pt-BR" dirty="0" err="1" smtClean="0"/>
+              <a:t>int</a:t>
+            </a:r>
+            <a:r>
+              <a:rPr lang="pt-BR" dirty="0" smtClean="0"/>
+              <a:t> x;</a:t>
+            </a:r>
+          </a:p>
+          <a:p>
+            <a:r>
+              <a:rPr lang="pt-BR" dirty="0" smtClean="0"/>
+              <a:t>	x = soma(3,79);</a:t>
+            </a:r>
+          </a:p>
+          <a:p>
+            <a:r>
+              <a:rPr lang="pt-BR" dirty="0" smtClean="0"/>
+              <a:t>	</a:t>
+            </a:r>
+            <a:r>
+              <a:rPr lang="pt-BR" dirty="0" err="1" smtClean="0"/>
+              <a:t>printf</a:t>
+            </a:r>
+            <a:r>
+              <a:rPr lang="pt-BR" dirty="0" smtClean="0"/>
+              <a:t>("o resultado da soma </a:t>
+            </a:r>
+            <a:r>
+              <a:rPr lang="pt-BR" dirty="0" err="1" smtClean="0"/>
+              <a:t>eh</a:t>
+            </a:r>
+            <a:r>
+              <a:rPr lang="pt-BR" dirty="0" smtClean="0"/>
+              <a:t>: %d",x);</a:t>
+            </a:r>
+          </a:p>
+          <a:p>
+            <a:r>
+              <a:rPr lang="pt-BR" dirty="0" smtClean="0"/>
+              <a:t>	</a:t>
+            </a:r>
+            <a:r>
+              <a:rPr lang="pt-BR" dirty="0" err="1" smtClean="0"/>
+              <a:t>return</a:t>
+            </a:r>
+            <a:r>
+              <a:rPr lang="pt-BR" dirty="0" smtClean="0"/>
+              <a:t> 0;</a:t>
+            </a:r>
+          </a:p>
+          <a:p>
+            <a:r>
+              <a:rPr lang="pt-BR" dirty="0" smtClean="0"/>
+              <a:t>}</a:t>
+            </a:r>
+          </a:p>
+          <a:p>
+            <a:endParaRPr lang="pt-BR" dirty="0" smtClean="0"/>
+          </a:p>
+          <a:p>
+            <a:r>
+              <a:rPr lang="pt-BR" dirty="0" smtClean="0"/>
+              <a:t>global soma</a:t>
+            </a:r>
+          </a:p>
+          <a:p>
+            <a:r>
+              <a:rPr lang="pt-BR" dirty="0" smtClean="0"/>
+              <a:t> </a:t>
+            </a:r>
+          </a:p>
+          <a:p>
+            <a:r>
+              <a:rPr lang="pt-BR" dirty="0" smtClean="0"/>
+              <a:t>soma:</a:t>
+            </a:r>
+          </a:p>
+          <a:p>
+            <a:r>
+              <a:rPr lang="pt-BR" dirty="0" smtClean="0"/>
+              <a:t>	</a:t>
+            </a:r>
+            <a:r>
+              <a:rPr lang="en-US" dirty="0" err="1" smtClean="0"/>
+              <a:t>mov</a:t>
+            </a:r>
+            <a:r>
+              <a:rPr lang="en-US" dirty="0" smtClean="0"/>
+              <a:t> </a:t>
+            </a:r>
+            <a:r>
+              <a:rPr lang="en-US" dirty="0" err="1" smtClean="0"/>
+              <a:t>eax</a:t>
+            </a:r>
+            <a:r>
+              <a:rPr lang="en-US" dirty="0" smtClean="0"/>
+              <a:t>,[esp+4]</a:t>
+            </a:r>
+            <a:endParaRPr lang="pt-BR" dirty="0" smtClean="0"/>
+          </a:p>
+          <a:p>
+            <a:r>
+              <a:rPr lang="en-US" dirty="0" smtClean="0"/>
+              <a:t>	</a:t>
+            </a:r>
+            <a:r>
+              <a:rPr lang="en-US" dirty="0" err="1" smtClean="0"/>
+              <a:t>mov</a:t>
+            </a:r>
+            <a:r>
+              <a:rPr lang="en-US" dirty="0" smtClean="0"/>
+              <a:t> </a:t>
+            </a:r>
+            <a:r>
+              <a:rPr lang="en-US" dirty="0" err="1" smtClean="0"/>
+              <a:t>ebx</a:t>
+            </a:r>
+            <a:r>
+              <a:rPr lang="en-US" dirty="0" smtClean="0"/>
+              <a:t>,[esp+8]</a:t>
+            </a:r>
+            <a:endParaRPr lang="pt-BR" dirty="0" smtClean="0"/>
+          </a:p>
+          <a:p>
+            <a:r>
+              <a:rPr lang="en-US" dirty="0" smtClean="0"/>
+              <a:t>	add </a:t>
+            </a:r>
+            <a:r>
+              <a:rPr lang="en-US" dirty="0" err="1" smtClean="0"/>
+              <a:t>eax,ebx</a:t>
+            </a:r>
+            <a:endParaRPr lang="pt-BR" dirty="0" smtClean="0"/>
+          </a:p>
+          <a:p>
+            <a:r>
+              <a:rPr lang="en-US" dirty="0" smtClean="0"/>
+              <a:t>	</a:t>
+            </a:r>
+            <a:r>
+              <a:rPr lang="pt-BR" dirty="0" err="1" smtClean="0"/>
+              <a:t>ret</a:t>
+            </a:r>
+            <a:endParaRPr lang="pt-BR" dirty="0" smtClean="0"/>
+          </a:p>
+          <a:p>
+            <a:endParaRPr lang="pt-BR" dirty="0"/>
+          </a:p>
+        </p:txBody>
+      </p:sp>
+      <p:sp>
+        <p:nvSpPr>
           <p:cNvPr id="2" name="Título 1"/>
           <p:cNvSpPr>
             <a:spLocks noGrp="1"/>
@@ -5436,45 +5805,66 @@
             <p:ph type="title"/>
           </p:nvPr>
         </p:nvSpPr>
-        <p:spPr/>
-        <p:txBody>
-          <a:bodyPr/>
-          <a:lstStyle/>
-          <a:p>
-            <a:endParaRPr lang="pt-BR" dirty="0"/>
-          </a:p>
-        </p:txBody>
-      </p:sp>
-      <p:sp>
-        <p:nvSpPr>
-          <p:cNvPr id="3" name="Espaço Reservado para Texto 2"/>
-          <p:cNvSpPr>
-            <a:spLocks noGrp="1"/>
-          </p:cNvSpPr>
-          <p:nvPr>
-            <p:ph type="body" idx="1"/>
-          </p:nvPr>
-        </p:nvSpPr>
         <p:spPr>
           <a:xfrm>
-            <a:off x="722313" y="692696"/>
-            <a:ext cx="6135687" cy="4793705"/>
+            <a:off x="457200" y="620688"/>
+            <a:ext cx="7620000" cy="864096"/>
           </a:xfrm>
         </p:spPr>
         <p:txBody>
           <a:bodyPr>
-            <a:normAutofit/>
+            <a:normAutofit fontScale="90000"/>
           </a:bodyPr>
           <a:lstStyle/>
           <a:p>
-            <a:pPr>
-              <a:buFont typeface="Arial" pitchFamily="34" charset="0"/>
-              <a:buChar char="•"/>
-            </a:pPr>
-            <a:endParaRPr lang="pt-BR" dirty="0" smtClean="0"/>
-          </a:p>
-          <a:p>
-            <a:endParaRPr lang="pt-BR" dirty="0"/>
+            <a:r>
+              <a:rPr lang="en-US" sz="3200" dirty="0" err="1" smtClean="0"/>
+              <a:t>Programa</a:t>
+            </a:r>
+            <a:r>
+              <a:rPr lang="en-US" sz="3200" dirty="0" smtClean="0"/>
+              <a:t> C </a:t>
+            </a:r>
+            <a:r>
+              <a:rPr lang="en-US" sz="3200" dirty="0" err="1" smtClean="0"/>
+              <a:t>chamando</a:t>
+            </a:r>
+            <a:r>
+              <a:rPr lang="en-US" sz="3200" dirty="0" smtClean="0"/>
+              <a:t> </a:t>
+            </a:r>
+            <a:r>
+              <a:rPr lang="en-US" sz="3200" dirty="0" err="1" smtClean="0"/>
+              <a:t>função</a:t>
+            </a:r>
+            <a:r>
+              <a:rPr lang="en-US" sz="3200" dirty="0" smtClean="0"/>
+              <a:t> </a:t>
+            </a:r>
+            <a:r>
+              <a:rPr lang="en-US" sz="3200" dirty="0" err="1" smtClean="0"/>
+              <a:t>em</a:t>
+            </a:r>
+            <a:r>
+              <a:rPr lang="en-US" sz="3200" dirty="0" smtClean="0"/>
+              <a:t> Assembly (No </a:t>
+            </a:r>
+            <a:r>
+              <a:rPr lang="en-US" sz="3200" dirty="0" err="1" smtClean="0"/>
+              <a:t>exemplo</a:t>
+            </a:r>
+            <a:r>
+              <a:rPr lang="en-US" sz="3200" dirty="0" smtClean="0"/>
+              <a:t> IA-32)</a:t>
+            </a:r>
+            <a:r>
+              <a:rPr lang="en-US" sz="4800" dirty="0" smtClean="0"/>
+              <a:t/>
+            </a:r>
+            <a:br>
+              <a:rPr lang="en-US" sz="4800" dirty="0" smtClean="0"/>
+            </a:br>
+            <a:endParaRPr lang="pt-BR" sz="4800" dirty="0"/>
           </a:p>
         </p:txBody>
       </p:sp>
@@ -5483,11 +5873,18 @@
   <p:clrMapOvr>
     <a:masterClrMapping/>
   </p:clrMapOvr>
+  <p:timing>
+    <p:tnLst>
+      <p:par>
+        <p:cTn id="1" dur="indefinite" restart="never" nodeType="tmRoot"/>
+      </p:par>
+    </p:tnLst>
+  </p:timing>
 </p:sld>
 </file>
 
 <file path=ppt/slides/slide12.xml><?xml version="1.0" encoding="utf-8"?>
-<p:sld xmlns:a="http://schemas.openxmlformats.org/drawingml/2006/main" xmlns:r="http://schemas.openxmlformats.org/officeDocument/2006/relationships" xmlns:p="http://schemas.openxmlformats.org/presentationml/2006/main">
+<p:sld xmlns:a="http://schemas.openxmlformats.org/drawingml/2006/main" xmlns:r="http://schemas.openxmlformats.org/officeDocument/2006/relationships" xmlns:p="http://schemas.openxmlformats.org/presentationml/2006/main" show="0">
   <p:cSld>
     <p:spTree>
       <p:nvGrpSpPr>
@@ -5505,7 +5902,7 @@
       </p:grpSpPr>
       <p:sp>
         <p:nvSpPr>
-          <p:cNvPr id="3" name="Content Placeholder 2"/>
+          <p:cNvPr id="3" name="Espaço Reservado para Conteúdo 2"/>
           <p:cNvSpPr>
             <a:spLocks noGrp="1"/>
           </p:cNvSpPr>
@@ -5515,106 +5912,57 @@
         </p:nvSpPr>
         <p:spPr/>
         <p:txBody>
-          <a:bodyPr>
-            <a:normAutofit/>
-          </a:bodyPr>
+          <a:bodyPr/>
           <a:lstStyle/>
           <a:p>
             <a:r>
               <a:rPr lang="pt-BR" dirty="0" smtClean="0"/>
-              <a:t>Como isso é </a:t>
+              <a:t>Para chamar do </a:t>
             </a:r>
             <a:r>
               <a:rPr lang="pt-BR" dirty="0" err="1" smtClean="0"/>
-              <a:t>possivel</a:t>
-            </a:r>
-            <a:r>
-              <a:rPr lang="pt-BR" dirty="0" smtClean="0"/>
-              <a:t>?</a:t>
-            </a:r>
-          </a:p>
-          <a:p>
-            <a:endParaRPr lang="pt-BR" dirty="0" smtClean="0"/>
-          </a:p>
-          <a:p>
+              <a:t>assembly</a:t>
+            </a:r>
+            <a:r>
+              <a:rPr lang="pt-BR" dirty="0" smtClean="0"/>
+              <a:t> uma função C sem parâmetros e sem retorno, basta declará-la no .ASM antes como externa e fazer um LCALL normalmente:</a:t>
+            </a:r>
+          </a:p>
+          <a:p>
+            <a:pPr lvl="1"/>
             <a:r>
               <a:rPr lang="pt-BR" dirty="0" err="1" smtClean="0"/>
-              <a:t>a.c</a:t>
-            </a:r>
-            <a:r>
-              <a:rPr lang="pt-BR" dirty="0" smtClean="0"/>
-              <a:t> -&gt; compilador -&gt; </a:t>
+              <a:t>extrn</a:t>
+            </a:r>
+            <a:r>
+              <a:rPr lang="pt-BR" dirty="0" smtClean="0"/>
+              <a:t> </a:t>
             </a:r>
             <a:r>
               <a:rPr lang="pt-BR" dirty="0" err="1" smtClean="0"/>
-              <a:t>a.o</a:t>
-            </a:r>
-            <a:endParaRPr lang="pt-BR" dirty="0" smtClean="0"/>
-          </a:p>
-          <a:p>
-            <a:r>
-              <a:rPr lang="pt-BR" dirty="0" smtClean="0"/>
-              <a:t>b.asm -&gt; montador -&gt; </a:t>
+              <a:t>code</a:t>
+            </a:r>
+            <a:r>
+              <a:rPr lang="pt-BR" dirty="0" smtClean="0"/>
+              <a:t>(</a:t>
             </a:r>
             <a:r>
               <a:rPr lang="pt-BR" dirty="0" err="1" smtClean="0"/>
-              <a:t>b.o</a:t>
-            </a:r>
-            <a:endParaRPr lang="pt-BR" dirty="0" smtClean="0"/>
-          </a:p>
-          <a:p>
-            <a:r>
-              <a:rPr lang="pt-BR" dirty="0" err="1" smtClean="0"/>
-              <a:t>a.o</a:t>
-            </a:r>
-            <a:r>
-              <a:rPr lang="pt-BR" dirty="0" smtClean="0"/>
-              <a:t> + </a:t>
-            </a:r>
-            <a:r>
-              <a:rPr lang="pt-BR" dirty="0" err="1" smtClean="0"/>
-              <a:t>b.o</a:t>
-            </a:r>
-            <a:r>
-              <a:rPr lang="pt-BR" dirty="0" smtClean="0"/>
-              <a:t> -&gt; </a:t>
-            </a:r>
-            <a:r>
-              <a:rPr lang="pt-BR" dirty="0" err="1" smtClean="0"/>
-              <a:t>ligador</a:t>
-            </a:r>
-            <a:r>
-              <a:rPr lang="pt-BR" dirty="0" smtClean="0"/>
-              <a:t> -&gt; </a:t>
-            </a:r>
-            <a:r>
-              <a:rPr lang="pt-BR" dirty="0" err="1" smtClean="0"/>
-              <a:t>executavel</a:t>
-            </a:r>
+              <a:t>nome_funcao_C</a:t>
+            </a:r>
+            <a:r>
+              <a:rPr lang="pt-BR" dirty="0" smtClean="0"/>
+              <a:t>)</a:t>
+            </a:r>
+          </a:p>
+          <a:p>
             <a:endParaRPr lang="pt-BR" dirty="0"/>
           </a:p>
-          <a:p>
-            <a:endParaRPr lang="pt-BR" dirty="0" smtClean="0"/>
-          </a:p>
-          <a:p>
-            <a:r>
-              <a:rPr lang="pt-BR" dirty="0" smtClean="0"/>
-              <a:t>Pro </a:t>
-            </a:r>
-            <a:r>
-              <a:rPr lang="pt-BR" dirty="0" err="1" smtClean="0"/>
-              <a:t>ligador</a:t>
-            </a:r>
-            <a:r>
-              <a:rPr lang="pt-BR" dirty="0" smtClean="0"/>
-              <a:t> tudo é objeto. Tanto faz de onde veio</a:t>
-            </a:r>
-          </a:p>
-        </p:txBody>
-      </p:sp>
-      <p:sp>
-        <p:nvSpPr>
-          <p:cNvPr id="2" name="Title 1"/>
+        </p:txBody>
+      </p:sp>
+      <p:sp>
+        <p:nvSpPr>
+          <p:cNvPr id="2" name="Título 1"/>
           <p:cNvSpPr>
             <a:spLocks noGrp="1"/>
           </p:cNvSpPr>
@@ -5628,27 +5976,25 @@
           <a:lstStyle/>
           <a:p>
             <a:r>
-              <a:rPr lang="pt-BR" sz="3200" dirty="0" smtClean="0"/>
-              <a:t>Programa C chamando função em </a:t>
-            </a:r>
-            <a:r>
-              <a:rPr lang="pt-BR" sz="3200" dirty="0" err="1" smtClean="0"/>
-              <a:t>assembly</a:t>
-            </a:r>
-            <a:endParaRPr lang="en-US" sz="3200" dirty="0"/>
+              <a:rPr lang="pt-BR" dirty="0" smtClean="0"/>
+              <a:t>Chamando C em </a:t>
+            </a:r>
+            <a:r>
+              <a:rPr lang="pt-BR" dirty="0" err="1" smtClean="0"/>
+              <a:t>Assembly</a:t>
+            </a:r>
+            <a:endParaRPr lang="pt-BR" dirty="0"/>
           </a:p>
         </p:txBody>
       </p:sp>
     </p:spTree>
-    <p:extLst>
-      <p:ext uri="{BB962C8B-B14F-4D97-AF65-F5344CB8AC3E}">
-        <p14:creationId xmlns:p14="http://schemas.microsoft.com/office/powerpoint/2010/main" val="3419028655"/>
-      </p:ext>
-    </p:extLst>
   </p:cSld>
   <p:clrMapOvr>
     <a:masterClrMapping/>
   </p:clrMapOvr>
+  <p:transition>
+    <p:fade/>
+  </p:transition>
   <p:timing>
     <p:tnLst>
       <p:par>
@@ -5678,7 +6024,7 @@
       </p:grpSpPr>
       <p:sp>
         <p:nvSpPr>
-          <p:cNvPr id="3" name="Content Placeholder 2"/>
+          <p:cNvPr id="2" name="Content Placeholder 1"/>
           <p:cNvSpPr>
             <a:spLocks noGrp="1"/>
           </p:cNvSpPr>
@@ -5689,23 +6035,81 @@
         <p:spPr/>
         <p:txBody>
           <a:bodyPr>
-            <a:normAutofit/>
+            <a:normAutofit lnSpcReduction="10000"/>
           </a:bodyPr>
           <a:lstStyle/>
           <a:p>
             <a:r>
-              <a:rPr lang="pt-BR" dirty="0" smtClean="0"/>
-              <a:t>Código exemplo</a:t>
-            </a:r>
-          </a:p>
-          <a:p>
-            <a:endParaRPr lang="pt-BR" dirty="0" smtClean="0"/>
-          </a:p>
-        </p:txBody>
-      </p:sp>
-      <p:sp>
-        <p:nvSpPr>
-          <p:cNvPr id="2" name="Title 1"/>
+              <a:rPr lang="pt-BR" dirty="0"/>
+              <a:t>Boa alternativa quando se quer ter bom </a:t>
+            </a:r>
+            <a:r>
+              <a:rPr lang="pt-BR" dirty="0" smtClean="0"/>
+              <a:t>desempenho misturado </a:t>
+            </a:r>
+            <a:r>
+              <a:rPr lang="pt-BR" dirty="0"/>
+              <a:t>a praticidade</a:t>
+            </a:r>
+          </a:p>
+          <a:p>
+            <a:endParaRPr lang="pt-BR" dirty="0"/>
+          </a:p>
+          <a:p>
+            <a:r>
+              <a:rPr lang="pt-BR" dirty="0"/>
+              <a:t>Depende do Assembly ou da biblioteca utilizada</a:t>
+            </a:r>
+          </a:p>
+          <a:p>
+            <a:endParaRPr lang="pt-BR" dirty="0"/>
+          </a:p>
+          <a:p>
+            <a:r>
+              <a:rPr lang="pt-BR" dirty="0"/>
+              <a:t>Para chamar do </a:t>
+            </a:r>
+            <a:r>
+              <a:rPr lang="pt-BR" dirty="0" err="1"/>
+              <a:t>assembly</a:t>
+            </a:r>
+            <a:r>
+              <a:rPr lang="pt-BR" dirty="0"/>
+              <a:t> uma função C sem parâmetros e sem retorno, basta declará-la no .ASM antes como externa e fazer um LCALL normalmente:</a:t>
+            </a:r>
+          </a:p>
+          <a:p>
+            <a:pPr lvl="1"/>
+            <a:r>
+              <a:rPr lang="pt-BR" dirty="0" err="1"/>
+              <a:t>extrn</a:t>
+            </a:r>
+            <a:r>
+              <a:rPr lang="pt-BR" dirty="0"/>
+              <a:t> </a:t>
+            </a:r>
+            <a:r>
+              <a:rPr lang="pt-BR" dirty="0" err="1"/>
+              <a:t>code</a:t>
+            </a:r>
+            <a:r>
+              <a:rPr lang="pt-BR" dirty="0"/>
+              <a:t>(</a:t>
+            </a:r>
+            <a:r>
+              <a:rPr lang="pt-BR" dirty="0" err="1"/>
+              <a:t>nome_funcao_C</a:t>
+            </a:r>
+            <a:r>
+              <a:rPr lang="pt-BR" dirty="0"/>
+              <a:t>)</a:t>
+            </a:r>
+          </a:p>
+        </p:txBody>
+      </p:sp>
+      <p:sp>
+        <p:nvSpPr>
+          <p:cNvPr id="3" name="Title 2"/>
           <p:cNvSpPr>
             <a:spLocks noGrp="1"/>
           </p:cNvSpPr>
@@ -5715,29 +6119,23 @@
         </p:nvSpPr>
         <p:spPr/>
         <p:txBody>
-          <a:bodyPr/>
+          <a:bodyPr>
+            <a:normAutofit fontScale="90000"/>
+          </a:bodyPr>
           <a:lstStyle/>
           <a:p>
             <a:r>
-              <a:rPr lang="pt-BR" sz="3600" dirty="0" smtClean="0"/>
-              <a:t>Diretivas </a:t>
-            </a:r>
-            <a:r>
-              <a:rPr lang="pt-BR" sz="3600" dirty="0" err="1" smtClean="0"/>
-              <a:t>extern</a:t>
-            </a:r>
-            <a:r>
-              <a:rPr lang="pt-BR" sz="3600" dirty="0" smtClean="0"/>
-              <a:t> e global</a:t>
-            </a:r>
-            <a:endParaRPr lang="en-US" sz="3600" dirty="0"/>
+              <a:rPr lang="pt-BR" dirty="0"/>
+              <a:t>Chamando um função C a partir de um Código em Assembly</a:t>
+            </a:r>
+            <a:endParaRPr lang="en-US" dirty="0"/>
           </a:p>
         </p:txBody>
       </p:sp>
     </p:spTree>
     <p:extLst>
       <p:ext uri="{BB962C8B-B14F-4D97-AF65-F5344CB8AC3E}">
-        <p14:creationId xmlns:p14="http://schemas.microsoft.com/office/powerpoint/2010/main" val="631104269"/>
+        <p14:creationId xmlns:p14="http://schemas.microsoft.com/office/powerpoint/2010/main" val="646737693"/>
       </p:ext>
     </p:extLst>
   </p:cSld>
@@ -5773,34 +6171,7 @@
       </p:grpSpPr>
       <p:sp>
         <p:nvSpPr>
-          <p:cNvPr id="3" name="Content Placeholder 2"/>
-          <p:cNvSpPr>
-            <a:spLocks noGrp="1"/>
-          </p:cNvSpPr>
-          <p:nvPr>
-            <p:ph idx="1"/>
-          </p:nvPr>
-        </p:nvSpPr>
-        <p:spPr/>
-        <p:txBody>
-          <a:bodyPr>
-            <a:normAutofit/>
-          </a:bodyPr>
-          <a:lstStyle/>
-          <a:p>
-            <a:r>
-              <a:rPr lang="pt-BR" dirty="0" smtClean="0"/>
-              <a:t>Código exemplo</a:t>
-            </a:r>
-          </a:p>
-          <a:p>
-            <a:endParaRPr lang="pt-BR" dirty="0" smtClean="0"/>
-          </a:p>
-        </p:txBody>
-      </p:sp>
-      <p:sp>
-        <p:nvSpPr>
-          <p:cNvPr id="2" name="Title 1"/>
+          <p:cNvPr id="3" name="Title 2"/>
           <p:cNvSpPr>
             <a:spLocks noGrp="1"/>
           </p:cNvSpPr>
@@ -5810,21 +6181,132 @@
         </p:nvSpPr>
         <p:spPr/>
         <p:txBody>
-          <a:bodyPr/>
+          <a:bodyPr>
+            <a:normAutofit fontScale="90000"/>
+          </a:bodyPr>
           <a:lstStyle/>
           <a:p>
             <a:r>
-              <a:rPr lang="pt-BR" sz="3200" dirty="0" smtClean="0"/>
-              <a:t>Passagem de parâmetros e valor de retorno</a:t>
-            </a:r>
-            <a:endParaRPr lang="en-US" sz="3200" dirty="0"/>
-          </a:p>
-        </p:txBody>
-      </p:sp>
+              <a:rPr lang="pt-BR" dirty="0"/>
+              <a:t>Chamando um função C a partir de um Código em Assembly</a:t>
+            </a:r>
+            <a:endParaRPr lang="en-US" dirty="0"/>
+          </a:p>
+        </p:txBody>
+      </p:sp>
+      <p:sp>
+        <p:nvSpPr>
+          <p:cNvPr id="4" name="AutoShape 2" descr="https://docs.google.com/viewer?attid=0.1&amp;pid=gmail&amp;thid=133fc4eb098ee1b0&amp;url=https%3A%2F%2Fmail.google.com%2Fmail%2F%3Fui%3D2%26ik%3D86ad7c499e%26view%3Datt%26th%3D133fc4eb098ee1b0%26attid%3D0.1%26disp%3Dsafe%26realattid%3Df_gvohsvr10%26zw&amp;docid=31bb5c0666be2de40aae33e2d1667362%7Cf25d3da9a63c77e02ab7829bd4c76c5d&amp;a=bi&amp;pagenumber=15&amp;w=800"/>
+          <p:cNvSpPr>
+            <a:spLocks noChangeAspect="1" noChangeArrowheads="1"/>
+          </p:cNvSpPr>
+          <p:nvPr/>
+        </p:nvSpPr>
+        <p:spPr bwMode="auto">
+          <a:xfrm>
+            <a:off x="155575" y="-144463"/>
+            <a:ext cx="304800" cy="304801"/>
+          </a:xfrm>
+          <a:prstGeom prst="rect">
+            <a:avLst/>
+          </a:prstGeom>
+          <a:noFill/>
+          <a:extLst>
+            <a:ext uri="{909E8E84-426E-40DD-AFC4-6F175D3DCCD1}">
+              <a14:hiddenFill xmlns:a14="http://schemas.microsoft.com/office/drawing/2010/main">
+                <a:solidFill>
+                  <a:srgbClr val="FFFFFF"/>
+                </a:solidFill>
+              </a14:hiddenFill>
+            </a:ext>
+          </a:extLst>
+        </p:spPr>
+        <p:txBody>
+          <a:bodyPr vert="horz" wrap="square" lIns="91440" tIns="45720" rIns="91440" bIns="45720" numCol="1" anchor="t" anchorCtr="0" compatLnSpc="1">
+            <a:prstTxWarp prst="textNoShape">
+              <a:avLst/>
+            </a:prstTxWarp>
+          </a:bodyPr>
+          <a:lstStyle/>
+          <a:p>
+            <a:endParaRPr lang="en-US"/>
+          </a:p>
+        </p:txBody>
+      </p:sp>
+      <p:pic>
+        <p:nvPicPr>
+          <p:cNvPr id="6" name="Content Placeholder 5"/>
+          <p:cNvPicPr>
+            <a:picLocks noGrp="1" noChangeAspect="1" noChangeArrowheads="1"/>
+          </p:cNvPicPr>
+          <p:nvPr>
+            <p:ph idx="1"/>
+          </p:nvPr>
+        </p:nvPicPr>
+        <p:blipFill>
+          <a:blip r:embed="rId2">
+            <a:extLst>
+              <a:ext uri="{28A0092B-C50C-407E-A947-70E740481C1C}">
+                <a14:useLocalDpi xmlns:a14="http://schemas.microsoft.com/office/drawing/2010/main" val="0"/>
+              </a:ext>
+            </a:extLst>
+          </a:blip>
+          <a:srcRect/>
+          <a:stretch>
+            <a:fillRect/>
+          </a:stretch>
+        </p:blipFill>
+        <p:spPr bwMode="auto">
+          <a:xfrm>
+            <a:off x="1043608" y="1628800"/>
+            <a:ext cx="7398987" cy="5040560"/>
+          </a:xfrm>
+          <a:prstGeom prst="rect">
+            <a:avLst/>
+          </a:prstGeom>
+          <a:noFill/>
+          <a:ln>
+            <a:noFill/>
+          </a:ln>
+          <a:effectLst/>
+          <a:extLst>
+            <a:ext uri="{909E8E84-426E-40DD-AFC4-6F175D3DCCD1}">
+              <a14:hiddenFill xmlns:a14="http://schemas.microsoft.com/office/drawing/2010/main">
+                <a:blipFill dpi="0" rotWithShape="0">
+                  <a:blip/>
+                  <a:srcRect/>
+                  <a:stretch>
+                    <a:fillRect/>
+                  </a:stretch>
+                </a:blipFill>
+              </a14:hiddenFill>
+            </a:ext>
+            <a:ext uri="{91240B29-F687-4F45-9708-019B960494DF}">
+              <a14:hiddenLine xmlns:a14="http://schemas.microsoft.com/office/drawing/2010/main" w="9525">
+                <a:solidFill>
+                  <a:srgbClr val="000000"/>
+                </a:solidFill>
+                <a:round/>
+                <a:headEnd/>
+                <a:tailEnd/>
+              </a14:hiddenLine>
+            </a:ext>
+            <a:ext uri="{AF507438-7753-43E0-B8FC-AC1667EBCBE1}">
+              <a14:hiddenEffects xmlns:a14="http://schemas.microsoft.com/office/drawing/2010/main">
+                <a:effectLst>
+                  <a:outerShdw dist="35921" dir="2700000" algn="ctr" rotWithShape="0">
+                    <a:srgbClr val="808080"/>
+                  </a:outerShdw>
+                </a:effectLst>
+              </a14:hiddenEffects>
+            </a:ext>
+          </a:extLst>
+        </p:spPr>
+      </p:pic>
     </p:spTree>
     <p:extLst>
       <p:ext uri="{BB962C8B-B14F-4D97-AF65-F5344CB8AC3E}">
-        <p14:creationId xmlns:p14="http://schemas.microsoft.com/office/powerpoint/2010/main" val="1011183347"/>
+        <p14:creationId xmlns:p14="http://schemas.microsoft.com/office/powerpoint/2010/main" val="121235738"/>
       </p:ext>
     </p:extLst>
   </p:cSld>
@@ -5860,34 +6342,7 @@
       </p:grpSpPr>
       <p:sp>
         <p:nvSpPr>
-          <p:cNvPr id="3" name="Content Placeholder 2"/>
-          <p:cNvSpPr>
-            <a:spLocks noGrp="1"/>
-          </p:cNvSpPr>
-          <p:nvPr>
-            <p:ph idx="1"/>
-          </p:nvPr>
-        </p:nvSpPr>
-        <p:spPr/>
-        <p:txBody>
-          <a:bodyPr>
-            <a:normAutofit/>
-          </a:bodyPr>
-          <a:lstStyle/>
-          <a:p>
-            <a:r>
-              <a:rPr lang="pt-BR" dirty="0" smtClean="0"/>
-              <a:t>Código exemplo</a:t>
-            </a:r>
-          </a:p>
-          <a:p>
-            <a:endParaRPr lang="pt-BR" dirty="0" smtClean="0"/>
-          </a:p>
-        </p:txBody>
-      </p:sp>
-      <p:sp>
-        <p:nvSpPr>
-          <p:cNvPr id="2" name="Title 1"/>
+          <p:cNvPr id="3" name="Title 2"/>
           <p:cNvSpPr>
             <a:spLocks noGrp="1"/>
           </p:cNvSpPr>
@@ -5897,21 +6352,161 @@
         </p:nvSpPr>
         <p:spPr/>
         <p:txBody>
-          <a:bodyPr/>
+          <a:bodyPr>
+            <a:normAutofit fontScale="90000"/>
+          </a:bodyPr>
           <a:lstStyle/>
           <a:p>
             <a:r>
-              <a:rPr lang="pt-BR" sz="4000" dirty="0" smtClean="0"/>
-              <a:t>Variáveis globais</a:t>
-            </a:r>
-            <a:endParaRPr lang="en-US" sz="4000" dirty="0"/>
-          </a:p>
-        </p:txBody>
-      </p:sp>
+              <a:rPr lang="pt-BR" dirty="0"/>
+              <a:t>Chamando um função C a partir de um Código em Assembly</a:t>
+            </a:r>
+            <a:endParaRPr lang="en-US" dirty="0"/>
+          </a:p>
+        </p:txBody>
+      </p:sp>
+      <p:pic>
+        <p:nvPicPr>
+          <p:cNvPr id="4" name="Content Placeholder 3"/>
+          <p:cNvPicPr>
+            <a:picLocks noGrp="1" noChangeAspect="1" noChangeArrowheads="1"/>
+          </p:cNvPicPr>
+          <p:nvPr>
+            <p:ph idx="1"/>
+          </p:nvPr>
+        </p:nvPicPr>
+        <p:blipFill>
+          <a:blip r:embed="rId2">
+            <a:extLst>
+              <a:ext uri="{28A0092B-C50C-407E-A947-70E740481C1C}">
+                <a14:useLocalDpi xmlns:a14="http://schemas.microsoft.com/office/drawing/2010/main" val="0"/>
+              </a:ext>
+            </a:extLst>
+          </a:blip>
+          <a:srcRect/>
+          <a:stretch>
+            <a:fillRect/>
+          </a:stretch>
+        </p:blipFill>
+        <p:spPr bwMode="auto">
+          <a:xfrm>
+            <a:off x="2540466" y="1782888"/>
+            <a:ext cx="4320480" cy="2353569"/>
+          </a:xfrm>
+          <a:prstGeom prst="rect">
+            <a:avLst/>
+          </a:prstGeom>
+          <a:noFill/>
+          <a:ln>
+            <a:noFill/>
+          </a:ln>
+          <a:effectLst/>
+          <a:extLst>
+            <a:ext uri="{909E8E84-426E-40DD-AFC4-6F175D3DCCD1}">
+              <a14:hiddenFill xmlns:a14="http://schemas.microsoft.com/office/drawing/2010/main">
+                <a:blipFill dpi="0" rotWithShape="0">
+                  <a:blip/>
+                  <a:srcRect/>
+                  <a:stretch>
+                    <a:fillRect/>
+                  </a:stretch>
+                </a:blipFill>
+              </a14:hiddenFill>
+            </a:ext>
+            <a:ext uri="{91240B29-F687-4F45-9708-019B960494DF}">
+              <a14:hiddenLine xmlns:a14="http://schemas.microsoft.com/office/drawing/2010/main" w="9525">
+                <a:solidFill>
+                  <a:srgbClr val="000000"/>
+                </a:solidFill>
+                <a:round/>
+                <a:headEnd/>
+                <a:tailEnd/>
+              </a14:hiddenLine>
+            </a:ext>
+            <a:ext uri="{AF507438-7753-43E0-B8FC-AC1667EBCBE1}">
+              <a14:hiddenEffects xmlns:a14="http://schemas.microsoft.com/office/drawing/2010/main">
+                <a:effectLst>
+                  <a:outerShdw dist="35921" dir="2700000" algn="ctr" rotWithShape="0">
+                    <a:srgbClr val="808080"/>
+                  </a:outerShdw>
+                </a:effectLst>
+              </a14:hiddenEffects>
+            </a:ext>
+          </a:extLst>
+        </p:spPr>
+      </p:pic>
+      <p:pic>
+        <p:nvPicPr>
+          <p:cNvPr id="5" name="Picture 4"/>
+          <p:cNvPicPr>
+            <a:picLocks noChangeAspect="1" noChangeArrowheads="1"/>
+          </p:cNvPicPr>
+          <p:nvPr/>
+        </p:nvPicPr>
+        <p:blipFill>
+          <a:blip r:embed="rId3">
+            <a:extLst>
+              <a:ext uri="{28A0092B-C50C-407E-A947-70E740481C1C}">
+                <a14:useLocalDpi xmlns:a14="http://schemas.microsoft.com/office/drawing/2010/main" val="0"/>
+              </a:ext>
+            </a:extLst>
+          </a:blip>
+          <a:srcRect/>
+          <a:stretch>
+            <a:fillRect/>
+          </a:stretch>
+        </p:blipFill>
+        <p:spPr bwMode="auto">
+          <a:xfrm>
+            <a:off x="2579655" y="3933056"/>
+            <a:ext cx="4008569" cy="1740815"/>
+          </a:xfrm>
+          <a:prstGeom prst="rect">
+            <a:avLst/>
+          </a:prstGeom>
+          <a:noFill/>
+          <a:ln>
+            <a:noFill/>
+          </a:ln>
+          <a:effectLst/>
+          <a:extLst>
+            <a:ext uri="{909E8E84-426E-40DD-AFC4-6F175D3DCCD1}">
+              <a14:hiddenFill xmlns:a14="http://schemas.microsoft.com/office/drawing/2010/main">
+                <a:blipFill dpi="0" rotWithShape="0">
+                  <a:blip/>
+                  <a:srcRect/>
+                  <a:stretch>
+                    <a:fillRect/>
+                  </a:stretch>
+                </a:blipFill>
+              </a14:hiddenFill>
+            </a:ext>
+            <a:ext uri="{91240B29-F687-4F45-9708-019B960494DF}">
+              <a14:hiddenLine xmlns:a14="http://schemas.microsoft.com/office/drawing/2010/main" w="9525">
+                <a:solidFill>
+                  <a:srgbClr val="000000"/>
+                </a:solidFill>
+                <a:round/>
+                <a:headEnd/>
+                <a:tailEnd/>
+              </a14:hiddenLine>
+            </a:ext>
+            <a:ext uri="{AF507438-7753-43E0-B8FC-AC1667EBCBE1}">
+              <a14:hiddenEffects xmlns:a14="http://schemas.microsoft.com/office/drawing/2010/main">
+                <a:effectLst>
+                  <a:outerShdw dist="35921" dir="2700000" algn="ctr" rotWithShape="0">
+                    <a:srgbClr val="808080"/>
+                  </a:outerShdw>
+                </a:effectLst>
+              </a14:hiddenEffects>
+            </a:ext>
+          </a:extLst>
+        </p:spPr>
+      </p:pic>
     </p:spTree>
     <p:extLst>
       <p:ext uri="{BB962C8B-B14F-4D97-AF65-F5344CB8AC3E}">
-        <p14:creationId xmlns:p14="http://schemas.microsoft.com/office/powerpoint/2010/main" val="633472005"/>
+        <p14:creationId xmlns:p14="http://schemas.microsoft.com/office/powerpoint/2010/main" val="305079741"/>
       </p:ext>
     </p:extLst>
   </p:cSld>
@@ -5947,237 +6542,7 @@
       </p:grpSpPr>
       <p:sp>
         <p:nvSpPr>
-          <p:cNvPr id="3" name="Content Placeholder 2"/>
-          <p:cNvSpPr>
-            <a:spLocks noGrp="1"/>
-          </p:cNvSpPr>
-          <p:nvPr>
-            <p:ph idx="1"/>
-          </p:nvPr>
-        </p:nvSpPr>
-        <p:spPr/>
-        <p:txBody>
-          <a:bodyPr>
-            <a:normAutofit fontScale="85000" lnSpcReduction="20000"/>
-          </a:bodyPr>
-          <a:lstStyle/>
-          <a:p>
-            <a:r>
-              <a:rPr lang="pt-BR" dirty="0" smtClean="0"/>
-              <a:t>Introdução</a:t>
-            </a:r>
-          </a:p>
-          <a:p>
-            <a:pPr>
-              <a:buNone/>
-            </a:pPr>
-            <a:endParaRPr lang="pt-BR" dirty="0" smtClean="0"/>
-          </a:p>
-          <a:p>
-            <a:r>
-              <a:rPr lang="pt-BR" dirty="0" smtClean="0"/>
-              <a:t>Codificação básica para GCC</a:t>
-            </a:r>
-          </a:p>
-          <a:p>
-            <a:pPr lvl="1"/>
-            <a:r>
-              <a:rPr lang="pt-BR" dirty="0" smtClean="0"/>
-              <a:t>Sintaxe: AT&amp;T</a:t>
-            </a:r>
-          </a:p>
-          <a:p>
-            <a:pPr lvl="1"/>
-            <a:r>
-              <a:rPr lang="pt-BR" dirty="0" smtClean="0"/>
-              <a:t>Exemplo: </a:t>
-            </a:r>
-          </a:p>
-          <a:p>
-            <a:pPr lvl="2">
-              <a:buNone/>
-            </a:pPr>
-            <a:r>
-              <a:rPr lang="pt-BR" dirty="0" smtClean="0"/>
-              <a:t>	__</a:t>
-            </a:r>
-            <a:r>
-              <a:rPr lang="pt-BR" dirty="0" err="1" smtClean="0"/>
-              <a:t>asm__</a:t>
-            </a:r>
-            <a:r>
-              <a:rPr lang="pt-BR" dirty="0" smtClean="0"/>
-              <a:t> ("</a:t>
-            </a:r>
-            <a:r>
-              <a:rPr lang="pt-BR" dirty="0" err="1" smtClean="0"/>
-              <a:t>movl</a:t>
-            </a:r>
-            <a:r>
-              <a:rPr lang="pt-BR" dirty="0" smtClean="0"/>
-              <a:t> %</a:t>
-            </a:r>
-            <a:r>
-              <a:rPr lang="pt-BR" dirty="0" err="1" smtClean="0"/>
-              <a:t>eax</a:t>
-            </a:r>
-            <a:r>
-              <a:rPr lang="pt-BR" dirty="0" smtClean="0"/>
-              <a:t>, %</a:t>
-            </a:r>
-            <a:r>
-              <a:rPr lang="pt-BR" dirty="0" err="1" smtClean="0"/>
-              <a:t>ebx</a:t>
-            </a:r>
-            <a:r>
-              <a:rPr lang="pt-BR" dirty="0" smtClean="0"/>
-              <a:t>\n\t" </a:t>
-            </a:r>
-          </a:p>
-          <a:p>
-            <a:pPr lvl="2">
-              <a:buNone/>
-            </a:pPr>
-            <a:r>
-              <a:rPr lang="pt-BR" dirty="0" smtClean="0"/>
-              <a:t>		   "</a:t>
-            </a:r>
-            <a:r>
-              <a:rPr lang="pt-BR" dirty="0" err="1" smtClean="0"/>
-              <a:t>movl</a:t>
-            </a:r>
-            <a:r>
-              <a:rPr lang="pt-BR" dirty="0" smtClean="0"/>
-              <a:t> $56, %</a:t>
-            </a:r>
-            <a:r>
-              <a:rPr lang="pt-BR" dirty="0" err="1" smtClean="0"/>
-              <a:t>esi</a:t>
-            </a:r>
-            <a:r>
-              <a:rPr lang="pt-BR" dirty="0" smtClean="0"/>
-              <a:t>\n\t“</a:t>
-            </a:r>
-          </a:p>
-          <a:p>
-            <a:pPr lvl="2">
-              <a:buNone/>
-            </a:pPr>
-            <a:r>
-              <a:rPr lang="pt-BR" dirty="0" smtClean="0"/>
-              <a:t>		   "</a:t>
-            </a:r>
-            <a:r>
-              <a:rPr lang="pt-BR" dirty="0" err="1" smtClean="0"/>
-              <a:t>movl</a:t>
-            </a:r>
-            <a:r>
-              <a:rPr lang="pt-BR" dirty="0" smtClean="0"/>
-              <a:t> %</a:t>
-            </a:r>
-            <a:r>
-              <a:rPr lang="pt-BR" dirty="0" err="1" smtClean="0"/>
-              <a:t>ecx</a:t>
-            </a:r>
-            <a:r>
-              <a:rPr lang="pt-BR" dirty="0" smtClean="0"/>
-              <a:t>, $</a:t>
-            </a:r>
-            <a:r>
-              <a:rPr lang="pt-BR" dirty="0" err="1" smtClean="0"/>
-              <a:t>label</a:t>
-            </a:r>
-            <a:r>
-              <a:rPr lang="pt-BR" dirty="0" smtClean="0"/>
-              <a:t>(%</a:t>
-            </a:r>
-            <a:r>
-              <a:rPr lang="pt-BR" dirty="0" err="1" smtClean="0"/>
-              <a:t>edx</a:t>
-            </a:r>
-            <a:r>
-              <a:rPr lang="pt-BR" dirty="0" smtClean="0"/>
-              <a:t>,%</a:t>
-            </a:r>
-            <a:r>
-              <a:rPr lang="pt-BR" dirty="0" err="1" smtClean="0"/>
-              <a:t>ebx</a:t>
-            </a:r>
-            <a:r>
-              <a:rPr lang="pt-BR" dirty="0" smtClean="0"/>
-              <a:t>,$4)\n\t”</a:t>
-            </a:r>
-          </a:p>
-          <a:p>
-            <a:pPr lvl="2">
-              <a:buNone/>
-            </a:pPr>
-            <a:r>
-              <a:rPr lang="pt-BR" dirty="0" smtClean="0"/>
-              <a:t>		   "</a:t>
-            </a:r>
-            <a:r>
-              <a:rPr lang="pt-BR" dirty="0" err="1" smtClean="0"/>
-              <a:t>movb</a:t>
-            </a:r>
-            <a:r>
-              <a:rPr lang="pt-BR" dirty="0" smtClean="0"/>
-              <a:t> %ah, (%</a:t>
-            </a:r>
-            <a:r>
-              <a:rPr lang="pt-BR" dirty="0" err="1" smtClean="0"/>
-              <a:t>ebx</a:t>
-            </a:r>
-            <a:r>
-              <a:rPr lang="pt-BR" dirty="0" smtClean="0"/>
-              <a:t>)");</a:t>
-            </a:r>
-          </a:p>
-          <a:p>
-            <a:pPr lvl="2">
-              <a:buNone/>
-            </a:pPr>
-            <a:endParaRPr lang="pt-BR" dirty="0" smtClean="0"/>
-          </a:p>
-          <a:p>
-            <a:r>
-              <a:rPr lang="pt-BR" dirty="0" smtClean="0"/>
-              <a:t>Extensão</a:t>
-            </a:r>
-          </a:p>
-          <a:p>
-            <a:pPr lvl="1"/>
-            <a:r>
-              <a:rPr lang="pt-BR" dirty="0" smtClean="0"/>
-              <a:t>Como definir as variáveis de entrada e saída (interface com C)</a:t>
-            </a:r>
-          </a:p>
-          <a:p>
-            <a:pPr lvl="1"/>
-            <a:r>
-              <a:rPr lang="pt-BR" dirty="0" smtClean="0"/>
-              <a:t>Como indicar como essas variáveis serão usadas em </a:t>
-            </a:r>
-            <a:r>
-              <a:rPr lang="pt-BR" dirty="0" err="1" smtClean="0"/>
-              <a:t>assembly</a:t>
-            </a:r>
-            <a:endParaRPr lang="pt-BR" dirty="0" smtClean="0"/>
-          </a:p>
-          <a:p>
-            <a:pPr lvl="2">
-              <a:buNone/>
-            </a:pPr>
-            <a:endParaRPr lang="pt-BR" dirty="0" smtClean="0"/>
-          </a:p>
-          <a:p>
-            <a:endParaRPr lang="pt-BR" dirty="0" smtClean="0"/>
-          </a:p>
-        </p:txBody>
-      </p:sp>
-      <p:sp>
-        <p:nvSpPr>
-          <p:cNvPr id="2" name="Title 1"/>
+          <p:cNvPr id="3" name="Title 2"/>
           <p:cNvSpPr>
             <a:spLocks noGrp="1"/>
           </p:cNvSpPr>
@@ -6187,29 +6552,89 @@
         </p:nvSpPr>
         <p:spPr/>
         <p:txBody>
-          <a:bodyPr/>
+          <a:bodyPr>
+            <a:normAutofit/>
+          </a:bodyPr>
           <a:lstStyle/>
           <a:p>
-            <a:r>
-              <a:rPr lang="pt-BR" sz="4000" dirty="0" err="1" smtClean="0"/>
-              <a:t>Inline</a:t>
-            </a:r>
-            <a:r>
-              <a:rPr lang="pt-BR" sz="4000" dirty="0" smtClean="0"/>
-              <a:t> </a:t>
-            </a:r>
-            <a:r>
-              <a:rPr lang="pt-BR" sz="4000" dirty="0" err="1" smtClean="0"/>
-              <a:t>assembly</a:t>
-            </a:r>
-            <a:endParaRPr lang="en-US" sz="4000" dirty="0"/>
-          </a:p>
-        </p:txBody>
-      </p:sp>
+            <a:endParaRPr lang="en-US" dirty="0"/>
+          </a:p>
+        </p:txBody>
+      </p:sp>
+      <p:pic>
+        <p:nvPicPr>
+          <p:cNvPr id="4" name="Content Placeholder 3"/>
+          <p:cNvPicPr>
+            <a:picLocks noGrp="1" noChangeAspect="1" noChangeArrowheads="1"/>
+          </p:cNvPicPr>
+          <p:nvPr>
+            <p:ph idx="1"/>
+          </p:nvPr>
+        </p:nvPicPr>
+        <p:blipFill>
+          <a:blip r:embed="rId2">
+            <a:extLst>
+              <a:ext uri="{28A0092B-C50C-407E-A947-70E740481C1C}">
+                <a14:useLocalDpi xmlns:a14="http://schemas.microsoft.com/office/drawing/2010/main" val="0"/>
+              </a:ext>
+            </a:extLst>
+          </a:blip>
+          <a:srcRect/>
+          <a:stretch>
+            <a:fillRect/>
+          </a:stretch>
+        </p:blipFill>
+        <p:spPr bwMode="auto">
+          <a:xfrm>
+            <a:off x="1835696" y="260648"/>
+            <a:ext cx="5688632" cy="6346990"/>
+          </a:xfrm>
+          <a:prstGeom prst="rect">
+            <a:avLst/>
+          </a:prstGeom>
+          <a:noFill/>
+          <a:ln>
+            <a:noFill/>
+          </a:ln>
+          <a:effectLst/>
+          <a:extLst>
+            <a:ext uri="{909E8E84-426E-40DD-AFC4-6F175D3DCCD1}">
+              <a14:hiddenFill xmlns:a14="http://schemas.microsoft.com/office/drawing/2010/main">
+                <a:blipFill dpi="0" rotWithShape="0">
+                  <a:blip/>
+                  <a:srcRect/>
+                  <a:stretch>
+                    <a:fillRect/>
+                  </a:stretch>
+                </a:blipFill>
+              </a14:hiddenFill>
+            </a:ext>
+            <a:ext uri="{91240B29-F687-4F45-9708-019B960494DF}">
+              <a14:hiddenLine xmlns:a14="http://schemas.microsoft.com/office/drawing/2010/main" w="9525">
+                <a:solidFill>
+                  <a:srgbClr val="000000"/>
+                </a:solidFill>
+                <a:round/>
+                <a:headEnd/>
+                <a:tailEnd/>
+              </a14:hiddenLine>
+            </a:ext>
+            <a:ext uri="{AF507438-7753-43E0-B8FC-AC1667EBCBE1}">
+              <a14:hiddenEffects xmlns:a14="http://schemas.microsoft.com/office/drawing/2010/main">
+                <a:effectLst>
+                  <a:outerShdw dist="35921" dir="2700000" algn="ctr" rotWithShape="0">
+                    <a:srgbClr val="808080"/>
+                  </a:outerShdw>
+                </a:effectLst>
+              </a14:hiddenEffects>
+            </a:ext>
+          </a:extLst>
+        </p:spPr>
+      </p:pic>
     </p:spTree>
     <p:extLst>
       <p:ext uri="{BB962C8B-B14F-4D97-AF65-F5344CB8AC3E}">
-        <p14:creationId xmlns:p14="http://schemas.microsoft.com/office/powerpoint/2010/main" val="1565328756"/>
+        <p14:creationId xmlns:p14="http://schemas.microsoft.com/office/powerpoint/2010/main" val="911525100"/>
       </p:ext>
     </p:extLst>
   </p:cSld>
@@ -6245,7 +6670,7 @@
       </p:grpSpPr>
       <p:sp>
         <p:nvSpPr>
-          <p:cNvPr id="3" name="Content Placeholder 2"/>
+          <p:cNvPr id="2" name="Content Placeholder 1"/>
           <p:cNvSpPr>
             <a:spLocks noGrp="1"/>
           </p:cNvSpPr>
@@ -6256,195 +6681,115 @@
         <p:spPr/>
         <p:txBody>
           <a:bodyPr>
-            <a:normAutofit fontScale="92500" lnSpcReduction="10000"/>
+            <a:normAutofit/>
           </a:bodyPr>
           <a:lstStyle/>
           <a:p>
             <a:r>
-              <a:rPr lang="pt-BR" dirty="0" smtClean="0"/>
-              <a:t>Extensão (continuação)</a:t>
-            </a:r>
-          </a:p>
-          <a:p>
-            <a:pPr lvl="1"/>
-            <a:r>
-              <a:rPr lang="pt-BR" dirty="0" smtClean="0"/>
-              <a:t>Campos: </a:t>
-            </a:r>
-            <a:r>
-              <a:rPr lang="pt-BR" i="1" dirty="0" err="1" smtClean="0"/>
-              <a:t>assembly</a:t>
-            </a:r>
-            <a:r>
-              <a:rPr lang="pt-BR" i="1" dirty="0" smtClean="0"/>
+              <a:rPr lang="pt-BR" dirty="0"/>
+              <a:t>Em x86 existem duas convenções de chamada </a:t>
+            </a:r>
+            <a:r>
+              <a:rPr lang="pt-BR" dirty="0" smtClean="0"/>
+              <a:t>de procedimentos</a:t>
+            </a:r>
+            <a:r>
+              <a:rPr lang="pt-BR" dirty="0"/>
+              <a:t>: </a:t>
+            </a:r>
+            <a:r>
+              <a:rPr lang="pt-BR" dirty="0" err="1"/>
+              <a:t>cdecl</a:t>
+            </a:r>
+            <a:r>
+              <a:rPr lang="pt-BR" dirty="0"/>
+              <a:t> e </a:t>
+            </a:r>
+            <a:r>
+              <a:rPr lang="pt-BR" dirty="0" err="1"/>
+              <a:t>stdcall</a:t>
+            </a:r>
+            <a:r>
+              <a:rPr lang="pt-BR" dirty="0"/>
+              <a:t> (também </a:t>
+            </a:r>
+            <a:r>
+              <a:rPr lang="pt-BR" dirty="0" err="1" smtClean="0"/>
+              <a:t>onhecida</a:t>
+            </a:r>
+            <a:r>
+              <a:rPr lang="pt-BR" dirty="0" smtClean="0"/>
               <a:t> </a:t>
             </a:r>
             <a:r>
-              <a:rPr lang="pt-BR" i="1" dirty="0" err="1" smtClean="0"/>
-              <a:t>template</a:t>
-            </a:r>
-            <a:r>
-              <a:rPr lang="pt-BR" dirty="0" smtClean="0"/>
-              <a:t>, saída, entrada e registradores utilizados</a:t>
-            </a:r>
-          </a:p>
-          <a:p>
-            <a:pPr lvl="1"/>
+              <a:rPr lang="pt-BR" dirty="0"/>
+              <a:t>por pascal)</a:t>
+            </a:r>
+          </a:p>
+          <a:p>
+            <a:endParaRPr lang="pt-BR" dirty="0"/>
+          </a:p>
+          <a:p>
+            <a:r>
+              <a:rPr lang="pt-BR" dirty="0"/>
+              <a:t>São </a:t>
+            </a:r>
+            <a:r>
+              <a:rPr lang="pt-BR" dirty="0" err="1"/>
+              <a:t>setados</a:t>
+            </a:r>
+            <a:r>
+              <a:rPr lang="pt-BR" dirty="0"/>
+              <a:t> para ambos os casos: ESP (topo da pilha), </a:t>
+            </a:r>
+            <a:r>
+              <a:rPr lang="pt-BR" dirty="0" smtClean="0"/>
+              <a:t>EBP (</a:t>
+            </a:r>
+            <a:r>
+              <a:rPr lang="pt-BR" dirty="0"/>
+              <a:t>parâmetros da função) e EIP </a:t>
+            </a:r>
+            <a:r>
+              <a:rPr lang="pt-BR" dirty="0" smtClean="0"/>
+              <a:t> (endereço </a:t>
+            </a:r>
+            <a:r>
+              <a:rPr lang="pt-BR" dirty="0"/>
+              <a:t>da instrução de volta)</a:t>
+            </a:r>
+          </a:p>
+          <a:p>
+            <a:endParaRPr lang="pt-BR" dirty="0"/>
+          </a:p>
+          <a:p>
+            <a:r>
+              <a:rPr lang="pt-BR" dirty="0" err="1"/>
+              <a:t>Stdcall</a:t>
+            </a:r>
+            <a:r>
+              <a:rPr lang="pt-BR" dirty="0"/>
+              <a:t> é bastante utilizada pelo Windows API e é </a:t>
+            </a:r>
+            <a:r>
+              <a:rPr lang="pt-BR" dirty="0" smtClean="0"/>
+              <a:t>mais compacta </a:t>
+            </a:r>
+            <a:r>
+              <a:rPr lang="pt-BR" dirty="0"/>
+              <a:t>do que o </a:t>
+            </a:r>
             <a:r>
               <a:rPr lang="pt-BR" dirty="0" err="1" smtClean="0"/>
-              <a:t>Operandos</a:t>
-            </a:r>
-            <a:r>
-              <a:rPr lang="pt-BR" dirty="0" smtClean="0"/>
-              <a:t>: associados a variáveis em C</a:t>
-            </a:r>
-          </a:p>
-          <a:p>
-            <a:pPr lvl="1"/>
-            <a:r>
-              <a:rPr lang="pt-BR" dirty="0" smtClean="0"/>
-              <a:t>Restrições: r, =r, a,b,c,...,m, ..., número</a:t>
-            </a:r>
-          </a:p>
-          <a:p>
-            <a:pPr lvl="1"/>
-            <a:r>
-              <a:rPr lang="pt-BR" dirty="0" smtClean="0"/>
-              <a:t>Exemplo:</a:t>
-            </a:r>
-          </a:p>
-          <a:p>
-            <a:pPr lvl="1">
-              <a:buNone/>
-            </a:pPr>
-            <a:r>
-              <a:rPr lang="pt-BR" dirty="0" smtClean="0"/>
-              <a:t>			</a:t>
-            </a:r>
-            <a:r>
-              <a:rPr lang="pt-BR" dirty="0" err="1" smtClean="0"/>
-              <a:t>int</a:t>
-            </a:r>
-            <a:r>
-              <a:rPr lang="pt-BR" dirty="0" smtClean="0"/>
-              <a:t> a=10, b; </a:t>
-            </a:r>
-          </a:p>
-          <a:p>
-            <a:pPr lvl="1">
-              <a:buNone/>
-            </a:pPr>
-            <a:r>
-              <a:rPr lang="pt-BR" dirty="0" smtClean="0"/>
-              <a:t>			</a:t>
-            </a:r>
-            <a:r>
-              <a:rPr lang="pt-BR" dirty="0" err="1" smtClean="0"/>
-              <a:t>asm</a:t>
-            </a:r>
-            <a:r>
-              <a:rPr lang="pt-BR" dirty="0" smtClean="0"/>
-              <a:t> 	(“</a:t>
-            </a:r>
-            <a:r>
-              <a:rPr lang="pt-BR" dirty="0" err="1" smtClean="0"/>
-              <a:t>movl</a:t>
-            </a:r>
-            <a:r>
-              <a:rPr lang="pt-BR" dirty="0" smtClean="0"/>
-              <a:t> %1, %%</a:t>
-            </a:r>
-            <a:r>
-              <a:rPr lang="pt-BR" dirty="0" err="1" smtClean="0"/>
-              <a:t>eax</a:t>
-            </a:r>
-            <a:r>
-              <a:rPr lang="pt-BR" dirty="0" smtClean="0"/>
-              <a:t>;</a:t>
-            </a:r>
-          </a:p>
-          <a:p>
-            <a:pPr lvl="1">
-              <a:buNone/>
-            </a:pPr>
-            <a:r>
-              <a:rPr lang="pt-BR" dirty="0" smtClean="0"/>
-              <a:t>				   </a:t>
-            </a:r>
-            <a:r>
-              <a:rPr lang="pt-BR" dirty="0" err="1" smtClean="0"/>
-              <a:t>movl</a:t>
-            </a:r>
-            <a:r>
-              <a:rPr lang="pt-BR" dirty="0" smtClean="0"/>
-              <a:t> %%</a:t>
-            </a:r>
-            <a:r>
-              <a:rPr lang="pt-BR" dirty="0" err="1" smtClean="0"/>
-              <a:t>eax</a:t>
-            </a:r>
-            <a:r>
-              <a:rPr lang="pt-BR" dirty="0" smtClean="0"/>
-              <a:t>, %0;”</a:t>
-            </a:r>
-          </a:p>
-          <a:p>
-            <a:pPr lvl="1">
-              <a:buNone/>
-            </a:pPr>
-            <a:r>
-              <a:rPr lang="pt-BR" dirty="0" smtClean="0"/>
-              <a:t>				:"=r"(b)	/* </a:t>
-            </a:r>
-            <a:r>
-              <a:rPr lang="pt-BR" dirty="0" err="1" smtClean="0"/>
-              <a:t>saida</a:t>
-            </a:r>
-            <a:r>
-              <a:rPr lang="pt-BR" dirty="0" smtClean="0"/>
-              <a:t> */ </a:t>
-            </a:r>
-          </a:p>
-          <a:p>
-            <a:pPr lvl="1">
-              <a:buNone/>
-            </a:pPr>
-            <a:r>
-              <a:rPr lang="pt-BR" dirty="0" smtClean="0"/>
-              <a:t>				:"r"(a) 	/* entrada */ </a:t>
-            </a:r>
-          </a:p>
-          <a:p>
-            <a:pPr lvl="1">
-              <a:buNone/>
-            </a:pPr>
-            <a:r>
-              <a:rPr lang="pt-BR" dirty="0" smtClean="0"/>
-              <a:t>				:"%</a:t>
-            </a:r>
-            <a:r>
-              <a:rPr lang="pt-BR" dirty="0" err="1" smtClean="0"/>
-              <a:t>eax</a:t>
-            </a:r>
-            <a:r>
-              <a:rPr lang="pt-BR" dirty="0" smtClean="0"/>
-              <a:t>" 	/* registradores utilizados */  ); </a:t>
-            </a:r>
-          </a:p>
-          <a:p>
-            <a:pPr lvl="2">
-              <a:buNone/>
-            </a:pPr>
-            <a:endParaRPr lang="pt-BR" dirty="0" smtClean="0"/>
-          </a:p>
-          <a:p>
-            <a:endParaRPr lang="pt-BR" dirty="0" smtClean="0"/>
-          </a:p>
-        </p:txBody>
-      </p:sp>
-      <p:sp>
-        <p:nvSpPr>
-          <p:cNvPr id="2" name="Title 1"/>
+              <a:t>cdecl</a:t>
+            </a:r>
+            <a:endParaRPr lang="en-US" dirty="0"/>
+          </a:p>
+        </p:txBody>
+      </p:sp>
+      <p:sp>
+        <p:nvSpPr>
+          <p:cNvPr id="3" name="Title 2"/>
           <p:cNvSpPr>
             <a:spLocks noGrp="1"/>
           </p:cNvSpPr>
@@ -6454,29 +6799,23 @@
         </p:nvSpPr>
         <p:spPr/>
         <p:txBody>
-          <a:bodyPr/>
+          <a:bodyPr>
+            <a:normAutofit fontScale="90000"/>
+          </a:bodyPr>
           <a:lstStyle/>
           <a:p>
             <a:r>
-              <a:rPr lang="pt-BR" sz="4000" dirty="0" err="1" smtClean="0"/>
-              <a:t>Inline</a:t>
-            </a:r>
-            <a:r>
-              <a:rPr lang="pt-BR" sz="4000" dirty="0" smtClean="0"/>
-              <a:t> </a:t>
-            </a:r>
-            <a:r>
-              <a:rPr lang="pt-BR" sz="4000" dirty="0" err="1" smtClean="0"/>
-              <a:t>assembly</a:t>
-            </a:r>
-            <a:endParaRPr lang="en-US" sz="4000" dirty="0"/>
+              <a:rPr lang="pt-BR" dirty="0"/>
+              <a:t>Chamada de procedimentos de C para Assembly</a:t>
+            </a:r>
+            <a:endParaRPr lang="en-US" dirty="0"/>
           </a:p>
         </p:txBody>
       </p:sp>
     </p:spTree>
     <p:extLst>
       <p:ext uri="{BB962C8B-B14F-4D97-AF65-F5344CB8AC3E}">
-        <p14:creationId xmlns:p14="http://schemas.microsoft.com/office/powerpoint/2010/main" val="1565328756"/>
+        <p14:creationId xmlns:p14="http://schemas.microsoft.com/office/powerpoint/2010/main" val="895213245"/>
       </p:ext>
     </p:extLst>
   </p:cSld>
@@ -6512,7 +6851,7 @@
       </p:grpSpPr>
       <p:sp>
         <p:nvSpPr>
-          <p:cNvPr id="3" name="Content Placeholder 2"/>
+          <p:cNvPr id="2" name="Content Placeholder 1"/>
           <p:cNvSpPr>
             <a:spLocks noGrp="1"/>
           </p:cNvSpPr>
@@ -6523,13 +6862,13 @@
         <p:spPr/>
         <p:txBody>
           <a:bodyPr>
-            <a:normAutofit fontScale="77500" lnSpcReduction="20000"/>
+            <a:normAutofit fontScale="47500" lnSpcReduction="20000"/>
           </a:bodyPr>
           <a:lstStyle/>
           <a:p>
             <a:r>
-              <a:rPr lang="pt-BR" dirty="0" smtClean="0"/>
-              <a:t>O que são?</a:t>
+              <a:rPr lang="pt-BR" dirty="0"/>
+              <a:t>Empilhar os parâmetros da chamada</a:t>
             </a:r>
           </a:p>
           <a:p>
@@ -6537,144 +6876,102 @@
           </a:p>
           <a:p>
             <a:r>
-              <a:rPr lang="pt-BR" dirty="0" smtClean="0"/>
-              <a:t>Qual usar?</a:t>
-            </a:r>
-          </a:p>
-          <a:p>
-            <a:pPr>
-              <a:buNone/>
-            </a:pPr>
-            <a:endParaRPr lang="pt-BR" dirty="0" smtClean="0"/>
-          </a:p>
-          <a:p>
-            <a:pPr>
-              <a:buNone/>
-            </a:pPr>
-            <a:endParaRPr lang="pt-BR" dirty="0" smtClean="0"/>
-          </a:p>
-          <a:p>
-            <a:pPr>
-              <a:buNone/>
-            </a:pPr>
-            <a:endParaRPr lang="pt-BR" dirty="0" smtClean="0"/>
-          </a:p>
-          <a:p>
-            <a:endParaRPr lang="pt-BR" dirty="0" smtClean="0"/>
-          </a:p>
-          <a:p>
-            <a:pPr>
-              <a:buNone/>
-            </a:pPr>
+              <a:rPr lang="pt-BR" dirty="0"/>
+              <a:t>Chamar a função</a:t>
+            </a:r>
+          </a:p>
+          <a:p>
             <a:endParaRPr lang="pt-BR" dirty="0"/>
           </a:p>
           <a:p>
             <a:r>
-              <a:rPr lang="pt-BR" dirty="0" smtClean="0"/>
-              <a:t>Misturar modelos de memória – cláusulas </a:t>
-            </a:r>
-            <a:r>
-              <a:rPr lang="pt-BR" dirty="0" err="1" smtClean="0"/>
-              <a:t>tiny</a:t>
-            </a:r>
-            <a:r>
-              <a:rPr lang="pt-BR" dirty="0" smtClean="0"/>
-              <a:t>, small, </a:t>
-            </a:r>
-            <a:r>
-              <a:rPr lang="pt-BR" dirty="0" err="1" smtClean="0"/>
-              <a:t>medium</a:t>
-            </a:r>
-            <a:r>
-              <a:rPr lang="pt-BR" dirty="0" smtClean="0"/>
-              <a:t>, </a:t>
-            </a:r>
-            <a:r>
-              <a:rPr lang="pt-BR" dirty="0" err="1" smtClean="0"/>
-              <a:t>compact</a:t>
-            </a:r>
-            <a:r>
-              <a:rPr lang="pt-BR" dirty="0" smtClean="0"/>
-              <a:t>, </a:t>
-            </a:r>
-            <a:r>
-              <a:rPr lang="pt-BR" dirty="0" err="1" smtClean="0"/>
-              <a:t>large</a:t>
-            </a:r>
-            <a:r>
-              <a:rPr lang="pt-BR" dirty="0" smtClean="0"/>
-              <a:t>, </a:t>
-            </a:r>
-            <a:r>
-              <a:rPr lang="pt-BR" dirty="0" err="1" smtClean="0"/>
-              <a:t>huge</a:t>
-            </a:r>
-            <a:endParaRPr lang="pt-BR" dirty="0" smtClean="0"/>
-          </a:p>
-          <a:p>
-            <a:pPr lvl="1"/>
-            <a:r>
-              <a:rPr lang="pt-BR" dirty="0" smtClean="0"/>
-              <a:t>Podem ser usadas para especificar o modelo para cada função</a:t>
-            </a:r>
-          </a:p>
-          <a:p>
-            <a:pPr lvl="1"/>
-            <a:r>
-              <a:rPr lang="pt-BR" dirty="0" smtClean="0"/>
-              <a:t>Exemplo: 	</a:t>
-            </a:r>
-            <a:r>
-              <a:rPr lang="pt-BR" dirty="0" err="1" smtClean="0"/>
-              <a:t>void</a:t>
-            </a:r>
-            <a:r>
-              <a:rPr lang="pt-BR" dirty="0" smtClean="0"/>
-              <a:t> </a:t>
-            </a:r>
-            <a:r>
-              <a:rPr lang="pt-BR" dirty="0" err="1" smtClean="0"/>
-              <a:t>foo</a:t>
-            </a:r>
-            <a:r>
-              <a:rPr lang="pt-BR" dirty="0" smtClean="0"/>
-              <a:t>(</a:t>
-            </a:r>
-            <a:r>
-              <a:rPr lang="pt-BR" dirty="0" err="1" smtClean="0"/>
-              <a:t>void</a:t>
-            </a:r>
-            <a:r>
-              <a:rPr lang="pt-BR" dirty="0" smtClean="0"/>
-              <a:t>) small</a:t>
-            </a:r>
-          </a:p>
-          <a:p>
-            <a:pPr lvl="1">
-              <a:buNone/>
-            </a:pPr>
-            <a:r>
-              <a:rPr lang="pt-BR" dirty="0" smtClean="0"/>
-              <a:t>				{ for (i=8;i&gt;0;i--) { </a:t>
-            </a:r>
-          </a:p>
-          <a:p>
-            <a:pPr lvl="1">
-              <a:buNone/>
-            </a:pPr>
-            <a:r>
-              <a:rPr lang="pt-BR" dirty="0" smtClean="0"/>
-              <a:t>				P1.2 = ~P1.2; }  }</a:t>
-            </a:r>
-          </a:p>
-          <a:p>
+              <a:rPr lang="pt-BR" dirty="0"/>
+              <a:t>Salvar e atualizar o registrador </a:t>
+            </a:r>
+            <a:r>
+              <a:rPr lang="pt-BR" dirty="0" err="1"/>
+              <a:t>ebp</a:t>
+            </a:r>
             <a:endParaRPr lang="pt-BR" dirty="0"/>
           </a:p>
-        </p:txBody>
-      </p:sp>
-      <p:sp>
-        <p:nvSpPr>
-          <p:cNvPr id="2" name="Title 1"/>
+          <a:p>
+            <a:endParaRPr lang="pt-BR" dirty="0"/>
+          </a:p>
+          <a:p>
+            <a:r>
+              <a:rPr lang="pt-BR" dirty="0"/>
+              <a:t>Salvar os registradores tidos como temporários</a:t>
+            </a:r>
+          </a:p>
+          <a:p>
+            <a:endParaRPr lang="pt-BR" dirty="0"/>
+          </a:p>
+          <a:p>
+            <a:r>
+              <a:rPr lang="pt-BR" dirty="0"/>
+              <a:t>Alocar variáveis locais</a:t>
+            </a:r>
+          </a:p>
+          <a:p>
+            <a:endParaRPr lang="pt-BR" dirty="0"/>
+          </a:p>
+          <a:p>
+            <a:r>
+              <a:rPr lang="pt-BR" dirty="0"/>
+              <a:t>Realizar a função</a:t>
+            </a:r>
+          </a:p>
+          <a:p>
+            <a:endParaRPr lang="pt-BR" dirty="0"/>
+          </a:p>
+          <a:p>
+            <a:r>
+              <a:rPr lang="pt-BR" dirty="0"/>
+              <a:t>Liberar a pilha</a:t>
+            </a:r>
+          </a:p>
+          <a:p>
+            <a:endParaRPr lang="pt-BR" dirty="0"/>
+          </a:p>
+          <a:p>
+            <a:r>
+              <a:rPr lang="pt-BR" dirty="0"/>
+              <a:t>Restaurar os registradores</a:t>
+            </a:r>
+          </a:p>
+          <a:p>
+            <a:endParaRPr lang="pt-BR" dirty="0"/>
+          </a:p>
+          <a:p>
+            <a:r>
+              <a:rPr lang="pt-BR" dirty="0"/>
+              <a:t>Restaurar o ponteiro base</a:t>
+            </a:r>
+          </a:p>
+          <a:p>
+            <a:endParaRPr lang="pt-BR" dirty="0"/>
+          </a:p>
+          <a:p>
+            <a:r>
+              <a:rPr lang="pt-BR" dirty="0"/>
+              <a:t>Retornar da função</a:t>
+            </a:r>
+          </a:p>
+          <a:p>
+            <a:endParaRPr lang="pt-BR" dirty="0"/>
+          </a:p>
+          <a:p>
+            <a:r>
+              <a:rPr lang="pt-BR" dirty="0"/>
+              <a:t>Limpar os parâmetros empilhados</a:t>
+            </a:r>
+            <a:endParaRPr lang="en-US" dirty="0"/>
+          </a:p>
+        </p:txBody>
+      </p:sp>
+      <p:sp>
+        <p:nvSpPr>
+          <p:cNvPr id="3" name="Title 2"/>
           <p:cNvSpPr>
             <a:spLocks noGrp="1"/>
           </p:cNvSpPr>
@@ -6684,119 +6981,23 @@
         </p:nvSpPr>
         <p:spPr/>
         <p:txBody>
-          <a:bodyPr/>
-          <a:lstStyle/>
-          <a:p>
-            <a:r>
-              <a:rPr lang="pt-BR" sz="4000" dirty="0" smtClean="0"/>
-              <a:t>Modelos de memória</a:t>
-            </a:r>
-            <a:endParaRPr lang="en-US" sz="4000" dirty="0"/>
-          </a:p>
-        </p:txBody>
-      </p:sp>
-      <p:pic>
-        <p:nvPicPr>
-          <p:cNvPr id="6" name="Picture 2"/>
-          <p:cNvPicPr>
-            <a:picLocks noChangeAspect="1" noChangeArrowheads="1"/>
-          </p:cNvPicPr>
-          <p:nvPr/>
-        </p:nvPicPr>
-        <p:blipFill>
-          <a:blip r:embed="rId2" cstate="print"/>
-          <a:srcRect l="21870" t="40022" r="49780" b="38128"/>
-          <a:stretch>
-            <a:fillRect/>
-          </a:stretch>
-        </p:blipFill>
-        <p:spPr bwMode="auto">
-          <a:xfrm>
-            <a:off x="1259632" y="2708920"/>
-            <a:ext cx="3489619" cy="1512168"/>
-          </a:xfrm>
-          <a:prstGeom prst="rect">
-            <a:avLst/>
-          </a:prstGeom>
-          <a:noFill/>
-          <a:ln w="9525">
-            <a:noFill/>
-            <a:miter lim="800000"/>
-            <a:headEnd/>
-            <a:tailEnd/>
-          </a:ln>
-        </p:spPr>
-      </p:pic>
-      <p:pic>
-        <p:nvPicPr>
-          <p:cNvPr id="7" name="Picture 2"/>
-          <p:cNvPicPr>
-            <a:picLocks noChangeAspect="1" noChangeArrowheads="1"/>
-          </p:cNvPicPr>
-          <p:nvPr/>
-        </p:nvPicPr>
-        <p:blipFill>
-          <a:blip r:embed="rId3" cstate="print"/>
-          <a:srcRect l="12448" t="45891" r="75376" b="24578"/>
-          <a:stretch>
-            <a:fillRect/>
-          </a:stretch>
-        </p:blipFill>
-        <p:spPr bwMode="auto">
-          <a:xfrm>
-            <a:off x="5868144" y="1052736"/>
-            <a:ext cx="1584176" cy="2160240"/>
-          </a:xfrm>
-          <a:prstGeom prst="rect">
-            <a:avLst/>
-          </a:prstGeom>
-          <a:noFill/>
-          <a:ln w="9525">
-            <a:noFill/>
-            <a:miter lim="800000"/>
-            <a:headEnd/>
-            <a:tailEnd/>
-          </a:ln>
-        </p:spPr>
-      </p:pic>
-      <p:sp>
-        <p:nvSpPr>
-          <p:cNvPr id="8" name="CaixaDeTexto 7"/>
-          <p:cNvSpPr txBox="1"/>
-          <p:nvPr/>
-        </p:nvSpPr>
-        <p:spPr>
-          <a:xfrm>
-            <a:off x="5580112" y="3212976"/>
-            <a:ext cx="2213811" cy="369332"/>
-          </a:xfrm>
-          <a:prstGeom prst="rect">
-            <a:avLst/>
-          </a:prstGeom>
-          <a:noFill/>
-        </p:spPr>
-        <p:txBody>
-          <a:bodyPr wrap="none" rtlCol="0">
-            <a:spAutoFit/>
+          <a:bodyPr>
+            <a:normAutofit fontScale="90000"/>
           </a:bodyPr>
           <a:lstStyle/>
           <a:p>
             <a:r>
-              <a:rPr lang="pt-BR" dirty="0" smtClean="0"/>
-              <a:t>Intel Memory </a:t>
-            </a:r>
-            <a:r>
-              <a:rPr lang="pt-BR" dirty="0" err="1" smtClean="0"/>
-              <a:t>Models</a:t>
-            </a:r>
-            <a:endParaRPr lang="pt-BR" dirty="0"/>
+              <a:rPr lang="pt-BR" dirty="0"/>
+              <a:t>Chamada de procedimentos de C para Assembly</a:t>
+            </a:r>
+            <a:endParaRPr lang="en-US" dirty="0"/>
           </a:p>
         </p:txBody>
       </p:sp>
     </p:spTree>
     <p:extLst>
       <p:ext uri="{BB962C8B-B14F-4D97-AF65-F5344CB8AC3E}">
-        <p14:creationId xmlns:p14="http://schemas.microsoft.com/office/powerpoint/2010/main" val="1443271526"/>
+        <p14:creationId xmlns:p14="http://schemas.microsoft.com/office/powerpoint/2010/main" val="4163752509"/>
       </p:ext>
     </p:extLst>
   </p:cSld>
@@ -6832,7 +7033,7 @@
       </p:grpSpPr>
       <p:sp>
         <p:nvSpPr>
-          <p:cNvPr id="4" name="Title 3"/>
+          <p:cNvPr id="3" name="Title 2"/>
           <p:cNvSpPr>
             <a:spLocks noGrp="1"/>
           </p:cNvSpPr>
@@ -6842,40 +7043,161 @@
         </p:nvSpPr>
         <p:spPr/>
         <p:txBody>
-          <a:bodyPr/>
+          <a:bodyPr>
+            <a:normAutofit fontScale="90000"/>
+          </a:bodyPr>
           <a:lstStyle/>
           <a:p>
             <a:r>
-              <a:rPr lang="pt-BR" dirty="0" smtClean="0"/>
-              <a:t>Aplicações</a:t>
+              <a:rPr lang="pt-BR" dirty="0"/>
+              <a:t>Chamada de procedimentos de C para Assembly</a:t>
             </a:r>
             <a:endParaRPr lang="en-US" dirty="0"/>
           </a:p>
         </p:txBody>
       </p:sp>
-      <p:sp>
-        <p:nvSpPr>
-          <p:cNvPr id="5" name="Text Placeholder 4"/>
-          <p:cNvSpPr>
-            <a:spLocks noGrp="1"/>
-          </p:cNvSpPr>
+      <p:pic>
+        <p:nvPicPr>
+          <p:cNvPr id="4" name="Content Placeholder 3"/>
+          <p:cNvPicPr>
+            <a:picLocks noGrp="1" noChangeAspect="1" noChangeArrowheads="1"/>
+          </p:cNvPicPr>
           <p:nvPr>
-            <p:ph type="body" idx="1"/>
+            <p:ph idx="1"/>
           </p:nvPr>
-        </p:nvSpPr>
-        <p:spPr/>
-        <p:txBody>
-          <a:bodyPr/>
-          <a:lstStyle/>
-          <a:p>
-            <a:endParaRPr lang="en-US"/>
-          </a:p>
-        </p:txBody>
-      </p:sp>
+        </p:nvPicPr>
+        <p:blipFill>
+          <a:blip r:embed="rId2">
+            <a:extLst>
+              <a:ext uri="{28A0092B-C50C-407E-A947-70E740481C1C}">
+                <a14:useLocalDpi xmlns:a14="http://schemas.microsoft.com/office/drawing/2010/main" val="0"/>
+              </a:ext>
+            </a:extLst>
+          </a:blip>
+          <a:srcRect/>
+          <a:stretch>
+            <a:fillRect/>
+          </a:stretch>
+        </p:blipFill>
+        <p:spPr bwMode="auto">
+          <a:xfrm>
+            <a:off x="2483768" y="2132856"/>
+            <a:ext cx="4268724" cy="1008112"/>
+          </a:xfrm>
+          <a:prstGeom prst="rect">
+            <a:avLst/>
+          </a:prstGeom>
+          <a:noFill/>
+          <a:ln>
+            <a:noFill/>
+          </a:ln>
+          <a:effectLst/>
+          <a:extLst>
+            <a:ext uri="{909E8E84-426E-40DD-AFC4-6F175D3DCCD1}">
+              <a14:hiddenFill xmlns:a14="http://schemas.microsoft.com/office/drawing/2010/main">
+                <a:blipFill dpi="0" rotWithShape="0">
+                  <a:blip/>
+                  <a:srcRect/>
+                  <a:stretch>
+                    <a:fillRect/>
+                  </a:stretch>
+                </a:blipFill>
+              </a14:hiddenFill>
+            </a:ext>
+            <a:ext uri="{91240B29-F687-4F45-9708-019B960494DF}">
+              <a14:hiddenLine xmlns:a14="http://schemas.microsoft.com/office/drawing/2010/main" w="9525">
+                <a:solidFill>
+                  <a:srgbClr val="000000"/>
+                </a:solidFill>
+                <a:round/>
+                <a:headEnd/>
+                <a:tailEnd/>
+              </a14:hiddenLine>
+            </a:ext>
+            <a:ext uri="{AF507438-7753-43E0-B8FC-AC1667EBCBE1}">
+              <a14:hiddenEffects xmlns:a14="http://schemas.microsoft.com/office/drawing/2010/main">
+                <a:effectLst>
+                  <a:outerShdw dist="35921" dir="2700000" algn="ctr" rotWithShape="0">
+                    <a:srgbClr val="808080"/>
+                  </a:outerShdw>
+                </a:effectLst>
+              </a14:hiddenEffects>
+            </a:ext>
+          </a:extLst>
+        </p:spPr>
+      </p:pic>
+      <p:pic>
+        <p:nvPicPr>
+          <p:cNvPr id="5" name="Picture 4"/>
+          <p:cNvPicPr>
+            <a:picLocks noChangeAspect="1" noChangeArrowheads="1"/>
+          </p:cNvPicPr>
+          <p:nvPr/>
+        </p:nvPicPr>
+        <p:blipFill>
+          <a:blip r:embed="rId3">
+            <a:extLst>
+              <a:ext uri="{28A0092B-C50C-407E-A947-70E740481C1C}">
+                <a14:useLocalDpi xmlns:a14="http://schemas.microsoft.com/office/drawing/2010/main" val="0"/>
+              </a:ext>
+            </a:extLst>
+          </a:blip>
+          <a:srcRect/>
+          <a:stretch>
+            <a:fillRect/>
+          </a:stretch>
+        </p:blipFill>
+        <p:spPr bwMode="auto">
+          <a:xfrm>
+            <a:off x="611560" y="3717032"/>
+            <a:ext cx="8276384" cy="1512168"/>
+          </a:xfrm>
+          <a:prstGeom prst="rect">
+            <a:avLst/>
+          </a:prstGeom>
+          <a:noFill/>
+          <a:ln>
+            <a:noFill/>
+          </a:ln>
+          <a:effectLst/>
+          <a:extLst>
+            <a:ext uri="{909E8E84-426E-40DD-AFC4-6F175D3DCCD1}">
+              <a14:hiddenFill xmlns:a14="http://schemas.microsoft.com/office/drawing/2010/main">
+                <a:blipFill dpi="0" rotWithShape="0">
+                  <a:blip/>
+                  <a:srcRect/>
+                  <a:stretch>
+                    <a:fillRect/>
+                  </a:stretch>
+                </a:blipFill>
+              </a14:hiddenFill>
+            </a:ext>
+            <a:ext uri="{91240B29-F687-4F45-9708-019B960494DF}">
+              <a14:hiddenLine xmlns:a14="http://schemas.microsoft.com/office/drawing/2010/main" w="9525">
+                <a:solidFill>
+                  <a:srgbClr val="000000"/>
+                </a:solidFill>
+                <a:round/>
+                <a:headEnd/>
+                <a:tailEnd/>
+              </a14:hiddenLine>
+            </a:ext>
+            <a:ext uri="{AF507438-7753-43E0-B8FC-AC1667EBCBE1}">
+              <a14:hiddenEffects xmlns:a14="http://schemas.microsoft.com/office/drawing/2010/main">
+                <a:effectLst>
+                  <a:outerShdw dist="35921" dir="2700000" algn="ctr" rotWithShape="0">
+                    <a:srgbClr val="808080"/>
+                  </a:outerShdw>
+                </a:effectLst>
+              </a14:hiddenEffects>
+            </a:ext>
+          </a:extLst>
+        </p:spPr>
+      </p:pic>
     </p:spTree>
     <p:extLst>
       <p:ext uri="{BB962C8B-B14F-4D97-AF65-F5344CB8AC3E}">
-        <p14:creationId xmlns:p14="http://schemas.microsoft.com/office/powerpoint/2010/main" val="3480651843"/>
+        <p14:creationId xmlns:p14="http://schemas.microsoft.com/office/powerpoint/2010/main" val="3420196578"/>
       </p:ext>
     </p:extLst>
   </p:cSld>
@@ -7027,11 +7349,7 @@
           <a:p>
             <a:r>
               <a:rPr lang="pt-BR" dirty="0" smtClean="0"/>
-              <a:t>3 – </a:t>
-            </a:r>
-            <a:r>
-              <a:rPr lang="pt-BR" dirty="0" smtClean="0"/>
-              <a:t>Aplicações</a:t>
+              <a:t>3 – Aplicações</a:t>
             </a:r>
           </a:p>
           <a:p>
@@ -7131,58 +7449,220 @@
         <p:spPr/>
         <p:txBody>
           <a:bodyPr>
-            <a:normAutofit/>
+            <a:normAutofit fontScale="85000" lnSpcReduction="20000"/>
           </a:bodyPr>
           <a:lstStyle/>
           <a:p>
             <a:r>
-              <a:rPr lang="pt-BR" sz="2400" dirty="0" smtClean="0"/>
-              <a:t>Programas onde a maior parte do tempo de execução é gasto na CPU:</a:t>
-            </a:r>
-          </a:p>
-          <a:p>
-            <a:endParaRPr lang="pt-BR" sz="2400" dirty="0"/>
+              <a:rPr lang="pt-BR" dirty="0" smtClean="0"/>
+              <a:t>Introdução</a:t>
+            </a:r>
+          </a:p>
+          <a:p>
+            <a:pPr>
+              <a:buNone/>
+            </a:pPr>
+            <a:endParaRPr lang="pt-BR" dirty="0" smtClean="0"/>
+          </a:p>
+          <a:p>
+            <a:r>
+              <a:rPr lang="pt-BR" dirty="0" smtClean="0"/>
+              <a:t>Codificação básica para GCC</a:t>
+            </a:r>
           </a:p>
           <a:p>
             <a:pPr lvl="1"/>
             <a:r>
-              <a:rPr lang="pt-BR" sz="2400" dirty="0" smtClean="0"/>
-              <a:t>Algoritmos de ordenamento</a:t>
-            </a:r>
-          </a:p>
-          <a:p>
-            <a:pPr lvl="2"/>
-            <a:r>
-              <a:rPr lang="pt-BR" sz="2000" dirty="0" smtClean="0"/>
-              <a:t>Instrução XCHG</a:t>
+              <a:rPr lang="pt-BR" dirty="0" smtClean="0"/>
+              <a:t>Sintaxe: AT&amp;T</a:t>
             </a:r>
           </a:p>
           <a:p>
             <a:pPr lvl="1"/>
-            <a:endParaRPr lang="pt-BR" sz="2400" dirty="0" smtClean="0"/>
+            <a:r>
+              <a:rPr lang="pt-BR" dirty="0" smtClean="0"/>
+              <a:t>Exemplo: </a:t>
+            </a:r>
+          </a:p>
+          <a:p>
+            <a:pPr lvl="2">
+              <a:buNone/>
+            </a:pPr>
+            <a:r>
+              <a:rPr lang="pt-BR" dirty="0" smtClean="0"/>
+              <a:t>	__</a:t>
+            </a:r>
+            <a:r>
+              <a:rPr lang="pt-BR" dirty="0" err="1" smtClean="0"/>
+              <a:t>asm__</a:t>
+            </a:r>
+            <a:r>
+              <a:rPr lang="pt-BR" dirty="0" smtClean="0"/>
+              <a:t> ("</a:t>
+            </a:r>
+            <a:r>
+              <a:rPr lang="pt-BR" dirty="0" err="1" smtClean="0"/>
+              <a:t>movl</a:t>
+            </a:r>
+            <a:r>
+              <a:rPr lang="pt-BR" dirty="0" smtClean="0"/>
+              <a:t> %</a:t>
+            </a:r>
+            <a:r>
+              <a:rPr lang="pt-BR" dirty="0" err="1" smtClean="0"/>
+              <a:t>eax</a:t>
+            </a:r>
+            <a:r>
+              <a:rPr lang="pt-BR" dirty="0" smtClean="0"/>
+              <a:t>, %</a:t>
+            </a:r>
+            <a:r>
+              <a:rPr lang="pt-BR" dirty="0" err="1" smtClean="0"/>
+              <a:t>ebx</a:t>
+            </a:r>
+            <a:r>
+              <a:rPr lang="pt-BR" dirty="0" smtClean="0"/>
+              <a:t>\n\t" </a:t>
+            </a:r>
+          </a:p>
+          <a:p>
+            <a:pPr lvl="2">
+              <a:buNone/>
+            </a:pPr>
+            <a:r>
+              <a:rPr lang="pt-BR" dirty="0" smtClean="0"/>
+              <a:t>		   "</a:t>
+            </a:r>
+            <a:r>
+              <a:rPr lang="pt-BR" dirty="0" err="1" smtClean="0"/>
+              <a:t>movl</a:t>
+            </a:r>
+            <a:r>
+              <a:rPr lang="pt-BR" dirty="0" smtClean="0"/>
+              <a:t> $56, %</a:t>
+            </a:r>
+            <a:r>
+              <a:rPr lang="pt-BR" dirty="0" err="1" smtClean="0"/>
+              <a:t>esi</a:t>
+            </a:r>
+            <a:r>
+              <a:rPr lang="pt-BR" dirty="0" smtClean="0"/>
+              <a:t>\n\t“</a:t>
+            </a:r>
+          </a:p>
+          <a:p>
+            <a:pPr lvl="2">
+              <a:buNone/>
+            </a:pPr>
+            <a:r>
+              <a:rPr lang="pt-BR" dirty="0" smtClean="0"/>
+              <a:t>		   "</a:t>
+            </a:r>
+            <a:r>
+              <a:rPr lang="pt-BR" dirty="0" err="1" smtClean="0"/>
+              <a:t>movl</a:t>
+            </a:r>
+            <a:r>
+              <a:rPr lang="pt-BR" dirty="0" smtClean="0"/>
+              <a:t> %</a:t>
+            </a:r>
+            <a:r>
+              <a:rPr lang="pt-BR" dirty="0" err="1" smtClean="0"/>
+              <a:t>ecx</a:t>
+            </a:r>
+            <a:r>
+              <a:rPr lang="pt-BR" dirty="0" smtClean="0"/>
+              <a:t>, $</a:t>
+            </a:r>
+            <a:r>
+              <a:rPr lang="pt-BR" dirty="0" err="1" smtClean="0"/>
+              <a:t>label</a:t>
+            </a:r>
+            <a:r>
+              <a:rPr lang="pt-BR" dirty="0" smtClean="0"/>
+              <a:t>(%</a:t>
+            </a:r>
+            <a:r>
+              <a:rPr lang="pt-BR" dirty="0" err="1" smtClean="0"/>
+              <a:t>edx</a:t>
+            </a:r>
+            <a:r>
+              <a:rPr lang="pt-BR" dirty="0" smtClean="0"/>
+              <a:t>,%</a:t>
+            </a:r>
+            <a:r>
+              <a:rPr lang="pt-BR" dirty="0" err="1" smtClean="0"/>
+              <a:t>ebx</a:t>
+            </a:r>
+            <a:r>
+              <a:rPr lang="pt-BR" dirty="0" smtClean="0"/>
+              <a:t>,$4)\n\t”</a:t>
+            </a:r>
+          </a:p>
+          <a:p>
+            <a:pPr lvl="2">
+              <a:buNone/>
+            </a:pPr>
+            <a:r>
+              <a:rPr lang="pt-BR" dirty="0" smtClean="0"/>
+              <a:t>		   "</a:t>
+            </a:r>
+            <a:r>
+              <a:rPr lang="pt-BR" dirty="0" err="1" smtClean="0"/>
+              <a:t>movb</a:t>
+            </a:r>
+            <a:r>
+              <a:rPr lang="pt-BR" dirty="0" smtClean="0"/>
+              <a:t> %ah, (%</a:t>
+            </a:r>
+            <a:r>
+              <a:rPr lang="pt-BR" dirty="0" err="1" smtClean="0"/>
+              <a:t>ebx</a:t>
+            </a:r>
+            <a:r>
+              <a:rPr lang="pt-BR" dirty="0" smtClean="0"/>
+              <a:t>)");</a:t>
+            </a:r>
+          </a:p>
+          <a:p>
+            <a:pPr lvl="2">
+              <a:buNone/>
+            </a:pPr>
+            <a:endParaRPr lang="pt-BR" dirty="0" smtClean="0"/>
+          </a:p>
+          <a:p>
+            <a:r>
+              <a:rPr lang="pt-BR" dirty="0" smtClean="0"/>
+              <a:t>Extensão</a:t>
+            </a:r>
           </a:p>
           <a:p>
             <a:pPr lvl="1"/>
             <a:r>
-              <a:rPr lang="pt-BR" sz="2400" dirty="0" smtClean="0"/>
-              <a:t>Cálculos matriciais</a:t>
+              <a:rPr lang="pt-BR" dirty="0" smtClean="0"/>
+              <a:t>Como definir as variáveis de entrada e saída (interface com C)</a:t>
             </a:r>
           </a:p>
           <a:p>
             <a:pPr lvl="1"/>
-            <a:endParaRPr lang="pt-BR" sz="2400" dirty="0" smtClean="0"/>
-          </a:p>
-          <a:p>
-            <a:pPr lvl="1"/>
-            <a:r>
-              <a:rPr lang="pt-BR" sz="2400" dirty="0" smtClean="0"/>
-              <a:t>Processamento de imagens, vídeos, </a:t>
-            </a:r>
-            <a:r>
-              <a:rPr lang="pt-BR" sz="2400" dirty="0" err="1" smtClean="0"/>
-              <a:t>audio</a:t>
-            </a:r>
-            <a:endParaRPr lang="en-US" sz="2400" dirty="0"/>
+            <a:r>
+              <a:rPr lang="pt-BR" dirty="0" smtClean="0"/>
+              <a:t>Como indicar como essas variáveis serão usadas em </a:t>
+            </a:r>
+            <a:r>
+              <a:rPr lang="pt-BR" dirty="0" err="1" smtClean="0"/>
+              <a:t>assembly</a:t>
+            </a:r>
+            <a:endParaRPr lang="pt-BR" dirty="0" smtClean="0"/>
+          </a:p>
+          <a:p>
+            <a:pPr lvl="2">
+              <a:buNone/>
+            </a:pPr>
+            <a:endParaRPr lang="pt-BR" dirty="0" smtClean="0"/>
+          </a:p>
+          <a:p>
+            <a:endParaRPr lang="pt-BR" dirty="0" smtClean="0"/>
           </a:p>
         </p:txBody>
       </p:sp>
@@ -7198,23 +7678,29 @@
         </p:nvSpPr>
         <p:spPr/>
         <p:txBody>
-          <a:bodyPr>
-            <a:noAutofit/>
-          </a:bodyPr>
+          <a:bodyPr/>
           <a:lstStyle/>
           <a:p>
             <a:r>
-              <a:rPr lang="pt-BR" sz="3600" dirty="0" smtClean="0"/>
-              <a:t>Tempo de execução</a:t>
-            </a:r>
-            <a:endParaRPr lang="en-US" sz="3600" dirty="0"/>
+              <a:rPr lang="pt-BR" sz="4000" dirty="0" err="1" smtClean="0"/>
+              <a:t>Inline</a:t>
+            </a:r>
+            <a:r>
+              <a:rPr lang="pt-BR" sz="4000" dirty="0" smtClean="0"/>
+              <a:t> </a:t>
+            </a:r>
+            <a:r>
+              <a:rPr lang="pt-BR" sz="4000" dirty="0" err="1" smtClean="0"/>
+              <a:t>assembly</a:t>
+            </a:r>
+            <a:endParaRPr lang="en-US" sz="4000" dirty="0"/>
           </a:p>
         </p:txBody>
       </p:sp>
     </p:spTree>
     <p:extLst>
       <p:ext uri="{BB962C8B-B14F-4D97-AF65-F5344CB8AC3E}">
-        <p14:creationId xmlns:p14="http://schemas.microsoft.com/office/powerpoint/2010/main" val="2553731264"/>
+        <p14:creationId xmlns:p14="http://schemas.microsoft.com/office/powerpoint/2010/main" val="1565328756"/>
       </p:ext>
     </p:extLst>
   </p:cSld>
@@ -7261,74 +7747,194 @@
         <p:spPr/>
         <p:txBody>
           <a:bodyPr>
-            <a:normAutofit/>
+            <a:normAutofit fontScale="92500" lnSpcReduction="10000"/>
           </a:bodyPr>
           <a:lstStyle/>
           <a:p>
             <a:r>
               <a:rPr lang="pt-BR" dirty="0" smtClean="0"/>
-              <a:t>O tempo máximo de execução de uma função deve ser conhecido </a:t>
-            </a:r>
-            <a:r>
-              <a:rPr lang="pt-BR" dirty="0"/>
-              <a:t>(ciclos de </a:t>
-            </a:r>
-            <a:r>
-              <a:rPr lang="pt-BR" dirty="0" err="1"/>
-              <a:t>clock</a:t>
-            </a:r>
-            <a:r>
-              <a:rPr lang="pt-BR" dirty="0" smtClean="0"/>
-              <a:t>)</a:t>
-            </a:r>
-            <a:endParaRPr lang="pt-BR" dirty="0" smtClean="0"/>
-          </a:p>
-          <a:p>
-            <a:pPr marL="114300" indent="0">
+              <a:t>Extensão (continuação)</a:t>
+            </a:r>
+          </a:p>
+          <a:p>
+            <a:pPr lvl="1"/>
+            <a:r>
+              <a:rPr lang="pt-BR" dirty="0" smtClean="0"/>
+              <a:t>Campos: </a:t>
+            </a:r>
+            <a:r>
+              <a:rPr lang="pt-BR" i="1" dirty="0" err="1" smtClean="0"/>
+              <a:t>assembly</a:t>
+            </a:r>
+            <a:r>
+              <a:rPr lang="pt-BR" i="1" dirty="0" smtClean="0"/>
+              <a:t> </a:t>
+            </a:r>
+            <a:r>
+              <a:rPr lang="pt-BR" i="1" dirty="0" err="1" smtClean="0"/>
+              <a:t>template</a:t>
+            </a:r>
+            <a:r>
+              <a:rPr lang="pt-BR" dirty="0" smtClean="0"/>
+              <a:t>, saída, entrada e registradores utilizados</a:t>
+            </a:r>
+          </a:p>
+          <a:p>
+            <a:pPr lvl="1"/>
+            <a:r>
+              <a:rPr lang="pt-BR" dirty="0" err="1" smtClean="0"/>
+              <a:t>Operandos</a:t>
+            </a:r>
+            <a:r>
+              <a:rPr lang="pt-BR" dirty="0" smtClean="0"/>
+              <a:t>: associados a variáveis em C</a:t>
+            </a:r>
+          </a:p>
+          <a:p>
+            <a:pPr lvl="1"/>
+            <a:r>
+              <a:rPr lang="pt-BR" dirty="0" smtClean="0"/>
+              <a:t>Restrições: r, =r, a,b,c,...,m, ..., número</a:t>
+            </a:r>
+          </a:p>
+          <a:p>
+            <a:pPr lvl="1"/>
+            <a:r>
+              <a:rPr lang="pt-BR" dirty="0" smtClean="0"/>
+              <a:t>Exemplo:</a:t>
+            </a:r>
+          </a:p>
+          <a:p>
+            <a:pPr lvl="1">
               <a:buNone/>
             </a:pPr>
-            <a:endParaRPr lang="pt-BR" dirty="0"/>
-          </a:p>
-          <a:p>
-            <a:r>
-              <a:rPr lang="pt-BR" dirty="0" smtClean="0"/>
-              <a:t>O número de ciclos de </a:t>
+            <a:r>
+              <a:rPr lang="pt-BR" dirty="0" smtClean="0"/>
+              <a:t>			</a:t>
             </a:r>
             <a:r>
               <a:rPr lang="pt-BR" dirty="0" err="1" smtClean="0"/>
-              <a:t>clock</a:t>
-            </a:r>
-            <a:r>
-              <a:rPr lang="pt-BR" dirty="0" smtClean="0"/>
-              <a:t> de um programa escrito em C depende do compilador utilizado</a:t>
-            </a:r>
-          </a:p>
-          <a:p>
-            <a:endParaRPr lang="pt-BR" dirty="0"/>
-          </a:p>
-          <a:p>
-            <a:r>
-              <a:rPr lang="pt-BR" dirty="0" smtClean="0"/>
-              <a:t>Exemplo de projeto: </a:t>
-            </a:r>
-          </a:p>
-          <a:p>
-            <a:pPr lvl="1"/>
-            <a:r>
-              <a:rPr lang="pt-BR" dirty="0" smtClean="0"/>
-              <a:t>desenvolver o núcleo tempo real em </a:t>
+              <a:t>int</a:t>
+            </a:r>
+            <a:r>
+              <a:rPr lang="pt-BR" dirty="0" smtClean="0"/>
+              <a:t> a=10, b; </a:t>
+            </a:r>
+          </a:p>
+          <a:p>
+            <a:pPr lvl="1">
+              <a:buNone/>
+            </a:pPr>
+            <a:r>
+              <a:rPr lang="pt-BR" dirty="0" smtClean="0"/>
+              <a:t>			</a:t>
             </a:r>
             <a:r>
               <a:rPr lang="pt-BR" dirty="0" err="1" smtClean="0"/>
-              <a:t>assembly</a:t>
-            </a:r>
-            <a:r>
-              <a:rPr lang="pt-BR" dirty="0" smtClean="0"/>
-              <a:t> e a interface utilizador em C</a:t>
-            </a:r>
-          </a:p>
-          <a:p>
-            <a:endParaRPr lang="pt-BR" dirty="0"/>
+              <a:t>asm</a:t>
+            </a:r>
+            <a:r>
+              <a:rPr lang="pt-BR" dirty="0" smtClean="0"/>
+              <a:t> 	(“</a:t>
+            </a:r>
+            <a:r>
+              <a:rPr lang="pt-BR" dirty="0" err="1" smtClean="0"/>
+              <a:t>movl</a:t>
+            </a:r>
+            <a:r>
+              <a:rPr lang="pt-BR" dirty="0" smtClean="0"/>
+              <a:t> %1, %%</a:t>
+            </a:r>
+            <a:r>
+              <a:rPr lang="pt-BR" dirty="0" err="1" smtClean="0"/>
+              <a:t>eax</a:t>
+            </a:r>
+            <a:r>
+              <a:rPr lang="pt-BR" dirty="0" smtClean="0"/>
+              <a:t>;</a:t>
+            </a:r>
+          </a:p>
+          <a:p>
+            <a:pPr lvl="1">
+              <a:buNone/>
+            </a:pPr>
+            <a:r>
+              <a:rPr lang="pt-BR" dirty="0" smtClean="0"/>
+              <a:t>				   </a:t>
+            </a:r>
+            <a:r>
+              <a:rPr lang="pt-BR" dirty="0" err="1" smtClean="0"/>
+              <a:t>movl</a:t>
+            </a:r>
+            <a:r>
+              <a:rPr lang="pt-BR" dirty="0" smtClean="0"/>
+              <a:t> %%</a:t>
+            </a:r>
+            <a:r>
+              <a:rPr lang="pt-BR" dirty="0" err="1" smtClean="0"/>
+              <a:t>eax</a:t>
+            </a:r>
+            <a:r>
+              <a:rPr lang="pt-BR" dirty="0" smtClean="0"/>
+              <a:t>, %0;”</a:t>
+            </a:r>
+          </a:p>
+          <a:p>
+            <a:pPr lvl="1">
+              <a:buNone/>
+            </a:pPr>
+            <a:r>
+              <a:rPr lang="pt-BR" dirty="0" smtClean="0"/>
+              <a:t>				:"=r"(b)	/* </a:t>
+            </a:r>
+            <a:r>
+              <a:rPr lang="pt-BR" dirty="0" err="1" smtClean="0"/>
+              <a:t>saida</a:t>
+            </a:r>
+            <a:r>
+              <a:rPr lang="pt-BR" dirty="0" smtClean="0"/>
+              <a:t> */ </a:t>
+            </a:r>
+          </a:p>
+          <a:p>
+            <a:pPr lvl="1">
+              <a:buNone/>
+            </a:pPr>
+            <a:r>
+              <a:rPr lang="pt-BR" dirty="0" smtClean="0"/>
+              <a:t>				:"r"(a) 	</a:t>
+            </a:r>
+            <a:r>
+              <a:rPr lang="pt-BR" dirty="0" smtClean="0"/>
+              <a:t>	/* </a:t>
+            </a:r>
+            <a:r>
+              <a:rPr lang="pt-BR" dirty="0" smtClean="0"/>
+              <a:t>entrada */ </a:t>
+            </a:r>
+          </a:p>
+          <a:p>
+            <a:pPr lvl="1">
+              <a:buNone/>
+            </a:pPr>
+            <a:r>
+              <a:rPr lang="pt-BR" dirty="0" smtClean="0"/>
+              <a:t>				:"%</a:t>
+            </a:r>
+            <a:r>
+              <a:rPr lang="pt-BR" dirty="0" err="1" smtClean="0"/>
+              <a:t>eax</a:t>
+            </a:r>
+            <a:r>
+              <a:rPr lang="pt-BR" dirty="0" smtClean="0"/>
+              <a:t>" 	/* registradores utilizados */  ); </a:t>
+            </a:r>
+          </a:p>
+          <a:p>
+            <a:pPr lvl="2">
+              <a:buNone/>
+            </a:pPr>
+            <a:endParaRPr lang="pt-BR" dirty="0" smtClean="0"/>
           </a:p>
           <a:p>
             <a:endParaRPr lang="pt-BR" dirty="0" smtClean="0"/>
@@ -7351,16 +7957,16 @@
           <a:lstStyle/>
           <a:p>
             <a:r>
+              <a:rPr lang="pt-BR" sz="4000" dirty="0" err="1" smtClean="0"/>
+              <a:t>Inline</a:t>
+            </a:r>
+            <a:r>
               <a:rPr lang="pt-BR" sz="4000" dirty="0" smtClean="0"/>
-              <a:t>Sistemas </a:t>
-            </a:r>
-            <a:r>
-              <a:rPr lang="pt-BR" sz="4000" dirty="0" smtClean="0"/>
-              <a:t>T</a:t>
-            </a:r>
-            <a:r>
-              <a:rPr lang="pt-BR" sz="4000" dirty="0" smtClean="0"/>
-              <a:t>empo Real</a:t>
+              <a:t> </a:t>
+            </a:r>
+            <a:r>
+              <a:rPr lang="pt-BR" sz="4000" dirty="0" err="1" smtClean="0"/>
+              <a:t>assembly</a:t>
             </a:r>
             <a:endParaRPr lang="en-US" sz="4000" dirty="0"/>
           </a:p>
@@ -7369,7 +7975,7 @@
     </p:spTree>
     <p:extLst>
       <p:ext uri="{BB962C8B-B14F-4D97-AF65-F5344CB8AC3E}">
-        <p14:creationId xmlns:p14="http://schemas.microsoft.com/office/powerpoint/2010/main" val="3522577388"/>
+        <p14:creationId xmlns:p14="http://schemas.microsoft.com/office/powerpoint/2010/main" val="1565328756"/>
       </p:ext>
     </p:extLst>
   </p:cSld>
@@ -7405,6 +8011,673 @@
       </p:grpSpPr>
       <p:sp>
         <p:nvSpPr>
+          <p:cNvPr id="3" name="Content Placeholder 2"/>
+          <p:cNvSpPr>
+            <a:spLocks noGrp="1"/>
+          </p:cNvSpPr>
+          <p:nvPr>
+            <p:ph idx="1"/>
+          </p:nvPr>
+        </p:nvSpPr>
+        <p:spPr/>
+        <p:txBody>
+          <a:bodyPr>
+            <a:normAutofit fontScale="92500" lnSpcReduction="20000"/>
+          </a:bodyPr>
+          <a:lstStyle/>
+          <a:p>
+            <a:endParaRPr lang="pt-BR" dirty="0"/>
+          </a:p>
+          <a:p>
+            <a:pPr>
+              <a:buNone/>
+            </a:pPr>
+            <a:endParaRPr lang="pt-BR" dirty="0" smtClean="0"/>
+          </a:p>
+          <a:p>
+            <a:pPr>
+              <a:buNone/>
+            </a:pPr>
+            <a:endParaRPr lang="pt-BR" dirty="0" smtClean="0"/>
+          </a:p>
+          <a:p>
+            <a:pPr>
+              <a:buNone/>
+            </a:pPr>
+            <a:endParaRPr lang="pt-BR" dirty="0" smtClean="0"/>
+          </a:p>
+          <a:p>
+            <a:endParaRPr lang="pt-BR" dirty="0" smtClean="0"/>
+          </a:p>
+          <a:p>
+            <a:pPr>
+              <a:buNone/>
+            </a:pPr>
+            <a:endParaRPr lang="pt-BR" dirty="0"/>
+          </a:p>
+          <a:p>
+            <a:r>
+              <a:rPr lang="pt-BR" dirty="0" smtClean="0"/>
+              <a:t>Misturar modelos de memória – cláusulas </a:t>
+            </a:r>
+            <a:r>
+              <a:rPr lang="pt-BR" dirty="0" err="1" smtClean="0"/>
+              <a:t>tiny</a:t>
+            </a:r>
+            <a:r>
+              <a:rPr lang="pt-BR" dirty="0" smtClean="0"/>
+              <a:t>, small, </a:t>
+            </a:r>
+            <a:r>
+              <a:rPr lang="pt-BR" dirty="0" err="1" smtClean="0"/>
+              <a:t>medium</a:t>
+            </a:r>
+            <a:r>
+              <a:rPr lang="pt-BR" dirty="0" smtClean="0"/>
+              <a:t>, </a:t>
+            </a:r>
+            <a:r>
+              <a:rPr lang="pt-BR" dirty="0" err="1" smtClean="0"/>
+              <a:t>compact</a:t>
+            </a:r>
+            <a:r>
+              <a:rPr lang="pt-BR" dirty="0" smtClean="0"/>
+              <a:t>, </a:t>
+            </a:r>
+            <a:r>
+              <a:rPr lang="pt-BR" dirty="0" err="1" smtClean="0"/>
+              <a:t>large</a:t>
+            </a:r>
+            <a:r>
+              <a:rPr lang="pt-BR" dirty="0" smtClean="0"/>
+              <a:t>, </a:t>
+            </a:r>
+            <a:r>
+              <a:rPr lang="pt-BR" dirty="0" err="1" smtClean="0"/>
+              <a:t>huge</a:t>
+            </a:r>
+            <a:endParaRPr lang="pt-BR" dirty="0" smtClean="0"/>
+          </a:p>
+          <a:p>
+            <a:pPr lvl="1"/>
+            <a:r>
+              <a:rPr lang="pt-BR" dirty="0" smtClean="0"/>
+              <a:t>Podem ser usadas para especificar o modelo para cada função</a:t>
+            </a:r>
+          </a:p>
+          <a:p>
+            <a:pPr lvl="1"/>
+            <a:r>
+              <a:rPr lang="pt-BR" dirty="0" smtClean="0"/>
+              <a:t>Exemplo: 	</a:t>
+            </a:r>
+            <a:r>
+              <a:rPr lang="pt-BR" dirty="0" err="1" smtClean="0"/>
+              <a:t>void</a:t>
+            </a:r>
+            <a:r>
+              <a:rPr lang="pt-BR" dirty="0" smtClean="0"/>
+              <a:t> </a:t>
+            </a:r>
+            <a:r>
+              <a:rPr lang="pt-BR" dirty="0" err="1" smtClean="0"/>
+              <a:t>foo</a:t>
+            </a:r>
+            <a:r>
+              <a:rPr lang="pt-BR" dirty="0" smtClean="0"/>
+              <a:t>(</a:t>
+            </a:r>
+            <a:r>
+              <a:rPr lang="pt-BR" dirty="0" err="1" smtClean="0"/>
+              <a:t>void</a:t>
+            </a:r>
+            <a:r>
+              <a:rPr lang="pt-BR" dirty="0" smtClean="0"/>
+              <a:t>) small</a:t>
+            </a:r>
+          </a:p>
+          <a:p>
+            <a:pPr lvl="1">
+              <a:buNone/>
+            </a:pPr>
+            <a:r>
+              <a:rPr lang="pt-BR" dirty="0" smtClean="0"/>
+              <a:t>				{ for (i=8;i&gt;0;i--) { </a:t>
+            </a:r>
+          </a:p>
+          <a:p>
+            <a:pPr lvl="1">
+              <a:buNone/>
+            </a:pPr>
+            <a:r>
+              <a:rPr lang="pt-BR" dirty="0" smtClean="0"/>
+              <a:t>				P1.2 = ~P1.2; }  }</a:t>
+            </a:r>
+          </a:p>
+          <a:p>
+            <a:endParaRPr lang="pt-BR" dirty="0"/>
+          </a:p>
+        </p:txBody>
+      </p:sp>
+      <p:sp>
+        <p:nvSpPr>
+          <p:cNvPr id="2" name="Title 1"/>
+          <p:cNvSpPr>
+            <a:spLocks noGrp="1"/>
+          </p:cNvSpPr>
+          <p:nvPr>
+            <p:ph type="title"/>
+          </p:nvPr>
+        </p:nvSpPr>
+        <p:spPr/>
+        <p:txBody>
+          <a:bodyPr/>
+          <a:lstStyle/>
+          <a:p>
+            <a:r>
+              <a:rPr lang="pt-BR" sz="4000" dirty="0" smtClean="0"/>
+              <a:t>Modelos de memória</a:t>
+            </a:r>
+            <a:endParaRPr lang="en-US" sz="4000" dirty="0"/>
+          </a:p>
+        </p:txBody>
+      </p:sp>
+      <p:pic>
+        <p:nvPicPr>
+          <p:cNvPr id="6" name="Picture 2"/>
+          <p:cNvPicPr>
+            <a:picLocks noChangeAspect="1" noChangeArrowheads="1"/>
+          </p:cNvPicPr>
+          <p:nvPr/>
+        </p:nvPicPr>
+        <p:blipFill>
+          <a:blip r:embed="rId2" cstate="print"/>
+          <a:srcRect l="21870" t="40022" r="49780" b="38128"/>
+          <a:stretch>
+            <a:fillRect/>
+          </a:stretch>
+        </p:blipFill>
+        <p:spPr bwMode="auto">
+          <a:xfrm>
+            <a:off x="1043608" y="1556792"/>
+            <a:ext cx="3489619" cy="1512168"/>
+          </a:xfrm>
+          <a:prstGeom prst="rect">
+            <a:avLst/>
+          </a:prstGeom>
+          <a:noFill/>
+          <a:ln w="9525">
+            <a:noFill/>
+            <a:miter lim="800000"/>
+            <a:headEnd/>
+            <a:tailEnd/>
+          </a:ln>
+        </p:spPr>
+      </p:pic>
+      <p:pic>
+        <p:nvPicPr>
+          <p:cNvPr id="7" name="Picture 2"/>
+          <p:cNvPicPr>
+            <a:picLocks noChangeAspect="1" noChangeArrowheads="1"/>
+          </p:cNvPicPr>
+          <p:nvPr/>
+        </p:nvPicPr>
+        <p:blipFill>
+          <a:blip r:embed="rId3" cstate="print"/>
+          <a:srcRect l="12448" t="45891" r="75376" b="24578"/>
+          <a:stretch>
+            <a:fillRect/>
+          </a:stretch>
+        </p:blipFill>
+        <p:spPr bwMode="auto">
+          <a:xfrm>
+            <a:off x="6372200" y="883345"/>
+            <a:ext cx="1584176" cy="2160240"/>
+          </a:xfrm>
+          <a:prstGeom prst="rect">
+            <a:avLst/>
+          </a:prstGeom>
+          <a:noFill/>
+          <a:ln w="9525">
+            <a:noFill/>
+            <a:miter lim="800000"/>
+            <a:headEnd/>
+            <a:tailEnd/>
+          </a:ln>
+        </p:spPr>
+      </p:pic>
+      <p:sp>
+        <p:nvSpPr>
+          <p:cNvPr id="8" name="CaixaDeTexto 7"/>
+          <p:cNvSpPr txBox="1"/>
+          <p:nvPr/>
+        </p:nvSpPr>
+        <p:spPr>
+          <a:xfrm>
+            <a:off x="6030597" y="3068960"/>
+            <a:ext cx="2213811" cy="369332"/>
+          </a:xfrm>
+          <a:prstGeom prst="rect">
+            <a:avLst/>
+          </a:prstGeom>
+          <a:noFill/>
+        </p:spPr>
+        <p:txBody>
+          <a:bodyPr wrap="none" rtlCol="0">
+            <a:spAutoFit/>
+          </a:bodyPr>
+          <a:lstStyle/>
+          <a:p>
+            <a:r>
+              <a:rPr lang="pt-BR" dirty="0" smtClean="0"/>
+              <a:t>Intel Memory </a:t>
+            </a:r>
+            <a:r>
+              <a:rPr lang="pt-BR" dirty="0" err="1" smtClean="0"/>
+              <a:t>Models</a:t>
+            </a:r>
+            <a:endParaRPr lang="pt-BR" dirty="0"/>
+          </a:p>
+        </p:txBody>
+      </p:sp>
+    </p:spTree>
+    <p:extLst>
+      <p:ext uri="{BB962C8B-B14F-4D97-AF65-F5344CB8AC3E}">
+        <p14:creationId xmlns:p14="http://schemas.microsoft.com/office/powerpoint/2010/main" val="1443271526"/>
+      </p:ext>
+    </p:extLst>
+  </p:cSld>
+  <p:clrMapOvr>
+    <a:masterClrMapping/>
+  </p:clrMapOvr>
+  <p:timing>
+    <p:tnLst>
+      <p:par>
+        <p:cTn id="1" dur="indefinite" restart="never" nodeType="tmRoot"/>
+      </p:par>
+    </p:tnLst>
+  </p:timing>
+</p:sld>
+</file>
+
+<file path=ppt/slides/slide23.xml><?xml version="1.0" encoding="utf-8"?>
+<p:sld xmlns:a="http://schemas.openxmlformats.org/drawingml/2006/main" xmlns:r="http://schemas.openxmlformats.org/officeDocument/2006/relationships" xmlns:p="http://schemas.openxmlformats.org/presentationml/2006/main">
+  <p:cSld>
+    <p:spTree>
+      <p:nvGrpSpPr>
+        <p:cNvPr id="1" name=""/>
+        <p:cNvGrpSpPr/>
+        <p:nvPr/>
+      </p:nvGrpSpPr>
+      <p:grpSpPr>
+        <a:xfrm>
+          <a:off x="0" y="0"/>
+          <a:ext cx="0" cy="0"/>
+          <a:chOff x="0" y="0"/>
+          <a:chExt cx="0" cy="0"/>
+        </a:xfrm>
+      </p:grpSpPr>
+      <p:sp>
+        <p:nvSpPr>
+          <p:cNvPr id="4" name="Title 3"/>
+          <p:cNvSpPr>
+            <a:spLocks noGrp="1"/>
+          </p:cNvSpPr>
+          <p:nvPr>
+            <p:ph type="title"/>
+          </p:nvPr>
+        </p:nvSpPr>
+        <p:spPr/>
+        <p:txBody>
+          <a:bodyPr/>
+          <a:lstStyle/>
+          <a:p>
+            <a:r>
+              <a:rPr lang="pt-BR" dirty="0" smtClean="0"/>
+              <a:t>Aplicações</a:t>
+            </a:r>
+            <a:endParaRPr lang="en-US" dirty="0"/>
+          </a:p>
+        </p:txBody>
+      </p:sp>
+      <p:sp>
+        <p:nvSpPr>
+          <p:cNvPr id="5" name="Text Placeholder 4"/>
+          <p:cNvSpPr>
+            <a:spLocks noGrp="1"/>
+          </p:cNvSpPr>
+          <p:nvPr>
+            <p:ph type="body" idx="1"/>
+          </p:nvPr>
+        </p:nvSpPr>
+        <p:spPr/>
+        <p:txBody>
+          <a:bodyPr/>
+          <a:lstStyle/>
+          <a:p>
+            <a:endParaRPr lang="en-US"/>
+          </a:p>
+        </p:txBody>
+      </p:sp>
+    </p:spTree>
+    <p:extLst>
+      <p:ext uri="{BB962C8B-B14F-4D97-AF65-F5344CB8AC3E}">
+        <p14:creationId xmlns:p14="http://schemas.microsoft.com/office/powerpoint/2010/main" val="3480651843"/>
+      </p:ext>
+    </p:extLst>
+  </p:cSld>
+  <p:clrMapOvr>
+    <a:masterClrMapping/>
+  </p:clrMapOvr>
+  <p:timing>
+    <p:tnLst>
+      <p:par>
+        <p:cTn id="1" dur="indefinite" restart="never" nodeType="tmRoot"/>
+      </p:par>
+    </p:tnLst>
+  </p:timing>
+</p:sld>
+</file>
+
+<file path=ppt/slides/slide24.xml><?xml version="1.0" encoding="utf-8"?>
+<p:sld xmlns:a="http://schemas.openxmlformats.org/drawingml/2006/main" xmlns:r="http://schemas.openxmlformats.org/officeDocument/2006/relationships" xmlns:p="http://schemas.openxmlformats.org/presentationml/2006/main">
+  <p:cSld>
+    <p:spTree>
+      <p:nvGrpSpPr>
+        <p:cNvPr id="1" name=""/>
+        <p:cNvGrpSpPr/>
+        <p:nvPr/>
+      </p:nvGrpSpPr>
+      <p:grpSpPr>
+        <a:xfrm>
+          <a:off x="0" y="0"/>
+          <a:ext cx="0" cy="0"/>
+          <a:chOff x="0" y="0"/>
+          <a:chExt cx="0" cy="0"/>
+        </a:xfrm>
+      </p:grpSpPr>
+      <p:sp>
+        <p:nvSpPr>
+          <p:cNvPr id="3" name="Content Placeholder 2"/>
+          <p:cNvSpPr>
+            <a:spLocks noGrp="1"/>
+          </p:cNvSpPr>
+          <p:nvPr>
+            <p:ph idx="1"/>
+          </p:nvPr>
+        </p:nvSpPr>
+        <p:spPr/>
+        <p:txBody>
+          <a:bodyPr>
+            <a:normAutofit/>
+          </a:bodyPr>
+          <a:lstStyle/>
+          <a:p>
+            <a:r>
+              <a:rPr lang="pt-BR" sz="2400" dirty="0" smtClean="0"/>
+              <a:t>Programas onde a maior parte do tempo de execução é gasto na CPU:</a:t>
+            </a:r>
+          </a:p>
+          <a:p>
+            <a:endParaRPr lang="pt-BR" sz="2400" dirty="0"/>
+          </a:p>
+          <a:p>
+            <a:pPr lvl="1"/>
+            <a:r>
+              <a:rPr lang="pt-BR" sz="2400" dirty="0" smtClean="0"/>
+              <a:t>Algoritmos de ordenamento</a:t>
+            </a:r>
+          </a:p>
+          <a:p>
+            <a:pPr lvl="2"/>
+            <a:r>
+              <a:rPr lang="pt-BR" sz="2000" dirty="0" smtClean="0"/>
+              <a:t>Instrução XCHG</a:t>
+            </a:r>
+          </a:p>
+          <a:p>
+            <a:pPr lvl="1"/>
+            <a:endParaRPr lang="pt-BR" sz="2400" dirty="0" smtClean="0"/>
+          </a:p>
+          <a:p>
+            <a:pPr lvl="1"/>
+            <a:r>
+              <a:rPr lang="pt-BR" sz="2400" dirty="0" smtClean="0"/>
+              <a:t>Cálculos matriciais</a:t>
+            </a:r>
+          </a:p>
+          <a:p>
+            <a:pPr lvl="1"/>
+            <a:endParaRPr lang="pt-BR" sz="2400" dirty="0" smtClean="0"/>
+          </a:p>
+          <a:p>
+            <a:pPr lvl="1"/>
+            <a:r>
+              <a:rPr lang="pt-BR" sz="2400" dirty="0" smtClean="0"/>
+              <a:t>Processamento de imagens, vídeos, </a:t>
+            </a:r>
+            <a:r>
+              <a:rPr lang="pt-BR" sz="2400" dirty="0"/>
+              <a:t>á</a:t>
+            </a:r>
+            <a:r>
+              <a:rPr lang="pt-BR" sz="2400" dirty="0" smtClean="0"/>
+              <a:t>udio</a:t>
+            </a:r>
+            <a:endParaRPr lang="en-US" sz="2400" dirty="0"/>
+          </a:p>
+        </p:txBody>
+      </p:sp>
+      <p:sp>
+        <p:nvSpPr>
+          <p:cNvPr id="2" name="Title 1"/>
+          <p:cNvSpPr>
+            <a:spLocks noGrp="1"/>
+          </p:cNvSpPr>
+          <p:nvPr>
+            <p:ph type="title"/>
+          </p:nvPr>
+        </p:nvSpPr>
+        <p:spPr/>
+        <p:txBody>
+          <a:bodyPr>
+            <a:noAutofit/>
+          </a:bodyPr>
+          <a:lstStyle/>
+          <a:p>
+            <a:r>
+              <a:rPr lang="pt-BR" sz="3600" dirty="0" smtClean="0"/>
+              <a:t>Tempo de execução</a:t>
+            </a:r>
+            <a:endParaRPr lang="en-US" sz="3600" dirty="0"/>
+          </a:p>
+        </p:txBody>
+      </p:sp>
+    </p:spTree>
+    <p:extLst>
+      <p:ext uri="{BB962C8B-B14F-4D97-AF65-F5344CB8AC3E}">
+        <p14:creationId xmlns:p14="http://schemas.microsoft.com/office/powerpoint/2010/main" val="2553731264"/>
+      </p:ext>
+    </p:extLst>
+  </p:cSld>
+  <p:clrMapOvr>
+    <a:masterClrMapping/>
+  </p:clrMapOvr>
+  <p:timing>
+    <p:tnLst>
+      <p:par>
+        <p:cTn id="1" dur="indefinite" restart="never" nodeType="tmRoot"/>
+      </p:par>
+    </p:tnLst>
+  </p:timing>
+</p:sld>
+</file>
+
+<file path=ppt/slides/slide25.xml><?xml version="1.0" encoding="utf-8"?>
+<p:sld xmlns:a="http://schemas.openxmlformats.org/drawingml/2006/main" xmlns:r="http://schemas.openxmlformats.org/officeDocument/2006/relationships" xmlns:p="http://schemas.openxmlformats.org/presentationml/2006/main">
+  <p:cSld>
+    <p:spTree>
+      <p:nvGrpSpPr>
+        <p:cNvPr id="1" name=""/>
+        <p:cNvGrpSpPr/>
+        <p:nvPr/>
+      </p:nvGrpSpPr>
+      <p:grpSpPr>
+        <a:xfrm>
+          <a:off x="0" y="0"/>
+          <a:ext cx="0" cy="0"/>
+          <a:chOff x="0" y="0"/>
+          <a:chExt cx="0" cy="0"/>
+        </a:xfrm>
+      </p:grpSpPr>
+      <p:sp>
+        <p:nvSpPr>
+          <p:cNvPr id="3" name="Content Placeholder 2"/>
+          <p:cNvSpPr>
+            <a:spLocks noGrp="1"/>
+          </p:cNvSpPr>
+          <p:nvPr>
+            <p:ph idx="1"/>
+          </p:nvPr>
+        </p:nvSpPr>
+        <p:spPr/>
+        <p:txBody>
+          <a:bodyPr>
+            <a:normAutofit/>
+          </a:bodyPr>
+          <a:lstStyle/>
+          <a:p>
+            <a:r>
+              <a:rPr lang="pt-BR" dirty="0" smtClean="0"/>
+              <a:t>O tempo máximo de execução de uma função deve ser conhecido </a:t>
+            </a:r>
+            <a:r>
+              <a:rPr lang="pt-BR" dirty="0"/>
+              <a:t>(ciclos de </a:t>
+            </a:r>
+            <a:r>
+              <a:rPr lang="pt-BR" dirty="0" err="1"/>
+              <a:t>clock</a:t>
+            </a:r>
+            <a:r>
+              <a:rPr lang="pt-BR" dirty="0" smtClean="0"/>
+              <a:t>)</a:t>
+            </a:r>
+          </a:p>
+          <a:p>
+            <a:pPr marL="114300" indent="0">
+              <a:buNone/>
+            </a:pPr>
+            <a:endParaRPr lang="pt-BR" dirty="0"/>
+          </a:p>
+          <a:p>
+            <a:r>
+              <a:rPr lang="pt-BR" dirty="0" smtClean="0"/>
+              <a:t>O número de ciclos de </a:t>
+            </a:r>
+            <a:r>
+              <a:rPr lang="pt-BR" dirty="0" err="1" smtClean="0"/>
+              <a:t>clock</a:t>
+            </a:r>
+            <a:r>
+              <a:rPr lang="pt-BR" dirty="0" smtClean="0"/>
+              <a:t> de um programa escrito em C depende do compilador utilizado</a:t>
+            </a:r>
+          </a:p>
+          <a:p>
+            <a:endParaRPr lang="pt-BR" dirty="0"/>
+          </a:p>
+          <a:p>
+            <a:r>
+              <a:rPr lang="pt-BR" dirty="0" smtClean="0"/>
+              <a:t>Exemplo de projeto: </a:t>
+            </a:r>
+          </a:p>
+          <a:p>
+            <a:pPr lvl="1"/>
+            <a:r>
+              <a:rPr lang="pt-BR" dirty="0" smtClean="0"/>
+              <a:t>desenvolver o núcleo tempo real em </a:t>
+            </a:r>
+            <a:r>
+              <a:rPr lang="pt-BR" dirty="0" err="1" smtClean="0"/>
+              <a:t>assembly</a:t>
+            </a:r>
+            <a:r>
+              <a:rPr lang="pt-BR" dirty="0" smtClean="0"/>
+              <a:t> e a interface utilizador em C</a:t>
+            </a:r>
+          </a:p>
+          <a:p>
+            <a:endParaRPr lang="pt-BR" dirty="0"/>
+          </a:p>
+          <a:p>
+            <a:endParaRPr lang="pt-BR" dirty="0" smtClean="0"/>
+          </a:p>
+        </p:txBody>
+      </p:sp>
+      <p:sp>
+        <p:nvSpPr>
+          <p:cNvPr id="2" name="Title 1"/>
+          <p:cNvSpPr>
+            <a:spLocks noGrp="1"/>
+          </p:cNvSpPr>
+          <p:nvPr>
+            <p:ph type="title"/>
+          </p:nvPr>
+        </p:nvSpPr>
+        <p:spPr/>
+        <p:txBody>
+          <a:bodyPr/>
+          <a:lstStyle/>
+          <a:p>
+            <a:r>
+              <a:rPr lang="pt-BR" sz="4000" dirty="0" smtClean="0"/>
+              <a:t>Sistemas Tempo Real</a:t>
+            </a:r>
+            <a:endParaRPr lang="en-US" sz="4000" dirty="0"/>
+          </a:p>
+        </p:txBody>
+      </p:sp>
+    </p:spTree>
+    <p:extLst>
+      <p:ext uri="{BB962C8B-B14F-4D97-AF65-F5344CB8AC3E}">
+        <p14:creationId xmlns:p14="http://schemas.microsoft.com/office/powerpoint/2010/main" val="3522577388"/>
+      </p:ext>
+    </p:extLst>
+  </p:cSld>
+  <p:clrMapOvr>
+    <a:masterClrMapping/>
+  </p:clrMapOvr>
+  <p:timing>
+    <p:tnLst>
+      <p:par>
+        <p:cTn id="1" dur="indefinite" restart="never" nodeType="tmRoot"/>
+      </p:par>
+    </p:tnLst>
+  </p:timing>
+</p:sld>
+</file>
+
+<file path=ppt/slides/slide26.xml><?xml version="1.0" encoding="utf-8"?>
+<p:sld xmlns:a="http://schemas.openxmlformats.org/drawingml/2006/main" xmlns:r="http://schemas.openxmlformats.org/officeDocument/2006/relationships" xmlns:p="http://schemas.openxmlformats.org/presentationml/2006/main">
+  <p:cSld>
+    <p:spTree>
+      <p:nvGrpSpPr>
+        <p:cNvPr id="1" name=""/>
+        <p:cNvGrpSpPr/>
+        <p:nvPr/>
+      </p:nvGrpSpPr>
+      <p:grpSpPr>
+        <a:xfrm>
+          <a:off x="0" y="0"/>
+          <a:ext cx="0" cy="0"/>
+          <a:chOff x="0" y="0"/>
+          <a:chExt cx="0" cy="0"/>
+        </a:xfrm>
+      </p:grpSpPr>
+      <p:sp>
+        <p:nvSpPr>
           <p:cNvPr id="2" name="Content Placeholder 1"/>
           <p:cNvSpPr>
             <a:spLocks noGrp="1"/>
@@ -7536,7 +8809,6 @@
               <a:rPr lang="en-US" sz="2700" dirty="0"/>
               <a:t>EAX,EDX</a:t>
             </a:r>
-            <a:endParaRPr lang="en-US" sz="2700" dirty="0"/>
           </a:p>
         </p:txBody>
       </p:sp>
@@ -7631,7 +8903,7 @@
 </p:sld>
 </file>
 
-<file path=ppt/slides/slide23.xml><?xml version="1.0" encoding="utf-8"?>
+<file path=ppt/slides/slide27.xml><?xml version="1.0" encoding="utf-8"?>
 <p:sld xmlns:a="http://schemas.openxmlformats.org/drawingml/2006/main" xmlns:r="http://schemas.openxmlformats.org/officeDocument/2006/relationships" xmlns:p="http://schemas.openxmlformats.org/presentationml/2006/main">
   <p:cSld>
     <p:spTree>
@@ -7732,7 +9004,7 @@
 </p:sld>
 </file>
 
-<file path=ppt/slides/slide24.xml><?xml version="1.0" encoding="utf-8"?>
+<file path=ppt/slides/slide28.xml><?xml version="1.0" encoding="utf-8"?>
 <p:sld xmlns:a="http://schemas.openxmlformats.org/drawingml/2006/main" xmlns:r="http://schemas.openxmlformats.org/officeDocument/2006/relationships" xmlns:p="http://schemas.openxmlformats.org/presentationml/2006/main">
   <p:cSld>
     <p:spTree>
@@ -9425,7 +10697,7 @@
 </p:sld>
 </file>
 
-<file path=ppt/slides/slide25.xml><?xml version="1.0" encoding="utf-8"?>
+<file path=ppt/slides/slide29.xml><?xml version="1.0" encoding="utf-8"?>
 <p:sld xmlns:a="http://schemas.openxmlformats.org/drawingml/2006/main" xmlns:r="http://schemas.openxmlformats.org/officeDocument/2006/relationships" xmlns:p="http://schemas.openxmlformats.org/presentationml/2006/main">
   <p:cSld>
     <p:spTree>
@@ -9490,8 +10762,8 @@
         </p:blipFill>
         <p:spPr bwMode="auto">
           <a:xfrm>
-            <a:off x="5060345" y="1628800"/>
-            <a:ext cx="2703096" cy="2548231"/>
+            <a:off x="4937226" y="1628800"/>
+            <a:ext cx="2826215" cy="2664296"/>
           </a:xfrm>
           <a:prstGeom prst="rect">
             <a:avLst/>
@@ -9627,7 +10899,7 @@
         </p:nvSpPr>
         <p:spPr>
           <a:xfrm>
-            <a:off x="4955891" y="5469903"/>
+            <a:off x="4313542" y="5440343"/>
             <a:ext cx="1392458" cy="523220"/>
           </a:xfrm>
           <a:prstGeom prst="rect">
@@ -9721,6 +10993,78 @@
           </a:extLst>
         </p:spPr>
       </p:pic>
+      <p:cxnSp>
+        <p:nvCxnSpPr>
+          <p:cNvPr id="4" name="Straight Arrow Connector 3"/>
+          <p:cNvCxnSpPr/>
+          <p:nvPr/>
+        </p:nvCxnSpPr>
+        <p:spPr>
+          <a:xfrm>
+            <a:off x="585434" y="1720241"/>
+            <a:ext cx="936104" cy="0"/>
+          </a:xfrm>
+          <a:prstGeom prst="straightConnector1">
+            <a:avLst/>
+          </a:prstGeom>
+          <a:ln w="19050">
+            <a:solidFill>
+              <a:srgbClr val="FF0000"/>
+            </a:solidFill>
+            <a:tailEnd type="arrow"/>
+          </a:ln>
+        </p:spPr>
+        <p:style>
+          <a:lnRef idx="1">
+            <a:schemeClr val="accent1"/>
+          </a:lnRef>
+          <a:fillRef idx="0">
+            <a:schemeClr val="accent1"/>
+          </a:fillRef>
+          <a:effectRef idx="0">
+            <a:schemeClr val="accent1"/>
+          </a:effectRef>
+          <a:fontRef idx="minor">
+            <a:schemeClr val="tx1"/>
+          </a:fontRef>
+        </p:style>
+      </p:cxnSp>
+      <p:cxnSp>
+        <p:nvCxnSpPr>
+          <p:cNvPr id="10" name="Straight Arrow Connector 9"/>
+          <p:cNvCxnSpPr/>
+          <p:nvPr/>
+        </p:nvCxnSpPr>
+        <p:spPr>
+          <a:xfrm>
+            <a:off x="594141" y="3631961"/>
+            <a:ext cx="936104" cy="0"/>
+          </a:xfrm>
+          <a:prstGeom prst="straightConnector1">
+            <a:avLst/>
+          </a:prstGeom>
+          <a:ln w="19050">
+            <a:solidFill>
+              <a:srgbClr val="FF0000"/>
+            </a:solidFill>
+            <a:tailEnd type="arrow"/>
+          </a:ln>
+        </p:spPr>
+        <p:style>
+          <a:lnRef idx="1">
+            <a:schemeClr val="accent1"/>
+          </a:lnRef>
+          <a:fillRef idx="0">
+            <a:schemeClr val="accent1"/>
+          </a:fillRef>
+          <a:effectRef idx="0">
+            <a:schemeClr val="accent1"/>
+          </a:effectRef>
+          <a:fontRef idx="minor">
+            <a:schemeClr val="tx1"/>
+          </a:fontRef>
+        </p:style>
+      </p:cxnSp>
     </p:spTree>
     <p:extLst>
       <p:ext uri="{BB962C8B-B14F-4D97-AF65-F5344CB8AC3E}">
@@ -9765,6 +11109,78 @@
                                           </p:stCondLst>
                                         </p:cTn>
                                         <p:tgtEl>
+                                          <p:spTgt spid="4"/>
+                                        </p:tgtEl>
+                                        <p:attrNameLst>
+                                          <p:attrName>style.visibility</p:attrName>
+                                        </p:attrNameLst>
+                                      </p:cBhvr>
+                                      <p:to>
+                                        <p:strVal val="visible"/>
+                                      </p:to>
+                                    </p:set>
+                                  </p:childTnLst>
+                                </p:cTn>
+                              </p:par>
+                              <p:par>
+                                <p:cTn id="7" presetID="1" presetClass="entr" presetSubtype="0" fill="hold" nodeType="withEffect">
+                                  <p:stCondLst>
+                                    <p:cond delay="0"/>
+                                  </p:stCondLst>
+                                  <p:childTnLst>
+                                    <p:set>
+                                      <p:cBhvr>
+                                        <p:cTn id="8" dur="1" fill="hold">
+                                          <p:stCondLst>
+                                            <p:cond delay="0"/>
+                                          </p:stCondLst>
+                                        </p:cTn>
+                                        <p:tgtEl>
+                                          <p:spTgt spid="10"/>
+                                        </p:tgtEl>
+                                        <p:attrNameLst>
+                                          <p:attrName>style.visibility</p:attrName>
+                                        </p:attrNameLst>
+                                      </p:cBhvr>
+                                      <p:to>
+                                        <p:strVal val="visible"/>
+                                      </p:to>
+                                    </p:set>
+                                  </p:childTnLst>
+                                </p:cTn>
+                              </p:par>
+                            </p:childTnLst>
+                          </p:cTn>
+                        </p:par>
+                      </p:childTnLst>
+                    </p:cTn>
+                  </p:par>
+                  <p:par>
+                    <p:cTn id="9" fill="hold">
+                      <p:stCondLst>
+                        <p:cond delay="indefinite"/>
+                      </p:stCondLst>
+                      <p:childTnLst>
+                        <p:par>
+                          <p:cTn id="10" fill="hold">
+                            <p:stCondLst>
+                              <p:cond delay="0"/>
+                            </p:stCondLst>
+                            <p:childTnLst>
+                              <p:par>
+                                <p:cTn id="11" presetID="1" presetClass="entr" presetSubtype="0" fill="hold" nodeType="clickEffect">
+                                  <p:stCondLst>
+                                    <p:cond delay="0"/>
+                                  </p:stCondLst>
+                                  <p:childTnLst>
+                                    <p:set>
+                                      <p:cBhvr>
+                                        <p:cTn id="12" dur="1" fill="hold">
+                                          <p:stCondLst>
+                                            <p:cond delay="0"/>
+                                          </p:stCondLst>
+                                        </p:cTn>
+                                        <p:tgtEl>
                                           <p:spTgt spid="6"/>
                                         </p:tgtEl>
                                         <p:attrNameLst>
@@ -9785,26 +11201,26 @@
                     </p:cTn>
                   </p:par>
                   <p:par>
-                    <p:cTn id="7" fill="hold">
+                    <p:cTn id="13" fill="hold">
                       <p:stCondLst>
                         <p:cond delay="indefinite"/>
                       </p:stCondLst>
                       <p:childTnLst>
                         <p:par>
-                          <p:cTn id="8" fill="hold">
+                          <p:cTn id="14" fill="hold">
                             <p:stCondLst>
                               <p:cond delay="0"/>
                             </p:stCondLst>
                             <p:childTnLst>
                               <p:par>
-                                <p:cTn id="9" presetID="1" presetClass="entr" presetSubtype="0" fill="hold" grpId="0" nodeType="clickEffect">
+                                <p:cTn id="15" presetID="1" presetClass="entr" presetSubtype="0" fill="hold" grpId="0" nodeType="clickEffect">
                                   <p:stCondLst>
                                     <p:cond delay="0"/>
                                   </p:stCondLst>
                                   <p:childTnLst>
                                     <p:set>
                                       <p:cBhvr>
-                                        <p:cTn id="10" dur="1" fill="hold">
+                                        <p:cTn id="16" dur="1" fill="hold">
                                           <p:stCondLst>
                                             <p:cond delay="0"/>
                                           </p:stCondLst>
@@ -9830,26 +11246,26 @@
                     </p:cTn>
                   </p:par>
                   <p:par>
-                    <p:cTn id="11" fill="hold">
+                    <p:cTn id="17" fill="hold">
                       <p:stCondLst>
                         <p:cond delay="indefinite"/>
                       </p:stCondLst>
                       <p:childTnLst>
                         <p:par>
-                          <p:cTn id="12" fill="hold">
+                          <p:cTn id="18" fill="hold">
                             <p:stCondLst>
                               <p:cond delay="0"/>
                             </p:stCondLst>
                             <p:childTnLst>
                               <p:par>
-                                <p:cTn id="13" presetID="1" presetClass="entr" presetSubtype="0" fill="hold" grpId="0" nodeType="clickEffect">
+                                <p:cTn id="19" presetID="1" presetClass="entr" presetSubtype="0" fill="hold" grpId="0" nodeType="clickEffect">
                                   <p:stCondLst>
                                     <p:cond delay="0"/>
                                   </p:stCondLst>
                                   <p:childTnLst>
                                     <p:set>
                                       <p:cBhvr>
-                                        <p:cTn id="14" dur="1" fill="hold">
+                                        <p:cTn id="20" dur="1" fill="hold">
                                           <p:stCondLst>
                                             <p:cond delay="0"/>
                                           </p:stCondLst>
@@ -9875,26 +11291,26 @@
                     </p:cTn>
                   </p:par>
                   <p:par>
-                    <p:cTn id="15" fill="hold">
+                    <p:cTn id="21" fill="hold">
                       <p:stCondLst>
                         <p:cond delay="indefinite"/>
                       </p:stCondLst>
                       <p:childTnLst>
                         <p:par>
-                          <p:cTn id="16" fill="hold">
+                          <p:cTn id="22" fill="hold">
                             <p:stCondLst>
                               <p:cond delay="0"/>
                             </p:stCondLst>
                             <p:childTnLst>
                               <p:par>
-                                <p:cTn id="17" presetID="1" presetClass="entr" presetSubtype="0" fill="hold" grpId="0" nodeType="clickEffect">
+                                <p:cTn id="23" presetID="1" presetClass="entr" presetSubtype="0" fill="hold" grpId="0" nodeType="clickEffect">
                                   <p:stCondLst>
                                     <p:cond delay="0"/>
                                   </p:stCondLst>
                                   <p:childTnLst>
                                     <p:set>
                                       <p:cBhvr>
-                                        <p:cTn id="18" dur="1" fill="hold">
+                                        <p:cTn id="24" dur="1" fill="hold">
                                           <p:stCondLst>
                                             <p:cond delay="0"/>
                                           </p:stCondLst>
@@ -9949,7 +11365,86 @@
 </p:sld>
 </file>
 
-<file path=ppt/slides/slide26.xml><?xml version="1.0" encoding="utf-8"?>
+<file path=ppt/slides/slide3.xml><?xml version="1.0" encoding="utf-8"?>
+<p:sld xmlns:a="http://schemas.openxmlformats.org/drawingml/2006/main" xmlns:r="http://schemas.openxmlformats.org/officeDocument/2006/relationships" xmlns:p="http://schemas.openxmlformats.org/presentationml/2006/main">
+  <p:cSld>
+    <p:spTree>
+      <p:nvGrpSpPr>
+        <p:cNvPr id="1" name=""/>
+        <p:cNvGrpSpPr/>
+        <p:nvPr/>
+      </p:nvGrpSpPr>
+      <p:grpSpPr>
+        <a:xfrm>
+          <a:off x="0" y="0"/>
+          <a:ext cx="0" cy="0"/>
+          <a:chOff x="0" y="0"/>
+          <a:chExt cx="0" cy="0"/>
+        </a:xfrm>
+      </p:grpSpPr>
+      <p:sp>
+        <p:nvSpPr>
+          <p:cNvPr id="4" name="Title 3"/>
+          <p:cNvSpPr>
+            <a:spLocks noGrp="1"/>
+          </p:cNvSpPr>
+          <p:nvPr>
+            <p:ph type="title"/>
+          </p:nvPr>
+        </p:nvSpPr>
+        <p:spPr/>
+        <p:txBody>
+          <a:bodyPr/>
+          <a:lstStyle/>
+          <a:p>
+            <a:r>
+              <a:rPr lang="pt-BR" dirty="0" smtClean="0"/>
+              <a:t>Introdução</a:t>
+            </a:r>
+            <a:endParaRPr lang="en-US" dirty="0"/>
+          </a:p>
+        </p:txBody>
+      </p:sp>
+      <p:sp>
+        <p:nvSpPr>
+          <p:cNvPr id="5" name="Text Placeholder 4"/>
+          <p:cNvSpPr>
+            <a:spLocks noGrp="1"/>
+          </p:cNvSpPr>
+          <p:nvPr>
+            <p:ph type="body" idx="1"/>
+          </p:nvPr>
+        </p:nvSpPr>
+        <p:spPr/>
+        <p:txBody>
+          <a:bodyPr/>
+          <a:lstStyle/>
+          <a:p>
+            <a:endParaRPr lang="en-US"/>
+          </a:p>
+        </p:txBody>
+      </p:sp>
+    </p:spTree>
+    <p:extLst>
+      <p:ext uri="{BB962C8B-B14F-4D97-AF65-F5344CB8AC3E}">
+        <p14:creationId xmlns:p14="http://schemas.microsoft.com/office/powerpoint/2010/main" val="820920551"/>
+      </p:ext>
+    </p:extLst>
+  </p:cSld>
+  <p:clrMapOvr>
+    <a:masterClrMapping/>
+  </p:clrMapOvr>
+  <p:timing>
+    <p:tnLst>
+      <p:par>
+        <p:cTn id="1" dur="indefinite" restart="never" nodeType="tmRoot"/>
+      </p:par>
+    </p:tnLst>
+  </p:timing>
+</p:sld>
+</file>
+
+<file path=ppt/slides/slide30.xml><?xml version="1.0" encoding="utf-8"?>
 <p:sld xmlns:a="http://schemas.openxmlformats.org/drawingml/2006/main" xmlns:r="http://schemas.openxmlformats.org/officeDocument/2006/relationships" xmlns:p="http://schemas.openxmlformats.org/presentationml/2006/main">
   <p:cSld>
     <p:spTree>
@@ -10009,7 +11504,7 @@
 </p:sld>
 </file>
 
-<file path=ppt/slides/slide27.xml><?xml version="1.0" encoding="utf-8"?>
+<file path=ppt/slides/slide31.xml><?xml version="1.0" encoding="utf-8"?>
 <p:sld xmlns:a="http://schemas.openxmlformats.org/drawingml/2006/main" xmlns:r="http://schemas.openxmlformats.org/officeDocument/2006/relationships" xmlns:p="http://schemas.openxmlformats.org/presentationml/2006/main">
   <p:cSld>
     <p:spTree>
@@ -10825,7 +12320,7 @@
 </p:sld>
 </file>
 
-<file path=ppt/slides/slide28.xml><?xml version="1.0" encoding="utf-8"?>
+<file path=ppt/slides/slide32.xml><?xml version="1.0" encoding="utf-8"?>
 <p:sld xmlns:a="http://schemas.openxmlformats.org/drawingml/2006/main" xmlns:r="http://schemas.openxmlformats.org/officeDocument/2006/relationships" xmlns:p="http://schemas.openxmlformats.org/presentationml/2006/main">
   <p:cSld>
     <p:spTree>
@@ -10945,85 +12440,6 @@
 </p:sld>
 </file>
 
-<file path=ppt/slides/slide3.xml><?xml version="1.0" encoding="utf-8"?>
-<p:sld xmlns:a="http://schemas.openxmlformats.org/drawingml/2006/main" xmlns:r="http://schemas.openxmlformats.org/officeDocument/2006/relationships" xmlns:p="http://schemas.openxmlformats.org/presentationml/2006/main">
-  <p:cSld>
-    <p:spTree>
-      <p:nvGrpSpPr>
-        <p:cNvPr id="1" name=""/>
-        <p:cNvGrpSpPr/>
-        <p:nvPr/>
-      </p:nvGrpSpPr>
-      <p:grpSpPr>
-        <a:xfrm>
-          <a:off x="0" y="0"/>
-          <a:ext cx="0" cy="0"/>
-          <a:chOff x="0" y="0"/>
-          <a:chExt cx="0" cy="0"/>
-        </a:xfrm>
-      </p:grpSpPr>
-      <p:sp>
-        <p:nvSpPr>
-          <p:cNvPr id="4" name="Title 3"/>
-          <p:cNvSpPr>
-            <a:spLocks noGrp="1"/>
-          </p:cNvSpPr>
-          <p:nvPr>
-            <p:ph type="title"/>
-          </p:nvPr>
-        </p:nvSpPr>
-        <p:spPr/>
-        <p:txBody>
-          <a:bodyPr/>
-          <a:lstStyle/>
-          <a:p>
-            <a:r>
-              <a:rPr lang="pt-BR" dirty="0" smtClean="0"/>
-              <a:t>Introdução</a:t>
-            </a:r>
-            <a:endParaRPr lang="en-US" dirty="0"/>
-          </a:p>
-        </p:txBody>
-      </p:sp>
-      <p:sp>
-        <p:nvSpPr>
-          <p:cNvPr id="5" name="Text Placeholder 4"/>
-          <p:cNvSpPr>
-            <a:spLocks noGrp="1"/>
-          </p:cNvSpPr>
-          <p:nvPr>
-            <p:ph type="body" idx="1"/>
-          </p:nvPr>
-        </p:nvSpPr>
-        <p:spPr/>
-        <p:txBody>
-          <a:bodyPr/>
-          <a:lstStyle/>
-          <a:p>
-            <a:endParaRPr lang="en-US"/>
-          </a:p>
-        </p:txBody>
-      </p:sp>
-    </p:spTree>
-    <p:extLst>
-      <p:ext uri="{BB962C8B-B14F-4D97-AF65-F5344CB8AC3E}">
-        <p14:creationId xmlns:p14="http://schemas.microsoft.com/office/powerpoint/2010/main" val="820920551"/>
-      </p:ext>
-    </p:extLst>
-  </p:cSld>
-  <p:clrMapOvr>
-    <a:masterClrMapping/>
-  </p:clrMapOvr>
-  <p:timing>
-    <p:tnLst>
-      <p:par>
-        <p:cTn id="1" dur="indefinite" restart="never" nodeType="tmRoot"/>
-      </p:par>
-    </p:tnLst>
-  </p:timing>
-</p:sld>
-</file>
-
 <file path=ppt/slides/slide4.xml><?xml version="1.0" encoding="utf-8"?>
 <p:sld xmlns:a="http://schemas.openxmlformats.org/drawingml/2006/main" xmlns:r="http://schemas.openxmlformats.org/officeDocument/2006/relationships" xmlns:p="http://schemas.openxmlformats.org/presentationml/2006/main">
   <p:cSld>
@@ -11043,7 +12459,7 @@
       </p:grpSpPr>
       <p:sp>
         <p:nvSpPr>
-          <p:cNvPr id="3" name="Content Placeholder 2"/>
+          <p:cNvPr id="2" name="Content Placeholder 1"/>
           <p:cNvSpPr>
             <a:spLocks noGrp="1"/>
           </p:cNvSpPr>
@@ -11054,56 +12470,100 @@
         <p:spPr/>
         <p:txBody>
           <a:bodyPr>
-            <a:normAutofit/>
+            <a:noAutofit/>
           </a:bodyPr>
           <a:lstStyle/>
           <a:p>
             <a:r>
-              <a:rPr lang="pt-BR" dirty="0" smtClean="0"/>
-              <a:t>Diferenças entre C e </a:t>
-            </a:r>
-            <a:r>
-              <a:rPr lang="pt-BR" dirty="0" err="1" smtClean="0"/>
-              <a:t>assembly</a:t>
-            </a:r>
-            <a:endParaRPr lang="pt-BR" dirty="0" smtClean="0"/>
-          </a:p>
-          <a:p>
-            <a:endParaRPr lang="pt-BR" dirty="0" smtClean="0"/>
-          </a:p>
-          <a:p>
-            <a:r>
-              <a:rPr lang="pt-BR" dirty="0" smtClean="0"/>
-              <a:t>Vantagens e desvantagens</a:t>
-            </a:r>
-          </a:p>
-          <a:p>
-            <a:endParaRPr lang="pt-BR" dirty="0" smtClean="0"/>
-          </a:p>
-          <a:p>
-            <a:r>
-              <a:rPr lang="pt-BR" dirty="0" smtClean="0"/>
-              <a:t>Quando usar um e quando usar o outro</a:t>
-            </a:r>
-          </a:p>
-          <a:p>
-            <a:endParaRPr lang="pt-BR" dirty="0" smtClean="0"/>
-          </a:p>
-          <a:p>
-            <a:r>
-              <a:rPr lang="pt-BR" dirty="0" smtClean="0"/>
-              <a:t>Por que misturar? Qual a vantagem de utilizar uma solução híbrida</a:t>
-            </a:r>
-          </a:p>
-          <a:p>
-            <a:pPr lvl="1"/>
-            <a:endParaRPr lang="en-US" dirty="0"/>
-          </a:p>
-        </p:txBody>
-      </p:sp>
-      <p:sp>
-        <p:nvSpPr>
-          <p:cNvPr id="2" name="Title 1"/>
+              <a:rPr lang="pt-BR" sz="2100" dirty="0" smtClean="0"/>
+              <a:t>A linguagem </a:t>
+            </a:r>
+            <a:r>
+              <a:rPr lang="pt-BR" sz="2100" dirty="0"/>
+              <a:t>C está mais próxima da linha de pensamento </a:t>
+            </a:r>
+            <a:r>
+              <a:rPr lang="pt-BR" sz="2100" dirty="0" smtClean="0"/>
+              <a:t>do programador</a:t>
+            </a:r>
+            <a:r>
+              <a:rPr lang="pt-BR" sz="2100" dirty="0"/>
+              <a:t>, é portanto mais intuitiva</a:t>
+            </a:r>
+          </a:p>
+          <a:p>
+            <a:endParaRPr lang="pt-BR" sz="2100" dirty="0"/>
+          </a:p>
+          <a:p>
+            <a:r>
+              <a:rPr lang="pt-BR" sz="2100" dirty="0"/>
+              <a:t>Assembly está mais próximo da linguagem de máquina, </a:t>
+            </a:r>
+            <a:r>
+              <a:rPr lang="pt-BR" sz="2100" dirty="0" smtClean="0"/>
+              <a:t>sendo mais </a:t>
+            </a:r>
+            <a:r>
+              <a:rPr lang="pt-BR" sz="2100" dirty="0"/>
+              <a:t>fácil avaliar questões de desempenho ou </a:t>
+            </a:r>
+            <a:r>
+              <a:rPr lang="pt-BR" sz="2100" dirty="0" smtClean="0"/>
+              <a:t>mesmo tratamento </a:t>
+            </a:r>
+            <a:r>
+              <a:rPr lang="pt-BR" sz="2100" dirty="0"/>
+              <a:t>de erros</a:t>
+            </a:r>
+          </a:p>
+          <a:p>
+            <a:endParaRPr lang="pt-BR" sz="2100" dirty="0"/>
+          </a:p>
+          <a:p>
+            <a:r>
+              <a:rPr lang="pt-BR" sz="2100" dirty="0"/>
+              <a:t>Quando se programa em C, não se tem tanto controle </a:t>
+            </a:r>
+            <a:r>
+              <a:rPr lang="pt-BR" sz="2100" dirty="0" smtClean="0"/>
+              <a:t>sobre posições </a:t>
+            </a:r>
+            <a:r>
+              <a:rPr lang="pt-BR" sz="2100" dirty="0"/>
+              <a:t>de memória ou estado de registradores</a:t>
+            </a:r>
+          </a:p>
+          <a:p>
+            <a:endParaRPr lang="pt-BR" sz="2100" dirty="0"/>
+          </a:p>
+          <a:p>
+            <a:r>
+              <a:rPr lang="pt-BR" sz="2100" dirty="0"/>
+              <a:t>Existem várias linguagens e arquiteturas Assembly </a:t>
+            </a:r>
+            <a:r>
+              <a:rPr lang="pt-BR" sz="2100" dirty="0" smtClean="0"/>
+              <a:t>diferentes, exigindo </a:t>
+            </a:r>
+            <a:r>
+              <a:rPr lang="pt-BR" sz="2100" dirty="0"/>
+              <a:t>do operador conhecimentos bastante específicos </a:t>
+            </a:r>
+            <a:r>
+              <a:rPr lang="pt-BR" sz="2100" dirty="0" smtClean="0"/>
+              <a:t>de cada </a:t>
+            </a:r>
+            <a:r>
+              <a:rPr lang="pt-BR" sz="2100" dirty="0"/>
+              <a:t>uma delas.</a:t>
+            </a:r>
+            <a:endParaRPr lang="en-US" sz="2100" dirty="0"/>
+          </a:p>
+        </p:txBody>
+      </p:sp>
+      <p:sp>
+        <p:nvSpPr>
+          <p:cNvPr id="3" name="Title 2"/>
           <p:cNvSpPr>
             <a:spLocks noGrp="1"/>
           </p:cNvSpPr>
@@ -11117,8 +12577,12 @@
           <a:lstStyle/>
           <a:p>
             <a:r>
-              <a:rPr lang="pt-BR" smtClean="0"/>
-              <a:t>titulo</a:t>
+              <a:rPr lang="en-US" dirty="0" err="1" smtClean="0"/>
+              <a:t>Diferenças</a:t>
+            </a:r>
+            <a:r>
+              <a:rPr lang="en-US" dirty="0" smtClean="0"/>
+              <a:t> entre C e Assembly</a:t>
             </a:r>
             <a:endParaRPr lang="en-US" dirty="0"/>
           </a:p>
@@ -11127,7 +12591,7 @@
     </p:spTree>
     <p:extLst>
       <p:ext uri="{BB962C8B-B14F-4D97-AF65-F5344CB8AC3E}">
-        <p14:creationId xmlns:p14="http://schemas.microsoft.com/office/powerpoint/2010/main" val="3058117082"/>
+        <p14:creationId xmlns:p14="http://schemas.microsoft.com/office/powerpoint/2010/main" val="1423007762"/>
       </p:ext>
     </p:extLst>
   </p:cSld>
@@ -11163,7 +12627,64 @@
       </p:grpSpPr>
       <p:sp>
         <p:nvSpPr>
-          <p:cNvPr id="4" name="Title 3"/>
+          <p:cNvPr id="2" name="Content Placeholder 1"/>
+          <p:cNvSpPr>
+            <a:spLocks noGrp="1"/>
+          </p:cNvSpPr>
+          <p:nvPr>
+            <p:ph idx="1"/>
+          </p:nvPr>
+        </p:nvSpPr>
+        <p:spPr/>
+        <p:txBody>
+          <a:bodyPr/>
+          <a:lstStyle/>
+          <a:p>
+            <a:r>
+              <a:rPr lang="pt-BR" dirty="0"/>
+              <a:t>Utiliza-se Assembly quando se procura ter mais controle </a:t>
+            </a:r>
+            <a:r>
+              <a:rPr lang="pt-BR" dirty="0" smtClean="0"/>
+              <a:t>sobre desempenho </a:t>
+            </a:r>
+            <a:r>
+              <a:rPr lang="pt-BR" dirty="0"/>
+              <a:t>e alocação de memória</a:t>
+            </a:r>
+          </a:p>
+          <a:p>
+            <a:endParaRPr lang="pt-BR" dirty="0"/>
+          </a:p>
+          <a:p>
+            <a:r>
+              <a:rPr lang="pt-BR" dirty="0"/>
+              <a:t>Também utiliza-se Assembly para </a:t>
+            </a:r>
+            <a:r>
+              <a:rPr lang="pt-BR" dirty="0" smtClean="0"/>
+              <a:t>programação de microcontroladores </a:t>
+            </a:r>
+            <a:r>
+              <a:rPr lang="pt-BR" dirty="0"/>
+              <a:t>em geral</a:t>
+            </a:r>
+          </a:p>
+          <a:p>
+            <a:endParaRPr lang="pt-BR" dirty="0"/>
+          </a:p>
+          <a:p>
+            <a:r>
+              <a:rPr lang="pt-BR" dirty="0"/>
+              <a:t>Utiliza-se C para programas mais complexos</a:t>
+            </a:r>
+            <a:endParaRPr lang="en-US" dirty="0"/>
+          </a:p>
+        </p:txBody>
+      </p:sp>
+      <p:sp>
+        <p:nvSpPr>
+          <p:cNvPr id="3" name="Title 2"/>
           <p:cNvSpPr>
             <a:spLocks noGrp="1"/>
           </p:cNvSpPr>
@@ -11173,43 +12694,15 @@
         </p:nvSpPr>
         <p:spPr/>
         <p:txBody>
-          <a:bodyPr/>
-          <a:lstStyle/>
-          <a:p>
-            <a:r>
-              <a:rPr lang="pt-BR" dirty="0" smtClean="0"/>
-              <a:t>Métodos de </a:t>
-            </a:r>
-            <a:r>
-              <a:rPr lang="pt-BR" dirty="0" err="1" smtClean="0"/>
-              <a:t>interfaceamento</a:t>
-            </a:r>
-            <a:endParaRPr lang="en-US" dirty="0"/>
-          </a:p>
-        </p:txBody>
-      </p:sp>
-      <p:sp>
-        <p:nvSpPr>
-          <p:cNvPr id="5" name="Text Placeholder 4"/>
-          <p:cNvSpPr>
-            <a:spLocks noGrp="1"/>
-          </p:cNvSpPr>
-          <p:nvPr>
-            <p:ph type="body" idx="1"/>
-          </p:nvPr>
-        </p:nvSpPr>
-        <p:spPr>
-          <a:xfrm>
-            <a:off x="722313" y="188640"/>
-            <a:ext cx="6135687" cy="5297761"/>
-          </a:xfrm>
-        </p:spPr>
-        <p:txBody>
           <a:bodyPr>
             <a:normAutofit/>
           </a:bodyPr>
           <a:lstStyle/>
           <a:p>
+            <a:r>
+              <a:rPr lang="pt-BR" dirty="0" smtClean="0"/>
+              <a:t>Quando usar</a:t>
+            </a:r>
             <a:endParaRPr lang="en-US" dirty="0"/>
           </a:p>
         </p:txBody>
@@ -11217,7 +12710,7 @@
     </p:spTree>
     <p:extLst>
       <p:ext uri="{BB962C8B-B14F-4D97-AF65-F5344CB8AC3E}">
-        <p14:creationId xmlns:p14="http://schemas.microsoft.com/office/powerpoint/2010/main" val="3480651843"/>
+        <p14:creationId xmlns:p14="http://schemas.microsoft.com/office/powerpoint/2010/main" val="4188890747"/>
       </p:ext>
     </p:extLst>
   </p:cSld>
@@ -11253,7 +12746,7 @@
       </p:grpSpPr>
       <p:sp>
         <p:nvSpPr>
-          <p:cNvPr id="3" name="Espaço Reservado para Conteúdo 2"/>
+          <p:cNvPr id="2" name="Content Placeholder 1"/>
           <p:cNvSpPr>
             <a:spLocks noGrp="1"/>
           </p:cNvSpPr>
@@ -11261,115 +12754,79 @@
             <p:ph idx="1"/>
           </p:nvPr>
         </p:nvSpPr>
-        <p:spPr>
-          <a:xfrm>
-            <a:off x="457200" y="1412776"/>
-            <a:ext cx="7620000" cy="4988024"/>
-          </a:xfrm>
-        </p:spPr>
+        <p:spPr/>
         <p:txBody>
           <a:bodyPr>
-            <a:normAutofit fontScale="85000" lnSpcReduction="10000"/>
+            <a:normAutofit lnSpcReduction="10000"/>
           </a:bodyPr>
           <a:lstStyle/>
           <a:p>
             <a:r>
-              <a:rPr lang="pt-BR" dirty="0" smtClean="0"/>
-              <a:t>Para chamar do C uma função </a:t>
-            </a:r>
-            <a:r>
-              <a:rPr lang="pt-BR" dirty="0" err="1" smtClean="0"/>
-              <a:t>assembly</a:t>
-            </a:r>
-            <a:r>
-              <a:rPr lang="pt-BR" dirty="0" smtClean="0"/>
-              <a:t> sem parâmetros e sem retorno, basta colocar seu nome no .ASM, em qualquer lugar, como pública:</a:t>
-            </a:r>
-          </a:p>
-          <a:p>
-            <a:pPr lvl="1"/>
-            <a:r>
-              <a:rPr lang="pt-BR" dirty="0" err="1" smtClean="0"/>
-              <a:t>public</a:t>
-            </a:r>
-            <a:r>
-              <a:rPr lang="pt-BR" dirty="0" smtClean="0"/>
-              <a:t> </a:t>
-            </a:r>
-            <a:r>
-              <a:rPr lang="pt-BR" dirty="0" err="1" smtClean="0"/>
-              <a:t>nome_funcao_ASM</a:t>
-            </a:r>
-            <a:endParaRPr lang="pt-BR" dirty="0" smtClean="0"/>
-          </a:p>
-          <a:p>
-            <a:pPr lvl="1"/>
-            <a:endParaRPr lang="pt-BR" dirty="0" smtClean="0"/>
-          </a:p>
-          <a:p>
-            <a:r>
-              <a:rPr lang="pt-BR" dirty="0" smtClean="0"/>
-              <a:t>A chamada em C é a usual: </a:t>
-            </a:r>
-            <a:r>
-              <a:rPr lang="pt-BR" dirty="0" err="1" smtClean="0"/>
-              <a:t>nome_funcao_ASM</a:t>
-            </a:r>
-            <a:r>
-              <a:rPr lang="pt-BR" dirty="0" smtClean="0"/>
-              <a:t>(); e deve-se colocar seu protótipo no início do programa</a:t>
-            </a:r>
-          </a:p>
-          <a:p>
-            <a:endParaRPr lang="pt-BR" dirty="0" smtClean="0"/>
-          </a:p>
-          <a:p>
-            <a:r>
-              <a:rPr lang="pt-BR" dirty="0" smtClean="0"/>
-              <a:t>A maneira mais simples de trocar valores entre eles é usar variáveis globais. Declare-as normalmente em C e no </a:t>
-            </a:r>
-            <a:r>
-              <a:rPr lang="pt-BR" dirty="0" err="1" smtClean="0"/>
-              <a:t>assembly</a:t>
-            </a:r>
-            <a:r>
-              <a:rPr lang="pt-BR" dirty="0" smtClean="0"/>
-              <a:t> as declare como externas:</a:t>
-            </a:r>
-          </a:p>
-          <a:p>
-            <a:pPr lvl="1"/>
-            <a:r>
-              <a:rPr lang="pt-BR" dirty="0" err="1" smtClean="0"/>
-              <a:t>extrn</a:t>
-            </a:r>
-            <a:r>
-              <a:rPr lang="pt-BR" dirty="0" smtClean="0"/>
-              <a:t> data(var1)</a:t>
-            </a:r>
-          </a:p>
-          <a:p>
-            <a:pPr lvl="1"/>
-            <a:r>
-              <a:rPr lang="pt-BR" dirty="0" err="1" smtClean="0"/>
-              <a:t>extrn</a:t>
-            </a:r>
-            <a:r>
-              <a:rPr lang="pt-BR" dirty="0" smtClean="0"/>
-              <a:t> data(var2)</a:t>
-            </a:r>
-          </a:p>
-          <a:p>
-            <a:endParaRPr lang="pt-BR" dirty="0" smtClean="0"/>
+              <a:rPr lang="pt-BR" dirty="0"/>
+              <a:t>Faz-se uma solução híbrida quando deseja-se vantagens </a:t>
+            </a:r>
+            <a:r>
+              <a:rPr lang="pt-BR" dirty="0" smtClean="0"/>
+              <a:t>de ambas </a:t>
+            </a:r>
+            <a:r>
+              <a:rPr lang="pt-BR" dirty="0"/>
+              <a:t>as partes.</a:t>
+            </a:r>
           </a:p>
           <a:p>
             <a:endParaRPr lang="pt-BR" dirty="0"/>
           </a:p>
-        </p:txBody>
-      </p:sp>
-      <p:sp>
-        <p:nvSpPr>
-          <p:cNvPr id="2" name="Título 1"/>
+          <a:p>
+            <a:r>
+              <a:rPr lang="pt-BR" dirty="0"/>
+              <a:t>Programas complexos que necessitam uma alocação </a:t>
+            </a:r>
+            <a:r>
+              <a:rPr lang="pt-BR" dirty="0" smtClean="0"/>
+              <a:t>de memória </a:t>
+            </a:r>
+            <a:r>
+              <a:rPr lang="pt-BR" dirty="0"/>
+              <a:t>bastante controlada: Linguagem C com chamada </a:t>
+            </a:r>
+            <a:r>
+              <a:rPr lang="pt-BR" dirty="0" smtClean="0"/>
+              <a:t>em Assembly</a:t>
+            </a:r>
+            <a:endParaRPr lang="pt-BR" dirty="0"/>
+          </a:p>
+          <a:p>
+            <a:endParaRPr lang="pt-BR" dirty="0"/>
+          </a:p>
+          <a:p>
+            <a:r>
+              <a:rPr lang="pt-BR" dirty="0"/>
+              <a:t>Programas simples no qual linguagens de baixo nível </a:t>
+            </a:r>
+            <a:r>
+              <a:rPr lang="pt-BR" dirty="0" smtClean="0"/>
+              <a:t>não seriam </a:t>
+            </a:r>
+            <a:r>
+              <a:rPr lang="pt-BR" dirty="0"/>
+              <a:t>capaz de prover determinada rotina: </a:t>
+            </a:r>
+            <a:r>
+              <a:rPr lang="pt-BR" dirty="0" smtClean="0"/>
+              <a:t>Linguagem Assembly </a:t>
+            </a:r>
+            <a:r>
+              <a:rPr lang="pt-BR" dirty="0"/>
+              <a:t>com chamada em C</a:t>
+            </a:r>
+            <a:endParaRPr lang="en-US" dirty="0"/>
+          </a:p>
+        </p:txBody>
+      </p:sp>
+      <p:sp>
+        <p:nvSpPr>
+          <p:cNvPr id="3" name="Title 2"/>
           <p:cNvSpPr>
             <a:spLocks noGrp="1"/>
           </p:cNvSpPr>
@@ -11379,30 +12836,36 @@
         </p:nvSpPr>
         <p:spPr/>
         <p:txBody>
-          <a:bodyPr/>
+          <a:bodyPr>
+            <a:normAutofit/>
+          </a:bodyPr>
           <a:lstStyle/>
           <a:p>
             <a:r>
               <a:rPr lang="pt-BR" dirty="0" smtClean="0"/>
-              <a:t>Chamando </a:t>
-            </a:r>
-            <a:r>
-              <a:rPr lang="pt-BR" dirty="0" err="1" smtClean="0"/>
-              <a:t>Assembly</a:t>
-            </a:r>
-            <a:r>
-              <a:rPr lang="pt-BR" dirty="0" smtClean="0"/>
-              <a:t> em C</a:t>
-            </a:r>
-            <a:endParaRPr lang="pt-BR" dirty="0"/>
+              <a:t>Programas mistos </a:t>
+            </a:r>
+            <a:endParaRPr lang="en-US" dirty="0"/>
           </a:p>
         </p:txBody>
       </p:sp>
     </p:spTree>
+    <p:extLst>
+      <p:ext uri="{BB962C8B-B14F-4D97-AF65-F5344CB8AC3E}">
+        <p14:creationId xmlns:p14="http://schemas.microsoft.com/office/powerpoint/2010/main" val="361056313"/>
+      </p:ext>
+    </p:extLst>
   </p:cSld>
   <p:clrMapOvr>
     <a:masterClrMapping/>
   </p:clrMapOvr>
+  <p:timing>
+    <p:tnLst>
+      <p:par>
+        <p:cTn id="1" dur="indefinite" restart="never" nodeType="tmRoot"/>
+      </p:par>
+    </p:tnLst>
+  </p:timing>
 </p:sld>
 </file>
 
@@ -11425,67 +12888,7 @@
       </p:grpSpPr>
       <p:sp>
         <p:nvSpPr>
-          <p:cNvPr id="3" name="Espaço Reservado para Conteúdo 2"/>
-          <p:cNvSpPr>
-            <a:spLocks noGrp="1"/>
-          </p:cNvSpPr>
-          <p:nvPr>
-            <p:ph idx="1"/>
-          </p:nvPr>
-        </p:nvSpPr>
-        <p:spPr/>
-        <p:txBody>
-          <a:bodyPr/>
-          <a:lstStyle/>
-          <a:p>
-            <a:r>
-              <a:rPr lang="pt-BR" dirty="0" smtClean="0"/>
-              <a:t>Para chamar do </a:t>
-            </a:r>
-            <a:r>
-              <a:rPr lang="pt-BR" dirty="0" err="1" smtClean="0"/>
-              <a:t>assembly</a:t>
-            </a:r>
-            <a:r>
-              <a:rPr lang="pt-BR" dirty="0" smtClean="0"/>
-              <a:t> uma função C sem parâmetros e sem retorno, basta declará-la no .ASM antes como externa e fazer um LCALL normalmente:</a:t>
-            </a:r>
-          </a:p>
-          <a:p>
-            <a:pPr lvl="1"/>
-            <a:r>
-              <a:rPr lang="pt-BR" dirty="0" err="1" smtClean="0"/>
-              <a:t>extrn</a:t>
-            </a:r>
-            <a:r>
-              <a:rPr lang="pt-BR" dirty="0" smtClean="0"/>
-              <a:t> </a:t>
-            </a:r>
-            <a:r>
-              <a:rPr lang="pt-BR" dirty="0" err="1" smtClean="0"/>
-              <a:t>code</a:t>
-            </a:r>
-            <a:r>
-              <a:rPr lang="pt-BR" dirty="0" smtClean="0"/>
-              <a:t>(</a:t>
-            </a:r>
-            <a:r>
-              <a:rPr lang="pt-BR" dirty="0" err="1" smtClean="0"/>
-              <a:t>nome_funcao_C</a:t>
-            </a:r>
-            <a:r>
-              <a:rPr lang="pt-BR" dirty="0" smtClean="0"/>
-              <a:t>)</a:t>
-            </a:r>
-          </a:p>
-          <a:p>
-            <a:endParaRPr lang="pt-BR" dirty="0"/>
-          </a:p>
-        </p:txBody>
-      </p:sp>
-      <p:sp>
-        <p:nvSpPr>
-          <p:cNvPr id="2" name="Título 1"/>
+          <p:cNvPr id="4" name="Title 3"/>
           <p:cNvSpPr>
             <a:spLocks noGrp="1"/>
           </p:cNvSpPr>
@@ -11500,368 +12903,63 @@
           <a:p>
             <a:r>
               <a:rPr lang="pt-BR" dirty="0" smtClean="0"/>
-              <a:t>Chamando C em </a:t>
+              <a:t>Métodos de </a:t>
             </a:r>
             <a:r>
               <a:rPr lang="pt-BR" dirty="0" err="1" smtClean="0"/>
-              <a:t>Assembly</a:t>
-            </a:r>
-            <a:endParaRPr lang="pt-BR" dirty="0"/>
+              <a:t>interfaceamento</a:t>
+            </a:r>
+            <a:endParaRPr lang="en-US" dirty="0"/>
+          </a:p>
+        </p:txBody>
+      </p:sp>
+      <p:sp>
+        <p:nvSpPr>
+          <p:cNvPr id="5" name="Text Placeholder 4"/>
+          <p:cNvSpPr>
+            <a:spLocks noGrp="1"/>
+          </p:cNvSpPr>
+          <p:nvPr>
+            <p:ph type="body" idx="1"/>
+          </p:nvPr>
+        </p:nvSpPr>
+        <p:spPr>
+          <a:xfrm>
+            <a:off x="722313" y="188640"/>
+            <a:ext cx="6135687" cy="5297761"/>
+          </a:xfrm>
+        </p:spPr>
+        <p:txBody>
+          <a:bodyPr>
+            <a:normAutofit/>
+          </a:bodyPr>
+          <a:lstStyle/>
+          <a:p>
+            <a:endParaRPr lang="en-US" dirty="0"/>
           </a:p>
         </p:txBody>
       </p:sp>
     </p:spTree>
+    <p:extLst>
+      <p:ext uri="{BB962C8B-B14F-4D97-AF65-F5344CB8AC3E}">
+        <p14:creationId xmlns:p14="http://schemas.microsoft.com/office/powerpoint/2010/main" val="3480651843"/>
+      </p:ext>
+    </p:extLst>
   </p:cSld>
   <p:clrMapOvr>
     <a:masterClrMapping/>
   </p:clrMapOvr>
+  <p:timing>
+    <p:tnLst>
+      <p:par>
+        <p:cTn id="1" dur="indefinite" restart="never" nodeType="tmRoot"/>
+      </p:par>
+    </p:tnLst>
+  </p:timing>
 </p:sld>
 </file>
 
 <file path=ppt/slides/slide8.xml><?xml version="1.0" encoding="utf-8"?>
-<p:sld xmlns:a="http://schemas.openxmlformats.org/drawingml/2006/main" xmlns:r="http://schemas.openxmlformats.org/officeDocument/2006/relationships" xmlns:p="http://schemas.openxmlformats.org/presentationml/2006/main">
-  <p:cSld>
-    <p:spTree>
-      <p:nvGrpSpPr>
-        <p:cNvPr id="1" name=""/>
-        <p:cNvGrpSpPr/>
-        <p:nvPr/>
-      </p:nvGrpSpPr>
-      <p:grpSpPr>
-        <a:xfrm>
-          <a:off x="0" y="0"/>
-          <a:ext cx="0" cy="0"/>
-          <a:chOff x="0" y="0"/>
-          <a:chExt cx="0" cy="0"/>
-        </a:xfrm>
-      </p:grpSpPr>
-      <p:sp>
-        <p:nvSpPr>
-          <p:cNvPr id="3" name="Espaço Reservado para Conteúdo 2"/>
-          <p:cNvSpPr>
-            <a:spLocks noGrp="1"/>
-          </p:cNvSpPr>
-          <p:nvPr>
-            <p:ph idx="1"/>
-          </p:nvPr>
-        </p:nvSpPr>
-        <p:spPr/>
-        <p:txBody>
-          <a:bodyPr>
-            <a:normAutofit fontScale="62500" lnSpcReduction="20000"/>
-          </a:bodyPr>
-          <a:lstStyle/>
-          <a:p>
-            <a:r>
-              <a:rPr lang="en-US" dirty="0" smtClean="0"/>
-              <a:t>#include &lt;</a:t>
-            </a:r>
-            <a:r>
-              <a:rPr lang="en-US" dirty="0" err="1" smtClean="0"/>
-              <a:t>stdio.h</a:t>
-            </a:r>
-            <a:r>
-              <a:rPr lang="en-US" dirty="0" smtClean="0"/>
-              <a:t>&gt;</a:t>
-            </a:r>
-            <a:endParaRPr lang="pt-BR" dirty="0" smtClean="0"/>
-          </a:p>
-          <a:p>
-            <a:r>
-              <a:rPr lang="pt-BR" dirty="0" err="1" smtClean="0"/>
-              <a:t>extern</a:t>
-            </a:r>
-            <a:r>
-              <a:rPr lang="pt-BR" dirty="0" smtClean="0"/>
-              <a:t> </a:t>
-            </a:r>
-            <a:r>
-              <a:rPr lang="pt-BR" dirty="0" err="1" smtClean="0"/>
-              <a:t>int</a:t>
-            </a:r>
-            <a:r>
-              <a:rPr lang="pt-BR" dirty="0" smtClean="0"/>
-              <a:t> soma(</a:t>
-            </a:r>
-            <a:r>
-              <a:rPr lang="pt-BR" dirty="0" err="1" smtClean="0"/>
-              <a:t>int</a:t>
-            </a:r>
-            <a:r>
-              <a:rPr lang="pt-BR" dirty="0" smtClean="0"/>
-              <a:t> a, </a:t>
-            </a:r>
-            <a:r>
-              <a:rPr lang="pt-BR" dirty="0" err="1" smtClean="0"/>
-              <a:t>int</a:t>
-            </a:r>
-            <a:r>
-              <a:rPr lang="pt-BR" dirty="0" smtClean="0"/>
-              <a:t> b);</a:t>
-            </a:r>
-          </a:p>
-          <a:p>
-            <a:r>
-              <a:rPr lang="pt-BR" dirty="0" smtClean="0"/>
-              <a:t> </a:t>
-            </a:r>
-          </a:p>
-          <a:p>
-            <a:r>
-              <a:rPr lang="pt-BR" dirty="0" err="1" smtClean="0"/>
-              <a:t>int</a:t>
-            </a:r>
-            <a:r>
-              <a:rPr lang="pt-BR" dirty="0" smtClean="0"/>
-              <a:t> </a:t>
-            </a:r>
-            <a:r>
-              <a:rPr lang="pt-BR" dirty="0" err="1" smtClean="0"/>
-              <a:t>main</a:t>
-            </a:r>
-            <a:r>
-              <a:rPr lang="pt-BR" dirty="0" smtClean="0"/>
-              <a:t>(){</a:t>
-            </a:r>
-          </a:p>
-          <a:p>
-            <a:r>
-              <a:rPr lang="pt-BR" dirty="0" smtClean="0"/>
-              <a:t>	</a:t>
-            </a:r>
-            <a:r>
-              <a:rPr lang="pt-BR" dirty="0" err="1" smtClean="0"/>
-              <a:t>int</a:t>
-            </a:r>
-            <a:r>
-              <a:rPr lang="pt-BR" dirty="0" smtClean="0"/>
-              <a:t> x;</a:t>
-            </a:r>
-          </a:p>
-          <a:p>
-            <a:r>
-              <a:rPr lang="pt-BR" dirty="0" smtClean="0"/>
-              <a:t>	x = soma(3,79);</a:t>
-            </a:r>
-          </a:p>
-          <a:p>
-            <a:r>
-              <a:rPr lang="pt-BR" dirty="0" smtClean="0"/>
-              <a:t>	</a:t>
-            </a:r>
-            <a:r>
-              <a:rPr lang="pt-BR" dirty="0" err="1" smtClean="0"/>
-              <a:t>printf</a:t>
-            </a:r>
-            <a:r>
-              <a:rPr lang="pt-BR" dirty="0" smtClean="0"/>
-              <a:t>("o resultado da soma </a:t>
-            </a:r>
-            <a:r>
-              <a:rPr lang="pt-BR" dirty="0" err="1" smtClean="0"/>
-              <a:t>eh</a:t>
-            </a:r>
-            <a:r>
-              <a:rPr lang="pt-BR" dirty="0" smtClean="0"/>
-              <a:t>: %d",x);</a:t>
-            </a:r>
-          </a:p>
-          <a:p>
-            <a:r>
-              <a:rPr lang="pt-BR" dirty="0" smtClean="0"/>
-              <a:t>	</a:t>
-            </a:r>
-            <a:r>
-              <a:rPr lang="pt-BR" dirty="0" err="1" smtClean="0"/>
-              <a:t>return</a:t>
-            </a:r>
-            <a:r>
-              <a:rPr lang="pt-BR" dirty="0" smtClean="0"/>
-              <a:t> 0;</a:t>
-            </a:r>
-          </a:p>
-          <a:p>
-            <a:r>
-              <a:rPr lang="pt-BR" dirty="0" smtClean="0"/>
-              <a:t>}</a:t>
-            </a:r>
-          </a:p>
-          <a:p>
-            <a:endParaRPr lang="pt-BR" dirty="0" smtClean="0"/>
-          </a:p>
-          <a:p>
-            <a:r>
-              <a:rPr lang="pt-BR" dirty="0" smtClean="0"/>
-              <a:t>global soma</a:t>
-            </a:r>
-          </a:p>
-          <a:p>
-            <a:r>
-              <a:rPr lang="pt-BR" dirty="0" smtClean="0"/>
-              <a:t> </a:t>
-            </a:r>
-          </a:p>
-          <a:p>
-            <a:r>
-              <a:rPr lang="pt-BR" dirty="0" smtClean="0"/>
-              <a:t>soma:</a:t>
-            </a:r>
-          </a:p>
-          <a:p>
-            <a:r>
-              <a:rPr lang="pt-BR" dirty="0" smtClean="0"/>
-              <a:t>	</a:t>
-            </a:r>
-            <a:r>
-              <a:rPr lang="en-US" dirty="0" err="1" smtClean="0"/>
-              <a:t>mov</a:t>
-            </a:r>
-            <a:r>
-              <a:rPr lang="en-US" dirty="0" smtClean="0"/>
-              <a:t> </a:t>
-            </a:r>
-            <a:r>
-              <a:rPr lang="en-US" dirty="0" err="1" smtClean="0"/>
-              <a:t>eax</a:t>
-            </a:r>
-            <a:r>
-              <a:rPr lang="en-US" dirty="0" smtClean="0"/>
-              <a:t>,[esp+4]</a:t>
-            </a:r>
-            <a:endParaRPr lang="pt-BR" dirty="0" smtClean="0"/>
-          </a:p>
-          <a:p>
-            <a:r>
-              <a:rPr lang="en-US" dirty="0" smtClean="0"/>
-              <a:t>	</a:t>
-            </a:r>
-            <a:r>
-              <a:rPr lang="en-US" dirty="0" err="1" smtClean="0"/>
-              <a:t>mov</a:t>
-            </a:r>
-            <a:r>
-              <a:rPr lang="en-US" dirty="0" smtClean="0"/>
-              <a:t> </a:t>
-            </a:r>
-            <a:r>
-              <a:rPr lang="en-US" dirty="0" err="1" smtClean="0"/>
-              <a:t>ebx</a:t>
-            </a:r>
-            <a:r>
-              <a:rPr lang="en-US" dirty="0" smtClean="0"/>
-              <a:t>,[esp+8]</a:t>
-            </a:r>
-            <a:endParaRPr lang="pt-BR" dirty="0" smtClean="0"/>
-          </a:p>
-          <a:p>
-            <a:r>
-              <a:rPr lang="en-US" dirty="0" smtClean="0"/>
-              <a:t>	add </a:t>
-            </a:r>
-            <a:r>
-              <a:rPr lang="en-US" dirty="0" err="1" smtClean="0"/>
-              <a:t>eax,ebx</a:t>
-            </a:r>
-            <a:endParaRPr lang="pt-BR" dirty="0" smtClean="0"/>
-          </a:p>
-          <a:p>
-            <a:r>
-              <a:rPr lang="en-US" dirty="0" smtClean="0"/>
-              <a:t>	</a:t>
-            </a:r>
-            <a:r>
-              <a:rPr lang="pt-BR" dirty="0" err="1" smtClean="0"/>
-              <a:t>ret</a:t>
-            </a:r>
-            <a:endParaRPr lang="pt-BR" dirty="0" smtClean="0"/>
-          </a:p>
-          <a:p>
-            <a:endParaRPr lang="pt-BR" dirty="0"/>
-          </a:p>
-        </p:txBody>
-      </p:sp>
-      <p:sp>
-        <p:nvSpPr>
-          <p:cNvPr id="2" name="Título 1"/>
-          <p:cNvSpPr>
-            <a:spLocks noGrp="1"/>
-          </p:cNvSpPr>
-          <p:nvPr>
-            <p:ph type="title"/>
-          </p:nvPr>
-        </p:nvSpPr>
-        <p:spPr>
-          <a:xfrm>
-            <a:off x="457200" y="620688"/>
-            <a:ext cx="7620000" cy="864096"/>
-          </a:xfrm>
-        </p:spPr>
-        <p:txBody>
-          <a:bodyPr>
-            <a:normAutofit fontScale="90000"/>
-          </a:bodyPr>
-          <a:lstStyle/>
-          <a:p>
-            <a:r>
-              <a:rPr lang="en-US" sz="3200" dirty="0" err="1" smtClean="0"/>
-              <a:t>Programa</a:t>
-            </a:r>
-            <a:r>
-              <a:rPr lang="en-US" sz="3200" dirty="0" smtClean="0"/>
-              <a:t> C </a:t>
-            </a:r>
-            <a:r>
-              <a:rPr lang="en-US" sz="3200" dirty="0" err="1" smtClean="0"/>
-              <a:t>chamando</a:t>
-            </a:r>
-            <a:r>
-              <a:rPr lang="en-US" sz="3200" dirty="0" smtClean="0"/>
-              <a:t> </a:t>
-            </a:r>
-            <a:r>
-              <a:rPr lang="en-US" sz="3200" dirty="0" err="1" smtClean="0"/>
-              <a:t>função</a:t>
-            </a:r>
-            <a:r>
-              <a:rPr lang="en-US" sz="3200" dirty="0" smtClean="0"/>
-              <a:t> </a:t>
-            </a:r>
-            <a:r>
-              <a:rPr lang="en-US" sz="3200" dirty="0" err="1" smtClean="0"/>
-              <a:t>em</a:t>
-            </a:r>
-            <a:r>
-              <a:rPr lang="en-US" sz="3200" dirty="0" smtClean="0"/>
-              <a:t> Assembly (No </a:t>
-            </a:r>
-            <a:r>
-              <a:rPr lang="en-US" sz="3200" dirty="0" err="1" smtClean="0"/>
-              <a:t>exemplo</a:t>
-            </a:r>
-            <a:r>
-              <a:rPr lang="en-US" sz="3200" dirty="0" smtClean="0"/>
-              <a:t> IA-32)</a:t>
-            </a:r>
-            <a:r>
-              <a:rPr lang="en-US" sz="4800" dirty="0" smtClean="0"/>
-              <a:t/>
-            </a:r>
-            <a:br>
-              <a:rPr lang="en-US" sz="4800" dirty="0" smtClean="0"/>
-            </a:br>
-            <a:endParaRPr lang="pt-BR" sz="4800" dirty="0"/>
-          </a:p>
-        </p:txBody>
-      </p:sp>
-    </p:spTree>
-  </p:cSld>
-  <p:clrMapOvr>
-    <a:masterClrMapping/>
-  </p:clrMapOvr>
-</p:sld>
-</file>
-
-<file path=ppt/slides/slide9.xml><?xml version="1.0" encoding="utf-8"?>
 <p:sld xmlns:a="http://schemas.openxmlformats.org/drawingml/2006/main" xmlns:r="http://schemas.openxmlformats.org/officeDocument/2006/relationships" xmlns:p="http://schemas.openxmlformats.org/presentationml/2006/main">
   <p:cSld>
     <p:spTree>
@@ -11897,7 +12995,7 @@
         </p:blipFill>
         <p:spPr bwMode="auto">
           <a:xfrm>
-            <a:off x="1403648" y="1490286"/>
+            <a:off x="1979712" y="1268760"/>
             <a:ext cx="5616624" cy="5179074"/>
           </a:xfrm>
           <a:prstGeom prst="rect">
@@ -11930,29 +13028,13 @@
         </p:spPr>
         <p:txBody>
           <a:bodyPr>
-            <a:normAutofit fontScale="90000"/>
+            <a:normAutofit/>
           </a:bodyPr>
           <a:lstStyle/>
           <a:p>
             <a:r>
               <a:rPr lang="pt-BR" dirty="0" smtClean="0"/>
-              <a:t>Forma de se chamar C em </a:t>
-            </a:r>
-            <a:r>
-              <a:rPr lang="pt-BR" dirty="0" err="1" smtClean="0"/>
-              <a:t>assembly</a:t>
-            </a:r>
-            <a:r>
-              <a:rPr lang="pt-BR" dirty="0" smtClean="0"/>
-              <a:t> ou </a:t>
-            </a:r>
-            <a:r>
-              <a:rPr lang="pt-BR" dirty="0" err="1" smtClean="0"/>
-              <a:t>assembly</a:t>
-            </a:r>
-            <a:r>
-              <a:rPr lang="pt-BR" dirty="0" smtClean="0"/>
-              <a:t> em  C</a:t>
+              <a:t>Interface por ligação</a:t>
             </a:r>
             <a:endParaRPr lang="pt-BR" dirty="0"/>
           </a:p>
@@ -11963,6 +13045,122 @@
   <p:clrMapOvr>
     <a:masterClrMapping/>
   </p:clrMapOvr>
+  <p:timing>
+    <p:tnLst>
+      <p:par>
+        <p:cTn id="1" dur="indefinite" restart="never" nodeType="tmRoot"/>
+      </p:par>
+    </p:tnLst>
+  </p:timing>
+</p:sld>
+</file>
+
+<file path=ppt/slides/slide9.xml><?xml version="1.0" encoding="utf-8"?>
+<p:sld xmlns:a="http://schemas.openxmlformats.org/drawingml/2006/main" xmlns:r="http://schemas.openxmlformats.org/officeDocument/2006/relationships" xmlns:p="http://schemas.openxmlformats.org/presentationml/2006/main">
+  <p:cSld>
+    <p:spTree>
+      <p:nvGrpSpPr>
+        <p:cNvPr id="1" name=""/>
+        <p:cNvGrpSpPr/>
+        <p:nvPr/>
+      </p:nvGrpSpPr>
+      <p:grpSpPr>
+        <a:xfrm>
+          <a:off x="0" y="0"/>
+          <a:ext cx="0" cy="0"/>
+          <a:chOff x="0" y="0"/>
+          <a:chExt cx="0" cy="0"/>
+        </a:xfrm>
+      </p:grpSpPr>
+      <p:sp>
+        <p:nvSpPr>
+          <p:cNvPr id="3" name="Espaço Reservado para Conteúdo 2"/>
+          <p:cNvSpPr>
+            <a:spLocks noGrp="1"/>
+          </p:cNvSpPr>
+          <p:nvPr>
+            <p:ph idx="1"/>
+          </p:nvPr>
+        </p:nvSpPr>
+        <p:spPr/>
+        <p:txBody>
+          <a:bodyPr/>
+          <a:lstStyle/>
+          <a:p>
+            <a:r>
+              <a:rPr lang="pt-BR" dirty="0" smtClean="0"/>
+              <a:t>Desta forma é permitido fazer com que haja trocas em qualquer sentido entre os códigos, dado que eles só vão ser conectados e formato “.o”;</a:t>
+            </a:r>
+          </a:p>
+          <a:p>
+            <a:endParaRPr lang="pt-BR" dirty="0" smtClean="0"/>
+          </a:p>
+          <a:p>
+            <a:r>
+              <a:rPr lang="pt-BR" dirty="0" smtClean="0"/>
+              <a:t>Formato “.o” não cria diferenças entre programas desde que não seja em </a:t>
+            </a:r>
+            <a:r>
+              <a:rPr lang="pt-BR" dirty="0" err="1" smtClean="0"/>
+              <a:t>OS’s</a:t>
+            </a:r>
+            <a:r>
+              <a:rPr lang="pt-BR" dirty="0" smtClean="0"/>
+              <a:t> </a:t>
+            </a:r>
+            <a:r>
+              <a:rPr lang="pt-BR" dirty="0" smtClean="0"/>
+              <a:t>diferentes.</a:t>
+            </a:r>
+            <a:endParaRPr lang="pt-BR" dirty="0"/>
+          </a:p>
+        </p:txBody>
+      </p:sp>
+      <p:sp>
+        <p:nvSpPr>
+          <p:cNvPr id="2" name="Título 1"/>
+          <p:cNvSpPr>
+            <a:spLocks noGrp="1"/>
+          </p:cNvSpPr>
+          <p:nvPr>
+            <p:ph type="title"/>
+          </p:nvPr>
+        </p:nvSpPr>
+        <p:spPr/>
+        <p:txBody>
+          <a:bodyPr>
+            <a:normAutofit fontScale="90000"/>
+          </a:bodyPr>
+          <a:lstStyle/>
+          <a:p>
+            <a:r>
+              <a:rPr lang="pt-BR" dirty="0" smtClean="0"/>
+              <a:t>Chamando função em </a:t>
+            </a:r>
+            <a:r>
+              <a:rPr lang="pt-BR" dirty="0"/>
+              <a:t>A</a:t>
+            </a:r>
+            <a:r>
+              <a:rPr lang="pt-BR" dirty="0" smtClean="0"/>
+              <a:t>ssembly a partir do C</a:t>
+            </a:r>
+            <a:endParaRPr lang="pt-BR" dirty="0"/>
+          </a:p>
+        </p:txBody>
+      </p:sp>
+    </p:spTree>
+  </p:cSld>
+  <p:clrMapOvr>
+    <a:masterClrMapping/>
+  </p:clrMapOvr>
+  <p:timing>
+    <p:tnLst>
+      <p:par>
+        <p:cTn id="1" dur="indefinite" restart="never" nodeType="tmRoot"/>
+      </p:par>
+    </p:tnLst>
+  </p:timing>
 </p:sld>
 </file>
 
